--- a/Assets/Animator Controller/PPT Data/Animator Controller Example.pptx
+++ b/Assets/Animator Controller/PPT Data/Animator Controller Example.pptx
@@ -2,26 +2,21 @@
 <file path=ppt/presentation.xml><?xml version="1.0" encoding="utf-8"?>
 <p:presentation xmlns:a="http://schemas.openxmlformats.org/drawingml/2006/main" xmlns:r="http://schemas.openxmlformats.org/officeDocument/2006/relationships" xmlns:p="http://schemas.openxmlformats.org/presentationml/2006/main" xmlns:p14="http://schemas.microsoft.com/office/powerpoint/2010/main" saveSubsetFonts="1" firstSlideNum="0">
   <p:sldMasterIdLst>
-    <p:sldMasterId id="2147486297" r:id="rId12"/>
+    <p:sldMasterId id="2147486310" r:id="rId12"/>
   </p:sldMasterIdLst>
   <p:notesMasterIdLst>
     <p:notesMasterId r:id="rId14"/>
   </p:notesMasterIdLst>
   <p:sldIdLst>
-    <p:sldId id="294" r:id="rId16"/>
-    <p:sldId id="295" r:id="rId17"/>
-    <p:sldId id="296" r:id="rId19"/>
-    <p:sldId id="316" r:id="rId21"/>
-    <p:sldId id="291" r:id="rId23"/>
-    <p:sldId id="297" r:id="rId25"/>
-    <p:sldId id="298" r:id="rId27"/>
-    <p:sldId id="300" r:id="rId29"/>
-    <p:sldId id="301" r:id="rId31"/>
-    <p:sldId id="302" r:id="rId33"/>
-    <p:sldId id="292" r:id="rId35"/>
-    <p:sldId id="303" r:id="rId37"/>
-    <p:sldId id="304" r:id="rId39"/>
-    <p:sldId id="317" r:id="rId41"/>
+    <p:sldId id="296" r:id="rId16"/>
+    <p:sldId id="318" r:id="rId17"/>
+    <p:sldId id="316" r:id="rId18"/>
+    <p:sldId id="297" r:id="rId19"/>
+    <p:sldId id="302" r:id="rId20"/>
+    <p:sldId id="292" r:id="rId22"/>
+    <p:sldId id="303" r:id="rId24"/>
+    <p:sldId id="304" r:id="rId26"/>
+    <p:sldId id="317" r:id="rId28"/>
   </p:sldIdLst>
   <p:sldSz cx="12192000" cy="6858000"/>
   <p:notesSz cx="6858000" cy="9144000"/>
@@ -622,716 +617,6 @@
 </p:notes>
 </file>
 
-<file path=ppt/notesSlides/notesSlide10.xml><?xml version="1.0" encoding="utf-8"?>
-<p:notes xmlns:a="http://schemas.openxmlformats.org/drawingml/2006/main" xmlns:r="http://schemas.openxmlformats.org/officeDocument/2006/relationships" xmlns:p="http://schemas.openxmlformats.org/presentationml/2006/main">
-  <p:cSld>
-    <p:spTree>
-      <p:nvGrpSpPr>
-        <p:cNvPr id="1" name=""/>
-        <p:cNvGrpSpPr/>
-        <p:nvPr/>
-      </p:nvGrpSpPr>
-      <p:grpSpPr>
-        <a:xfrm>
-          <a:off x="0" y="0"/>
-          <a:ext cx="0" cy="0"/>
-          <a:chOff x="0" y="0"/>
-          <a:chExt cx="0" cy="0"/>
-        </a:xfrm>
-      </p:grpSpPr>
-      <p:sp>
-        <p:nvSpPr>
-          <p:cNvPr id="2" name="슬라이드 이미지 개체 틀 3"/>
-          <p:cNvSpPr>
-            <a:spLocks noChangeAspect="1"/>
-          </p:cNvSpPr>
-          <p:nvPr>
-            <p:ph type="sldImg" idx="2"/>
-          </p:nvPr>
-        </p:nvSpPr>
-        <p:spPr>
-          <a:xfrm rot="0">
-            <a:off x="685800" y="1143000"/>
-            <a:ext cx="5490845" cy="3090545"/>
-          </a:xfrm>
-          <a:prstGeom prst="rect"/>
-          <a:noFill/>
-          <a:ln w="12700" cap="flat" cmpd="sng">
-            <a:solidFill>
-              <a:srgbClr val="000000">
-                <a:alpha val="100000"/>
-              </a:srgbClr>
-            </a:solidFill>
-            <a:prstDash val="solid"/>
-          </a:ln>
-        </p:spPr>
-        <p:txBody>
-          <a:bodyPr wrap="square" lIns="91440" tIns="45720" rIns="91440" bIns="45720" numCol="1" vert="horz" anchor="ctr">
-            <a:noAutofit/>
-          </a:bodyPr>
-          <a:lstStyle/>
-          <a:p>
-            <a:pPr marL="0" indent="0" latinLnBrk="0">
-              <a:buFontTx/>
-              <a:buNone/>
-            </a:pPr>
-          </a:p>
-        </p:txBody>
-      </p:sp>
-      <p:sp>
-        <p:nvSpPr>
-          <p:cNvPr id="3" name="슬라이드 노트 개체 틀 4"/>
-          <p:cNvSpPr txBox="1">
-            <a:spLocks/>
-          </p:cNvSpPr>
-          <p:nvPr>
-            <p:ph type="body" idx="3"/>
-          </p:nvPr>
-        </p:nvSpPr>
-        <p:spPr>
-          <a:xfrm rot="0">
-            <a:off x="685800" y="4400550"/>
-            <a:ext cx="5490845" cy="3604895"/>
-          </a:xfrm>
-          <a:prstGeom prst="rect"/>
-        </p:spPr>
-        <p:txBody>
-          <a:bodyPr wrap="square" lIns="91440" tIns="45720" rIns="91440" bIns="45720" numCol="1" vert="horz" anchor="t">
-            <a:noAutofit/>
-          </a:bodyPr>
-          <a:lstStyle/>
-          <a:p>
-            <a:pPr marL="0" indent="0" latinLnBrk="0">
-              <a:buFontTx/>
-              <a:buNone/>
-            </a:pPr>
-          </a:p>
-        </p:txBody>
-      </p:sp>
-      <p:sp>
-        <p:nvSpPr>
-          <p:cNvPr id="4" name="슬라이드 번호 개체 틀 6"/>
-          <p:cNvSpPr txBox="1">
-            <a:spLocks/>
-          </p:cNvSpPr>
-          <p:nvPr>
-            <p:ph type="sldNum" idx="5"/>
-          </p:nvPr>
-        </p:nvSpPr>
-        <p:spPr>
-          <a:xfrm rot="0">
-            <a:off x="3884930" y="8685530"/>
-            <a:ext cx="2976245" cy="462915"/>
-          </a:xfrm>
-          <a:prstGeom prst="rect"/>
-        </p:spPr>
-        <p:txBody>
-          <a:bodyPr wrap="square" lIns="91440" tIns="45720" rIns="91440" bIns="45720" numCol="1" vert="horz" anchor="b">
-            <a:noAutofit/>
-          </a:bodyPr>
-          <a:lstStyle>
-            <a:lvl1pPr marL="0" indent="0" algn="r" latinLnBrk="0">
-              <a:buFontTx/>
-              <a:buNone/>
-              <a:defRPr lang="en-GB" altLang="en-US" sz="1200"/>
-            </a:lvl1pPr>
-          </a:lstStyle>
-          <a:p>
-            <a:pPr marL="0" indent="0" latinLnBrk="0">
-              <a:buFontTx/>
-              <a:buNone/>
-            </a:pPr>
-            <a:fld id="{B9320F77-B9A0-41C5-862A-B4B631284C64}" type="slidenum">
-              <a:rPr lang="ko-KR" altLang="en-US"/>
-              <a:t>‹#›</a:t>
-            </a:fld>
-          </a:p>
-        </p:txBody>
-      </p:sp>
-    </p:spTree>
-  </p:cSld>
-  <p:clrMapOvr>
-    <a:masterClrMapping/>
-  </p:clrMapOvr>
-  <mc:AlternateContent xmlns:mc="http://schemas.openxmlformats.org/markup-compatibility/2006">
-    <mc:Choice xmlns:p14="http://schemas.microsoft.com/office/powerpoint/2010/main" Requires="p14">
-      <p:transition spd="slow" p14:dur="0"/>
-    </mc:Choice>
-    <mc:Fallback>
-      <p:transition spd="slow"/>
-    </mc:Fallback>
-  </mc:AlternateContent>
-</p:notes>
-</file>
-
-<file path=ppt/notesSlides/notesSlide11.xml><?xml version="1.0" encoding="utf-8"?>
-<p:notes xmlns:a="http://schemas.openxmlformats.org/drawingml/2006/main" xmlns:r="http://schemas.openxmlformats.org/officeDocument/2006/relationships" xmlns:p="http://schemas.openxmlformats.org/presentationml/2006/main">
-  <p:cSld>
-    <p:spTree>
-      <p:nvGrpSpPr>
-        <p:cNvPr id="1" name=""/>
-        <p:cNvGrpSpPr/>
-        <p:nvPr/>
-      </p:nvGrpSpPr>
-      <p:grpSpPr>
-        <a:xfrm>
-          <a:off x="0" y="0"/>
-          <a:ext cx="0" cy="0"/>
-          <a:chOff x="0" y="0"/>
-          <a:chExt cx="0" cy="0"/>
-        </a:xfrm>
-      </p:grpSpPr>
-      <p:sp>
-        <p:nvSpPr>
-          <p:cNvPr id="2" name="슬라이드 이미지 개체 틀 3"/>
-          <p:cNvSpPr>
-            <a:spLocks noChangeAspect="1"/>
-          </p:cNvSpPr>
-          <p:nvPr>
-            <p:ph type="sldImg" idx="2"/>
-          </p:nvPr>
-        </p:nvSpPr>
-        <p:spPr>
-          <a:xfrm rot="0">
-            <a:off x="685800" y="1143000"/>
-            <a:ext cx="5490210" cy="3089910"/>
-          </a:xfrm>
-          <a:prstGeom prst="rect"/>
-          <a:noFill/>
-          <a:ln w="12700" cap="flat" cmpd="sng">
-            <a:solidFill>
-              <a:srgbClr val="000000">
-                <a:alpha val="100000"/>
-              </a:srgbClr>
-            </a:solidFill>
-            <a:prstDash val="solid"/>
-          </a:ln>
-        </p:spPr>
-        <p:txBody>
-          <a:bodyPr wrap="square" lIns="91440" tIns="45720" rIns="91440" bIns="45720" numCol="1" vert="horz" anchor="ctr">
-            <a:noAutofit/>
-          </a:bodyPr>
-          <a:lstStyle/>
-          <a:p>
-            <a:pPr marL="0" indent="0" latinLnBrk="0">
-              <a:buFontTx/>
-              <a:buNone/>
-            </a:pPr>
-          </a:p>
-        </p:txBody>
-      </p:sp>
-      <p:sp>
-        <p:nvSpPr>
-          <p:cNvPr id="3" name="슬라이드 노트 개체 틀 4"/>
-          <p:cNvSpPr txBox="1">
-            <a:spLocks/>
-          </p:cNvSpPr>
-          <p:nvPr>
-            <p:ph type="body" idx="3"/>
-          </p:nvPr>
-        </p:nvSpPr>
-        <p:spPr>
-          <a:xfrm rot="0">
-            <a:off x="685800" y="4400550"/>
-            <a:ext cx="5490210" cy="3604260"/>
-          </a:xfrm>
-          <a:prstGeom prst="rect"/>
-        </p:spPr>
-        <p:txBody>
-          <a:bodyPr wrap="square" lIns="91440" tIns="45720" rIns="91440" bIns="45720" numCol="1" vert="horz" anchor="t">
-            <a:noAutofit/>
-          </a:bodyPr>
-          <a:lstStyle/>
-          <a:p>
-            <a:pPr marL="0" indent="0" latinLnBrk="0">
-              <a:buFontTx/>
-              <a:buNone/>
-            </a:pPr>
-          </a:p>
-        </p:txBody>
-      </p:sp>
-      <p:sp>
-        <p:nvSpPr>
-          <p:cNvPr id="4" name="슬라이드 번호 개체 틀 6"/>
-          <p:cNvSpPr txBox="1">
-            <a:spLocks/>
-          </p:cNvSpPr>
-          <p:nvPr>
-            <p:ph type="sldNum" idx="5"/>
-          </p:nvPr>
-        </p:nvSpPr>
-        <p:spPr>
-          <a:xfrm rot="0">
-            <a:off x="3884930" y="8685530"/>
-            <a:ext cx="2975610" cy="462280"/>
-          </a:xfrm>
-          <a:prstGeom prst="rect"/>
-        </p:spPr>
-        <p:txBody>
-          <a:bodyPr wrap="square" lIns="91440" tIns="45720" rIns="91440" bIns="45720" numCol="1" vert="horz" anchor="b">
-            <a:noAutofit/>
-          </a:bodyPr>
-          <a:lstStyle>
-            <a:lvl1pPr marL="0" indent="0" algn="r" latinLnBrk="0">
-              <a:buFontTx/>
-              <a:buNone/>
-              <a:defRPr lang="en-GB" altLang="en-US" sz="1200"/>
-            </a:lvl1pPr>
-          </a:lstStyle>
-          <a:p>
-            <a:pPr marL="0" indent="0" latinLnBrk="0">
-              <a:buFontTx/>
-              <a:buNone/>
-            </a:pPr>
-            <a:fld id="{B9320F77-B9A0-41C5-862A-B4B631284C64}" type="slidenum">
-              <a:rPr lang="ko-KR" altLang="en-US"/>
-              <a:t>‹#›</a:t>
-            </a:fld>
-          </a:p>
-        </p:txBody>
-      </p:sp>
-    </p:spTree>
-  </p:cSld>
-  <p:clrMapOvr>
-    <a:masterClrMapping/>
-  </p:clrMapOvr>
-  <mc:AlternateContent xmlns:mc="http://schemas.openxmlformats.org/markup-compatibility/2006">
-    <mc:Choice xmlns:p14="http://schemas.microsoft.com/office/powerpoint/2010/main" Requires="p14">
-      <p:transition spd="slow" p14:dur="0"/>
-    </mc:Choice>
-    <mc:Fallback>
-      <p:transition spd="slow"/>
-    </mc:Fallback>
-  </mc:AlternateContent>
-</p:notes>
-</file>
-
-<file path=ppt/notesSlides/notesSlide12.xml><?xml version="1.0" encoding="utf-8"?>
-<p:notes xmlns:a="http://schemas.openxmlformats.org/drawingml/2006/main" xmlns:r="http://schemas.openxmlformats.org/officeDocument/2006/relationships" xmlns:p="http://schemas.openxmlformats.org/presentationml/2006/main">
-  <p:cSld>
-    <p:spTree>
-      <p:nvGrpSpPr>
-        <p:cNvPr id="1" name=""/>
-        <p:cNvGrpSpPr/>
-        <p:nvPr/>
-      </p:nvGrpSpPr>
-      <p:grpSpPr>
-        <a:xfrm>
-          <a:off x="0" y="0"/>
-          <a:ext cx="0" cy="0"/>
-          <a:chOff x="0" y="0"/>
-          <a:chExt cx="0" cy="0"/>
-        </a:xfrm>
-      </p:grpSpPr>
-      <p:sp>
-        <p:nvSpPr>
-          <p:cNvPr id="2" name="슬라이드 이미지 개체 틀 3"/>
-          <p:cNvSpPr>
-            <a:spLocks noChangeAspect="1"/>
-          </p:cNvSpPr>
-          <p:nvPr>
-            <p:ph type="sldImg" idx="2"/>
-          </p:nvPr>
-        </p:nvSpPr>
-        <p:spPr>
-          <a:xfrm rot="0">
-            <a:off x="685800" y="1143000"/>
-            <a:ext cx="5490845" cy="3090545"/>
-          </a:xfrm>
-          <a:prstGeom prst="rect"/>
-          <a:noFill/>
-          <a:ln w="12700" cap="flat" cmpd="sng">
-            <a:solidFill>
-              <a:srgbClr val="000000">
-                <a:alpha val="100000"/>
-              </a:srgbClr>
-            </a:solidFill>
-            <a:prstDash val="solid"/>
-          </a:ln>
-        </p:spPr>
-        <p:txBody>
-          <a:bodyPr wrap="square" lIns="91440" tIns="45720" rIns="91440" bIns="45720" numCol="1" vert="horz" anchor="ctr">
-            <a:noAutofit/>
-          </a:bodyPr>
-          <a:lstStyle/>
-          <a:p>
-            <a:pPr marL="0" indent="0" latinLnBrk="0">
-              <a:buFontTx/>
-              <a:buNone/>
-            </a:pPr>
-          </a:p>
-        </p:txBody>
-      </p:sp>
-      <p:sp>
-        <p:nvSpPr>
-          <p:cNvPr id="3" name="슬라이드 노트 개체 틀 4"/>
-          <p:cNvSpPr txBox="1">
-            <a:spLocks/>
-          </p:cNvSpPr>
-          <p:nvPr>
-            <p:ph type="body" idx="3"/>
-          </p:nvPr>
-        </p:nvSpPr>
-        <p:spPr>
-          <a:xfrm rot="0">
-            <a:off x="685800" y="4400550"/>
-            <a:ext cx="5490845" cy="3604895"/>
-          </a:xfrm>
-          <a:prstGeom prst="rect"/>
-        </p:spPr>
-        <p:txBody>
-          <a:bodyPr wrap="square" lIns="91440" tIns="45720" rIns="91440" bIns="45720" numCol="1" vert="horz" anchor="t">
-            <a:noAutofit/>
-          </a:bodyPr>
-          <a:lstStyle/>
-          <a:p>
-            <a:pPr marL="0" indent="0" latinLnBrk="0">
-              <a:buFontTx/>
-              <a:buNone/>
-            </a:pPr>
-          </a:p>
-        </p:txBody>
-      </p:sp>
-      <p:sp>
-        <p:nvSpPr>
-          <p:cNvPr id="4" name="슬라이드 번호 개체 틀 6"/>
-          <p:cNvSpPr txBox="1">
-            <a:spLocks/>
-          </p:cNvSpPr>
-          <p:nvPr>
-            <p:ph type="sldNum" idx="5"/>
-          </p:nvPr>
-        </p:nvSpPr>
-        <p:spPr>
-          <a:xfrm rot="0">
-            <a:off x="3884930" y="8685530"/>
-            <a:ext cx="2976245" cy="462915"/>
-          </a:xfrm>
-          <a:prstGeom prst="rect"/>
-        </p:spPr>
-        <p:txBody>
-          <a:bodyPr wrap="square" lIns="91440" tIns="45720" rIns="91440" bIns="45720" numCol="1" vert="horz" anchor="b">
-            <a:noAutofit/>
-          </a:bodyPr>
-          <a:lstStyle>
-            <a:lvl1pPr marL="0" indent="0" algn="r" latinLnBrk="0">
-              <a:buFontTx/>
-              <a:buNone/>
-              <a:defRPr lang="en-GB" altLang="en-US" sz="1200"/>
-            </a:lvl1pPr>
-          </a:lstStyle>
-          <a:p>
-            <a:pPr marL="0" indent="0" latinLnBrk="0">
-              <a:buFontTx/>
-              <a:buNone/>
-            </a:pPr>
-            <a:fld id="{B9320F77-B9A0-41C5-862A-B4B631284C64}" type="slidenum">
-              <a:rPr lang="ko-KR" altLang="en-US"/>
-              <a:t>‹#›</a:t>
-            </a:fld>
-          </a:p>
-        </p:txBody>
-      </p:sp>
-    </p:spTree>
-  </p:cSld>
-  <p:clrMapOvr>
-    <a:masterClrMapping/>
-  </p:clrMapOvr>
-  <mc:AlternateContent xmlns:mc="http://schemas.openxmlformats.org/markup-compatibility/2006">
-    <mc:Choice xmlns:p14="http://schemas.microsoft.com/office/powerpoint/2010/main" Requires="p14">
-      <p:transition spd="slow" p14:dur="0"/>
-    </mc:Choice>
-    <mc:Fallback>
-      <p:transition spd="slow"/>
-    </mc:Fallback>
-  </mc:AlternateContent>
-</p:notes>
-</file>
-
-<file path=ppt/notesSlides/notesSlide13.xml><?xml version="1.0" encoding="utf-8"?>
-<p:notes xmlns:a="http://schemas.openxmlformats.org/drawingml/2006/main" xmlns:r="http://schemas.openxmlformats.org/officeDocument/2006/relationships" xmlns:p="http://schemas.openxmlformats.org/presentationml/2006/main">
-  <p:cSld>
-    <p:spTree>
-      <p:nvGrpSpPr>
-        <p:cNvPr id="1" name=""/>
-        <p:cNvGrpSpPr/>
-        <p:nvPr/>
-      </p:nvGrpSpPr>
-      <p:grpSpPr>
-        <a:xfrm>
-          <a:off x="0" y="0"/>
-          <a:ext cx="0" cy="0"/>
-          <a:chOff x="0" y="0"/>
-          <a:chExt cx="0" cy="0"/>
-        </a:xfrm>
-      </p:grpSpPr>
-      <p:sp>
-        <p:nvSpPr>
-          <p:cNvPr id="2" name="슬라이드 이미지 개체 틀 3"/>
-          <p:cNvSpPr>
-            <a:spLocks noChangeAspect="1"/>
-          </p:cNvSpPr>
-          <p:nvPr>
-            <p:ph type="sldImg" idx="2"/>
-          </p:nvPr>
-        </p:nvSpPr>
-        <p:spPr>
-          <a:xfrm rot="0">
-            <a:off x="685800" y="1143000"/>
-            <a:ext cx="5490845" cy="3090545"/>
-          </a:xfrm>
-          <a:prstGeom prst="rect"/>
-          <a:noFill/>
-          <a:ln w="12700" cap="flat" cmpd="sng">
-            <a:solidFill>
-              <a:srgbClr val="000000">
-                <a:alpha val="100000"/>
-              </a:srgbClr>
-            </a:solidFill>
-            <a:prstDash val="solid"/>
-          </a:ln>
-        </p:spPr>
-        <p:txBody>
-          <a:bodyPr wrap="square" lIns="91440" tIns="45720" rIns="91440" bIns="45720" numCol="1" vert="horz" anchor="ctr">
-            <a:noAutofit/>
-          </a:bodyPr>
-          <a:lstStyle/>
-          <a:p>
-            <a:pPr marL="0" indent="0" latinLnBrk="0">
-              <a:buFontTx/>
-              <a:buNone/>
-            </a:pPr>
-          </a:p>
-        </p:txBody>
-      </p:sp>
-      <p:sp>
-        <p:nvSpPr>
-          <p:cNvPr id="3" name="슬라이드 노트 개체 틀 4"/>
-          <p:cNvSpPr txBox="1">
-            <a:spLocks/>
-          </p:cNvSpPr>
-          <p:nvPr>
-            <p:ph type="body" idx="3"/>
-          </p:nvPr>
-        </p:nvSpPr>
-        <p:spPr>
-          <a:xfrm rot="0">
-            <a:off x="685800" y="4400550"/>
-            <a:ext cx="5490845" cy="3604895"/>
-          </a:xfrm>
-          <a:prstGeom prst="rect"/>
-        </p:spPr>
-        <p:txBody>
-          <a:bodyPr wrap="square" lIns="91440" tIns="45720" rIns="91440" bIns="45720" numCol="1" vert="horz" anchor="t">
-            <a:noAutofit/>
-          </a:bodyPr>
-          <a:lstStyle/>
-          <a:p>
-            <a:pPr marL="0" indent="0" latinLnBrk="0">
-              <a:buFontTx/>
-              <a:buNone/>
-            </a:pPr>
-          </a:p>
-        </p:txBody>
-      </p:sp>
-      <p:sp>
-        <p:nvSpPr>
-          <p:cNvPr id="4" name="슬라이드 번호 개체 틀 6"/>
-          <p:cNvSpPr txBox="1">
-            <a:spLocks/>
-          </p:cNvSpPr>
-          <p:nvPr>
-            <p:ph type="sldNum" idx="5"/>
-          </p:nvPr>
-        </p:nvSpPr>
-        <p:spPr>
-          <a:xfrm rot="0">
-            <a:off x="3884930" y="8685530"/>
-            <a:ext cx="2976245" cy="462915"/>
-          </a:xfrm>
-          <a:prstGeom prst="rect"/>
-        </p:spPr>
-        <p:txBody>
-          <a:bodyPr wrap="square" lIns="91440" tIns="45720" rIns="91440" bIns="45720" numCol="1" vert="horz" anchor="b">
-            <a:noAutofit/>
-          </a:bodyPr>
-          <a:lstStyle>
-            <a:lvl1pPr marL="0" indent="0" algn="r" latinLnBrk="0">
-              <a:buFontTx/>
-              <a:buNone/>
-              <a:defRPr lang="en-GB" altLang="en-US" sz="1200"/>
-            </a:lvl1pPr>
-          </a:lstStyle>
-          <a:p>
-            <a:pPr marL="0" indent="0" latinLnBrk="0">
-              <a:buFontTx/>
-              <a:buNone/>
-            </a:pPr>
-            <a:fld id="{B9320F77-B9A0-41C5-862A-B4B631284C64}" type="slidenum">
-              <a:rPr lang="ko-KR" altLang="en-US"/>
-              <a:t>‹#›</a:t>
-            </a:fld>
-          </a:p>
-        </p:txBody>
-      </p:sp>
-    </p:spTree>
-  </p:cSld>
-  <p:clrMapOvr>
-    <a:masterClrMapping/>
-  </p:clrMapOvr>
-  <mc:AlternateContent xmlns:mc="http://schemas.openxmlformats.org/markup-compatibility/2006">
-    <mc:Choice xmlns:p14="http://schemas.microsoft.com/office/powerpoint/2010/main" Requires="p14">
-      <p:transition spd="slow" p14:dur="0"/>
-    </mc:Choice>
-    <mc:Fallback>
-      <p:transition spd="slow"/>
-    </mc:Fallback>
-  </mc:AlternateContent>
-</p:notes>
-</file>
-
-<file path=ppt/notesSlides/notesSlide14.xml><?xml version="1.0" encoding="utf-8"?>
-<p:notes xmlns:a="http://schemas.openxmlformats.org/drawingml/2006/main" xmlns:r="http://schemas.openxmlformats.org/officeDocument/2006/relationships" xmlns:p="http://schemas.openxmlformats.org/presentationml/2006/main">
-  <p:cSld>
-    <p:spTree>
-      <p:nvGrpSpPr>
-        <p:cNvPr id="1" name=""/>
-        <p:cNvGrpSpPr/>
-        <p:nvPr/>
-      </p:nvGrpSpPr>
-      <p:grpSpPr>
-        <a:xfrm>
-          <a:off x="0" y="0"/>
-          <a:ext cx="0" cy="0"/>
-          <a:chOff x="0" y="0"/>
-          <a:chExt cx="0" cy="0"/>
-        </a:xfrm>
-      </p:grpSpPr>
-      <p:sp>
-        <p:nvSpPr>
-          <p:cNvPr id="2" name="슬라이드 이미지 개체 틀 3"/>
-          <p:cNvSpPr>
-            <a:spLocks noChangeAspect="1"/>
-          </p:cNvSpPr>
-          <p:nvPr>
-            <p:ph type="sldImg" idx="2"/>
-          </p:nvPr>
-        </p:nvSpPr>
-        <p:spPr>
-          <a:xfrm rot="0">
-            <a:off x="685800" y="1143000"/>
-            <a:ext cx="5491480" cy="3091180"/>
-          </a:xfrm>
-          <a:prstGeom prst="rect"/>
-          <a:noFill/>
-          <a:ln w="12700" cap="flat" cmpd="sng">
-            <a:solidFill>
-              <a:srgbClr val="000000">
-                <a:alpha val="100000"/>
-              </a:srgbClr>
-            </a:solidFill>
-            <a:prstDash val="solid"/>
-          </a:ln>
-        </p:spPr>
-        <p:txBody>
-          <a:bodyPr wrap="square" lIns="91440" tIns="45720" rIns="91440" bIns="45720" numCol="1" vert="horz" anchor="ctr">
-            <a:noAutofit/>
-          </a:bodyPr>
-          <a:lstStyle/>
-          <a:p>
-            <a:pPr marL="0" indent="0" latinLnBrk="0">
-              <a:buFontTx/>
-              <a:buNone/>
-            </a:pPr>
-          </a:p>
-        </p:txBody>
-      </p:sp>
-      <p:sp>
-        <p:nvSpPr>
-          <p:cNvPr id="3" name="슬라이드 노트 개체 틀 4"/>
-          <p:cNvSpPr txBox="1">
-            <a:spLocks/>
-          </p:cNvSpPr>
-          <p:nvPr>
-            <p:ph type="body" idx="3"/>
-          </p:nvPr>
-        </p:nvSpPr>
-        <p:spPr>
-          <a:xfrm rot="0">
-            <a:off x="685800" y="4400550"/>
-            <a:ext cx="5491480" cy="3605530"/>
-          </a:xfrm>
-          <a:prstGeom prst="rect"/>
-        </p:spPr>
-        <p:txBody>
-          <a:bodyPr wrap="square" lIns="91440" tIns="45720" rIns="91440" bIns="45720" numCol="1" vert="horz" anchor="t">
-            <a:noAutofit/>
-          </a:bodyPr>
-          <a:lstStyle/>
-          <a:p>
-            <a:pPr marL="0" indent="0" latinLnBrk="0">
-              <a:buFontTx/>
-              <a:buNone/>
-            </a:pPr>
-          </a:p>
-        </p:txBody>
-      </p:sp>
-      <p:sp>
-        <p:nvSpPr>
-          <p:cNvPr id="4" name="슬라이드 번호 개체 틀 6"/>
-          <p:cNvSpPr txBox="1">
-            <a:spLocks/>
-          </p:cNvSpPr>
-          <p:nvPr>
-            <p:ph type="sldNum" idx="5"/>
-          </p:nvPr>
-        </p:nvSpPr>
-        <p:spPr>
-          <a:xfrm rot="0">
-            <a:off x="3884930" y="8685530"/>
-            <a:ext cx="2976880" cy="463550"/>
-          </a:xfrm>
-          <a:prstGeom prst="rect"/>
-        </p:spPr>
-        <p:txBody>
-          <a:bodyPr wrap="square" lIns="91440" tIns="45720" rIns="91440" bIns="45720" numCol="1" vert="horz" anchor="b">
-            <a:noAutofit/>
-          </a:bodyPr>
-          <a:lstStyle>
-            <a:lvl1pPr marL="0" indent="0" algn="r" latinLnBrk="0">
-              <a:buFontTx/>
-              <a:buNone/>
-              <a:defRPr lang="en-GB" altLang="en-US" sz="1200"/>
-            </a:lvl1pPr>
-          </a:lstStyle>
-          <a:p>
-            <a:pPr marL="0" indent="0" latinLnBrk="0">
-              <a:buFontTx/>
-              <a:buNone/>
-            </a:pPr>
-            <a:fld id="{B9320F77-B9A0-41C5-862A-B4B631284C64}" type="slidenum">
-              <a:rPr lang="ko-KR" altLang="en-US"/>
-              <a:t>‹#›</a:t>
-            </a:fld>
-          </a:p>
-        </p:txBody>
-      </p:sp>
-    </p:spTree>
-  </p:cSld>
-  <p:clrMapOvr>
-    <a:masterClrMapping/>
-  </p:clrMapOvr>
-  <mc:AlternateContent xmlns:mc="http://schemas.openxmlformats.org/markup-compatibility/2006">
-    <mc:Choice xmlns:p14="http://schemas.microsoft.com/office/powerpoint/2010/main" Requires="p14">
-      <p:transition spd="slow" p14:dur="0"/>
-    </mc:Choice>
-    <mc:Fallback>
-      <p:transition spd="slow"/>
-    </mc:Fallback>
-  </mc:AlternateContent>
-</p:notes>
-</file>
-
 <file path=ppt/notesSlides/notesSlide2.xml><?xml version="1.0" encoding="utf-8"?>
 <p:notes xmlns:a="http://schemas.openxmlformats.org/drawingml/2006/main" xmlns:r="http://schemas.openxmlformats.org/officeDocument/2006/relationships" xmlns:p="http://schemas.openxmlformats.org/presentationml/2006/main">
   <p:cSld>
@@ -1362,7 +647,7 @@
         <p:spPr>
           <a:xfrm rot="0">
             <a:off x="685800" y="1143000"/>
-            <a:ext cx="5490845" cy="3090545"/>
+            <a:ext cx="5491480" cy="3091180"/>
           </a:xfrm>
           <a:prstGeom prst="rect"/>
           <a:noFill/>
@@ -1401,7 +686,7 @@
         <p:spPr>
           <a:xfrm rot="0">
             <a:off x="685800" y="4400550"/>
-            <a:ext cx="5490845" cy="3604895"/>
+            <a:ext cx="5491480" cy="3605530"/>
           </a:xfrm>
           <a:prstGeom prst="rect"/>
         </p:spPr>
@@ -1431,7 +716,7 @@
         <p:spPr>
           <a:xfrm rot="0">
             <a:off x="3884930" y="8685530"/>
-            <a:ext cx="2976245" cy="462915"/>
+            <a:ext cx="2976880" cy="463550"/>
           </a:xfrm>
           <a:prstGeom prst="rect"/>
         </p:spPr>
@@ -1504,7 +789,7 @@
         <p:spPr>
           <a:xfrm rot="0">
             <a:off x="685800" y="1143000"/>
-            <a:ext cx="5490845" cy="3090545"/>
+            <a:ext cx="5491480" cy="3091180"/>
           </a:xfrm>
           <a:prstGeom prst="rect"/>
           <a:noFill/>
@@ -1543,7 +828,7 @@
         <p:spPr>
           <a:xfrm rot="0">
             <a:off x="685800" y="4400550"/>
-            <a:ext cx="5490845" cy="3604895"/>
+            <a:ext cx="5491480" cy="3605530"/>
           </a:xfrm>
           <a:prstGeom prst="rect"/>
         </p:spPr>
@@ -1573,7 +858,7 @@
         <p:spPr>
           <a:xfrm rot="0">
             <a:off x="3884930" y="8685530"/>
-            <a:ext cx="2976245" cy="462915"/>
+            <a:ext cx="2976880" cy="463550"/>
           </a:xfrm>
           <a:prstGeom prst="rect"/>
         </p:spPr>
@@ -1646,7 +931,7 @@
         <p:spPr>
           <a:xfrm rot="0">
             <a:off x="685800" y="1143000"/>
-            <a:ext cx="5491480" cy="3091180"/>
+            <a:ext cx="5490845" cy="3090545"/>
           </a:xfrm>
           <a:prstGeom prst="rect"/>
           <a:noFill/>
@@ -1685,7 +970,7 @@
         <p:spPr>
           <a:xfrm rot="0">
             <a:off x="685800" y="4400550"/>
-            <a:ext cx="5491480" cy="3605530"/>
+            <a:ext cx="5490845" cy="3604895"/>
           </a:xfrm>
           <a:prstGeom prst="rect"/>
         </p:spPr>
@@ -1715,7 +1000,7 @@
         <p:spPr>
           <a:xfrm rot="0">
             <a:off x="3884930" y="8685530"/>
-            <a:ext cx="2976880" cy="463550"/>
+            <a:ext cx="2976245" cy="462915"/>
           </a:xfrm>
           <a:prstGeom prst="rect"/>
         </p:spPr>
@@ -1788,7 +1073,7 @@
         <p:spPr>
           <a:xfrm rot="0">
             <a:off x="685800" y="1143000"/>
-            <a:ext cx="5490210" cy="3089910"/>
+            <a:ext cx="5490845" cy="3090545"/>
           </a:xfrm>
           <a:prstGeom prst="rect"/>
           <a:noFill/>
@@ -1827,7 +1112,7 @@
         <p:spPr>
           <a:xfrm rot="0">
             <a:off x="685800" y="4400550"/>
-            <a:ext cx="5490210" cy="3604260"/>
+            <a:ext cx="5490845" cy="3604895"/>
           </a:xfrm>
           <a:prstGeom prst="rect"/>
         </p:spPr>
@@ -1857,7 +1142,7 @@
         <p:spPr>
           <a:xfrm rot="0">
             <a:off x="3884930" y="8685530"/>
-            <a:ext cx="2975610" cy="462280"/>
+            <a:ext cx="2976245" cy="462915"/>
           </a:xfrm>
           <a:prstGeom prst="rect"/>
         </p:spPr>
@@ -1930,7 +1215,7 @@
         <p:spPr>
           <a:xfrm rot="0">
             <a:off x="685800" y="1143000"/>
-            <a:ext cx="5490845" cy="3090545"/>
+            <a:ext cx="5490210" cy="3089910"/>
           </a:xfrm>
           <a:prstGeom prst="rect"/>
           <a:noFill/>
@@ -1969,7 +1254,7 @@
         <p:spPr>
           <a:xfrm rot="0">
             <a:off x="685800" y="4400550"/>
-            <a:ext cx="5490845" cy="3604895"/>
+            <a:ext cx="5490210" cy="3604260"/>
           </a:xfrm>
           <a:prstGeom prst="rect"/>
         </p:spPr>
@@ -1999,7 +1284,7 @@
         <p:spPr>
           <a:xfrm rot="0">
             <a:off x="3884930" y="8685530"/>
-            <a:ext cx="2976245" cy="462915"/>
+            <a:ext cx="2975610" cy="462280"/>
           </a:xfrm>
           <a:prstGeom prst="rect"/>
         </p:spPr>
@@ -2356,7 +1641,7 @@
         <p:spPr>
           <a:xfrm rot="0">
             <a:off x="685800" y="1143000"/>
-            <a:ext cx="5490845" cy="3090545"/>
+            <a:ext cx="5491480" cy="3091180"/>
           </a:xfrm>
           <a:prstGeom prst="rect"/>
           <a:noFill/>
@@ -2395,7 +1680,7 @@
         <p:spPr>
           <a:xfrm rot="0">
             <a:off x="685800" y="4400550"/>
-            <a:ext cx="5490845" cy="3604895"/>
+            <a:ext cx="5491480" cy="3605530"/>
           </a:xfrm>
           <a:prstGeom prst="rect"/>
         </p:spPr>
@@ -2425,7 +1710,7 @@
         <p:spPr>
           <a:xfrm rot="0">
             <a:off x="3884930" y="8685530"/>
-            <a:ext cx="2976245" cy="462915"/>
+            <a:ext cx="2976880" cy="463550"/>
           </a:xfrm>
           <a:prstGeom prst="rect"/>
         </p:spPr>
@@ -7379,9 +6664,9 @@
           <p:nvPr/>
         </p:nvSpPr>
         <p:spPr>
-          <a:xfrm rot="0">
-            <a:off x="4528820" y="379730"/>
-            <a:ext cx="3143885" cy="554990"/>
+          <a:xfrm>
+            <a:off x="4546600" y="388620"/>
+            <a:ext cx="3126740" cy="478155"/>
           </a:xfrm>
           <a:prstGeom prst="rect"/>
           <a:noFill/>
@@ -7396,82 +6681,52 @@
           </a:bodyPr>
           <a:lstStyle/>
           <a:p>
-            <a:pPr marL="0" indent="0" algn="l" latinLnBrk="0">
-              <a:buFontTx/>
-              <a:buNone/>
-            </a:pPr>
-            <a:r>
-              <a:rPr lang="ko-KR" altLang="en-US" sz="3000" b="1">
+            <a:pPr marL="0" indent="0" algn="ctr" latinLnBrk="0">
+              <a:buFontTx/>
+              <a:buNone/>
+            </a:pPr>
+            <a:r>
+              <a:rPr lang="ko-KR" altLang="en-US" sz="2500" b="1">
                 <a:solidFill>
                   <a:schemeClr val="tx1"/>
                 </a:solidFill>
-                <a:latin typeface="맑은 고딕" charset="0"/>
-                <a:ea typeface="맑은 고딕" charset="0"/>
+                <a:latin typeface="나눔바른고딕" charset="0"/>
+                <a:ea typeface="나눔바른고딕" charset="0"/>
               </a:rPr>
               <a:t>첫</a:t>
             </a:r>
             <a:r>
-              <a:rPr lang="ko-KR" altLang="en-US" sz="3000" b="1">
+              <a:rPr lang="ko-KR" altLang="en-US" sz="2500" b="1">
                 <a:solidFill>
                   <a:schemeClr val="tx1"/>
                 </a:solidFill>
-                <a:latin typeface="맑은 고딕" charset="0"/>
-                <a:ea typeface="맑은 고딕" charset="0"/>
-              </a:rPr>
-              <a:t> </a:t>
-            </a:r>
-            <a:r>
-              <a:rPr lang="ko-KR" altLang="en-US" sz="3000" b="1">
-                <a:solidFill>
-                  <a:schemeClr val="tx1"/>
-                </a:solidFill>
-                <a:latin typeface="맑은 고딕" charset="0"/>
-                <a:ea typeface="맑은 고딕" charset="0"/>
-              </a:rPr>
-              <a:t>번째</a:t>
-            </a:r>
-            <a:r>
-              <a:rPr lang="ko-KR" altLang="en-US" sz="3000" b="1">
-                <a:solidFill>
-                  <a:schemeClr val="tx1"/>
-                </a:solidFill>
-                <a:latin typeface="맑은 고딕" charset="0"/>
-                <a:ea typeface="맑은 고딕" charset="0"/>
-              </a:rPr>
-              <a:t> </a:t>
-            </a:r>
-            <a:r>
-              <a:rPr lang="ko-KR" altLang="en-US" sz="3000" b="1">
-                <a:solidFill>
-                  <a:schemeClr val="tx1"/>
-                </a:solidFill>
-                <a:latin typeface="맑은 고딕" charset="0"/>
-                <a:ea typeface="맑은 고딕" charset="0"/>
-              </a:rPr>
-              <a:t>튜토리얼</a:t>
-            </a:r>
-            <a:endParaRPr lang="ko-KR" altLang="en-US" sz="3000" b="1">
+                <a:latin typeface="나눔바른고딕" charset="0"/>
+                <a:ea typeface="나눔바른고딕" charset="0"/>
+              </a:rPr>
+              <a:t> 번째 튜토리얼</a:t>
+            </a:r>
+            <a:endParaRPr lang="ko-KR" altLang="en-US" sz="2500" b="1">
               <a:solidFill>
                 <a:schemeClr val="tx1"/>
               </a:solidFill>
-              <a:latin typeface="맑은 고딕" charset="0"/>
-              <a:ea typeface="맑은 고딕" charset="0"/>
+              <a:latin typeface="나눔바른고딕" charset="0"/>
+              <a:ea typeface="나눔바른고딕" charset="0"/>
             </a:endParaRPr>
           </a:p>
         </p:txBody>
       </p:sp>
       <p:sp>
         <p:nvSpPr>
-          <p:cNvPr id="1132" name="Rect 0"/>
+          <p:cNvPr id="1159" name="Rect 0"/>
           <p:cNvSpPr txBox="1">
             <a:spLocks/>
           </p:cNvSpPr>
           <p:nvPr/>
         </p:nvSpPr>
         <p:spPr>
-          <a:xfrm>
-            <a:off x="1263650" y="5208905"/>
-            <a:ext cx="4141470" cy="954405"/>
+          <a:xfrm rot="0">
+            <a:off x="6814820" y="3632835"/>
+            <a:ext cx="4168140" cy="677545"/>
           </a:xfrm>
           <a:prstGeom prst="rect"/>
           <a:noFill/>
@@ -7498,49 +6753,59 @@
                 <a:latin typeface="맑은 고딕" charset="0"/>
                 <a:ea typeface="맑은 고딕" charset="0"/>
               </a:rPr>
-              <a:t>1.</a:t>
-            </a:r>
-            <a:r>
-              <a:rPr lang="ko-KR" sz="2000">
+              <a:t>2.</a:t>
+            </a:r>
+            <a:r>
+              <a:rPr lang="ko-KR" sz="2000" b="1">
+                <a:solidFill>
+                  <a:srgbClr val="0611F2"/>
+                </a:solidFill>
                 <a:latin typeface="맑은 고딕" charset="0"/>
                 <a:ea typeface="맑은 고딕" charset="0"/>
               </a:rPr>
               <a:t> </a:t>
             </a:r>
             <a:r>
-              <a:rPr lang="ko-KR" sz="2000">
-                <a:latin typeface="맑은 고딕" charset="0"/>
-                <a:ea typeface="맑은 고딕" charset="0"/>
-              </a:rPr>
-              <a:t>첫 번째로 </a:t>
-            </a:r>
-            <a:r>
-              <a:rPr lang="ko-KR" sz="2000">
-                <a:latin typeface="맑은 고딕" charset="0"/>
-                <a:ea typeface="맑은 고딕" charset="0"/>
-              </a:rPr>
-              <a:t>Google에 </a:t>
-            </a:r>
-            <a:r>
-              <a:rPr lang="ko-KR" sz="1800">
-                <a:latin typeface="맑은 고딕" charset="0"/>
-                <a:ea typeface="맑은 고딕" charset="0"/>
-              </a:rPr>
-              <a:t>mixamo라고 검색한 다음 사이트에 접속하여 Sig</a:t>
-            </a:r>
-            <a:r>
-              <a:rPr lang="ko-KR" sz="1800">
-                <a:latin typeface="맑은 고딕" charset="0"/>
-                <a:ea typeface="맑은 고딕" charset="0"/>
-              </a:rPr>
-              <a:t>n</a:t>
-            </a:r>
-            <a:r>
-              <a:rPr lang="ko-KR" sz="1800">
-                <a:latin typeface="맑은 고딕" charset="0"/>
-                <a:ea typeface="맑은 고딕" charset="0"/>
-              </a:rPr>
-              <a:t> Up for Free를 선택합니다.</a:t>
+              <a:rPr lang="ko-KR" sz="1800">
+                <a:latin typeface="맑은 고딕" charset="0"/>
+                <a:ea typeface="맑은 고딕" charset="0"/>
+              </a:rPr>
+              <a:t>이제 캐릭터의 </a:t>
+            </a:r>
+            <a:r>
+              <a:rPr lang="ko-KR" sz="1800">
+                <a:latin typeface="맑은 고딕" charset="0"/>
+                <a:ea typeface="맑은 고딕" charset="0"/>
+              </a:rPr>
+              <a:t>Textures를</a:t>
+            </a:r>
+            <a:r>
+              <a:rPr lang="ko-KR" sz="1800">
+                <a:latin typeface="맑은 고딕" charset="0"/>
+                <a:ea typeface="맑은 고딕" charset="0"/>
+              </a:rPr>
+              <a:t> 저장하기 </a:t>
+            </a:r>
+            <a:r>
+              <a:rPr lang="ko-KR" sz="1800">
+                <a:latin typeface="맑은 고딕" charset="0"/>
+                <a:ea typeface="맑은 고딕" charset="0"/>
+              </a:rPr>
+              <a:t>위해</a:t>
+            </a:r>
+            <a:r>
+              <a:rPr lang="ko-KR" sz="1800">
+                <a:latin typeface="맑은 고딕" charset="0"/>
+                <a:ea typeface="맑은 고딕" charset="0"/>
+              </a:rPr>
+              <a:t> </a:t>
+            </a:r>
+            <a:r>
+              <a:rPr lang="ko-KR" sz="1800">
+                <a:latin typeface="맑은 고딕" charset="0"/>
+                <a:ea typeface="맑은 고딕" charset="0"/>
+              </a:rPr>
+              <a:t>폴더를 지정한 다음 저장합니다.</a:t>
             </a:r>
             <a:endParaRPr lang="ko-KR" altLang="en-US" sz="1800">
               <a:latin typeface="맑은 고딕" charset="0"/>
@@ -7549,495 +6814,9 @@
           </a:p>
         </p:txBody>
       </p:sp>
-      <p:sp>
-        <p:nvSpPr>
-          <p:cNvPr id="1153" name="Rect 0"/>
-          <p:cNvSpPr txBox="1">
-            <a:spLocks/>
-          </p:cNvSpPr>
-          <p:nvPr/>
-        </p:nvSpPr>
-        <p:spPr>
-          <a:xfrm rot="0">
-            <a:off x="6825615" y="5482590"/>
-            <a:ext cx="4258310" cy="678815"/>
-          </a:xfrm>
-          <a:prstGeom prst="rect"/>
-          <a:noFill/>
-          <a:ln w="0">
-            <a:noFill/>
-            <a:prstDash/>
-          </a:ln>
-        </p:spPr>
-        <p:txBody>
-          <a:bodyPr wrap="square" lIns="89535" tIns="46355" rIns="89535" bIns="46355" numCol="1" vert="horz" anchor="t">
-            <a:spAutoFit/>
-          </a:bodyPr>
-          <a:lstStyle/>
-          <a:p>
-            <a:pPr marL="0" indent="0" algn="l" latinLnBrk="0" hangingPunct="1">
-              <a:buFontTx/>
-              <a:buNone/>
-            </a:pPr>
-            <a:r>
-              <a:rPr lang="ko-KR" sz="2000" b="1">
-                <a:solidFill>
-                  <a:srgbClr val="0611F2"/>
-                </a:solidFill>
-                <a:latin typeface="맑은 고딕" charset="0"/>
-                <a:ea typeface="맑은 고딕" charset="0"/>
-              </a:rPr>
-              <a:t>2. </a:t>
-            </a:r>
-            <a:r>
-              <a:rPr lang="ko-KR" sz="1800">
-                <a:latin typeface="맑은 고딕" charset="0"/>
-                <a:ea typeface="맑은 고딕" charset="0"/>
-              </a:rPr>
-              <a:t>그리고 Google 계정으로 로그인을 시도합니다.</a:t>
-            </a:r>
-            <a:endParaRPr lang="ko-KR" altLang="en-US" sz="1800">
-              <a:latin typeface="맑은 고딕" charset="0"/>
-              <a:ea typeface="맑은 고딕" charset="0"/>
-            </a:endParaRPr>
-          </a:p>
-        </p:txBody>
-      </p:sp>
       <p:pic>
         <p:nvPicPr>
-          <p:cNvPr id="1154" name="그림 51"/>
-          <p:cNvPicPr>
-            <a:picLocks noChangeAspect="1"/>
-          </p:cNvPicPr>
-          <p:nvPr/>
-        </p:nvPicPr>
-        <p:blipFill rotWithShape="1">
-          <a:blip r:embed="rId2" cstate="hqprint">
-            <a:extLst>
-              <a:ext uri="{28A0092B-C50C-407E-A947-70E740481C1C}">
-                <a14:useLocalDpi xmlns:a14="http://schemas.microsoft.com/office/drawing/2010/main"/>
-              </a:ext>
-            </a:extLst>
-          </a:blip>
-          <a:stretch>
-            <a:fillRect/>
-          </a:stretch>
-        </p:blipFill>
-        <p:spPr>
-          <a:xfrm rot="0">
-            <a:off x="1267460" y="1371600"/>
-            <a:ext cx="4137025" cy="3708400"/>
-          </a:xfrm>
-          <a:prstGeom prst="rect"/>
-          <a:noFill/>
-        </p:spPr>
-      </p:pic>
-      <p:pic>
-        <p:nvPicPr>
-          <p:cNvPr id="1155" name="그림 52"/>
-          <p:cNvPicPr>
-            <a:picLocks noChangeAspect="1"/>
-          </p:cNvPicPr>
-          <p:nvPr/>
-        </p:nvPicPr>
-        <p:blipFill rotWithShape="1">
-          <a:blip r:embed="rId3" cstate="hqprint">
-            <a:extLst>
-              <a:ext uri="{28A0092B-C50C-407E-A947-70E740481C1C}">
-                <a14:useLocalDpi xmlns:a14="http://schemas.microsoft.com/office/drawing/2010/main"/>
-              </a:ext>
-            </a:extLst>
-          </a:blip>
-          <a:stretch>
-            <a:fillRect/>
-          </a:stretch>
-        </p:blipFill>
-        <p:spPr>
-          <a:xfrm rot="0">
-            <a:off x="6816725" y="1359535"/>
-            <a:ext cx="4258945" cy="4002405"/>
-          </a:xfrm>
-          <a:prstGeom prst="rect"/>
-          <a:noFill/>
-        </p:spPr>
-      </p:pic>
-      <p:sp>
-        <p:nvSpPr>
-          <p:cNvPr id="1157" name="텍스트 상자 2"/>
-          <p:cNvSpPr txBox="1">
-            <a:spLocks/>
-          </p:cNvSpPr>
-          <p:nvPr/>
-        </p:nvSpPr>
-        <p:spPr>
-          <a:xfrm rot="0">
-            <a:off x="6825615" y="5482590"/>
-            <a:ext cx="4258945" cy="679450"/>
-          </a:xfrm>
-          <a:prstGeom prst="rect"/>
-          <a:noFill/>
-          <a:ln w="0">
-            <a:noFill/>
-            <a:prstDash/>
-          </a:ln>
-        </p:spPr>
-        <p:txBody>
-          <a:bodyPr wrap="square" lIns="89535" tIns="46355" rIns="89535" bIns="46355" numCol="1" vert="horz" anchor="t">
-            <a:spAutoFit/>
-          </a:bodyPr>
-          <a:lstStyle/>
-          <a:p>
-            <a:pPr marL="0" indent="0" algn="l" latinLnBrk="0" hangingPunct="1">
-              <a:buFontTx/>
-              <a:buNone/>
-            </a:pPr>
-            <a:r>
-              <a:rPr lang="ko-KR" sz="2000" b="1">
-                <a:solidFill>
-                  <a:srgbClr val="0611F2"/>
-                </a:solidFill>
-                <a:latin typeface="맑은 고딕" charset="0"/>
-                <a:ea typeface="맑은 고딕" charset="0"/>
-              </a:rPr>
-              <a:t>2. </a:t>
-            </a:r>
-            <a:r>
-              <a:rPr lang="ko-KR" sz="1800">
-                <a:latin typeface="맑은 고딕" charset="0"/>
-                <a:ea typeface="맑은 고딕" charset="0"/>
-              </a:rPr>
-              <a:t>그리고 Google 계정으로 로그인을 시도합니다.</a:t>
-            </a:r>
-            <a:endParaRPr lang="ko-KR" altLang="en-US" sz="1800">
-              <a:latin typeface="맑은 고딕" charset="0"/>
-              <a:ea typeface="맑은 고딕" charset="0"/>
-            </a:endParaRPr>
-          </a:p>
-        </p:txBody>
-      </p:sp>
-      <p:sp>
-        <p:nvSpPr>
-          <p:cNvPr id="1160" name="텍스트 상자 1"/>
-          <p:cNvSpPr txBox="1">
-            <a:spLocks/>
-          </p:cNvSpPr>
-          <p:nvPr/>
-        </p:nvSpPr>
-        <p:spPr>
-          <a:xfrm rot="0">
-            <a:off x="4528820" y="379730"/>
-            <a:ext cx="3144520" cy="554990"/>
-          </a:xfrm>
-          <a:prstGeom prst="rect"/>
-          <a:noFill/>
-          <a:ln w="0">
-            <a:noFill/>
-            <a:prstDash/>
-          </a:ln>
-        </p:spPr>
-        <p:txBody>
-          <a:bodyPr wrap="square" lIns="89535" tIns="46355" rIns="89535" bIns="46355" numCol="1" vert="horz" anchor="t">
-            <a:spAutoFit/>
-          </a:bodyPr>
-          <a:lstStyle/>
-          <a:p>
-            <a:pPr marL="0" indent="0" algn="l" latinLnBrk="0">
-              <a:buFontTx/>
-              <a:buNone/>
-            </a:pPr>
-            <a:r>
-              <a:rPr lang="ko-KR" altLang="en-US" sz="3000" b="1">
-                <a:solidFill>
-                  <a:schemeClr val="tx1"/>
-                </a:solidFill>
-                <a:latin typeface="맑은 고딕" charset="0"/>
-                <a:ea typeface="맑은 고딕" charset="0"/>
-              </a:rPr>
-              <a:t>첫 번째 튜토리얼</a:t>
-            </a:r>
-            <a:endParaRPr lang="ko-KR" altLang="en-US" sz="3000" b="1">
-              <a:solidFill>
-                <a:schemeClr val="tx1"/>
-              </a:solidFill>
-              <a:latin typeface="맑은 고딕" charset="0"/>
-              <a:ea typeface="맑은 고딕" charset="0"/>
-            </a:endParaRPr>
-          </a:p>
-        </p:txBody>
-      </p:sp>
-    </p:spTree>
-  </p:cSld>
-  <p:clrMapOvr>
-    <a:masterClrMapping/>
-  </p:clrMapOvr>
-  <mc:AlternateContent xmlns:mc="http://schemas.openxmlformats.org/markup-compatibility/2006">
-    <mc:Choice xmlns:p14="http://schemas.microsoft.com/office/powerpoint/2010/main" Requires="p14">
-      <p:transition spd="slow" p14:dur="2000"/>
-    </mc:Choice>
-    <mc:Fallback>
-      <p:transition spd="slow"/>
-    </mc:Fallback>
-  </mc:AlternateContent>
-  <p:timing>
-    <p:tnLst>
-      <p:par>
-        <p:cTn id="1" dur="indefinite" restart="never" nodeType="tmRoot"/>
-      </p:par>
-    </p:tnLst>
-  </p:timing>
-</p:sld>
-</file>
-
-<file path=ppt/slides/slide10.xml><?xml version="1.0" encoding="utf-8"?>
-<p:sld xmlns:a="http://schemas.openxmlformats.org/drawingml/2006/main" xmlns:r="http://schemas.openxmlformats.org/officeDocument/2006/relationships" xmlns:p="http://schemas.openxmlformats.org/presentationml/2006/main" xmlns:p14="http://schemas.microsoft.com/office/powerpoint/2010/main">
-  <p:cSld>
-    <p:spTree>
-      <p:nvGrpSpPr>
-        <p:cNvPr id="1" name=""/>
-        <p:cNvGrpSpPr/>
-        <p:nvPr/>
-      </p:nvGrpSpPr>
-      <p:grpSpPr>
-        <a:xfrm>
-          <a:off x="0" y="0"/>
-          <a:ext cx="0" cy="0"/>
-          <a:chOff x="0" y="0"/>
-          <a:chExt cx="0" cy="0"/>
-        </a:xfrm>
-      </p:grpSpPr>
-      <p:sp>
-        <p:nvSpPr>
-          <p:cNvPr id="1154" name="Rect 0"/>
-          <p:cNvSpPr txBox="1">
-            <a:spLocks/>
-          </p:cNvSpPr>
-          <p:nvPr/>
-        </p:nvSpPr>
-        <p:spPr>
-          <a:xfrm rot="0">
-            <a:off x="4497705" y="417195"/>
-            <a:ext cx="3192145" cy="554990"/>
-          </a:xfrm>
-          <a:prstGeom prst="rect"/>
-          <a:noFill/>
-          <a:ln w="0">
-            <a:noFill/>
-            <a:prstDash/>
-          </a:ln>
-        </p:spPr>
-        <p:txBody>
-          <a:bodyPr wrap="square" lIns="89535" tIns="46355" rIns="89535" bIns="46355" numCol="1" vert="horz" anchor="t">
-            <a:spAutoFit/>
-          </a:bodyPr>
-          <a:lstStyle/>
-          <a:p>
-            <a:pPr marL="0" indent="0" algn="l" latinLnBrk="0">
-              <a:buFontTx/>
-              <a:buNone/>
-            </a:pPr>
-            <a:r>
-              <a:rPr lang="ko-KR" altLang="en-US" sz="3000" b="1">
-                <a:solidFill>
-                  <a:schemeClr val="tx1"/>
-                </a:solidFill>
-                <a:latin typeface="맑은 고딕" charset="0"/>
-                <a:ea typeface="맑은 고딕" charset="0"/>
-              </a:rPr>
-              <a:t>열</a:t>
-            </a:r>
-            <a:r>
-              <a:rPr lang="ko-KR" altLang="en-US" sz="3000" b="1">
-                <a:solidFill>
-                  <a:schemeClr val="tx1"/>
-                </a:solidFill>
-                <a:latin typeface="맑은 고딕" charset="0"/>
-                <a:ea typeface="맑은 고딕" charset="0"/>
-              </a:rPr>
-              <a:t> 번째 </a:t>
-            </a:r>
-            <a:r>
-              <a:rPr lang="ko-KR" altLang="en-US" sz="3000" b="1">
-                <a:solidFill>
-                  <a:schemeClr val="tx1"/>
-                </a:solidFill>
-                <a:latin typeface="맑은 고딕" charset="0"/>
-                <a:ea typeface="맑은 고딕" charset="0"/>
-              </a:rPr>
-              <a:t>튜토리얼</a:t>
-            </a:r>
-            <a:endParaRPr lang="ko-KR" altLang="en-US" sz="3000" b="1">
-              <a:solidFill>
-                <a:schemeClr val="tx1"/>
-              </a:solidFill>
-              <a:latin typeface="맑은 고딕" charset="0"/>
-              <a:ea typeface="맑은 고딕" charset="0"/>
-            </a:endParaRPr>
-          </a:p>
-        </p:txBody>
-      </p:sp>
-      <p:sp>
-        <p:nvSpPr>
-          <p:cNvPr id="1157" name="Rect 0"/>
-          <p:cNvSpPr txBox="1">
-            <a:spLocks/>
-          </p:cNvSpPr>
-          <p:nvPr/>
-        </p:nvSpPr>
-        <p:spPr>
-          <a:xfrm rot="0">
-            <a:off x="6814820" y="4220845"/>
-            <a:ext cx="4217670" cy="2061845"/>
-          </a:xfrm>
-          <a:prstGeom prst="rect"/>
-          <a:noFill/>
-          <a:ln w="0">
-            <a:noFill/>
-            <a:prstDash/>
-          </a:ln>
-        </p:spPr>
-        <p:txBody>
-          <a:bodyPr wrap="square" lIns="89535" tIns="46355" rIns="89535" bIns="46355" numCol="1" vert="horz" anchor="t">
-            <a:spAutoFit/>
-          </a:bodyPr>
-          <a:lstStyle/>
-          <a:p>
-            <a:pPr marL="0" indent="0" algn="l" latinLnBrk="0" hangingPunct="1">
-              <a:buFontTx/>
-              <a:buNone/>
-            </a:pPr>
-            <a:r>
-              <a:rPr lang="ko-KR" sz="2000" b="1">
-                <a:solidFill>
-                  <a:srgbClr val="0611F2"/>
-                </a:solidFill>
-                <a:latin typeface="맑은 고딕" charset="0"/>
-                <a:ea typeface="맑은 고딕" charset="0"/>
-              </a:rPr>
-              <a:t>2</a:t>
-            </a:r>
-            <a:r>
-              <a:rPr lang="ko-KR" sz="2000" b="1">
-                <a:solidFill>
-                  <a:srgbClr val="0611F2"/>
-                </a:solidFill>
-                <a:latin typeface="맑은 고딕" charset="0"/>
-                <a:ea typeface="맑은 고딕" charset="0"/>
-              </a:rPr>
-              <a:t>7</a:t>
-            </a:r>
-            <a:r>
-              <a:rPr lang="ko-KR" sz="2000" b="1">
-                <a:solidFill>
-                  <a:srgbClr val="0611F2"/>
-                </a:solidFill>
-                <a:latin typeface="맑은 고딕" charset="0"/>
-                <a:ea typeface="맑은 고딕" charset="0"/>
-              </a:rPr>
-              <a:t>. </a:t>
-            </a:r>
-            <a:r>
-              <a:rPr lang="ko-KR" sz="1800">
-                <a:latin typeface="맑은 고딕" charset="0"/>
-                <a:ea typeface="맑은 고딕" charset="0"/>
-              </a:rPr>
-              <a:t>이제</a:t>
-            </a:r>
-            <a:r>
-              <a:rPr lang="ko-KR" sz="1800">
-                <a:latin typeface="맑은 고딕" charset="0"/>
-                <a:ea typeface="맑은 고딕" charset="0"/>
-              </a:rPr>
-              <a:t> AnimationAction 스크립트</a:t>
-            </a:r>
-            <a:r>
-              <a:rPr lang="ko-KR" sz="1800">
-                <a:latin typeface="맑은 고딕" charset="0"/>
-                <a:ea typeface="맑은 고딕" charset="0"/>
-              </a:rPr>
-              <a:t>에서</a:t>
-            </a:r>
-            <a:r>
-              <a:rPr lang="ko-KR" sz="1800">
-                <a:latin typeface="맑은 고딕" charset="0"/>
-                <a:ea typeface="맑은 고딕" charset="0"/>
-              </a:rPr>
-              <a:t> 애니메이터 변수를 선언합니다.</a:t>
-            </a:r>
-            <a:endParaRPr lang="ko-KR" altLang="en-US" sz="1800">
-              <a:latin typeface="맑은 고딕" charset="0"/>
-              <a:ea typeface="맑은 고딕" charset="0"/>
-            </a:endParaRPr>
-          </a:p>
-          <a:p>
-            <a:pPr marL="0" indent="0" algn="l" latinLnBrk="0" hangingPunct="1">
-              <a:buFontTx/>
-              <a:buNone/>
-            </a:pPr>
-            <a:endParaRPr lang="ko-KR" altLang="en-US" sz="1800">
-              <a:latin typeface="맑은 고딕" charset="0"/>
-              <a:ea typeface="맑은 고딕" charset="0"/>
-            </a:endParaRPr>
-          </a:p>
-          <a:p>
-            <a:pPr marL="0" indent="0" algn="l" latinLnBrk="0" hangingPunct="1">
-              <a:buFontTx/>
-              <a:buNone/>
-            </a:pPr>
-            <a:r>
-              <a:rPr lang="ko-KR" sz="1800">
-                <a:latin typeface="맑은 고딕" charset="0"/>
-                <a:ea typeface="맑은 고딕" charset="0"/>
-              </a:rPr>
-              <a:t>그</a:t>
-            </a:r>
-            <a:r>
-              <a:rPr lang="ko-KR" sz="1800">
-                <a:latin typeface="맑은 고딕" charset="0"/>
-                <a:ea typeface="맑은 고딕" charset="0"/>
-              </a:rPr>
-              <a:t>런 다음 Kick( ) 함수와 Running( ) 함수를 선언하고 애니메이션을 실행시키는 Play( ) 함수를 선언합니다.</a:t>
-            </a:r>
-            <a:endParaRPr lang="ko-KR" altLang="en-US" sz="1800">
-              <a:latin typeface="맑은 고딕" charset="0"/>
-              <a:ea typeface="맑은 고딕" charset="0"/>
-            </a:endParaRPr>
-          </a:p>
-        </p:txBody>
-      </p:sp>
-      <p:pic>
-        <p:nvPicPr>
-          <p:cNvPr id="1165" name="Picture "/>
-          <p:cNvPicPr>
-            <a:picLocks noChangeAspect="1"/>
-          </p:cNvPicPr>
-          <p:nvPr/>
-        </p:nvPicPr>
-        <p:blipFill rotWithShape="1">
-          <a:blip r:embed="rId2" cstate="hqprint">
-            <a:extLst>
-              <a:ext uri="{28A0092B-C50C-407E-A947-70E740481C1C}">
-                <a14:useLocalDpi xmlns:a14="http://schemas.microsoft.com/office/drawing/2010/main"/>
-              </a:ext>
-            </a:extLst>
-          </a:blip>
-          <a:stretch>
-            <a:fillRect/>
-          </a:stretch>
-        </p:blipFill>
-        <p:spPr>
-          <a:xfrm rot="0">
-            <a:off x="6814820" y="1480820"/>
-            <a:ext cx="4205605" cy="2637790"/>
-          </a:xfrm>
-          <a:prstGeom prst="roundRect"/>
-          <a:solidFill>
-            <a:srgbClr val="EDEDED"/>
-          </a:solidFill>
-        </p:spPr>
-      </p:pic>
-      <p:pic>
-        <p:nvPicPr>
-          <p:cNvPr id="1168" name="그림 205"/>
+          <p:cNvPr id="1165" name="그림 75" descr="C:/Users/Admin1/AppData/Roaming/PolarisOffice/ETemp/28880_14730240/fImage275203046962.png"/>
           <p:cNvPicPr>
             <a:picLocks noChangeAspect="1"/>
           </p:cNvPicPr>
@@ -8057,8 +6836,8 @@
         </p:blipFill>
         <p:spPr>
           <a:xfrm rot="0">
-            <a:off x="1123950" y="1476375"/>
-            <a:ext cx="4245610" cy="2641600"/>
+            <a:off x="1223645" y="1447165"/>
+            <a:ext cx="4140200" cy="3618230"/>
           </a:xfrm>
           <a:prstGeom prst="roundRect"/>
           <a:solidFill>
@@ -8068,16 +6847,16 @@
       </p:pic>
       <p:sp>
         <p:nvSpPr>
-          <p:cNvPr id="1169" name="텍스트 상자 208"/>
+          <p:cNvPr id="1167" name="텍스트 상자 77"/>
           <p:cNvSpPr txBox="1">
             <a:spLocks/>
           </p:cNvSpPr>
           <p:nvPr/>
         </p:nvSpPr>
         <p:spPr>
-          <a:xfrm>
-            <a:off x="1125855" y="4225290"/>
-            <a:ext cx="4248785" cy="2061845"/>
+          <a:xfrm rot="0">
+            <a:off x="1217930" y="5256530"/>
+            <a:ext cx="4147820" cy="954405"/>
           </a:xfrm>
           <a:prstGeom prst="rect"/>
           <a:noFill/>
@@ -8104,7 +6883,7 @@
                 <a:latin typeface="맑은 고딕" charset="0"/>
                 <a:ea typeface="맑은 고딕" charset="0"/>
               </a:rPr>
-              <a:t>2</a:t>
+              <a:t>1.</a:t>
             </a:r>
             <a:r>
               <a:rPr lang="ko-KR" sz="2000" b="1">
@@ -8114,379 +6893,249 @@
                 <a:latin typeface="맑은 고딕" charset="0"/>
                 <a:ea typeface="맑은 고딕" charset="0"/>
               </a:rPr>
-              <a:t>6</a:t>
-            </a:r>
-            <a:r>
-              <a:rPr lang="ko-KR" sz="2000" b="1">
-                <a:solidFill>
-                  <a:srgbClr val="0611F2"/>
-                </a:solidFill>
-                <a:latin typeface="맑은 고딕" charset="0"/>
-                <a:ea typeface="맑은 고딕" charset="0"/>
-              </a:rPr>
-              <a:t>. </a:t>
-            </a:r>
-            <a:r>
-              <a:rPr lang="ko-KR" sz="1800">
-                <a:latin typeface="맑은 고딕" charset="0"/>
-                <a:ea typeface="맑은 고딕" charset="0"/>
-              </a:rPr>
-              <a:t>마지막으로</a:t>
-            </a:r>
-            <a:r>
-              <a:rPr lang="ko-KR" sz="1800">
-                <a:latin typeface="맑은 고딕" charset="0"/>
-                <a:ea typeface="맑은 고딕" charset="0"/>
-              </a:rPr>
-              <a:t> Running Animation과 Kick 애니메이션을 선택하고 Make Transition을 생성합니다.</a:t>
+              <a:t> </a:t>
+            </a:r>
+            <a:r>
+              <a:rPr lang="ko-KR" sz="1800">
+                <a:latin typeface="맑은 고딕" charset="0"/>
+                <a:ea typeface="맑은 고딕" charset="0"/>
+              </a:rPr>
+              <a:t>첫 번째로 캐릭터를 선택하고 </a:t>
+            </a:r>
+            <a:r>
+              <a:rPr lang="ko-KR" sz="1800">
+                <a:latin typeface="맑은 고딕" charset="0"/>
+                <a:ea typeface="맑은 고딕" charset="0"/>
+              </a:rPr>
+              <a:t>Materials에</a:t>
+            </a:r>
+            <a:r>
+              <a:rPr lang="ko-KR" sz="1800">
+                <a:latin typeface="맑은 고딕" charset="0"/>
+                <a:ea typeface="맑은 고딕" charset="0"/>
+              </a:rPr>
+              <a:t> </a:t>
+            </a:r>
+            <a:r>
+              <a:rPr lang="ko-KR" sz="1800">
+                <a:latin typeface="맑은 고딕" charset="0"/>
+                <a:ea typeface="맑은 고딕" charset="0"/>
+              </a:rPr>
+              <a:t>Textures를</a:t>
+            </a:r>
+            <a:r>
+              <a:rPr lang="ko-KR" sz="1800">
+                <a:latin typeface="맑은 고딕" charset="0"/>
+                <a:ea typeface="맑은 고딕" charset="0"/>
+              </a:rPr>
+              <a:t> 불러오기 위해 </a:t>
+            </a:r>
+            <a:r>
+              <a:rPr lang="ko-KR" sz="1800">
+                <a:latin typeface="맑은 고딕" charset="0"/>
+                <a:ea typeface="맑은 고딕" charset="0"/>
+              </a:rPr>
+              <a:t>Extract</a:t>
+            </a:r>
+            <a:r>
+              <a:rPr lang="ko-KR" sz="1800">
+                <a:latin typeface="맑은 고딕" charset="0"/>
+                <a:ea typeface="맑은 고딕" charset="0"/>
+              </a:rPr>
+              <a:t> </a:t>
+            </a:r>
+            <a:r>
+              <a:rPr lang="ko-KR" sz="1800">
+                <a:latin typeface="맑은 고딕" charset="0"/>
+                <a:ea typeface="맑은 고딕" charset="0"/>
+              </a:rPr>
+              <a:t>Textures를</a:t>
+            </a:r>
+            <a:r>
+              <a:rPr lang="ko-KR" sz="1800">
+                <a:latin typeface="맑은 고딕" charset="0"/>
+                <a:ea typeface="맑은 고딕" charset="0"/>
+              </a:rPr>
+              <a:t> 선택합니다.</a:t>
             </a:r>
             <a:endParaRPr lang="ko-KR" altLang="en-US" sz="1800">
               <a:latin typeface="맑은 고딕" charset="0"/>
               <a:ea typeface="맑은 고딕" charset="0"/>
             </a:endParaRPr>
           </a:p>
-          <a:p>
-            <a:pPr marL="0" indent="0" algn="l" latinLnBrk="0" hangingPunct="1">
-              <a:buFontTx/>
-              <a:buNone/>
-            </a:pPr>
-            <a:endParaRPr lang="ko-KR" altLang="en-US" sz="1800">
-              <a:latin typeface="맑은 고딕" charset="0"/>
-              <a:ea typeface="맑은 고딕" charset="0"/>
-            </a:endParaRPr>
-          </a:p>
-          <a:p>
-            <a:pPr marL="0" indent="0" algn="l" latinLnBrk="0" hangingPunct="1">
-              <a:buFontTx/>
-              <a:buNone/>
-            </a:pPr>
-            <a:r>
-              <a:rPr lang="ko-KR" sz="1800">
-                <a:latin typeface="맑은 고딕" charset="0"/>
-                <a:ea typeface="맑은 고딕" charset="0"/>
-              </a:rPr>
-              <a:t>그리고 Idle 애니메이션으로 연결하면 애니메이션이 끝났을 때 자동으로 Idle 애니메이션으로 돌아가도록 설정됩니다.</a:t>
-            </a:r>
-            <a:endParaRPr lang="ko-KR" altLang="en-US" sz="1800">
-              <a:latin typeface="맑은 고딕" charset="0"/>
-              <a:ea typeface="맑은 고딕" charset="0"/>
-            </a:endParaRPr>
-          </a:p>
-        </p:txBody>
-      </p:sp>
-    </p:spTree>
-  </p:cSld>
-  <p:clrMapOvr>
-    <a:masterClrMapping/>
-  </p:clrMapOvr>
-  <mc:AlternateContent xmlns:mc="http://schemas.openxmlformats.org/markup-compatibility/2006">
-    <mc:Choice xmlns:p14="http://schemas.microsoft.com/office/powerpoint/2010/main" Requires="p14">
-      <p:transition spd="slow" p14:dur="2000"/>
-    </mc:Choice>
-    <mc:Fallback>
-      <p:transition spd="slow"/>
-    </mc:Fallback>
-  </mc:AlternateContent>
-  <p:timing>
-    <p:tnLst>
-      <p:par>
-        <p:cTn id="1" dur="indefinite" restart="never" nodeType="tmRoot"/>
-      </p:par>
-    </p:tnLst>
-  </p:timing>
-</p:sld>
-</file>
-
-<file path=ppt/slides/slide11.xml><?xml version="1.0" encoding="utf-8"?>
-<p:sld xmlns:a="http://schemas.openxmlformats.org/drawingml/2006/main" xmlns:r="http://schemas.openxmlformats.org/officeDocument/2006/relationships" xmlns:p="http://schemas.openxmlformats.org/presentationml/2006/main" xmlns:p14="http://schemas.microsoft.com/office/powerpoint/2010/main">
-  <p:cSld>
-    <p:spTree>
-      <p:nvGrpSpPr>
-        <p:cNvPr id="1" name=""/>
-        <p:cNvGrpSpPr/>
-        <p:nvPr/>
-      </p:nvGrpSpPr>
-      <p:grpSpPr>
-        <a:xfrm>
-          <a:off x="0" y="0"/>
-          <a:ext cx="0" cy="0"/>
-          <a:chOff x="0" y="0"/>
-          <a:chExt cx="0" cy="0"/>
-        </a:xfrm>
-      </p:grpSpPr>
-      <p:sp>
-        <p:nvSpPr>
-          <p:cNvPr id="1115" name="Rect 0"/>
-          <p:cNvSpPr txBox="1">
-            <a:spLocks/>
-          </p:cNvSpPr>
-          <p:nvPr/>
-        </p:nvSpPr>
-        <p:spPr>
-          <a:xfrm rot="0">
-            <a:off x="1351280" y="3894455"/>
-            <a:ext cx="4017645" cy="2308225"/>
-          </a:xfrm>
-          <a:prstGeom prst="rect"/>
-          <a:noFill/>
-          <a:ln w="0">
-            <a:noFill/>
-            <a:prstDash/>
-          </a:ln>
-        </p:spPr>
-        <p:txBody>
-          <a:bodyPr wrap="square" lIns="89535" tIns="46355" rIns="89535" bIns="46355" numCol="1" vert="horz" anchor="t">
-            <a:spAutoFit/>
-          </a:bodyPr>
-          <a:lstStyle/>
-          <a:p>
-            <a:pPr marL="0" indent="0" algn="l" latinLnBrk="0" hangingPunct="1">
-              <a:buFontTx/>
-              <a:buNone/>
-            </a:pPr>
-            <a:r>
-              <a:rPr lang="ko-KR" sz="1800">
-                <a:latin typeface="맑은 고딕" charset="0"/>
-                <a:ea typeface="맑은 고딕" charset="0"/>
-              </a:rPr>
-              <a:t>메카님 애니메이션이란?</a:t>
-            </a:r>
-            <a:endParaRPr lang="ko-KR" altLang="en-US" sz="1800">
-              <a:latin typeface="맑은 고딕" charset="0"/>
-              <a:ea typeface="맑은 고딕" charset="0"/>
-            </a:endParaRPr>
-          </a:p>
-          <a:p>
-            <a:pPr marL="0" indent="0" algn="l" latinLnBrk="0" hangingPunct="1">
-              <a:buFontTx/>
-              <a:buNone/>
-            </a:pPr>
-            <a:r>
-              <a:rPr lang="ko-KR" sz="1800">
-                <a:latin typeface="맑은 고딕" charset="0"/>
-                <a:ea typeface="맑은 고딕" charset="0"/>
-              </a:rPr>
-              <a:t>애니메이션의 전환 방식이 스테이트 머신으로 동작하는 애니메이션입니다.</a:t>
-            </a:r>
-            <a:endParaRPr lang="ko-KR" altLang="en-US" sz="1800">
-              <a:latin typeface="맑은 고딕" charset="0"/>
-              <a:ea typeface="맑은 고딕" charset="0"/>
-            </a:endParaRPr>
-          </a:p>
-          <a:p>
-            <a:pPr marL="0" indent="0" algn="l" latinLnBrk="0" hangingPunct="1">
-              <a:buFontTx/>
-              <a:buNone/>
-            </a:pPr>
-            <a:endParaRPr lang="ko-KR" altLang="en-US" sz="1800">
-              <a:latin typeface="맑은 고딕" charset="0"/>
-              <a:ea typeface="맑은 고딕" charset="0"/>
-            </a:endParaRPr>
-          </a:p>
-          <a:p>
-            <a:pPr marL="0" indent="0" algn="l" latinLnBrk="0" hangingPunct="1">
-              <a:buFontTx/>
-              <a:buNone/>
-            </a:pPr>
-            <a:r>
-              <a:rPr lang="ko-KR" sz="1800">
-                <a:latin typeface="맑은 고딕" charset="0"/>
-                <a:ea typeface="맑은 고딕" charset="0"/>
-              </a:rPr>
-              <a:t>그리고 애니메이션을 연결하는 트랜지션은 또 다른 애니메이션으로 </a:t>
-            </a:r>
-            <a:r>
-              <a:rPr lang="ko-KR" sz="1800">
-                <a:latin typeface="맑은 고딕" charset="0"/>
-                <a:ea typeface="맑은 고딕" charset="0"/>
-              </a:rPr>
-              <a:t>상태를 </a:t>
-            </a:r>
-            <a:r>
-              <a:rPr lang="ko-KR" sz="1800">
-                <a:latin typeface="맑은 고딕" charset="0"/>
-                <a:ea typeface="맑은 고딕" charset="0"/>
-              </a:rPr>
-              <a:t>전이하기 위해 설정하는 것입니다.</a:t>
-            </a:r>
-            <a:endParaRPr lang="ko-KR" altLang="en-US" sz="1800">
-              <a:latin typeface="맑은 고딕" charset="0"/>
-              <a:ea typeface="맑은 고딕" charset="0"/>
-            </a:endParaRPr>
-          </a:p>
-        </p:txBody>
-      </p:sp>
-      <p:sp>
-        <p:nvSpPr>
-          <p:cNvPr id="1130" name="텍스트 상자 209"/>
-          <p:cNvSpPr txBox="1">
-            <a:spLocks/>
-          </p:cNvSpPr>
-          <p:nvPr/>
-        </p:nvSpPr>
-        <p:spPr>
-          <a:xfrm rot="0">
-            <a:off x="4311015" y="461010"/>
-            <a:ext cx="3570605" cy="554990"/>
-          </a:xfrm>
-          <a:prstGeom prst="rect"/>
-          <a:noFill/>
-          <a:ln w="0">
-            <a:noFill/>
-            <a:prstDash/>
-          </a:ln>
-        </p:spPr>
-        <p:txBody>
-          <a:bodyPr wrap="square" lIns="89535" tIns="46355" rIns="89535" bIns="46355" numCol="1" vert="horz" anchor="t">
-            <a:spAutoFit/>
-          </a:bodyPr>
-          <a:lstStyle/>
-          <a:p>
-            <a:pPr marL="0" indent="0" algn="l" latinLnBrk="0">
-              <a:buFontTx/>
-              <a:buNone/>
-            </a:pPr>
-            <a:r>
-              <a:rPr lang="ko-KR" altLang="en-US" sz="3000" b="1">
-                <a:solidFill>
-                  <a:schemeClr val="tx1"/>
-                </a:solidFill>
-                <a:latin typeface="맑은 고딕" charset="0"/>
-                <a:ea typeface="맑은 고딕" charset="0"/>
-              </a:rPr>
-              <a:t>열</a:t>
-            </a:r>
-            <a:r>
-              <a:rPr lang="ko-KR" altLang="en-US" sz="3000" b="1">
-                <a:solidFill>
-                  <a:schemeClr val="tx1"/>
-                </a:solidFill>
-                <a:latin typeface="맑은 고딕" charset="0"/>
-                <a:ea typeface="맑은 고딕" charset="0"/>
-              </a:rPr>
-              <a:t>한</a:t>
-            </a:r>
-            <a:r>
-              <a:rPr lang="ko-KR" altLang="en-US" sz="3000" b="1">
-                <a:solidFill>
-                  <a:schemeClr val="tx1"/>
-                </a:solidFill>
-                <a:latin typeface="맑은 고딕" charset="0"/>
-                <a:ea typeface="맑은 고딕" charset="0"/>
-              </a:rPr>
-              <a:t> 번째 </a:t>
-            </a:r>
-            <a:r>
-              <a:rPr lang="ko-KR" altLang="en-US" sz="3000" b="1">
-                <a:solidFill>
-                  <a:schemeClr val="tx1"/>
-                </a:solidFill>
-                <a:latin typeface="맑은 고딕" charset="0"/>
-                <a:ea typeface="맑은 고딕" charset="0"/>
-              </a:rPr>
-              <a:t>튜토리얼</a:t>
-            </a:r>
-            <a:endParaRPr lang="ko-KR" altLang="en-US" sz="3000" b="1">
-              <a:solidFill>
-                <a:schemeClr val="tx1"/>
-              </a:solidFill>
-              <a:latin typeface="맑은 고딕" charset="0"/>
-              <a:ea typeface="맑은 고딕" charset="0"/>
-            </a:endParaRPr>
-          </a:p>
-        </p:txBody>
-      </p:sp>
-      <p:sp>
-        <p:nvSpPr>
-          <p:cNvPr id="1132" name="텍스트 상자 41"/>
-          <p:cNvSpPr txBox="1">
-            <a:spLocks/>
-          </p:cNvSpPr>
-          <p:nvPr/>
-        </p:nvSpPr>
-        <p:spPr>
-          <a:xfrm rot="0">
-            <a:off x="6797675" y="4418965"/>
-            <a:ext cx="4168140" cy="1784985"/>
-          </a:xfrm>
-          <a:prstGeom prst="rect"/>
-          <a:noFill/>
-          <a:ln w="0">
-            <a:noFill/>
-            <a:prstDash/>
-          </a:ln>
-        </p:spPr>
-        <p:txBody>
-          <a:bodyPr wrap="square" lIns="89535" tIns="46355" rIns="89535" bIns="46355" numCol="1" vert="horz" anchor="t">
-            <a:spAutoFit/>
-          </a:bodyPr>
-          <a:lstStyle/>
-          <a:p>
-            <a:pPr marL="0" indent="0" algn="l" latinLnBrk="0" hangingPunct="1">
-              <a:buFontTx/>
-              <a:buNone/>
-            </a:pPr>
-            <a:r>
-              <a:rPr lang="ko-KR" sz="2000" b="1">
-                <a:solidFill>
-                  <a:srgbClr val="0611F2"/>
-                </a:solidFill>
-                <a:latin typeface="맑은 고딕" charset="0"/>
-                <a:ea typeface="맑은 고딕" charset="0"/>
-              </a:rPr>
-              <a:t>28. </a:t>
-            </a:r>
-            <a:r>
-              <a:rPr lang="ko-KR" sz="1800">
-                <a:latin typeface="맑은 고딕" charset="0"/>
-                <a:ea typeface="맑은 고딕" charset="0"/>
-              </a:rPr>
-              <a:t>이제 Animation Action 오브젝트를 선택합니다.</a:t>
-            </a:r>
-            <a:endParaRPr lang="ko-KR" altLang="en-US" sz="1800">
-              <a:latin typeface="맑은 고딕" charset="0"/>
-              <a:ea typeface="맑은 고딕" charset="0"/>
-            </a:endParaRPr>
-          </a:p>
-          <a:p>
-            <a:pPr marL="0" indent="0" algn="l" latinLnBrk="0" hangingPunct="1">
-              <a:buFontTx/>
-              <a:buNone/>
-            </a:pPr>
-            <a:endParaRPr lang="ko-KR" altLang="en-US" sz="1800">
-              <a:latin typeface="맑은 고딕" charset="0"/>
-              <a:ea typeface="맑은 고딕" charset="0"/>
-            </a:endParaRPr>
-          </a:p>
-          <a:p>
-            <a:pPr marL="0" indent="0" algn="l" latinLnBrk="0" hangingPunct="1">
-              <a:buFontTx/>
-              <a:buNone/>
-            </a:pPr>
-            <a:r>
-              <a:rPr lang="ko-KR" sz="1800">
-                <a:latin typeface="맑은 고딕" charset="0"/>
-                <a:ea typeface="맑은 고딕" charset="0"/>
-              </a:rPr>
-              <a:t>그리고 Animator 컴포넌트에 Dreyar By M.Aure 캐릭터 오브젝트를 넣어줍니다.</a:t>
-            </a:r>
-            <a:endParaRPr lang="ko-KR" altLang="en-US" sz="1800">
-              <a:latin typeface="맑은 고딕" charset="0"/>
-              <a:ea typeface="맑은 고딕" charset="0"/>
-            </a:endParaRPr>
-          </a:p>
         </p:txBody>
       </p:sp>
       <p:pic>
         <p:nvPicPr>
-          <p:cNvPr id="1133" name="그림 42" descr="C:/Users/Admin1/AppData/Roaming/PolarisOffice/ETemp/13876_17549616/fImage169704987673.png"/>
+          <p:cNvPr id="1168" name="그림 1" descr="C:/Users/Admin1/AppData/Roaming/PolarisOffice/ETemp/28880_14730240/fImage2062528841.png"/>
           <p:cNvPicPr>
             <a:picLocks noChangeAspect="1"/>
           </p:cNvPicPr>
           <p:nvPr/>
         </p:nvPicPr>
         <p:blipFill rotWithShape="1">
-          <a:blip r:embed="rId23" cstate="hqprint">
+          <a:blip r:embed="rId13" cstate="print">
+            <a:extLst>
+              <a:ext uri="{28A0092B-C50C-407E-A947-70E740481C1C}">
+                <a14:useLocalDpi xmlns:a14="http://schemas.microsoft.com/office/drawing/2010/main" val="0"/>
+              </a:ext>
+            </a:extLst>
+          </a:blip>
+          <a:stretch>
+            <a:fillRect/>
+          </a:stretch>
+        </p:blipFill>
+        <p:spPr>
+          <a:xfrm rot="0">
+            <a:off x="6822440" y="1455420"/>
+            <a:ext cx="4152265" cy="2085340"/>
+          </a:xfrm>
+          <a:prstGeom prst="roundRect"/>
+          <a:solidFill>
+            <a:srgbClr val="EDEDED"/>
+          </a:solidFill>
+        </p:spPr>
+      </p:pic>
+      <p:sp>
+        <p:nvSpPr>
+          <p:cNvPr id="1169" name="텍스트 상자 4"/>
+          <p:cNvSpPr txBox="1">
+            <a:spLocks/>
+          </p:cNvSpPr>
+          <p:nvPr/>
+        </p:nvSpPr>
+        <p:spPr>
+          <a:xfrm rot="0">
+            <a:off x="6813550" y="5560060"/>
+            <a:ext cx="4169410" cy="677545"/>
+          </a:xfrm>
+          <a:prstGeom prst="rect"/>
+          <a:noFill/>
+          <a:ln w="0">
+            <a:noFill/>
+            <a:prstDash/>
+          </a:ln>
+        </p:spPr>
+        <p:txBody>
+          <a:bodyPr wrap="square" lIns="89535" tIns="46355" rIns="89535" bIns="46355" numCol="1" vert="horz" anchor="t">
+            <a:spAutoFit/>
+          </a:bodyPr>
+          <a:lstStyle/>
+          <a:p>
+            <a:pPr marL="0" indent="0" algn="l" latinLnBrk="0" hangingPunct="1">
+              <a:buFontTx/>
+              <a:buNone/>
+            </a:pPr>
+            <a:r>
+              <a:rPr lang="ko-KR" sz="2000" b="1">
+                <a:solidFill>
+                  <a:srgbClr val="0611F2"/>
+                </a:solidFill>
+                <a:latin typeface="맑은 고딕" charset="0"/>
+                <a:ea typeface="맑은 고딕" charset="0"/>
+              </a:rPr>
+              <a:t>3.</a:t>
+            </a:r>
+            <a:r>
+              <a:rPr lang="ko-KR" sz="2000">
+                <a:latin typeface="맑은 고딕" charset="0"/>
+                <a:ea typeface="맑은 고딕" charset="0"/>
+              </a:rPr>
+              <a:t> </a:t>
+            </a:r>
+            <a:r>
+              <a:rPr lang="ko-KR" sz="1800">
+                <a:latin typeface="맑은 고딕" charset="0"/>
+                <a:ea typeface="맑은 고딕" charset="0"/>
+              </a:rPr>
+              <a:t>그리고 캐릭터를 월드 공간에 </a:t>
+            </a:r>
+            <a:r>
+              <a:rPr lang="ko-KR" sz="1800">
+                <a:latin typeface="맑은 고딕" charset="0"/>
+                <a:ea typeface="맑은 고딕" charset="0"/>
+              </a:rPr>
+              <a:t>배치합니다.</a:t>
+            </a:r>
+            <a:endParaRPr lang="ko-KR" altLang="en-US" sz="1800">
+              <a:latin typeface="맑은 고딕" charset="0"/>
+              <a:ea typeface="맑은 고딕" charset="0"/>
+            </a:endParaRPr>
+          </a:p>
+        </p:txBody>
+      </p:sp>
+      <p:pic>
+        <p:nvPicPr>
+          <p:cNvPr id="1171" name="그림 6" descr="C:/Users/Admin1/AppData/Roaming/PolarisOffice/ETemp/28880_14730240/fImage61932918467.png"/>
+          <p:cNvPicPr>
+            <a:picLocks noChangeAspect="1"/>
+          </p:cNvPicPr>
+          <p:nvPr/>
+        </p:nvPicPr>
+        <p:blipFill rotWithShape="1">
+          <a:blip r:embed="rId14" cstate="print">
+            <a:extLst>
+              <a:ext uri="{28A0092B-C50C-407E-A947-70E740481C1C}">
+                <a14:useLocalDpi xmlns:a14="http://schemas.microsoft.com/office/drawing/2010/main" val="0"/>
+              </a:ext>
+            </a:extLst>
+          </a:blip>
+          <a:stretch>
+            <a:fillRect/>
+          </a:stretch>
+        </p:blipFill>
+        <p:spPr>
+          <a:xfrm rot="0">
+            <a:off x="6813550" y="4453255"/>
+            <a:ext cx="1490980" cy="1008380"/>
+          </a:xfrm>
+          <a:prstGeom prst="roundRect"/>
+          <a:solidFill>
+            <a:srgbClr val="EDEDED"/>
+          </a:solidFill>
+        </p:spPr>
+      </p:pic>
+      <p:pic>
+        <p:nvPicPr>
+          <p:cNvPr id="1172" name="그림 9" descr="C:/Users/Admin1/AppData/Roaming/PolarisOffice/ETemp/28880_14730240/fImage52682926334.png"/>
+          <p:cNvPicPr>
+            <a:picLocks noChangeAspect="1"/>
+          </p:cNvPicPr>
+          <p:nvPr/>
+        </p:nvPicPr>
+        <p:blipFill rotWithShape="1">
+          <a:blip r:embed="rId15" cstate="print">
+            <a:extLst>
+              <a:ext uri="{28A0092B-C50C-407E-A947-70E740481C1C}">
+                <a14:useLocalDpi xmlns:a14="http://schemas.microsoft.com/office/drawing/2010/main" val="0"/>
+              </a:ext>
+            </a:extLst>
+          </a:blip>
+          <a:stretch>
+            <a:fillRect/>
+          </a:stretch>
+        </p:blipFill>
+        <p:spPr>
+          <a:xfrm rot="0">
+            <a:off x="8416290" y="4454525"/>
+            <a:ext cx="2565400" cy="1016000"/>
+          </a:xfrm>
+          <a:prstGeom prst="roundRect"/>
+          <a:solidFill>
+            <a:srgbClr val="EDEDED"/>
+          </a:solidFill>
+        </p:spPr>
+      </p:pic>
+      <p:pic>
+        <p:nvPicPr>
+          <p:cNvPr id="1173" name="그림 12" descr="C:/Users/Admin1/AppData/Roaming/PolarisOffice/ETemp/28880_14730240/fImage22421734441.png"/>
+          <p:cNvPicPr>
+            <a:picLocks noChangeAspect="1"/>
+          </p:cNvPicPr>
+          <p:nvPr/>
+        </p:nvPicPr>
+        <p:blipFill rotWithShape="1">
+          <a:blip r:embed="rId16" cstate="hqprint">
             <a:extLst>
               <a:ext uri="{28A0092B-C50C-407E-A947-70E740481C1C}">
                 <a14:useLocalDpi xmlns:a14="http://schemas.microsoft.com/office/drawing/2010/main"/>
@@ -8498,1411 +7147,12 @@
           </a:stretch>
         </p:blipFill>
         <p:spPr>
-          <a:xfrm rot="0">
-            <a:off x="8204835" y="1404620"/>
-            <a:ext cx="2760980" cy="2860675"/>
-          </a:xfrm>
-          <a:prstGeom prst="roundRect"/>
-          <a:solidFill>
-            <a:srgbClr val="EDEDED"/>
-          </a:solidFill>
-        </p:spPr>
-      </p:pic>
-      <p:pic>
-        <p:nvPicPr>
-          <p:cNvPr id="1136" name="그림 33" descr="C:/Users/Admin1/AppData/Roaming/PolarisOffice/ETemp/13876_17549616/fImage64442294464.png"/>
-          <p:cNvPicPr>
-            <a:picLocks noChangeAspect="1"/>
-          </p:cNvPicPr>
-          <p:nvPr/>
-        </p:nvPicPr>
-        <p:blipFill rotWithShape="1">
-          <a:blip r:embed="rId25" cstate="hqprint">
-            <a:extLst>
-              <a:ext uri="{28A0092B-C50C-407E-A947-70E740481C1C}">
-                <a14:useLocalDpi xmlns:a14="http://schemas.microsoft.com/office/drawing/2010/main"/>
-              </a:ext>
-            </a:extLst>
-          </a:blip>
-          <a:stretch>
-            <a:fillRect/>
-          </a:stretch>
-        </p:blipFill>
-        <p:spPr>
-          <a:xfrm rot="0">
-            <a:off x="6808470" y="2113280"/>
-            <a:ext cx="1230630" cy="1670050"/>
-          </a:xfrm>
-          <a:prstGeom prst="roundRect"/>
-          <a:solidFill>
-            <a:srgbClr val="EDEDED"/>
-          </a:solidFill>
-        </p:spPr>
-      </p:pic>
-      <p:cxnSp>
-        <p:nvCxnSpPr>
-          <p:cNvPr id="1135" name="도형 44"/>
-          <p:cNvCxnSpPr/>
-          <p:nvPr/>
-        </p:nvCxnSpPr>
-        <p:spPr>
-          <a:xfrm rot="0">
-            <a:off x="8030210" y="3283585"/>
-            <a:ext cx="2818765" cy="740410"/>
-          </a:xfrm>
-          <a:prstGeom prst="straightConnector1"/>
-          <a:ln w="19050" cap="flat" cmpd="sng">
-            <a:prstDash/>
-            <a:tailEnd type="triangle" w="med" len="med"/>
-          </a:ln>
-        </p:spPr>
-        <p:style>
-          <a:lnRef idx="3">
-            <a:schemeClr val="accent2"/>
-          </a:lnRef>
-          <a:fillRef idx="0">
-            <a:schemeClr val="accent2"/>
-          </a:fillRef>
-          <a:effectRef idx="2">
-            <a:schemeClr val="accent2"/>
-          </a:effectRef>
-          <a:fontRef idx="minor">
-            <a:schemeClr val="tx1"/>
-          </a:fontRef>
-        </p:style>
-      </p:cxnSp>
-      <p:pic>
-        <p:nvPicPr>
-          <p:cNvPr id="1137" name="그림 67"/>
-          <p:cNvPicPr>
-            <a:picLocks noChangeAspect="1"/>
-          </p:cNvPicPr>
-          <p:nvPr/>
-        </p:nvPicPr>
-        <p:blipFill rotWithShape="1">
-          <a:blip r:embed="rId26" cstate="print">
-            <a:extLst>
-              <a:ext uri="{28A0092B-C50C-407E-A947-70E740481C1C}">
-                <a14:useLocalDpi xmlns:a14="http://schemas.microsoft.com/office/drawing/2010/main" val="0"/>
-              </a:ext>
-            </a:extLst>
-          </a:blip>
-          <a:stretch>
-            <a:fillRect/>
-          </a:stretch>
-        </p:blipFill>
-        <p:spPr>
-          <a:xfrm rot="0">
-            <a:off x="1342390" y="1411605"/>
-            <a:ext cx="4027170" cy="2338705"/>
-          </a:xfrm>
-          <a:prstGeom prst="roundRect"/>
-          <a:solidFill>
-            <a:srgbClr val="EDEDED"/>
-          </a:solidFill>
-        </p:spPr>
-      </p:pic>
-    </p:spTree>
-  </p:cSld>
-  <p:clrMapOvr>
-    <a:masterClrMapping/>
-  </p:clrMapOvr>
-  <mc:AlternateContent xmlns:mc="http://schemas.openxmlformats.org/markup-compatibility/2006">
-    <mc:Choice xmlns:p14="http://schemas.microsoft.com/office/powerpoint/2010/main" Requires="p14">
-      <p:transition spd="slow" p14:dur="2000"/>
-    </mc:Choice>
-    <mc:Fallback>
-      <p:transition spd="slow"/>
-    </mc:Fallback>
-  </mc:AlternateContent>
-  <p:timing>
-    <p:tnLst>
-      <p:par>
-        <p:cTn id="1" dur="indefinite" restart="never" nodeType="tmRoot"/>
-      </p:par>
-    </p:tnLst>
-  </p:timing>
-</p:sld>
-</file>
-
-<file path=ppt/slides/slide12.xml><?xml version="1.0" encoding="utf-8"?>
-<p:sld xmlns:a="http://schemas.openxmlformats.org/drawingml/2006/main" xmlns:r="http://schemas.openxmlformats.org/officeDocument/2006/relationships" xmlns:p="http://schemas.openxmlformats.org/presentationml/2006/main" xmlns:p14="http://schemas.microsoft.com/office/powerpoint/2010/main">
-  <p:cSld>
-    <p:spTree>
-      <p:nvGrpSpPr>
-        <p:cNvPr id="1" name=""/>
-        <p:cNvGrpSpPr/>
-        <p:nvPr/>
-      </p:nvGrpSpPr>
-      <p:grpSpPr>
-        <a:xfrm>
-          <a:off x="0" y="0"/>
-          <a:ext cx="0" cy="0"/>
-          <a:chOff x="0" y="0"/>
-          <a:chExt cx="0" cy="0"/>
-        </a:xfrm>
-      </p:grpSpPr>
-      <p:sp>
-        <p:nvSpPr>
-          <p:cNvPr id="1127" name="Rect 0"/>
-          <p:cNvSpPr txBox="1">
-            <a:spLocks/>
-          </p:cNvSpPr>
-          <p:nvPr/>
-        </p:nvSpPr>
-        <p:spPr>
-          <a:xfrm rot="0">
-            <a:off x="1238885" y="4867910"/>
-            <a:ext cx="4136390" cy="1231265"/>
+          <a:xfrm rot="10800000">
+            <a:off x="8041005" y="4805680"/>
+            <a:ext cx="626110" cy="354330"/>
           </a:xfrm>
           <a:prstGeom prst="rect"/>
           <a:noFill/>
-          <a:ln w="0">
-            <a:noFill/>
-            <a:prstDash/>
-          </a:ln>
-        </p:spPr>
-        <p:txBody>
-          <a:bodyPr wrap="square" lIns="89535" tIns="46355" rIns="89535" bIns="46355" numCol="1" vert="horz" anchor="t">
-            <a:spAutoFit/>
-          </a:bodyPr>
-          <a:lstStyle/>
-          <a:p>
-            <a:pPr marL="0" indent="0" algn="l" latinLnBrk="0" hangingPunct="1">
-              <a:buFontTx/>
-              <a:buNone/>
-            </a:pPr>
-            <a:r>
-              <a:rPr lang="ko-KR" sz="2000" b="1">
-                <a:solidFill>
-                  <a:srgbClr val="0611F2"/>
-                </a:solidFill>
-                <a:latin typeface="맑은 고딕" charset="0"/>
-                <a:ea typeface="맑은 고딕" charset="0"/>
-              </a:rPr>
-              <a:t>29. </a:t>
-            </a:r>
-            <a:r>
-              <a:rPr lang="ko-KR" sz="1800">
-                <a:latin typeface="맑은 고딕" charset="0"/>
-                <a:ea typeface="맑은 고딕" charset="0"/>
-              </a:rPr>
-              <a:t>그런 다음 Button을 2개 생성한 다음 각각의 버튼 이름을 Kick Button과 Running Button이라는 이름으로 정의합니다.</a:t>
-            </a:r>
-            <a:endParaRPr lang="ko-KR" altLang="en-US" sz="1800">
-              <a:latin typeface="맑은 고딕" charset="0"/>
-              <a:ea typeface="맑은 고딕" charset="0"/>
-            </a:endParaRPr>
-          </a:p>
-        </p:txBody>
-      </p:sp>
-      <p:sp>
-        <p:nvSpPr>
-          <p:cNvPr id="1130" name="Rect 0"/>
-          <p:cNvSpPr txBox="1">
-            <a:spLocks/>
-          </p:cNvSpPr>
-          <p:nvPr/>
-        </p:nvSpPr>
-        <p:spPr>
-          <a:xfrm rot="0">
-            <a:off x="4307205" y="417195"/>
-            <a:ext cx="3582670" cy="554990"/>
-          </a:xfrm>
-          <a:prstGeom prst="rect"/>
-          <a:noFill/>
-          <a:ln w="0">
-            <a:noFill/>
-            <a:prstDash/>
-          </a:ln>
-        </p:spPr>
-        <p:txBody>
-          <a:bodyPr wrap="square" lIns="89535" tIns="46355" rIns="89535" bIns="46355" numCol="1" vert="horz" anchor="t">
-            <a:spAutoFit/>
-          </a:bodyPr>
-          <a:lstStyle/>
-          <a:p>
-            <a:pPr marL="0" indent="0" algn="l" latinLnBrk="0">
-              <a:buFontTx/>
-              <a:buNone/>
-            </a:pPr>
-            <a:r>
-              <a:rPr lang="ko-KR" altLang="en-US" sz="3000" b="1">
-                <a:solidFill>
-                  <a:schemeClr val="tx1"/>
-                </a:solidFill>
-                <a:latin typeface="맑은 고딕" charset="0"/>
-                <a:ea typeface="맑은 고딕" charset="0"/>
-              </a:rPr>
-              <a:t>열</a:t>
-            </a:r>
-            <a:r>
-              <a:rPr lang="ko-KR" altLang="en-US" sz="3000" b="1">
-                <a:solidFill>
-                  <a:schemeClr val="tx1"/>
-                </a:solidFill>
-                <a:latin typeface="맑은 고딕" charset="0"/>
-                <a:ea typeface="맑은 고딕" charset="0"/>
-              </a:rPr>
-              <a:t>두</a:t>
-            </a:r>
-            <a:r>
-              <a:rPr lang="ko-KR" altLang="en-US" sz="3000" b="1">
-                <a:solidFill>
-                  <a:schemeClr val="tx1"/>
-                </a:solidFill>
-                <a:latin typeface="맑은 고딕" charset="0"/>
-                <a:ea typeface="맑은 고딕" charset="0"/>
-              </a:rPr>
-              <a:t> 번째 </a:t>
-            </a:r>
-            <a:r>
-              <a:rPr lang="ko-KR" altLang="en-US" sz="3000" b="1">
-                <a:solidFill>
-                  <a:schemeClr val="tx1"/>
-                </a:solidFill>
-                <a:latin typeface="맑은 고딕" charset="0"/>
-                <a:ea typeface="맑은 고딕" charset="0"/>
-              </a:rPr>
-              <a:t>튜토리얼</a:t>
-            </a:r>
-            <a:endParaRPr lang="ko-KR" altLang="en-US" sz="3000" b="1">
-              <a:solidFill>
-                <a:schemeClr val="tx1"/>
-              </a:solidFill>
-              <a:latin typeface="맑은 고딕" charset="0"/>
-              <a:ea typeface="맑은 고딕" charset="0"/>
-            </a:endParaRPr>
-          </a:p>
-        </p:txBody>
-      </p:sp>
-      <p:pic>
-        <p:nvPicPr>
-          <p:cNvPr id="1134" name="그림 217" descr="C:/Users/Admin1/AppData/Roaming/PolarisOffice/ETemp/13876_17549616/fImage191385015141.png"/>
-          <p:cNvPicPr>
-            <a:picLocks noChangeAspect="1"/>
-          </p:cNvPicPr>
-          <p:nvPr/>
-        </p:nvPicPr>
-        <p:blipFill rotWithShape="1">
-          <a:blip r:embed="rId4" cstate="hqprint">
-            <a:extLst>
-              <a:ext uri="{28A0092B-C50C-407E-A947-70E740481C1C}">
-                <a14:useLocalDpi xmlns:a14="http://schemas.microsoft.com/office/drawing/2010/main"/>
-              </a:ext>
-            </a:extLst>
-          </a:blip>
-          <a:stretch>
-            <a:fillRect/>
-          </a:stretch>
-        </p:blipFill>
-        <p:spPr>
-          <a:xfrm rot="0">
-            <a:off x="1238885" y="1385570"/>
-            <a:ext cx="2710815" cy="3305175"/>
-          </a:xfrm>
-          <a:prstGeom prst="roundRect"/>
-          <a:solidFill>
-            <a:srgbClr val="EDEDED"/>
-          </a:solidFill>
-        </p:spPr>
-      </p:pic>
-      <p:pic>
-        <p:nvPicPr>
-          <p:cNvPr id="1135" name="그림 50" descr="C:/Users/Admin1/AppData/Roaming/PolarisOffice/ETemp/13876_17549616/fImage92502368145.png"/>
-          <p:cNvPicPr>
-            <a:picLocks noChangeAspect="1"/>
-          </p:cNvPicPr>
-          <p:nvPr/>
-        </p:nvPicPr>
-        <p:blipFill rotWithShape="1">
-          <a:blip r:embed="rId7" cstate="hqprint">
-            <a:extLst>
-              <a:ext uri="{28A0092B-C50C-407E-A947-70E740481C1C}">
-                <a14:useLocalDpi xmlns:a14="http://schemas.microsoft.com/office/drawing/2010/main"/>
-              </a:ext>
-            </a:extLst>
-          </a:blip>
-          <a:stretch>
-            <a:fillRect/>
-          </a:stretch>
-        </p:blipFill>
-        <p:spPr>
-          <a:xfrm rot="0">
-            <a:off x="4114800" y="2012315"/>
-            <a:ext cx="1266190" cy="2070735"/>
-          </a:xfrm>
-          <a:prstGeom prst="roundRect"/>
-          <a:solidFill>
-            <a:srgbClr val="EDEDED"/>
-          </a:solidFill>
-        </p:spPr>
-      </p:pic>
-      <p:sp>
-        <p:nvSpPr>
-          <p:cNvPr id="1138" name="텍스트 상자 58"/>
-          <p:cNvSpPr txBox="1">
-            <a:spLocks/>
-          </p:cNvSpPr>
-          <p:nvPr/>
-        </p:nvSpPr>
-        <p:spPr>
-          <a:xfrm rot="0">
-            <a:off x="6807835" y="5477510"/>
-            <a:ext cx="4166235" cy="677545"/>
-          </a:xfrm>
-          <a:prstGeom prst="rect"/>
-          <a:noFill/>
-          <a:ln w="0">
-            <a:noFill/>
-            <a:prstDash/>
-          </a:ln>
-        </p:spPr>
-        <p:txBody>
-          <a:bodyPr wrap="square" lIns="89535" tIns="46355" rIns="89535" bIns="46355" numCol="1" vert="horz" anchor="t">
-            <a:spAutoFit/>
-          </a:bodyPr>
-          <a:lstStyle/>
-          <a:p>
-            <a:pPr marL="0" indent="0" algn="l" latinLnBrk="0" hangingPunct="1">
-              <a:buFontTx/>
-              <a:buNone/>
-            </a:pPr>
-            <a:r>
-              <a:rPr lang="ko-KR" sz="2000" b="1">
-                <a:solidFill>
-                  <a:srgbClr val="0611F2"/>
-                </a:solidFill>
-                <a:latin typeface="맑은 고딕" charset="0"/>
-                <a:ea typeface="맑은 고딕" charset="0"/>
-              </a:rPr>
-              <a:t>30. </a:t>
-            </a:r>
-            <a:r>
-              <a:rPr lang="ko-KR" sz="1800">
-                <a:latin typeface="맑은 고딕" charset="0"/>
-                <a:ea typeface="맑은 고딕" charset="0"/>
-              </a:rPr>
-              <a:t>그리고 Kick Button과 Running Button의 앵커와 위치를 설정합니다.</a:t>
-            </a:r>
-            <a:endParaRPr lang="ko-KR" altLang="en-US" sz="1800">
-              <a:latin typeface="맑은 고딕" charset="0"/>
-              <a:ea typeface="맑은 고딕" charset="0"/>
-            </a:endParaRPr>
-          </a:p>
-        </p:txBody>
-      </p:sp>
-      <p:pic>
-        <p:nvPicPr>
-          <p:cNvPr id="1139" name="그림 78" descr="C:/Users/Admin1/AppData/Roaming/PolarisOffice/ETemp/13876_17549616/fImage121153393281.png"/>
-          <p:cNvPicPr>
-            <a:picLocks noChangeAspect="1"/>
-          </p:cNvPicPr>
-          <p:nvPr/>
-        </p:nvPicPr>
-        <p:blipFill rotWithShape="1">
-          <a:blip r:embed="rId8" cstate="hqprint">
-            <a:extLst>
-              <a:ext uri="{28A0092B-C50C-407E-A947-70E740481C1C}">
-                <a14:useLocalDpi xmlns:a14="http://schemas.microsoft.com/office/drawing/2010/main"/>
-              </a:ext>
-            </a:extLst>
-          </a:blip>
-          <a:stretch>
-            <a:fillRect/>
-          </a:stretch>
-        </p:blipFill>
-        <p:spPr>
-          <a:xfrm rot="0">
-            <a:off x="6814820" y="1384935"/>
-            <a:ext cx="4159250" cy="1837690"/>
-          </a:xfrm>
-          <a:prstGeom prst="roundRect"/>
-          <a:solidFill>
-            <a:srgbClr val="EDEDED"/>
-          </a:solidFill>
-        </p:spPr>
-      </p:pic>
-      <p:pic>
-        <p:nvPicPr>
-          <p:cNvPr id="1140" name="그림 81" descr="C:/Users/Admin1/AppData/Roaming/PolarisOffice/ETemp/13876_17549616/fImage123733406827.png"/>
-          <p:cNvPicPr>
-            <a:picLocks noChangeAspect="1"/>
-          </p:cNvPicPr>
-          <p:nvPr/>
-        </p:nvPicPr>
-        <p:blipFill rotWithShape="1">
-          <a:blip r:embed="rId9" cstate="hqprint">
-            <a:extLst>
-              <a:ext uri="{28A0092B-C50C-407E-A947-70E740481C1C}">
-                <a14:useLocalDpi xmlns:a14="http://schemas.microsoft.com/office/drawing/2010/main"/>
-              </a:ext>
-            </a:extLst>
-          </a:blip>
-          <a:stretch>
-            <a:fillRect/>
-          </a:stretch>
-        </p:blipFill>
-        <p:spPr>
-          <a:xfrm rot="0">
-            <a:off x="6805295" y="3461385"/>
-            <a:ext cx="4168775" cy="1838960"/>
-          </a:xfrm>
-          <a:prstGeom prst="roundRect"/>
-          <a:solidFill>
-            <a:srgbClr val="EDEDED"/>
-          </a:solidFill>
-        </p:spPr>
-      </p:pic>
-    </p:spTree>
-  </p:cSld>
-  <p:clrMapOvr>
-    <a:masterClrMapping/>
-  </p:clrMapOvr>
-  <mc:AlternateContent xmlns:mc="http://schemas.openxmlformats.org/markup-compatibility/2006">
-    <mc:Choice xmlns:p14="http://schemas.microsoft.com/office/powerpoint/2010/main" Requires="p14">
-      <p:transition spd="slow" p14:dur="2000"/>
-    </mc:Choice>
-    <mc:Fallback>
-      <p:transition spd="slow"/>
-    </mc:Fallback>
-  </mc:AlternateContent>
-  <p:timing>
-    <p:tnLst>
-      <p:par>
-        <p:cTn id="1" dur="indefinite" restart="never" nodeType="tmRoot"/>
-      </p:par>
-    </p:tnLst>
-  </p:timing>
-</p:sld>
-</file>
-
-<file path=ppt/slides/slide13.xml><?xml version="1.0" encoding="utf-8"?>
-<p:sld xmlns:a="http://schemas.openxmlformats.org/drawingml/2006/main" xmlns:r="http://schemas.openxmlformats.org/officeDocument/2006/relationships" xmlns:p="http://schemas.openxmlformats.org/presentationml/2006/main" xmlns:p14="http://schemas.microsoft.com/office/powerpoint/2010/main">
-  <p:cSld>
-    <p:spTree>
-      <p:nvGrpSpPr>
-        <p:cNvPr id="1" name=""/>
-        <p:cNvGrpSpPr/>
-        <p:nvPr/>
-      </p:nvGrpSpPr>
-      <p:grpSpPr>
-        <a:xfrm>
-          <a:off x="0" y="0"/>
-          <a:ext cx="0" cy="0"/>
-          <a:chOff x="0" y="0"/>
-          <a:chExt cx="0" cy="0"/>
-        </a:xfrm>
-      </p:grpSpPr>
-      <p:sp>
-        <p:nvSpPr>
-          <p:cNvPr id="1127" name="Rect 0"/>
-          <p:cNvSpPr txBox="1">
-            <a:spLocks/>
-          </p:cNvSpPr>
-          <p:nvPr/>
-        </p:nvSpPr>
-        <p:spPr>
-          <a:xfrm rot="0">
-            <a:off x="6813550" y="4354195"/>
-            <a:ext cx="4144010" cy="1784985"/>
-          </a:xfrm>
-          <a:prstGeom prst="rect"/>
-          <a:noFill/>
-          <a:ln w="0">
-            <a:noFill/>
-            <a:prstDash/>
-          </a:ln>
-        </p:spPr>
-        <p:txBody>
-          <a:bodyPr wrap="square" lIns="89535" tIns="46355" rIns="89535" bIns="46355" numCol="1" vert="horz" anchor="t">
-            <a:spAutoFit/>
-          </a:bodyPr>
-          <a:lstStyle/>
-          <a:p>
-            <a:pPr marL="0" indent="0" algn="l" latinLnBrk="0" hangingPunct="1">
-              <a:buFontTx/>
-              <a:buNone/>
-            </a:pPr>
-            <a:r>
-              <a:rPr lang="ko-KR" sz="2000" b="1">
-                <a:solidFill>
-                  <a:srgbClr val="0611F2"/>
-                </a:solidFill>
-                <a:latin typeface="맑은 고딕" charset="0"/>
-                <a:ea typeface="맑은 고딕" charset="0"/>
-              </a:rPr>
-              <a:t>32. </a:t>
-            </a:r>
-            <a:r>
-              <a:rPr lang="ko-KR" sz="1800">
-                <a:latin typeface="맑은 고딕" charset="0"/>
-                <a:ea typeface="맑은 고딕" charset="0"/>
-              </a:rPr>
-              <a:t>이제 Kick</a:t>
-            </a:r>
-            <a:r>
-              <a:rPr sz="1800">
-                <a:latin typeface="맑은 고딕" charset="0"/>
-                <a:ea typeface="맑은 고딕" charset="0"/>
-              </a:rPr>
-              <a:t> Button과 Running Button</a:t>
-            </a:r>
-            <a:r>
-              <a:rPr lang="ko-KR" sz="1800">
-                <a:latin typeface="맑은 고딕" charset="0"/>
-                <a:ea typeface="맑은 고딕" charset="0"/>
-              </a:rPr>
-              <a:t>에 이벤트 함수를 선택합니다.</a:t>
-            </a:r>
-            <a:endParaRPr lang="ko-KR" altLang="en-US" sz="1800">
-              <a:latin typeface="맑은 고딕" charset="0"/>
-              <a:ea typeface="맑은 고딕" charset="0"/>
-            </a:endParaRPr>
-          </a:p>
-          <a:p>
-            <a:pPr marL="0" indent="0" algn="l" latinLnBrk="0" hangingPunct="1">
-              <a:buFontTx/>
-              <a:buNone/>
-            </a:pPr>
-            <a:endParaRPr lang="ko-KR" altLang="en-US" sz="1800">
-              <a:latin typeface="맑은 고딕" charset="0"/>
-              <a:ea typeface="맑은 고딕" charset="0"/>
-            </a:endParaRPr>
-          </a:p>
-          <a:p>
-            <a:pPr marL="0" indent="0" algn="l" latinLnBrk="0" hangingPunct="1">
-              <a:buFontTx/>
-              <a:buNone/>
-            </a:pPr>
-            <a:r>
-              <a:rPr lang="ko-KR" sz="1800">
-                <a:latin typeface="맑은 고딕" charset="0"/>
-                <a:ea typeface="맑은 고딕" charset="0"/>
-              </a:rPr>
-              <a:t>그런 다음 AnimationAction 스크립트에 있는 Kick( )함수와 Running( ) 함수를 등록합니다.  </a:t>
-            </a:r>
-            <a:endParaRPr lang="ko-KR" altLang="en-US" sz="1800">
-              <a:latin typeface="맑은 고딕" charset="0"/>
-              <a:ea typeface="맑은 고딕" charset="0"/>
-            </a:endParaRPr>
-          </a:p>
-        </p:txBody>
-      </p:sp>
-      <p:sp>
-        <p:nvSpPr>
-          <p:cNvPr id="1130" name="Rect 0"/>
-          <p:cNvSpPr txBox="1">
-            <a:spLocks/>
-          </p:cNvSpPr>
-          <p:nvPr/>
-        </p:nvSpPr>
-        <p:spPr>
-          <a:xfrm rot="0">
-            <a:off x="4298950" y="408940"/>
-            <a:ext cx="3590925" cy="554990"/>
-          </a:xfrm>
-          <a:prstGeom prst="rect"/>
-          <a:noFill/>
-          <a:ln w="0">
-            <a:noFill/>
-            <a:prstDash/>
-          </a:ln>
-        </p:spPr>
-        <p:txBody>
-          <a:bodyPr wrap="square" lIns="89535" tIns="46355" rIns="89535" bIns="46355" numCol="1" vert="horz" anchor="t">
-            <a:spAutoFit/>
-          </a:bodyPr>
-          <a:lstStyle/>
-          <a:p>
-            <a:pPr marL="0" indent="0" algn="l" latinLnBrk="0">
-              <a:buFontTx/>
-              <a:buNone/>
-            </a:pPr>
-            <a:r>
-              <a:rPr lang="ko-KR" altLang="en-US" sz="3000" b="1">
-                <a:solidFill>
-                  <a:schemeClr val="tx1"/>
-                </a:solidFill>
-                <a:latin typeface="맑은 고딕" charset="0"/>
-                <a:ea typeface="맑은 고딕" charset="0"/>
-              </a:rPr>
-              <a:t>열</a:t>
-            </a:r>
-            <a:r>
-              <a:rPr lang="ko-KR" altLang="en-US" sz="3000" b="1">
-                <a:solidFill>
-                  <a:schemeClr val="tx1"/>
-                </a:solidFill>
-                <a:latin typeface="맑은 고딕" charset="0"/>
-                <a:ea typeface="맑은 고딕" charset="0"/>
-              </a:rPr>
-              <a:t>세</a:t>
-            </a:r>
-            <a:r>
-              <a:rPr lang="ko-KR" altLang="en-US" sz="3000" b="1">
-                <a:solidFill>
-                  <a:schemeClr val="tx1"/>
-                </a:solidFill>
-                <a:latin typeface="맑은 고딕" charset="0"/>
-                <a:ea typeface="맑은 고딕" charset="0"/>
-              </a:rPr>
-              <a:t> 번째 </a:t>
-            </a:r>
-            <a:r>
-              <a:rPr lang="ko-KR" altLang="en-US" sz="3000" b="1">
-                <a:solidFill>
-                  <a:schemeClr val="tx1"/>
-                </a:solidFill>
-                <a:latin typeface="맑은 고딕" charset="0"/>
-                <a:ea typeface="맑은 고딕" charset="0"/>
-              </a:rPr>
-              <a:t>튜토리얼</a:t>
-            </a:r>
-            <a:endParaRPr lang="ko-KR" altLang="en-US" sz="3000" b="1">
-              <a:solidFill>
-                <a:schemeClr val="tx1"/>
-              </a:solidFill>
-              <a:latin typeface="맑은 고딕" charset="0"/>
-              <a:ea typeface="맑은 고딕" charset="0"/>
-            </a:endParaRPr>
-          </a:p>
-        </p:txBody>
-      </p:sp>
-      <p:pic>
-        <p:nvPicPr>
-          <p:cNvPr id="1138" name="그림 223" descr="C:/Users/Admin1/AppData/Roaming/PolarisOffice/ETemp/13876_17549616/fImage51935165547.png"/>
-          <p:cNvPicPr>
-            <a:picLocks noChangeAspect="1"/>
-          </p:cNvPicPr>
-          <p:nvPr/>
-        </p:nvPicPr>
-        <p:blipFill rotWithShape="1">
-          <a:blip r:embed="rId4" cstate="hqprint">
-            <a:extLst>
-              <a:ext uri="{28A0092B-C50C-407E-A947-70E740481C1C}">
-                <a14:useLocalDpi xmlns:a14="http://schemas.microsoft.com/office/drawing/2010/main"/>
-              </a:ext>
-            </a:extLst>
-          </a:blip>
-          <a:stretch>
-            <a:fillRect/>
-          </a:stretch>
-        </p:blipFill>
-        <p:spPr>
-          <a:xfrm rot="0">
-            <a:off x="6814820" y="2927985"/>
-            <a:ext cx="4142740" cy="1337310"/>
-          </a:xfrm>
-          <a:prstGeom prst="roundRect"/>
-          <a:solidFill>
-            <a:srgbClr val="EDEDED"/>
-          </a:solidFill>
-        </p:spPr>
-      </p:pic>
-      <p:pic>
-        <p:nvPicPr>
-          <p:cNvPr id="1139" name="그림 224" descr="C:/Users/Admin1/AppData/Roaming/PolarisOffice/ETemp/13876_17549616/fImage51055177644.png"/>
-          <p:cNvPicPr>
-            <a:picLocks noChangeAspect="1"/>
-          </p:cNvPicPr>
-          <p:nvPr/>
-        </p:nvPicPr>
-        <p:blipFill rotWithShape="1">
-          <a:blip r:embed="rId5" cstate="hqprint">
-            <a:extLst>
-              <a:ext uri="{28A0092B-C50C-407E-A947-70E740481C1C}">
-                <a14:useLocalDpi xmlns:a14="http://schemas.microsoft.com/office/drawing/2010/main"/>
-              </a:ext>
-            </a:extLst>
-          </a:blip>
-          <a:stretch>
-            <a:fillRect/>
-          </a:stretch>
-        </p:blipFill>
-        <p:spPr>
-          <a:xfrm rot="0">
-            <a:off x="6814820" y="1376045"/>
-            <a:ext cx="4142740" cy="1343025"/>
-          </a:xfrm>
-          <a:prstGeom prst="roundRect"/>
-          <a:solidFill>
-            <a:srgbClr val="EDEDED"/>
-          </a:solidFill>
-        </p:spPr>
-      </p:pic>
-      <p:pic>
-        <p:nvPicPr>
-          <p:cNvPr id="1144" name="그림 60"/>
-          <p:cNvPicPr>
-            <a:picLocks noChangeAspect="1"/>
-          </p:cNvPicPr>
-          <p:nvPr/>
-        </p:nvPicPr>
-        <p:blipFill rotWithShape="1">
-          <a:blip r:embed="rId10" cstate="hqprint">
-            <a:extLst>
-              <a:ext uri="{28A0092B-C50C-407E-A947-70E740481C1C}">
-                <a14:useLocalDpi xmlns:a14="http://schemas.microsoft.com/office/drawing/2010/main"/>
-              </a:ext>
-            </a:extLst>
-          </a:blip>
-          <a:stretch>
-            <a:fillRect/>
-          </a:stretch>
-        </p:blipFill>
-        <p:spPr>
-          <a:xfrm rot="0">
-            <a:off x="2693670" y="1376680"/>
-            <a:ext cx="2662555" cy="1290955"/>
-          </a:xfrm>
-          <a:prstGeom prst="roundRect"/>
-          <a:solidFill>
-            <a:srgbClr val="EDEDED"/>
-          </a:solidFill>
-        </p:spPr>
-      </p:pic>
-      <p:pic>
-        <p:nvPicPr>
-          <p:cNvPr id="1145" name="그림 61"/>
-          <p:cNvPicPr>
-            <a:picLocks noChangeAspect="1"/>
-          </p:cNvPicPr>
-          <p:nvPr/>
-        </p:nvPicPr>
-        <p:blipFill rotWithShape="1">
-          <a:blip r:embed="rId11" cstate="hqprint">
-            <a:extLst>
-              <a:ext uri="{28A0092B-C50C-407E-A947-70E740481C1C}">
-                <a14:useLocalDpi xmlns:a14="http://schemas.microsoft.com/office/drawing/2010/main"/>
-              </a:ext>
-            </a:extLst>
-          </a:blip>
-          <a:stretch>
-            <a:fillRect/>
-          </a:stretch>
-        </p:blipFill>
-        <p:spPr>
-          <a:xfrm rot="0">
-            <a:off x="2702560" y="2961005"/>
-            <a:ext cx="2653030" cy="1299845"/>
-          </a:xfrm>
-          <a:prstGeom prst="roundRect"/>
-          <a:solidFill>
-            <a:srgbClr val="EDEDED"/>
-          </a:solidFill>
-        </p:spPr>
-      </p:pic>
-      <p:pic>
-        <p:nvPicPr>
-          <p:cNvPr id="1146" name="그림 70" descr="C:/Users/Admin1/AppData/Roaming/PolarisOffice/ETemp/13876_17549616/fImage93932522995.png"/>
-          <p:cNvPicPr>
-            <a:picLocks noChangeAspect="1"/>
-          </p:cNvPicPr>
-          <p:nvPr/>
-        </p:nvPicPr>
-        <p:blipFill rotWithShape="1">
-          <a:blip r:embed="rId12" cstate="hqprint">
-            <a:extLst>
-              <a:ext uri="{28A0092B-C50C-407E-A947-70E740481C1C}">
-                <a14:useLocalDpi xmlns:a14="http://schemas.microsoft.com/office/drawing/2010/main"/>
-              </a:ext>
-            </a:extLst>
-          </a:blip>
-          <a:stretch>
-            <a:fillRect/>
-          </a:stretch>
-        </p:blipFill>
-        <p:spPr>
-          <a:xfrm rot="0">
-            <a:off x="1238885" y="1376680"/>
-            <a:ext cx="1351915" cy="2887345"/>
-          </a:xfrm>
-          <a:prstGeom prst="roundRect"/>
-          <a:solidFill>
-            <a:srgbClr val="EDEDED"/>
-          </a:solidFill>
-        </p:spPr>
-      </p:pic>
-      <p:cxnSp>
-        <p:nvCxnSpPr>
-          <p:cNvPr id="1147" name="도형 73"/>
-          <p:cNvCxnSpPr/>
-          <p:nvPr/>
-        </p:nvCxnSpPr>
-        <p:spPr>
-          <a:xfrm rot="0">
-            <a:off x="2485390" y="2952750"/>
-            <a:ext cx="988060" cy="805815"/>
-          </a:xfrm>
-          <a:prstGeom prst="straightConnector1"/>
-          <a:ln w="6350" cap="flat" cmpd="sng">
-            <a:prstDash/>
-            <a:headEnd type="none" w="med" len="med"/>
-            <a:tailEnd type="triangle" w="med" len="med"/>
-          </a:ln>
-        </p:spPr>
-        <p:style>
-          <a:lnRef idx="1">
-            <a:schemeClr val="accent1"/>
-          </a:lnRef>
-          <a:fillRef idx="0">
-            <a:schemeClr val="accent1"/>
-          </a:fillRef>
-          <a:effectRef idx="0">
-            <a:schemeClr val="accent1"/>
-          </a:effectRef>
-          <a:fontRef idx="minor">
-            <a:schemeClr val="tx1"/>
-          </a:fontRef>
-        </p:style>
-      </p:cxnSp>
-      <p:sp>
-        <p:nvSpPr>
-          <p:cNvPr id="1148" name="텍스트 상자 74"/>
-          <p:cNvSpPr txBox="1">
-            <a:spLocks/>
-          </p:cNvSpPr>
-          <p:nvPr/>
-        </p:nvSpPr>
-        <p:spPr>
-          <a:xfrm rot="0">
-            <a:off x="1238885" y="4484370"/>
-            <a:ext cx="4114165" cy="1662430"/>
-          </a:xfrm>
-          <a:prstGeom prst="rect"/>
-          <a:noFill/>
-        </p:spPr>
-        <p:txBody>
-          <a:bodyPr wrap="square" lIns="0" tIns="0" rIns="0" bIns="0" numCol="1" vert="horz" anchor="t">
-            <a:noAutofit/>
-          </a:bodyPr>
-          <a:lstStyle/>
-          <a:p>
-            <a:pPr marL="0" indent="0" rtl="0" algn="l" defTabSz="914400" eaLnBrk="1" latinLnBrk="0" hangingPunct="1">
-              <a:buFontTx/>
-              <a:buNone/>
-            </a:pPr>
-            <a:r>
-              <a:rPr sz="1800" b="1">
-                <a:solidFill>
-                  <a:srgbClr val="0611F2"/>
-                </a:solidFill>
-                <a:latin typeface="맑은 고딕" charset="0"/>
-                <a:ea typeface="맑은 고딕" charset="0"/>
-              </a:rPr>
-              <a:t>31</a:t>
-            </a:r>
-            <a:r>
-              <a:rPr sz="1800" b="1">
-                <a:solidFill>
-                  <a:srgbClr val="0611F2"/>
-                </a:solidFill>
-                <a:latin typeface="맑은 고딕" charset="0"/>
-                <a:ea typeface="맑은 고딕" charset="0"/>
-              </a:rPr>
-              <a:t>.</a:t>
-            </a:r>
-            <a:r>
-              <a:rPr sz="1800">
-                <a:latin typeface="맑은 고딕" charset="0"/>
-                <a:ea typeface="맑은 고딕" charset="0"/>
-              </a:rPr>
-              <a:t> 그다음 </a:t>
-            </a:r>
-            <a:r>
-              <a:rPr lang="ko-KR" sz="1800">
-                <a:latin typeface="맑은 고딕" charset="0"/>
-                <a:ea typeface="맑은 고딕" charset="0"/>
-              </a:rPr>
-              <a:t>Kick</a:t>
-            </a:r>
-            <a:r>
-              <a:rPr sz="1800">
-                <a:latin typeface="맑은 고딕" charset="0"/>
-                <a:ea typeface="맑은 고딕" charset="0"/>
-              </a:rPr>
-              <a:t> Button과 Running Button</a:t>
-            </a:r>
-            <a:r>
-              <a:rPr lang="ko-KR" sz="1800">
-                <a:latin typeface="맑은 고딕" charset="0"/>
-                <a:ea typeface="맑은 고딕" charset="0"/>
-              </a:rPr>
-              <a:t>에</a:t>
-            </a:r>
-            <a:r>
-              <a:rPr sz="1800">
-                <a:latin typeface="맑은 고딕" charset="0"/>
-                <a:ea typeface="맑은 고딕" charset="0"/>
-              </a:rPr>
-              <a:t> On Click( ) 함수를 생성합니다.</a:t>
-            </a:r>
-            <a:endParaRPr lang="ko-KR" altLang="en-US" sz="1800">
-              <a:latin typeface="맑은 고딕" charset="0"/>
-              <a:ea typeface="맑은 고딕" charset="0"/>
-            </a:endParaRPr>
-          </a:p>
-          <a:p>
-            <a:pPr marL="0" indent="0" rtl="0" algn="l" defTabSz="914400" eaLnBrk="1" latinLnBrk="0" hangingPunct="1">
-              <a:buFontTx/>
-              <a:buNone/>
-            </a:pPr>
-            <a:endParaRPr lang="ko-KR" altLang="en-US" sz="1800">
-              <a:latin typeface="맑은 고딕" charset="0"/>
-              <a:ea typeface="맑은 고딕" charset="0"/>
-            </a:endParaRPr>
-          </a:p>
-          <a:p>
-            <a:pPr marL="0" indent="0" rtl="0" algn="l" defTabSz="914400" eaLnBrk="1" latinLnBrk="0" hangingPunct="1">
-              <a:buFontTx/>
-              <a:buNone/>
-            </a:pPr>
-            <a:r>
-              <a:rPr sz="1800">
-                <a:latin typeface="맑은 고딕" charset="0"/>
-                <a:ea typeface="맑은 고딕" charset="0"/>
-              </a:rPr>
-              <a:t>마지막으</a:t>
-            </a:r>
-            <a:r>
-              <a:rPr lang="ko-KR" sz="1800">
-                <a:latin typeface="맑은 고딕" charset="0"/>
-                <a:ea typeface="맑은 고딕" charset="0"/>
-              </a:rPr>
-              <a:t>로</a:t>
-            </a:r>
-            <a:r>
-              <a:rPr sz="1800">
-                <a:latin typeface="맑은 고딕" charset="0"/>
-                <a:ea typeface="맑은 고딕" charset="0"/>
-              </a:rPr>
-              <a:t> 각각의 버튼에 있는 On Click( ) 함수에 Animation Action 오브젝트를 넣어줍니다.</a:t>
-            </a:r>
-            <a:endParaRPr lang="ko-KR" altLang="en-US" sz="1800">
-              <a:latin typeface="맑은 고딕" charset="0"/>
-              <a:ea typeface="맑은 고딕" charset="0"/>
-            </a:endParaRPr>
-          </a:p>
-        </p:txBody>
-      </p:sp>
-    </p:spTree>
-  </p:cSld>
-  <p:clrMapOvr>
-    <a:masterClrMapping/>
-  </p:clrMapOvr>
-  <mc:AlternateContent xmlns:mc="http://schemas.openxmlformats.org/markup-compatibility/2006">
-    <mc:Choice xmlns:p14="http://schemas.microsoft.com/office/powerpoint/2010/main" Requires="p14">
-      <p:transition spd="slow" p14:dur="2000"/>
-    </mc:Choice>
-    <mc:Fallback>
-      <p:transition spd="slow"/>
-    </mc:Fallback>
-  </mc:AlternateContent>
-  <p:timing>
-    <p:tnLst>
-      <p:par>
-        <p:cTn id="1" dur="indefinite" restart="never" nodeType="tmRoot"/>
-      </p:par>
-    </p:tnLst>
-  </p:timing>
-</p:sld>
-</file>
-
-<file path=ppt/slides/slide14.xml><?xml version="1.0" encoding="utf-8"?>
-<p:sld xmlns:a="http://schemas.openxmlformats.org/drawingml/2006/main" xmlns:r="http://schemas.openxmlformats.org/officeDocument/2006/relationships" xmlns:p="http://schemas.openxmlformats.org/presentationml/2006/main" xmlns:p14="http://schemas.microsoft.com/office/powerpoint/2010/main">
-  <p:cSld>
-    <p:spTree>
-      <p:nvGrpSpPr>
-        <p:cNvPr id="1" name=""/>
-        <p:cNvGrpSpPr/>
-        <p:nvPr/>
-      </p:nvGrpSpPr>
-      <p:grpSpPr>
-        <a:xfrm>
-          <a:off x="0" y="0"/>
-          <a:ext cx="0" cy="0"/>
-          <a:chOff x="0" y="0"/>
-          <a:chExt cx="0" cy="0"/>
-        </a:xfrm>
-      </p:grpSpPr>
-      <p:sp>
-        <p:nvSpPr>
-          <p:cNvPr id="1127" name="Rect 0"/>
-          <p:cNvSpPr txBox="1">
-            <a:spLocks/>
-          </p:cNvSpPr>
-          <p:nvPr/>
-        </p:nvSpPr>
-        <p:spPr>
-          <a:xfrm rot="0">
-            <a:off x="6806565" y="4227195"/>
-            <a:ext cx="4159250" cy="2061845"/>
-          </a:xfrm>
-          <a:prstGeom prst="rect"/>
-          <a:noFill/>
-          <a:ln w="0">
-            <a:noFill/>
-            <a:prstDash/>
-          </a:ln>
-        </p:spPr>
-        <p:txBody>
-          <a:bodyPr wrap="square" lIns="89535" tIns="46355" rIns="89535" bIns="46355" numCol="1" vert="horz" anchor="t">
-            <a:spAutoFit/>
-          </a:bodyPr>
-          <a:lstStyle/>
-          <a:p>
-            <a:pPr marL="0" indent="0" algn="l" latinLnBrk="0" hangingPunct="1">
-              <a:buFontTx/>
-              <a:buNone/>
-            </a:pPr>
-            <a:r>
-              <a:rPr lang="ko-KR" sz="2000" b="1">
-                <a:solidFill>
-                  <a:srgbClr val="0611F2"/>
-                </a:solidFill>
-                <a:latin typeface="맑은 고딕" charset="0"/>
-                <a:ea typeface="맑은 고딕" charset="0"/>
-              </a:rPr>
-              <a:t>34. </a:t>
-            </a:r>
-            <a:r>
-              <a:rPr lang="ko-KR" sz="1800">
-                <a:latin typeface="맑은 고딕" charset="0"/>
-                <a:ea typeface="맑은 고딕" charset="0"/>
-              </a:rPr>
-              <a:t>마지막으로 Idle 애니메이션에서 Make Transition을 선택하여 Exit 스테이트에 연결합니다.</a:t>
-            </a:r>
-            <a:endParaRPr lang="ko-KR" altLang="en-US" sz="1800">
-              <a:latin typeface="맑은 고딕" charset="0"/>
-              <a:ea typeface="맑은 고딕" charset="0"/>
-            </a:endParaRPr>
-          </a:p>
-          <a:p>
-            <a:pPr marL="0" indent="0" algn="l" latinLnBrk="0" hangingPunct="1">
-              <a:buFontTx/>
-              <a:buNone/>
-            </a:pPr>
-            <a:endParaRPr lang="ko-KR" altLang="en-US" sz="1800">
-              <a:latin typeface="맑은 고딕" charset="0"/>
-              <a:ea typeface="맑은 고딕" charset="0"/>
-            </a:endParaRPr>
-          </a:p>
-          <a:p>
-            <a:pPr marL="0" indent="0" algn="l" latinLnBrk="0" hangingPunct="1">
-              <a:buFontTx/>
-              <a:buNone/>
-            </a:pPr>
-            <a:r>
-              <a:rPr lang="ko-KR" sz="1800">
-                <a:latin typeface="맑은 고딕" charset="0"/>
-                <a:ea typeface="맑은 고딕" charset="0"/>
-              </a:rPr>
-              <a:t>그러면 Idle 애니메이션의 진행이 다 끝나고 다시 Entry 스테이트로 진입하게 됩니다.</a:t>
-            </a:r>
-            <a:endParaRPr lang="ko-KR" altLang="en-US" sz="1800">
-              <a:latin typeface="맑은 고딕" charset="0"/>
-              <a:ea typeface="맑은 고딕" charset="0"/>
-            </a:endParaRPr>
-          </a:p>
-        </p:txBody>
-      </p:sp>
-      <p:sp>
-        <p:nvSpPr>
-          <p:cNvPr id="1130" name="Rect 0"/>
-          <p:cNvSpPr txBox="1">
-            <a:spLocks/>
-          </p:cNvSpPr>
-          <p:nvPr/>
-        </p:nvSpPr>
-        <p:spPr>
-          <a:xfrm rot="0">
-            <a:off x="4273550" y="400685"/>
-            <a:ext cx="3641090" cy="554990"/>
-          </a:xfrm>
-          <a:prstGeom prst="rect"/>
-          <a:noFill/>
-          <a:ln w="0">
-            <a:noFill/>
-            <a:prstDash/>
-          </a:ln>
-        </p:spPr>
-        <p:txBody>
-          <a:bodyPr wrap="square" lIns="89535" tIns="46355" rIns="89535" bIns="46355" numCol="1" vert="horz" anchor="t">
-            <a:spAutoFit/>
-          </a:bodyPr>
-          <a:lstStyle/>
-          <a:p>
-            <a:pPr marL="0" indent="0" algn="l" latinLnBrk="0">
-              <a:buFontTx/>
-              <a:buNone/>
-            </a:pPr>
-            <a:r>
-              <a:rPr lang="ko-KR" altLang="en-US" sz="3000" b="1">
-                <a:solidFill>
-                  <a:schemeClr val="tx1"/>
-                </a:solidFill>
-                <a:latin typeface="맑은 고딕" charset="0"/>
-                <a:ea typeface="맑은 고딕" charset="0"/>
-              </a:rPr>
-              <a:t>열</a:t>
-            </a:r>
-            <a:r>
-              <a:rPr lang="ko-KR" altLang="en-US" sz="3000" b="1">
-                <a:solidFill>
-                  <a:schemeClr val="tx1"/>
-                </a:solidFill>
-                <a:latin typeface="맑은 고딕" charset="0"/>
-                <a:ea typeface="맑은 고딕" charset="0"/>
-              </a:rPr>
-              <a:t>네</a:t>
-            </a:r>
-            <a:r>
-              <a:rPr lang="ko-KR" altLang="en-US" sz="3000" b="1">
-                <a:solidFill>
-                  <a:schemeClr val="tx1"/>
-                </a:solidFill>
-                <a:latin typeface="맑은 고딕" charset="0"/>
-                <a:ea typeface="맑은 고딕" charset="0"/>
-              </a:rPr>
-              <a:t> 번째 </a:t>
-            </a:r>
-            <a:r>
-              <a:rPr lang="ko-KR" altLang="en-US" sz="3000" b="1">
-                <a:solidFill>
-                  <a:schemeClr val="tx1"/>
-                </a:solidFill>
-                <a:latin typeface="맑은 고딕" charset="0"/>
-                <a:ea typeface="맑은 고딕" charset="0"/>
-              </a:rPr>
-              <a:t>튜토리얼</a:t>
-            </a:r>
-            <a:endParaRPr lang="ko-KR" altLang="en-US" sz="3000" b="1">
-              <a:solidFill>
-                <a:schemeClr val="tx1"/>
-              </a:solidFill>
-              <a:latin typeface="맑은 고딕" charset="0"/>
-              <a:ea typeface="맑은 고딕" charset="0"/>
-            </a:endParaRPr>
-          </a:p>
-        </p:txBody>
-      </p:sp>
-      <p:sp>
-        <p:nvSpPr>
-          <p:cNvPr id="1148" name="Rect 0"/>
-          <p:cNvSpPr txBox="1">
-            <a:spLocks/>
-          </p:cNvSpPr>
-          <p:nvPr/>
-        </p:nvSpPr>
-        <p:spPr>
-          <a:xfrm rot="0">
-            <a:off x="1212850" y="4077970"/>
-            <a:ext cx="4156710" cy="2215515"/>
-          </a:xfrm>
-          <a:prstGeom prst="rect"/>
-          <a:noFill/>
-        </p:spPr>
-        <p:txBody>
-          <a:bodyPr wrap="square" lIns="0" tIns="0" rIns="0" bIns="0" vert="horz" anchor="t">
-            <a:noAutofit/>
-          </a:bodyPr>
-          <a:lstStyle/>
-          <a:p>
-            <a:pPr marL="0" indent="0" rtl="0" algn="l" defTabSz="914400" eaLnBrk="1" latinLnBrk="0" hangingPunct="1">
-              <a:buFontTx/>
-              <a:buNone/>
-            </a:pPr>
-            <a:r>
-              <a:rPr sz="1800" b="1">
-                <a:solidFill>
-                  <a:srgbClr val="0611F2"/>
-                </a:solidFill>
-                <a:latin typeface="맑은 고딕" charset="0"/>
-                <a:ea typeface="맑은 고딕" charset="0"/>
-              </a:rPr>
-              <a:t>3</a:t>
-            </a:r>
-            <a:r>
-              <a:rPr lang="ko-KR" sz="1800" b="1">
-                <a:solidFill>
-                  <a:srgbClr val="0611F2"/>
-                </a:solidFill>
-                <a:latin typeface="맑은 고딕" charset="0"/>
-                <a:ea typeface="맑은 고딕" charset="0"/>
-              </a:rPr>
-              <a:t>3</a:t>
-            </a:r>
-            <a:r>
-              <a:rPr sz="1800" b="1">
-                <a:solidFill>
-                  <a:srgbClr val="0611F2"/>
-                </a:solidFill>
-                <a:latin typeface="맑은 고딕" charset="0"/>
-                <a:ea typeface="맑은 고딕" charset="0"/>
-              </a:rPr>
-              <a:t>.</a:t>
-            </a:r>
-            <a:r>
-              <a:rPr sz="1800">
-                <a:latin typeface="맑은 고딕" charset="0"/>
-                <a:ea typeface="맑은 고딕" charset="0"/>
-              </a:rPr>
-              <a:t> 그</a:t>
-            </a:r>
-            <a:r>
-              <a:rPr sz="1800">
-                <a:latin typeface="맑은 고딕" charset="0"/>
-                <a:ea typeface="맑은 고딕" charset="0"/>
-              </a:rPr>
-              <a:t>리</a:t>
-            </a:r>
-            <a:r>
-              <a:rPr lang="ko-KR" sz="1800">
-                <a:latin typeface="맑은 고딕" charset="0"/>
-                <a:ea typeface="맑은 고딕" charset="0"/>
-              </a:rPr>
-              <a:t>고</a:t>
-            </a:r>
-            <a:r>
-              <a:rPr sz="1800">
-                <a:latin typeface="맑은 고딕" charset="0"/>
-                <a:ea typeface="맑은 고딕" charset="0"/>
-              </a:rPr>
-              <a:t> </a:t>
-            </a:r>
-            <a:r>
-              <a:rPr lang="ko-KR" sz="1800">
-                <a:latin typeface="맑은 고딕" charset="0"/>
-                <a:ea typeface="맑은 고딕" charset="0"/>
-              </a:rPr>
-              <a:t>Running Text 오브젝트를 선택하고 Running Button이라는 텍스트로 정의한 다음 Font Size를 20으로 설정합니다.</a:t>
-            </a:r>
-            <a:endParaRPr lang="ko-KR" altLang="en-US" sz="1800">
-              <a:latin typeface="맑은 고딕" charset="0"/>
-              <a:ea typeface="맑은 고딕" charset="0"/>
-            </a:endParaRPr>
-          </a:p>
-          <a:p>
-            <a:pPr marL="0" indent="0" rtl="0" algn="l" defTabSz="914400" eaLnBrk="1" latinLnBrk="0" hangingPunct="1">
-              <a:buFontTx/>
-              <a:buNone/>
-            </a:pPr>
-            <a:endParaRPr lang="ko-KR" altLang="en-US" sz="1800">
-              <a:latin typeface="맑은 고딕" charset="0"/>
-              <a:ea typeface="맑은 고딕" charset="0"/>
-            </a:endParaRPr>
-          </a:p>
-          <a:p>
-            <a:pPr marL="0" indent="0" rtl="0" algn="l" defTabSz="914400" eaLnBrk="1" latinLnBrk="0" hangingPunct="1">
-              <a:buFontTx/>
-              <a:buNone/>
-            </a:pPr>
-            <a:r>
-              <a:rPr lang="ko-KR" sz="1800">
-                <a:latin typeface="맑은 고딕" charset="0"/>
-                <a:ea typeface="맑은 고딕" charset="0"/>
-              </a:rPr>
-              <a:t>그다음 Kick Text 오브젝트를 선택하여 Kick Action이라는 텍스트로 정의하고 Font Size를 20으로 설정합니다.</a:t>
-            </a:r>
-            <a:endParaRPr lang="ko-KR" altLang="en-US" sz="1800">
-              <a:latin typeface="맑은 고딕" charset="0"/>
-              <a:ea typeface="맑은 고딕" charset="0"/>
-            </a:endParaRPr>
-          </a:p>
-        </p:txBody>
-      </p:sp>
-      <p:pic>
-        <p:nvPicPr>
-          <p:cNvPr id="1150" name="그림 87" descr="C:/Users/Admin1/AppData/Roaming/PolarisOffice/ETemp/13876_17549616/fImage121233421942.png"/>
-          <p:cNvPicPr>
-            <a:picLocks noChangeAspect="1"/>
-          </p:cNvPicPr>
-          <p:nvPr/>
-        </p:nvPicPr>
-        <p:blipFill rotWithShape="1">
-          <a:blip r:embed="rId2" cstate="hqprint">
-            <a:extLst>
-              <a:ext uri="{28A0092B-C50C-407E-A947-70E740481C1C}">
-                <a14:useLocalDpi xmlns:a14="http://schemas.microsoft.com/office/drawing/2010/main"/>
-              </a:ext>
-            </a:extLst>
-          </a:blip>
-          <a:stretch>
-            <a:fillRect/>
-          </a:stretch>
-        </p:blipFill>
-        <p:spPr>
-          <a:xfrm rot="0">
-            <a:off x="1203960" y="1363345"/>
-            <a:ext cx="4166235" cy="1201420"/>
-          </a:xfrm>
-          <a:prstGeom prst="roundRect"/>
-          <a:solidFill>
-            <a:srgbClr val="EDEDED"/>
-          </a:solidFill>
-        </p:spPr>
-      </p:pic>
-      <p:pic>
-        <p:nvPicPr>
-          <p:cNvPr id="1152" name="그림 93" descr="C:/Users/Admin1/AppData/Roaming/PolarisOffice/ETemp/13876_17549616/fImage120273444827.png"/>
-          <p:cNvPicPr>
-            <a:picLocks noChangeAspect="1"/>
-          </p:cNvPicPr>
-          <p:nvPr/>
-        </p:nvPicPr>
-        <p:blipFill rotWithShape="1">
-          <a:blip r:embed="rId3" cstate="hqprint">
-            <a:extLst>
-              <a:ext uri="{28A0092B-C50C-407E-A947-70E740481C1C}">
-                <a14:useLocalDpi xmlns:a14="http://schemas.microsoft.com/office/drawing/2010/main"/>
-              </a:ext>
-            </a:extLst>
-          </a:blip>
-          <a:stretch>
-            <a:fillRect/>
-          </a:stretch>
-        </p:blipFill>
-        <p:spPr>
-          <a:xfrm rot="0">
-            <a:off x="1203960" y="2735580"/>
-            <a:ext cx="4175125" cy="1179195"/>
-          </a:xfrm>
-          <a:prstGeom prst="roundRect"/>
-          <a:solidFill>
-            <a:srgbClr val="EDEDED"/>
-          </a:solidFill>
-        </p:spPr>
-      </p:pic>
-      <p:pic>
-        <p:nvPicPr>
-          <p:cNvPr id="1154" name="그림 99" descr="C:/Users/Admin1/AppData/Roaming/PolarisOffice/ETemp/13876_17549616/fImage181103465436.png"/>
-          <p:cNvPicPr>
-            <a:picLocks noChangeAspect="1"/>
-          </p:cNvPicPr>
-          <p:nvPr/>
-        </p:nvPicPr>
-        <p:blipFill rotWithShape="1">
-          <a:blip r:embed="rId4" cstate="hqprint">
-            <a:extLst>
-              <a:ext uri="{28A0092B-C50C-407E-A947-70E740481C1C}">
-                <a14:useLocalDpi xmlns:a14="http://schemas.microsoft.com/office/drawing/2010/main"/>
-              </a:ext>
-            </a:extLst>
-          </a:blip>
-          <a:stretch>
-            <a:fillRect/>
-          </a:stretch>
-        </p:blipFill>
-        <p:spPr>
-          <a:xfrm rot="0">
-            <a:off x="6814820" y="1362710"/>
-            <a:ext cx="4142740" cy="2686050"/>
-          </a:xfrm>
-          <a:prstGeom prst="roundRect"/>
-          <a:solidFill>
-            <a:srgbClr val="EDEDED"/>
-          </a:solidFill>
         </p:spPr>
       </p:pic>
     </p:spTree>
@@ -9929,7 +7179,7 @@
 </file>
 
 <file path=ppt/slides/slide2.xml><?xml version="1.0" encoding="utf-8"?>
-<p:sld xmlns:a="http://schemas.openxmlformats.org/drawingml/2006/main" xmlns:r="http://schemas.openxmlformats.org/officeDocument/2006/relationships" xmlns:p="http://schemas.openxmlformats.org/presentationml/2006/main" xmlns:p14="http://schemas.microsoft.com/office/powerpoint/2010/main">
+<p:sld xmlns:a="http://schemas.openxmlformats.org/drawingml/2006/main" xmlns:r="http://schemas.openxmlformats.org/officeDocument/2006/relationships" xmlns:p="http://schemas.openxmlformats.org/presentationml/2006/main">
   <p:cSld>
     <p:spTree>
       <p:nvGrpSpPr>
@@ -9955,8 +7205,8 @@
         </p:nvSpPr>
         <p:spPr>
           <a:xfrm rot="0">
-            <a:off x="4537710" y="388620"/>
-            <a:ext cx="3117850" cy="554990"/>
+            <a:off x="4546600" y="388620"/>
+            <a:ext cx="3126740" cy="478155"/>
           </a:xfrm>
           <a:prstGeom prst="rect"/>
           <a:noFill/>
@@ -9971,43 +7221,43 @@
           </a:bodyPr>
           <a:lstStyle/>
           <a:p>
-            <a:pPr marL="0" indent="0" algn="l" latinLnBrk="0">
-              <a:buFontTx/>
-              <a:buNone/>
-            </a:pPr>
-            <a:r>
-              <a:rPr lang="ko-KR" altLang="en-US" sz="3000" b="1">
+            <a:pPr marL="0" indent="0" algn="ctr" latinLnBrk="0">
+              <a:buFontTx/>
+              <a:buNone/>
+            </a:pPr>
+            <a:r>
+              <a:rPr lang="ko-KR" altLang="en-US" sz="2500" b="1">
                 <a:solidFill>
                   <a:schemeClr val="tx1"/>
                 </a:solidFill>
-                <a:latin typeface="맑은 고딕" charset="0"/>
-                <a:ea typeface="맑은 고딕" charset="0"/>
-              </a:rPr>
-              <a:t>두 번째 </a:t>
-            </a:r>
-            <a:r>
-              <a:rPr lang="ko-KR" altLang="en-US" sz="3000" b="1">
+                <a:latin typeface="나눔바른고딕" charset="0"/>
+                <a:ea typeface="나눔바른고딕" charset="0"/>
+              </a:rPr>
+              <a:t>두</a:t>
+            </a:r>
+            <a:r>
+              <a:rPr lang="ko-KR" altLang="en-US" sz="2500" b="1">
                 <a:solidFill>
                   <a:schemeClr val="tx1"/>
                 </a:solidFill>
-                <a:latin typeface="맑은 고딕" charset="0"/>
-                <a:ea typeface="맑은 고딕" charset="0"/>
-              </a:rPr>
-              <a:t>튜토리얼</a:t>
-            </a:r>
-            <a:endParaRPr lang="ko-KR" altLang="en-US" sz="3000" b="1">
+                <a:latin typeface="나눔바른고딕" charset="0"/>
+                <a:ea typeface="나눔바른고딕" charset="0"/>
+              </a:rPr>
+              <a:t> 번째 튜토리얼</a:t>
+            </a:r>
+            <a:endParaRPr lang="ko-KR" altLang="en-US" sz="2500" b="1">
               <a:solidFill>
                 <a:schemeClr val="tx1"/>
               </a:solidFill>
-              <a:latin typeface="맑은 고딕" charset="0"/>
-              <a:ea typeface="맑은 고딕" charset="0"/>
+              <a:latin typeface="나눔바른고딕" charset="0"/>
+              <a:ea typeface="나눔바른고딕" charset="0"/>
             </a:endParaRPr>
           </a:p>
         </p:txBody>
       </p:sp>
       <p:sp>
         <p:nvSpPr>
-          <p:cNvPr id="1132" name="Rect 0"/>
+          <p:cNvPr id="1159" name="Rect 0"/>
           <p:cNvSpPr txBox="1">
             <a:spLocks/>
           </p:cNvSpPr>
@@ -10015,8 +7265,8 @@
         </p:nvSpPr>
         <p:spPr>
           <a:xfrm rot="0">
-            <a:off x="1222375" y="5447665"/>
-            <a:ext cx="4143375" cy="680720"/>
+            <a:off x="1257935" y="5295900"/>
+            <a:ext cx="4135120" cy="923925"/>
           </a:xfrm>
           <a:prstGeom prst="rect"/>
           <a:noFill/>
@@ -10036,17 +7286,14 @@
               <a:buNone/>
             </a:pPr>
             <a:r>
-              <a:rPr lang="ko-KR" sz="2000" b="1">
-                <a:solidFill>
-                  <a:srgbClr val="0611F2"/>
-                </a:solidFill>
-                <a:latin typeface="맑은 고딕" charset="0"/>
-                <a:ea typeface="맑은 고딕" charset="0"/>
-              </a:rPr>
-              <a:t>3.</a:t>
-            </a:r>
-            <a:r>
-              <a:rPr lang="ko-KR" sz="2000">
+              <a:rPr lang="ko-KR" sz="1800">
+                <a:latin typeface="맑은 고딕" charset="0"/>
+                <a:ea typeface="맑은 고딕" charset="0"/>
+              </a:rPr>
+              <a:t>애니메이터</a:t>
+            </a:r>
+            <a:r>
+              <a:rPr lang="ko-KR" sz="1800">
                 <a:latin typeface="맑은 고딕" charset="0"/>
                 <a:ea typeface="맑은 고딕" charset="0"/>
               </a:rPr>
@@ -10057,7 +7304,84 @@
                 <a:latin typeface="맑은 고딕" charset="0"/>
                 <a:ea typeface="맑은 고딕" charset="0"/>
               </a:rPr>
-              <a:t>그리고 Character 메뉴를 선택하고 원하는 캐릭터를 Download합니다.</a:t>
+              <a:t>컨트롤러</a:t>
+            </a:r>
+            <a:r>
+              <a:rPr lang="ko-KR" sz="1800">
+                <a:latin typeface="맑은 고딕" charset="0"/>
+                <a:ea typeface="맑은 고딕" charset="0"/>
+              </a:rPr>
+              <a:t>는</a:t>
+            </a:r>
+            <a:r>
+              <a:rPr lang="ko-KR" sz="1800">
+                <a:latin typeface="맑은 고딕" charset="0"/>
+                <a:ea typeface="맑은 고딕" charset="0"/>
+              </a:rPr>
+              <a:t> </a:t>
+            </a:r>
+            <a:r>
+              <a:rPr lang="ko-KR" altLang="en-US" sz="1800">
+                <a:latin typeface="맑은 고딕" charset="0"/>
+                <a:ea typeface="맑은 고딕" charset="0"/>
+              </a:rPr>
+              <a:t>게임</a:t>
+            </a:r>
+            <a:r>
+              <a:rPr lang="ko-KR" altLang="en-US" sz="1800">
+                <a:latin typeface="맑은 고딕" charset="0"/>
+                <a:ea typeface="맑은 고딕" charset="0"/>
+              </a:rPr>
+              <a:t> </a:t>
+            </a:r>
+            <a:r>
+              <a:rPr lang="ko-KR" altLang="en-US" sz="1800">
+                <a:latin typeface="맑은 고딕" charset="0"/>
+                <a:ea typeface="맑은 고딕" charset="0"/>
+              </a:rPr>
+              <a:t>오브젝트의</a:t>
+            </a:r>
+            <a:r>
+              <a:rPr lang="ko-KR" altLang="en-US" sz="1800">
+                <a:latin typeface="맑은 고딕" charset="0"/>
+                <a:ea typeface="맑은 고딕" charset="0"/>
+              </a:rPr>
+              <a:t> </a:t>
+            </a:r>
+            <a:r>
+              <a:rPr lang="ko-KR" altLang="en-US" sz="1800">
+                <a:latin typeface="맑은 고딕" charset="0"/>
+                <a:ea typeface="맑은 고딕" charset="0"/>
+              </a:rPr>
+              <a:t>애니메이션을</a:t>
+            </a:r>
+            <a:r>
+              <a:rPr lang="ko-KR" altLang="en-US" sz="1800">
+                <a:latin typeface="맑은 고딕" charset="0"/>
+                <a:ea typeface="맑은 고딕" charset="0"/>
+              </a:rPr>
+              <a:t> </a:t>
+            </a:r>
+            <a:r>
+              <a:rPr lang="ko-KR" altLang="en-US" sz="1800">
+                <a:latin typeface="맑은 고딕" charset="0"/>
+                <a:ea typeface="맑은 고딕" charset="0"/>
+              </a:rPr>
+              <a:t>제어하는</a:t>
+            </a:r>
+            <a:r>
+              <a:rPr lang="ko-KR" altLang="en-US" sz="1800">
+                <a:latin typeface="맑은 고딕" charset="0"/>
+                <a:ea typeface="맑은 고딕" charset="0"/>
+              </a:rPr>
+              <a:t> </a:t>
+            </a:r>
+            <a:r>
+              <a:rPr lang="ko-KR" altLang="en-US" sz="1800">
+                <a:latin typeface="맑은 고딕" charset="0"/>
+                <a:ea typeface="맑은 고딕" charset="0"/>
+              </a:rPr>
+              <a:t>컴포넌트입니다.</a:t>
             </a:r>
             <a:endParaRPr lang="ko-KR" altLang="en-US" sz="1800">
               <a:latin typeface="맑은 고딕" charset="0"/>
@@ -10066,63 +7390,9 @@
           </a:p>
         </p:txBody>
       </p:sp>
-      <p:sp>
-        <p:nvSpPr>
-          <p:cNvPr id="1153" name="Rect 0"/>
-          <p:cNvSpPr txBox="1">
-            <a:spLocks/>
-          </p:cNvSpPr>
-          <p:nvPr/>
-        </p:nvSpPr>
-        <p:spPr>
-          <a:xfrm rot="0">
-            <a:off x="6834505" y="2894330"/>
-            <a:ext cx="4258310" cy="955675"/>
-          </a:xfrm>
-          <a:prstGeom prst="rect"/>
-          <a:noFill/>
-          <a:ln w="0">
-            <a:noFill/>
-            <a:prstDash/>
-          </a:ln>
-        </p:spPr>
-        <p:txBody>
-          <a:bodyPr wrap="square" lIns="89535" tIns="46355" rIns="89535" bIns="46355" numCol="1" vert="horz" anchor="t">
-            <a:spAutoFit/>
-          </a:bodyPr>
-          <a:lstStyle/>
-          <a:p>
-            <a:pPr marL="0" indent="0" algn="l" latinLnBrk="0" hangingPunct="1">
-              <a:buFontTx/>
-              <a:buNone/>
-            </a:pPr>
-            <a:r>
-              <a:rPr lang="ko-KR" sz="2000" b="1">
-                <a:solidFill>
-                  <a:srgbClr val="0611F2"/>
-                </a:solidFill>
-                <a:latin typeface="맑은 고딕" charset="0"/>
-                <a:ea typeface="맑은 고딕" charset="0"/>
-              </a:rPr>
-              <a:t>4. </a:t>
-            </a:r>
-            <a:r>
-              <a:rPr lang="ko-KR" sz="1800">
-                <a:latin typeface="맑은 고딕" charset="0"/>
-                <a:ea typeface="맑은 고딕" charset="0"/>
-              </a:rPr>
-              <a:t>Format에 FBX for Unity(.fbx)로 설정하고 Pose는 T-pose로 설정한 다음 Download를 선택합니다.</a:t>
-            </a:r>
-            <a:endParaRPr lang="ko-KR" altLang="en-US" sz="1800">
-              <a:latin typeface="맑은 고딕" charset="0"/>
-              <a:ea typeface="맑은 고딕" charset="0"/>
-            </a:endParaRPr>
-          </a:p>
-        </p:txBody>
-      </p:sp>
       <p:pic>
         <p:nvPicPr>
-          <p:cNvPr id="1156" name="그림 54"/>
+          <p:cNvPr id="1171" name="Picture " descr="C:/Users/Admin1/AppData/Roaming/PolarisOffice/ETemp/28880_14730240/fImage2446744741.png"/>
           <p:cNvPicPr>
             <a:picLocks noChangeAspect="1"/>
           </p:cNvPicPr>
@@ -10142,16 +7412,96 @@
         </p:blipFill>
         <p:spPr>
           <a:xfrm rot="0">
-            <a:off x="1222375" y="1363345"/>
-            <a:ext cx="4142740" cy="3950335"/>
+            <a:off x="1249045" y="3522980"/>
+            <a:ext cx="4144010" cy="1606550"/>
+          </a:xfrm>
+          <a:prstGeom prst="roundRect"/>
+          <a:solidFill>
+            <a:srgbClr val="EDEDED"/>
+          </a:solidFill>
+        </p:spPr>
+      </p:pic>
+      <p:sp>
+        <p:nvSpPr>
+          <p:cNvPr id="1174" name="텍스트 상자 13"/>
+          <p:cNvSpPr txBox="1">
+            <a:spLocks/>
+          </p:cNvSpPr>
+          <p:nvPr/>
+        </p:nvSpPr>
+        <p:spPr>
+          <a:xfrm rot="0">
+            <a:off x="1264285" y="2677160"/>
+            <a:ext cx="4145915" cy="677545"/>
           </a:xfrm>
           <a:prstGeom prst="rect"/>
           <a:noFill/>
-        </p:spPr>
-      </p:pic>
+          <a:ln w="0">
+            <a:noFill/>
+            <a:prstDash/>
+          </a:ln>
+        </p:spPr>
+        <p:txBody>
+          <a:bodyPr wrap="square" lIns="89535" tIns="46355" rIns="89535" bIns="46355" numCol="1" vert="horz" anchor="t">
+            <a:spAutoFit/>
+          </a:bodyPr>
+          <a:lstStyle/>
+          <a:p>
+            <a:pPr marL="0" indent="0" algn="l" latinLnBrk="0" hangingPunct="1">
+              <a:buFontTx/>
+              <a:buNone/>
+            </a:pPr>
+            <a:r>
+              <a:rPr lang="ko-KR" sz="2000" b="1">
+                <a:solidFill>
+                  <a:srgbClr val="0611F2"/>
+                </a:solidFill>
+                <a:latin typeface="맑은 고딕" charset="0"/>
+                <a:ea typeface="맑은 고딕" charset="0"/>
+              </a:rPr>
+              <a:t>4.</a:t>
+            </a:r>
+            <a:r>
+              <a:rPr lang="ko-KR" sz="2000" b="1">
+                <a:solidFill>
+                  <a:srgbClr val="0611F2"/>
+                </a:solidFill>
+                <a:latin typeface="맑은 고딕" charset="0"/>
+                <a:ea typeface="맑은 고딕" charset="0"/>
+              </a:rPr>
+              <a:t> </a:t>
+            </a:r>
+            <a:r>
+              <a:rPr lang="ko-KR" sz="1800">
+                <a:latin typeface="맑은 고딕" charset="0"/>
+                <a:ea typeface="맑은 고딕" charset="0"/>
+              </a:rPr>
+              <a:t>그런 다음 캐릭터를 선택하고 </a:t>
+            </a:r>
+            <a:r>
+              <a:rPr lang="ko-KR" sz="1800">
+                <a:latin typeface="맑은 고딕" charset="0"/>
+                <a:ea typeface="맑은 고딕" charset="0"/>
+              </a:rPr>
+              <a:t>Animator</a:t>
+            </a:r>
+            <a:r>
+              <a:rPr lang="ko-KR" sz="1800">
+                <a:latin typeface="맑은 고딕" charset="0"/>
+                <a:ea typeface="맑은 고딕" charset="0"/>
+              </a:rPr>
+              <a:t> 컴포넌트를 넣어줍니다.</a:t>
+            </a:r>
+            <a:endParaRPr lang="ko-KR" altLang="en-US" sz="1800">
+              <a:latin typeface="맑은 고딕" charset="0"/>
+              <a:ea typeface="맑은 고딕" charset="0"/>
+            </a:endParaRPr>
+          </a:p>
+        </p:txBody>
+      </p:sp>
       <p:pic>
         <p:nvPicPr>
-          <p:cNvPr id="1157" name="그림 55"/>
+          <p:cNvPr id="1175" name="그림 14" descr="C:/Users/Admin1/AppData/Roaming/PolarisOffice/ETemp/28880_14730240/fImage44283074464.png"/>
           <p:cNvPicPr>
             <a:picLocks noChangeAspect="1"/>
           </p:cNvPicPr>
@@ -10171,8 +7521,8 @@
         </p:blipFill>
         <p:spPr>
           <a:xfrm rot="0">
-            <a:off x="6833235" y="1363345"/>
-            <a:ext cx="4252595" cy="1441450"/>
+            <a:off x="1255395" y="1438275"/>
+            <a:ext cx="4149725" cy="1137920"/>
           </a:xfrm>
           <a:prstGeom prst="roundRect"/>
           <a:solidFill>
@@ -10182,7 +7532,7 @@
       </p:pic>
       <p:pic>
         <p:nvPicPr>
-          <p:cNvPr id="1158" name="그림 56"/>
+          <p:cNvPr id="1176" name="그림 15" descr="C:/Users/Admin1/AppData/Roaming/PolarisOffice/ETemp/28880_14730240/fImage415713108145.png"/>
           <p:cNvPicPr>
             <a:picLocks noChangeAspect="1"/>
           </p:cNvPicPr>
@@ -10202,8 +7552,8 @@
         </p:blipFill>
         <p:spPr>
           <a:xfrm rot="0">
-            <a:off x="6832600" y="4023360"/>
-            <a:ext cx="946150" cy="1036955"/>
+            <a:off x="6813550" y="1430020"/>
+            <a:ext cx="4152265" cy="3768090"/>
           </a:xfrm>
           <a:prstGeom prst="roundRect"/>
           <a:solidFill>
@@ -10213,7 +7563,7 @@
       </p:pic>
       <p:sp>
         <p:nvSpPr>
-          <p:cNvPr id="1159" name="텍스트 상자 59"/>
+          <p:cNvPr id="1177" name="텍스트 상자 16"/>
           <p:cNvSpPr txBox="1">
             <a:spLocks/>
           </p:cNvSpPr>
@@ -10221,19 +7571,15 @@
         </p:nvSpPr>
         <p:spPr>
           <a:xfrm rot="0">
-            <a:off x="6829425" y="5171440"/>
-            <a:ext cx="4252595" cy="955040"/>
+            <a:off x="6816090" y="5361305"/>
+            <a:ext cx="4149725" cy="861695"/>
           </a:xfrm>
           <a:prstGeom prst="rect"/>
           <a:noFill/>
-          <a:ln w="0">
-            <a:noFill/>
-            <a:prstDash/>
-          </a:ln>
-        </p:spPr>
-        <p:txBody>
-          <a:bodyPr wrap="square" lIns="89535" tIns="46355" rIns="89535" bIns="46355" numCol="1" vert="horz" anchor="t">
-            <a:spAutoFit/>
+        </p:spPr>
+        <p:txBody>
+          <a:bodyPr wrap="square" lIns="0" tIns="0" rIns="0" bIns="0" vert="horz" anchor="t">
+            <a:noAutofit/>
           </a:bodyPr>
           <a:lstStyle/>
           <a:p>
@@ -10249,14 +7595,94 @@
                 <a:latin typeface="맑은 고딕" charset="0"/>
                 <a:ea typeface="맑은 고딕" charset="0"/>
               </a:rPr>
-              <a:t>5. </a:t>
-            </a:r>
-            <a:r>
-              <a:rPr lang="ko-KR" sz="1800">
-                <a:latin typeface="맑은 고딕" charset="0"/>
-                <a:ea typeface="맑은 고딕" charset="0"/>
-              </a:rPr>
-              <a:t>그런 다음 다운로드 받은 캐릭터를 Project 폴더에 있는 Model 폴더에 추가합니다.</a:t>
+              <a:t>5.</a:t>
+            </a:r>
+            <a:r>
+              <a:rPr lang="ko-KR" sz="2000" b="1">
+                <a:solidFill>
+                  <a:srgbClr val="0611F2"/>
+                </a:solidFill>
+                <a:latin typeface="맑은 고딕" charset="0"/>
+                <a:ea typeface="맑은 고딕" charset="0"/>
+              </a:rPr>
+              <a:t> </a:t>
+            </a:r>
+            <a:r>
+              <a:rPr lang="ko-KR" sz="1800">
+                <a:latin typeface="맑은 고딕" charset="0"/>
+                <a:ea typeface="맑은 고딕" charset="0"/>
+              </a:rPr>
+              <a:t>그다음 </a:t>
+            </a:r>
+            <a:r>
+              <a:rPr sz="1800">
+                <a:latin typeface="맑은 고딕" charset="0"/>
+                <a:ea typeface="맑은 고딕" charset="0"/>
+              </a:rPr>
+              <a:t>Project 폴더 아래에 있는 </a:t>
+            </a:r>
+            <a:r>
+              <a:rPr sz="1800">
+                <a:latin typeface="맑은 고딕" charset="0"/>
+                <a:ea typeface="맑은 고딕" charset="0"/>
+              </a:rPr>
+              <a:t>Animator</a:t>
+            </a:r>
+            <a:r>
+              <a:rPr sz="1800">
+                <a:latin typeface="맑은 고딕" charset="0"/>
+                <a:ea typeface="맑은 고딕" charset="0"/>
+              </a:rPr>
+              <a:t> </a:t>
+            </a:r>
+            <a:r>
+              <a:rPr sz="1800">
+                <a:latin typeface="맑은 고딕" charset="0"/>
+                <a:ea typeface="맑은 고딕" charset="0"/>
+              </a:rPr>
+              <a:t>폴더에</a:t>
+            </a:r>
+            <a:r>
+              <a:rPr sz="1800">
+                <a:latin typeface="맑은 고딕" charset="0"/>
+                <a:ea typeface="맑은 고딕" charset="0"/>
+              </a:rPr>
+              <a:t> </a:t>
+            </a:r>
+            <a:r>
+              <a:rPr sz="1800">
+                <a:latin typeface="맑은 고딕" charset="0"/>
+                <a:ea typeface="맑은 고딕" charset="0"/>
+              </a:rPr>
+              <a:t>Animator</a:t>
+            </a:r>
+            <a:r>
+              <a:rPr sz="1800">
+                <a:latin typeface="맑은 고딕" charset="0"/>
+                <a:ea typeface="맑은 고딕" charset="0"/>
+              </a:rPr>
+              <a:t> </a:t>
+            </a:r>
+            <a:r>
+              <a:rPr sz="1800">
+                <a:latin typeface="맑은 고딕" charset="0"/>
+                <a:ea typeface="맑은 고딕" charset="0"/>
+              </a:rPr>
+              <a:t>Controller를</a:t>
+            </a:r>
+            <a:r>
+              <a:rPr sz="1800">
+                <a:latin typeface="맑은 고딕" charset="0"/>
+                <a:ea typeface="맑은 고딕" charset="0"/>
+              </a:rPr>
+              <a:t> </a:t>
+            </a:r>
+            <a:r>
+              <a:rPr sz="1800">
+                <a:latin typeface="맑은 고딕" charset="0"/>
+                <a:ea typeface="맑은 고딕" charset="0"/>
+              </a:rPr>
+              <a:t>생성합니다.</a:t>
             </a:r>
             <a:endParaRPr lang="ko-KR" altLang="en-US" sz="1800">
               <a:latin typeface="맑은 고딕" charset="0"/>
@@ -10265,66 +7691,6 @@
           </a:p>
         </p:txBody>
       </p:sp>
-      <p:pic>
-        <p:nvPicPr>
-          <p:cNvPr id="1163" name="그림 4" descr="C:/Users/Admin1/AppData/Roaming/PolarisOffice/ETemp/9144_11002792/fImage22421734441.png"/>
-          <p:cNvPicPr>
-            <a:picLocks noChangeAspect="1"/>
-          </p:cNvPicPr>
-          <p:nvPr/>
-        </p:nvPicPr>
-        <p:blipFill rotWithShape="1">
-          <a:blip r:embed="rId7" cstate="hqprint">
-            <a:extLst>
-              <a:ext uri="{28A0092B-C50C-407E-A947-70E740481C1C}">
-                <a14:useLocalDpi xmlns:a14="http://schemas.microsoft.com/office/drawing/2010/main"/>
-              </a:ext>
-            </a:extLst>
-          </a:blip>
-          <a:stretch>
-            <a:fillRect/>
-          </a:stretch>
-        </p:blipFill>
-        <p:spPr>
-          <a:xfrm rot="0">
-            <a:off x="7934960" y="4340860"/>
-            <a:ext cx="530225" cy="425450"/>
-          </a:xfrm>
-          <a:prstGeom prst="rect"/>
-          <a:noFill/>
-        </p:spPr>
-      </p:pic>
-      <p:pic>
-        <p:nvPicPr>
-          <p:cNvPr id="1164" name="그림 10"/>
-          <p:cNvPicPr>
-            <a:picLocks noChangeAspect="1"/>
-          </p:cNvPicPr>
-          <p:nvPr/>
-        </p:nvPicPr>
-        <p:blipFill rotWithShape="1">
-          <a:blip r:embed="rId8" cstate="print">
-            <a:extLst>
-              <a:ext uri="{28A0092B-C50C-407E-A947-70E740481C1C}">
-                <a14:useLocalDpi xmlns:a14="http://schemas.microsoft.com/office/drawing/2010/main" val="0"/>
-              </a:ext>
-            </a:extLst>
-          </a:blip>
-          <a:stretch>
-            <a:fillRect/>
-          </a:stretch>
-        </p:blipFill>
-        <p:spPr>
-          <a:xfrm rot="0">
-            <a:off x="8593455" y="4023995"/>
-            <a:ext cx="2477135" cy="1024890"/>
-          </a:xfrm>
-          <a:prstGeom prst="roundRect"/>
-          <a:solidFill>
-            <a:srgbClr val="EDEDED"/>
-          </a:solidFill>
-        </p:spPr>
-      </p:pic>
     </p:spTree>
   </p:cSld>
   <p:clrMapOvr>
@@ -10375,8 +7741,8 @@
         </p:nvSpPr>
         <p:spPr>
           <a:xfrm rot="0">
-            <a:off x="4546600" y="388620"/>
-            <a:ext cx="3126105" cy="554990"/>
+            <a:off x="4469130" y="388620"/>
+            <a:ext cx="3241040" cy="478155"/>
           </a:xfrm>
           <a:prstGeom prst="rect"/>
           <a:noFill/>
@@ -10391,43 +7757,43 @@
           </a:bodyPr>
           <a:lstStyle/>
           <a:p>
-            <a:pPr marL="0" indent="0" algn="l" latinLnBrk="0">
-              <a:buFontTx/>
-              <a:buNone/>
-            </a:pPr>
-            <a:r>
-              <a:rPr lang="ko-KR" altLang="en-US" sz="3000" b="1">
+            <a:pPr marL="0" indent="0" algn="ctr" latinLnBrk="0">
+              <a:buFontTx/>
+              <a:buNone/>
+            </a:pPr>
+            <a:r>
+              <a:rPr lang="ko-KR" altLang="en-US" sz="2500" b="1">
                 <a:solidFill>
                   <a:schemeClr val="tx1"/>
                 </a:solidFill>
-                <a:latin typeface="맑은 고딕" charset="0"/>
-                <a:ea typeface="맑은 고딕" charset="0"/>
-              </a:rPr>
-              <a:t>세 번째 </a:t>
-            </a:r>
-            <a:r>
-              <a:rPr lang="ko-KR" altLang="en-US" sz="3000" b="1">
+                <a:latin typeface="나눔바른고딕" charset="0"/>
+                <a:ea typeface="나눔바른고딕" charset="0"/>
+              </a:rPr>
+              <a:t>세</a:t>
+            </a:r>
+            <a:r>
+              <a:rPr lang="ko-KR" altLang="en-US" sz="2500" b="1">
                 <a:solidFill>
                   <a:schemeClr val="tx1"/>
                 </a:solidFill>
-                <a:latin typeface="맑은 고딕" charset="0"/>
-                <a:ea typeface="맑은 고딕" charset="0"/>
-              </a:rPr>
-              <a:t>튜토리얼</a:t>
-            </a:r>
-            <a:endParaRPr lang="ko-KR" altLang="en-US" sz="3000" b="1">
+                <a:latin typeface="나눔바른고딕" charset="0"/>
+                <a:ea typeface="나눔바른고딕" charset="0"/>
+              </a:rPr>
+              <a:t> 번째 튜토리얼</a:t>
+            </a:r>
+            <a:endParaRPr lang="ko-KR" altLang="en-US" sz="2500" b="1">
               <a:solidFill>
                 <a:schemeClr val="tx1"/>
               </a:solidFill>
-              <a:latin typeface="맑은 고딕" charset="0"/>
-              <a:ea typeface="맑은 고딕" charset="0"/>
+              <a:latin typeface="나눔바른고딕" charset="0"/>
+              <a:ea typeface="나눔바른고딕" charset="0"/>
             </a:endParaRPr>
           </a:p>
         </p:txBody>
       </p:sp>
       <p:sp>
         <p:nvSpPr>
-          <p:cNvPr id="1132" name="Rect 0"/>
+          <p:cNvPr id="1176" name="텍스트 상자 22"/>
           <p:cNvSpPr txBox="1">
             <a:spLocks/>
           </p:cNvSpPr>
@@ -10435,8 +7801,8 @@
         </p:nvSpPr>
         <p:spPr>
           <a:xfrm rot="0">
-            <a:off x="1222375" y="5534025"/>
-            <a:ext cx="4174490" cy="678815"/>
+            <a:off x="1239520" y="2639060"/>
+            <a:ext cx="4154170" cy="954405"/>
           </a:xfrm>
           <a:prstGeom prst="rect"/>
           <a:noFill/>
@@ -10463,10 +7829,13 @@
                 <a:latin typeface="맑은 고딕" charset="0"/>
                 <a:ea typeface="맑은 고딕" charset="0"/>
               </a:rPr>
-              <a:t>7.</a:t>
-            </a:r>
-            <a:r>
-              <a:rPr lang="ko-KR" sz="2000">
+              <a:t>6.</a:t>
+            </a:r>
+            <a:r>
+              <a:rPr lang="ko-KR" sz="2000" b="1">
+                <a:solidFill>
+                  <a:srgbClr val="0611F2"/>
+                </a:solidFill>
                 <a:latin typeface="맑은 고딕" charset="0"/>
                 <a:ea typeface="맑은 고딕" charset="0"/>
               </a:rPr>
@@ -10477,7 +7846,70 @@
                 <a:latin typeface="맑은 고딕" charset="0"/>
                 <a:ea typeface="맑은 고딕" charset="0"/>
               </a:rPr>
-              <a:t>그리고 캐릭터를 월드 공간에 배치합니다.</a:t>
+              <a:t>그러고 나서 Dreyar By M.Aure </a:t>
+            </a:r>
+            <a:r>
+              <a:rPr lang="ko-KR" sz="1800">
+                <a:latin typeface="맑은 고딕" charset="0"/>
+                <a:ea typeface="맑은 고딕" charset="0"/>
+              </a:rPr>
+              <a:t>오브젝트에</a:t>
+            </a:r>
+            <a:r>
+              <a:rPr lang="ko-KR" sz="1800">
+                <a:latin typeface="맑은 고딕" charset="0"/>
+                <a:ea typeface="맑은 고딕" charset="0"/>
+              </a:rPr>
+              <a:t> </a:t>
+            </a:r>
+            <a:r>
+              <a:rPr lang="ko-KR" sz="1800">
+                <a:latin typeface="맑은 고딕" charset="0"/>
+                <a:ea typeface="맑은 고딕" charset="0"/>
+              </a:rPr>
+              <a:t>방금</a:t>
+            </a:r>
+            <a:r>
+              <a:rPr lang="ko-KR" sz="1800">
+                <a:latin typeface="맑은 고딕" charset="0"/>
+                <a:ea typeface="맑은 고딕" charset="0"/>
+              </a:rPr>
+              <a:t> </a:t>
+            </a:r>
+            <a:r>
+              <a:rPr lang="ko-KR" sz="1800">
+                <a:latin typeface="맑은 고딕" charset="0"/>
+                <a:ea typeface="맑은 고딕" charset="0"/>
+              </a:rPr>
+              <a:t>생성한</a:t>
+            </a:r>
+            <a:r>
+              <a:rPr lang="ko-KR" sz="1800">
+                <a:latin typeface="맑은 고딕" charset="0"/>
+                <a:ea typeface="맑은 고딕" charset="0"/>
+              </a:rPr>
+              <a:t> Animator </a:t>
+            </a:r>
+            <a:r>
+              <a:rPr lang="ko-KR" sz="1800">
+                <a:latin typeface="맑은 고딕" charset="0"/>
+                <a:ea typeface="맑은 고딕" charset="0"/>
+              </a:rPr>
+              <a:t>Controller를</a:t>
+            </a:r>
+            <a:r>
+              <a:rPr lang="ko-KR" sz="1800">
+                <a:latin typeface="맑은 고딕" charset="0"/>
+                <a:ea typeface="맑은 고딕" charset="0"/>
+              </a:rPr>
+              <a:t> </a:t>
+            </a:r>
+            <a:r>
+              <a:rPr lang="ko-KR" sz="1800">
+                <a:latin typeface="맑은 고딕" charset="0"/>
+                <a:ea typeface="맑은 고딕" charset="0"/>
+              </a:rPr>
+              <a:t>넣어줍니다.</a:t>
             </a:r>
             <a:endParaRPr lang="ko-KR" altLang="en-US" sz="1800">
               <a:latin typeface="맑은 고딕" charset="0"/>
@@ -10486,121 +7918,16 @@
           </a:p>
         </p:txBody>
       </p:sp>
-      <p:sp>
-        <p:nvSpPr>
-          <p:cNvPr id="1153" name="Rect 0"/>
-          <p:cNvSpPr txBox="1">
-            <a:spLocks/>
-          </p:cNvSpPr>
-          <p:nvPr/>
-        </p:nvSpPr>
-        <p:spPr>
-          <a:xfrm rot="0">
-            <a:off x="6825615" y="2700020"/>
-            <a:ext cx="4253230" cy="678180"/>
-          </a:xfrm>
-          <a:prstGeom prst="rect"/>
-          <a:noFill/>
-          <a:ln w="0">
-            <a:noFill/>
-            <a:prstDash/>
-          </a:ln>
-        </p:spPr>
-        <p:txBody>
-          <a:bodyPr wrap="square" lIns="89535" tIns="46355" rIns="89535" bIns="46355" numCol="1" vert="horz" anchor="t">
-            <a:spAutoFit/>
-          </a:bodyPr>
-          <a:lstStyle/>
-          <a:p>
-            <a:pPr marL="0" indent="0" algn="l" latinLnBrk="0" hangingPunct="1">
-              <a:buFontTx/>
-              <a:buNone/>
-            </a:pPr>
-            <a:r>
-              <a:rPr lang="ko-KR" sz="2000" b="1">
-                <a:solidFill>
-                  <a:srgbClr val="0611F2"/>
-                </a:solidFill>
-                <a:latin typeface="맑은 고딕" charset="0"/>
-                <a:ea typeface="맑은 고딕" charset="0"/>
-              </a:rPr>
-              <a:t>8. </a:t>
-            </a:r>
-            <a:r>
-              <a:rPr lang="ko-KR" sz="1800">
-                <a:latin typeface="맑은 고딕" charset="0"/>
-                <a:ea typeface="맑은 고딕" charset="0"/>
-              </a:rPr>
-              <a:t>그런 다음 캐릭터를 선택하고 Animator 컴포넌트를 넣어줍니다.</a:t>
-            </a:r>
-            <a:endParaRPr lang="ko-KR" altLang="en-US" sz="1800">
-              <a:latin typeface="맑은 고딕" charset="0"/>
-              <a:ea typeface="맑은 고딕" charset="0"/>
-            </a:endParaRPr>
-          </a:p>
-        </p:txBody>
-      </p:sp>
-      <p:sp>
-        <p:nvSpPr>
-          <p:cNvPr id="1159" name="Rect 0"/>
-          <p:cNvSpPr txBox="1">
-            <a:spLocks/>
-          </p:cNvSpPr>
-          <p:nvPr/>
-        </p:nvSpPr>
-        <p:spPr>
-          <a:xfrm rot="0">
-            <a:off x="6814820" y="5287010"/>
-            <a:ext cx="4167505" cy="923925"/>
-          </a:xfrm>
-          <a:prstGeom prst="rect"/>
-          <a:noFill/>
-          <a:ln w="0">
-            <a:noFill/>
-            <a:prstDash/>
-          </a:ln>
-        </p:spPr>
-        <p:txBody>
-          <a:bodyPr wrap="square" lIns="89535" tIns="46355" rIns="89535" bIns="46355" numCol="1" vert="horz" anchor="t">
-            <a:spAutoFit/>
-          </a:bodyPr>
-          <a:lstStyle/>
-          <a:p>
-            <a:pPr marL="0" indent="0" algn="l" latinLnBrk="0" hangingPunct="1">
-              <a:buFontTx/>
-              <a:buNone/>
-            </a:pPr>
-            <a:r>
-              <a:rPr lang="ko-KR" sz="1800">
-                <a:latin typeface="맑은 고딕" charset="0"/>
-                <a:ea typeface="맑은 고딕" charset="0"/>
-              </a:rPr>
-              <a:t>애니메이터 시스템은 </a:t>
-            </a:r>
-            <a:r>
-              <a:rPr lang="ko-KR" altLang="en-US" sz="1800">
-                <a:latin typeface="맑은 고딕" charset="0"/>
-                <a:ea typeface="맑은 고딕" charset="0"/>
-              </a:rPr>
-              <a:t>게임 오브젝트의 애니메이션을 제어하는 컴포넌트입니다.</a:t>
-            </a:r>
-            <a:endParaRPr lang="ko-KR" altLang="en-US" sz="1800">
-              <a:latin typeface="맑은 고딕" charset="0"/>
-              <a:ea typeface="맑은 고딕" charset="0"/>
-            </a:endParaRPr>
-          </a:p>
-        </p:txBody>
-      </p:sp>
       <p:pic>
         <p:nvPicPr>
-          <p:cNvPr id="1165" name="그림 75"/>
+          <p:cNvPr id="1180" name="그림 10" descr="C:/Users/Admin1/AppData/Roaming/PolarisOffice/ETemp/28880_14730240/fImage127933598467.png"/>
           <p:cNvPicPr>
             <a:picLocks noChangeAspect="1"/>
           </p:cNvPicPr>
           <p:nvPr/>
         </p:nvPicPr>
         <p:blipFill rotWithShape="1">
-          <a:blip r:embed="rId4" cstate="hqprint">
+          <a:blip r:embed="rId7" cstate="hqprint">
             <a:extLst>
               <a:ext uri="{28A0092B-C50C-407E-A947-70E740481C1C}">
                 <a14:useLocalDpi xmlns:a14="http://schemas.microsoft.com/office/drawing/2010/main"/>
@@ -10613,8 +7940,8 @@
         </p:blipFill>
         <p:spPr>
           <a:xfrm rot="0">
-            <a:off x="1220470" y="1371600"/>
-            <a:ext cx="4142740" cy="1896110"/>
+            <a:off x="1240790" y="3712210"/>
+            <a:ext cx="4143375" cy="1732280"/>
           </a:xfrm>
           <a:prstGeom prst="roundRect"/>
           <a:solidFill>
@@ -10624,7 +7951,7 @@
       </p:pic>
       <p:sp>
         <p:nvSpPr>
-          <p:cNvPr id="1167" name="텍스트 상자 77"/>
+          <p:cNvPr id="1181" name="텍스트 상자 13"/>
           <p:cNvSpPr txBox="1">
             <a:spLocks/>
           </p:cNvSpPr>
@@ -10632,8 +7959,8 @@
         </p:nvSpPr>
         <p:spPr>
           <a:xfrm rot="0">
-            <a:off x="1243965" y="3352800"/>
-            <a:ext cx="4147185" cy="955675"/>
+            <a:off x="1270635" y="5551170"/>
+            <a:ext cx="4122420" cy="677545"/>
           </a:xfrm>
           <a:prstGeom prst="rect"/>
           <a:noFill/>
@@ -10660,14 +7987,73 @@
                 <a:latin typeface="맑은 고딕" charset="0"/>
                 <a:ea typeface="맑은 고딕" charset="0"/>
               </a:rPr>
-              <a:t>6. </a:t>
-            </a:r>
-            <a:r>
-              <a:rPr lang="ko-KR" sz="1800">
-                <a:latin typeface="맑은 고딕" charset="0"/>
-                <a:ea typeface="맑은 고딕" charset="0"/>
-              </a:rPr>
-              <a:t>그다음 캐릭터를 선택하고 Materials에 Textures를 불러오기 위해 Extract Textures를 선택합니다.</a:t>
+              <a:t>7.</a:t>
+            </a:r>
+            <a:r>
+              <a:rPr lang="ko-KR" sz="2000" b="1">
+                <a:solidFill>
+                  <a:srgbClr val="0611F2"/>
+                </a:solidFill>
+                <a:latin typeface="맑은 고딕" charset="0"/>
+                <a:ea typeface="맑은 고딕" charset="0"/>
+              </a:rPr>
+              <a:t> </a:t>
+            </a:r>
+            <a:r>
+              <a:rPr lang="ko-KR" sz="1800">
+                <a:latin typeface="맑은 고딕" charset="0"/>
+                <a:ea typeface="맑은 고딕" charset="0"/>
+              </a:rPr>
+              <a:t>이제 Main Camera </a:t>
+            </a:r>
+            <a:r>
+              <a:rPr lang="ko-KR" sz="1800">
+                <a:latin typeface="맑은 고딕" charset="0"/>
+                <a:ea typeface="맑은 고딕" charset="0"/>
+              </a:rPr>
+              <a:t>오브젝트를</a:t>
+            </a:r>
+            <a:r>
+              <a:rPr lang="ko-KR" sz="1800">
+                <a:latin typeface="맑은 고딕" charset="0"/>
+                <a:ea typeface="맑은 고딕" charset="0"/>
+              </a:rPr>
+              <a:t> </a:t>
+            </a:r>
+            <a:r>
+              <a:rPr lang="ko-KR" sz="1800">
+                <a:latin typeface="맑은 고딕" charset="0"/>
+                <a:ea typeface="맑은 고딕" charset="0"/>
+              </a:rPr>
+              <a:t>선택하고</a:t>
+            </a:r>
+            <a:r>
+              <a:rPr lang="ko-KR" sz="1800">
+                <a:latin typeface="맑은 고딕" charset="0"/>
+                <a:ea typeface="맑은 고딕" charset="0"/>
+              </a:rPr>
+              <a:t> </a:t>
+            </a:r>
+            <a:r>
+              <a:rPr lang="ko-KR" sz="1800">
+                <a:latin typeface="맑은 고딕" charset="0"/>
+                <a:ea typeface="맑은 고딕" charset="0"/>
+              </a:rPr>
+              <a:t>위치를</a:t>
+            </a:r>
+            <a:r>
+              <a:rPr lang="ko-KR" sz="1800">
+                <a:latin typeface="맑은 고딕" charset="0"/>
+                <a:ea typeface="맑은 고딕" charset="0"/>
+              </a:rPr>
+              <a:t> </a:t>
+            </a:r>
+            <a:r>
+              <a:rPr lang="ko-KR" sz="1800">
+                <a:latin typeface="맑은 고딕" charset="0"/>
+                <a:ea typeface="맑은 고딕" charset="0"/>
+              </a:rPr>
+              <a:t>변경합니다.</a:t>
             </a:r>
             <a:endParaRPr lang="ko-KR" altLang="en-US" sz="1800">
               <a:latin typeface="맑은 고딕" charset="0"/>
@@ -10678,14 +8064,76 @@
       </p:sp>
       <p:pic>
         <p:nvPicPr>
-          <p:cNvPr id="1168" name="그림 78" descr="C:/Users/Admin1/AppData/Roaming/PolarisOffice/ETemp/13876_17549616/fImage44283074464.png"/>
+          <p:cNvPr id="1184" name="그림 18" descr="C:/Users/Admin1/AppData/Roaming/PolarisOffice/ETemp/28880_14730240/fImage41692996500.png"/>
           <p:cNvPicPr>
             <a:picLocks noChangeAspect="1"/>
           </p:cNvPicPr>
           <p:nvPr/>
         </p:nvPicPr>
         <p:blipFill rotWithShape="1">
-          <a:blip r:embed="rId5" cstate="hqprint">
+          <a:blip r:embed="rId10" cstate="print">
+            <a:extLst>
+              <a:ext uri="{28A0092B-C50C-407E-A947-70E740481C1C}">
+                <a14:useLocalDpi xmlns:a14="http://schemas.microsoft.com/office/drawing/2010/main" val="0"/>
+              </a:ext>
+            </a:extLst>
+          </a:blip>
+          <a:stretch>
+            <a:fillRect/>
+          </a:stretch>
+        </p:blipFill>
+        <p:spPr>
+          <a:xfrm rot="0">
+            <a:off x="2834005" y="1447165"/>
+            <a:ext cx="2557145" cy="1094740"/>
+          </a:xfrm>
+          <a:prstGeom prst="roundRect"/>
+          <a:solidFill>
+            <a:srgbClr val="EDEDED"/>
+          </a:solidFill>
+        </p:spPr>
+      </p:pic>
+      <p:pic>
+        <p:nvPicPr>
+          <p:cNvPr id="1185" name="그림 21" descr="C:/Users/Admin1/AppData/Roaming/PolarisOffice/ETemp/28880_14730240/fImage61933009169.png"/>
+          <p:cNvPicPr>
+            <a:picLocks noChangeAspect="1"/>
+          </p:cNvPicPr>
+          <p:nvPr/>
+        </p:nvPicPr>
+        <p:blipFill rotWithShape="1">
+          <a:blip r:embed="rId11" cstate="print">
+            <a:extLst>
+              <a:ext uri="{28A0092B-C50C-407E-A947-70E740481C1C}">
+                <a14:useLocalDpi xmlns:a14="http://schemas.microsoft.com/office/drawing/2010/main" val="0"/>
+              </a:ext>
+            </a:extLst>
+          </a:blip>
+          <a:stretch>
+            <a:fillRect/>
+          </a:stretch>
+        </p:blipFill>
+        <p:spPr>
+          <a:xfrm rot="0">
+            <a:off x="1249045" y="1447165"/>
+            <a:ext cx="1482090" cy="1085850"/>
+          </a:xfrm>
+          <a:prstGeom prst="roundRect"/>
+          <a:solidFill>
+            <a:srgbClr val="EDEDED"/>
+          </a:solidFill>
+        </p:spPr>
+      </p:pic>
+      <p:pic>
+        <p:nvPicPr>
+          <p:cNvPr id="1183" name="그림 1" descr="C:/Users/Admin1/AppData/Roaming/PolarisOffice/ETemp/28880_14730240/fImage22421734441.png"/>
+          <p:cNvPicPr>
+            <a:picLocks noChangeAspect="1"/>
+          </p:cNvPicPr>
+          <p:nvPr/>
+        </p:nvPicPr>
+        <p:blipFill rotWithShape="1">
+          <a:blip r:embed="rId9" cstate="hqprint">
             <a:extLst>
               <a:ext uri="{28A0092B-C50C-407E-A947-70E740481C1C}">
                 <a14:useLocalDpi xmlns:a14="http://schemas.microsoft.com/office/drawing/2010/main"/>
@@ -10697,81 +8145,17 @@
           </a:stretch>
         </p:blipFill>
         <p:spPr>
-          <a:xfrm rot="0">
-            <a:off x="6816725" y="1361440"/>
-            <a:ext cx="4149090" cy="1224915"/>
-          </a:xfrm>
-          <a:prstGeom prst="roundRect"/>
-          <a:solidFill>
-            <a:srgbClr val="EDEDED"/>
-          </a:solidFill>
+          <a:xfrm rot="10800000">
+            <a:off x="2423795" y="1857375"/>
+            <a:ext cx="624840" cy="351155"/>
+          </a:xfrm>
+          <a:prstGeom prst="rect"/>
+          <a:noFill/>
         </p:spPr>
       </p:pic>
       <p:pic>
         <p:nvPicPr>
-          <p:cNvPr id="1171" name="그림 14" descr="C:/Users/Admin1/AppData/Roaming/PolarisOffice/ETemp/13876_17549616/fImage2446744741.png"/>
-          <p:cNvPicPr>
-            <a:picLocks noChangeAspect="1"/>
-          </p:cNvPicPr>
-          <p:nvPr/>
-        </p:nvPicPr>
-        <p:blipFill rotWithShape="1">
-          <a:blip r:embed="rId10" cstate="hqprint">
-            <a:extLst>
-              <a:ext uri="{28A0092B-C50C-407E-A947-70E740481C1C}">
-                <a14:useLocalDpi xmlns:a14="http://schemas.microsoft.com/office/drawing/2010/main"/>
-              </a:ext>
-            </a:extLst>
-          </a:blip>
-          <a:stretch>
-            <a:fillRect/>
-          </a:stretch>
-        </p:blipFill>
-        <p:spPr>
-          <a:xfrm rot="0">
-            <a:off x="6815455" y="3550920"/>
-            <a:ext cx="4158615" cy="1604010"/>
-          </a:xfrm>
-          <a:prstGeom prst="roundRect"/>
-          <a:solidFill>
-            <a:srgbClr val="EDEDED"/>
-          </a:solidFill>
-        </p:spPr>
-      </p:pic>
-      <p:pic>
-        <p:nvPicPr>
-          <p:cNvPr id="1172" name="그림 1"/>
-          <p:cNvPicPr>
-            <a:picLocks noChangeAspect="1"/>
-          </p:cNvPicPr>
-          <p:nvPr/>
-        </p:nvPicPr>
-        <p:blipFill rotWithShape="1">
-          <a:blip r:embed="rId11" cstate="hqprint">
-            <a:extLst>
-              <a:ext uri="{28A0092B-C50C-407E-A947-70E740481C1C}">
-                <a14:useLocalDpi xmlns:a14="http://schemas.microsoft.com/office/drawing/2010/main"/>
-              </a:ext>
-            </a:extLst>
-          </a:blip>
-          <a:stretch>
-            <a:fillRect/>
-          </a:stretch>
-        </p:blipFill>
-        <p:spPr>
-          <a:xfrm rot="0">
-            <a:off x="1306830" y="4455795"/>
-            <a:ext cx="1179830" cy="990600"/>
-          </a:xfrm>
-          <a:prstGeom prst="roundRect"/>
-          <a:solidFill>
-            <a:srgbClr val="EDEDED"/>
-          </a:solidFill>
-        </p:spPr>
-      </p:pic>
-      <p:pic>
-        <p:nvPicPr>
-          <p:cNvPr id="1173" name="그림 4"/>
+          <p:cNvPr id="1186" name="그림 24" descr="C:/Users/Admin1/AppData/Roaming/PolarisOffice/ETemp/28880_14730240/fImage85063176827.png"/>
           <p:cNvPicPr>
             <a:picLocks noChangeAspect="1"/>
           </p:cNvPicPr>
@@ -10791,8 +8175,8 @@
         </p:blipFill>
         <p:spPr>
           <a:xfrm rot="0">
-            <a:off x="2635250" y="4455795"/>
-            <a:ext cx="2764790" cy="993140"/>
+            <a:off x="6830695" y="1438275"/>
+            <a:ext cx="2481580" cy="2559050"/>
           </a:xfrm>
           <a:prstGeom prst="roundRect"/>
           <a:solidFill>
@@ -10800,6 +8184,363 @@
           </a:solidFill>
         </p:spPr>
       </p:pic>
+      <p:pic>
+        <p:nvPicPr>
+          <p:cNvPr id="1187" name="그림 26" descr="C:/Users/Admin1/AppData/Roaming/PolarisOffice/ETemp/28880_14730240/fImage71713035724.png"/>
+          <p:cNvPicPr>
+            <a:picLocks noChangeAspect="1"/>
+          </p:cNvPicPr>
+          <p:nvPr/>
+        </p:nvPicPr>
+        <p:blipFill rotWithShape="1">
+          <a:blip r:embed="rId13" cstate="print">
+            <a:extLst>
+              <a:ext uri="{28A0092B-C50C-407E-A947-70E740481C1C}">
+                <a14:useLocalDpi xmlns:a14="http://schemas.microsoft.com/office/drawing/2010/main" val="0"/>
+              </a:ext>
+            </a:extLst>
+          </a:blip>
+          <a:stretch>
+            <a:fillRect/>
+          </a:stretch>
+        </p:blipFill>
+        <p:spPr>
+          <a:xfrm rot="0">
+            <a:off x="9500870" y="1447165"/>
+            <a:ext cx="1464945" cy="1438910"/>
+          </a:xfrm>
+          <a:prstGeom prst="roundRect"/>
+          <a:solidFill>
+            <a:srgbClr val="EDEDED"/>
+          </a:solidFill>
+        </p:spPr>
+      </p:pic>
+      <p:pic>
+        <p:nvPicPr>
+          <p:cNvPr id="1188" name="그림 29" descr="C:/Users/Admin1/AppData/Roaming/PolarisOffice/ETemp/28880_14730240/fImage26073051478.png"/>
+          <p:cNvPicPr>
+            <a:picLocks noChangeAspect="1"/>
+          </p:cNvPicPr>
+          <p:nvPr/>
+        </p:nvPicPr>
+        <p:blipFill rotWithShape="1">
+          <a:blip r:embed="rId14" cstate="print">
+            <a:extLst>
+              <a:ext uri="{28A0092B-C50C-407E-A947-70E740481C1C}">
+                <a14:useLocalDpi xmlns:a14="http://schemas.microsoft.com/office/drawing/2010/main" val="0"/>
+              </a:ext>
+            </a:extLst>
+          </a:blip>
+          <a:stretch>
+            <a:fillRect/>
+          </a:stretch>
+        </p:blipFill>
+        <p:spPr>
+          <a:xfrm rot="0">
+            <a:off x="9871710" y="3290570"/>
+            <a:ext cx="723900" cy="706755"/>
+          </a:xfrm>
+          <a:prstGeom prst="roundRect"/>
+          <a:solidFill>
+            <a:srgbClr val="EDEDED"/>
+          </a:solidFill>
+        </p:spPr>
+      </p:pic>
+      <p:cxnSp>
+        <p:nvCxnSpPr>
+          <p:cNvPr id="1189" name="도형 32"/>
+          <p:cNvCxnSpPr>
+            <a:stCxn id="1188" idx="0"/>
+            <a:endCxn id="1187" idx="2"/>
+          </p:cNvCxnSpPr>
+          <p:nvPr/>
+        </p:nvCxnSpPr>
+        <p:spPr>
+          <a:xfrm rot="0" flipV="1">
+            <a:off x="10233025" y="2885440"/>
+            <a:ext cx="635" cy="405765"/>
+          </a:xfrm>
+          <a:prstGeom prst="straightConnector1"/>
+          <a:ln w="6350" cap="flat" cmpd="sng">
+            <a:prstDash/>
+            <a:headEnd type="none" w="med" len="med"/>
+            <a:tailEnd type="triangle" w="med" len="med"/>
+          </a:ln>
+        </p:spPr>
+        <p:style>
+          <a:lnRef idx="1">
+            <a:schemeClr val="accent1"/>
+          </a:lnRef>
+          <a:fillRef idx="0">
+            <a:schemeClr val="accent1"/>
+          </a:fillRef>
+          <a:effectRef idx="0">
+            <a:schemeClr val="accent1"/>
+          </a:effectRef>
+          <a:fontRef idx="minor">
+            <a:schemeClr val="tx1"/>
+          </a:fontRef>
+        </p:style>
+      </p:cxnSp>
+      <p:sp>
+        <p:nvSpPr>
+          <p:cNvPr id="1190" name="텍스트 상자 33"/>
+          <p:cNvSpPr txBox="1">
+            <a:spLocks/>
+          </p:cNvSpPr>
+          <p:nvPr/>
+        </p:nvSpPr>
+        <p:spPr>
+          <a:xfrm rot="0">
+            <a:off x="6835140" y="4159250"/>
+            <a:ext cx="4130675" cy="2061845"/>
+          </a:xfrm>
+          <a:prstGeom prst="rect"/>
+          <a:noFill/>
+          <a:ln w="0">
+            <a:noFill/>
+            <a:prstDash/>
+          </a:ln>
+        </p:spPr>
+        <p:txBody>
+          <a:bodyPr wrap="square" lIns="89535" tIns="46355" rIns="89535" bIns="46355" numCol="1" vert="horz" anchor="t">
+            <a:spAutoFit/>
+          </a:bodyPr>
+          <a:lstStyle/>
+          <a:p>
+            <a:pPr marL="0" indent="0" algn="l" latinLnBrk="0" hangingPunct="1">
+              <a:buFontTx/>
+              <a:buNone/>
+            </a:pPr>
+            <a:r>
+              <a:rPr lang="ko-KR" sz="2000" b="1">
+                <a:solidFill>
+                  <a:srgbClr val="0611F2"/>
+                </a:solidFill>
+                <a:latin typeface="맑은 고딕" charset="0"/>
+                <a:ea typeface="맑은 고딕" charset="0"/>
+              </a:rPr>
+              <a:t>8.</a:t>
+            </a:r>
+            <a:r>
+              <a:rPr lang="ko-KR" sz="2000" b="1">
+                <a:solidFill>
+                  <a:srgbClr val="0611F2"/>
+                </a:solidFill>
+                <a:latin typeface="맑은 고딕" charset="0"/>
+                <a:ea typeface="맑은 고딕" charset="0"/>
+              </a:rPr>
+              <a:t> </a:t>
+            </a:r>
+            <a:r>
+              <a:rPr lang="ko-KR" sz="1800">
+                <a:latin typeface="맑은 고딕" charset="0"/>
+                <a:ea typeface="맑은 고딕" charset="0"/>
+              </a:rPr>
+              <a:t>그리고 빈 게임 오브젝트를 </a:t>
+            </a:r>
+            <a:r>
+              <a:rPr lang="ko-KR" sz="1800">
+                <a:latin typeface="맑은 고딕" charset="0"/>
+                <a:ea typeface="맑은 고딕" charset="0"/>
+              </a:rPr>
+              <a:t>생성하고</a:t>
+            </a:r>
+            <a:r>
+              <a:rPr lang="ko-KR" sz="1800">
+                <a:latin typeface="맑은 고딕" charset="0"/>
+                <a:ea typeface="맑은 고딕" charset="0"/>
+              </a:rPr>
+              <a:t> </a:t>
+            </a:r>
+            <a:r>
+              <a:rPr lang="ko-KR" sz="1800">
+                <a:latin typeface="맑은 고딕" charset="0"/>
+                <a:ea typeface="맑은 고딕" charset="0"/>
+              </a:rPr>
+              <a:t>이름을</a:t>
+            </a:r>
+            <a:r>
+              <a:rPr lang="ko-KR" sz="1800">
+                <a:latin typeface="맑은 고딕" charset="0"/>
+                <a:ea typeface="맑은 고딕" charset="0"/>
+              </a:rPr>
+              <a:t> Animator </a:t>
+            </a:r>
+            <a:r>
+              <a:rPr lang="ko-KR" sz="1800">
+                <a:latin typeface="맑은 고딕" charset="0"/>
+                <a:ea typeface="맑은 고딕" charset="0"/>
+              </a:rPr>
+              <a:t>Manager라는</a:t>
+            </a:r>
+            <a:r>
+              <a:rPr lang="ko-KR" sz="1800">
+                <a:latin typeface="맑은 고딕" charset="0"/>
+                <a:ea typeface="맑은 고딕" charset="0"/>
+              </a:rPr>
+              <a:t> </a:t>
+            </a:r>
+            <a:r>
+              <a:rPr lang="ko-KR" sz="1800">
+                <a:latin typeface="맑은 고딕" charset="0"/>
+                <a:ea typeface="맑은 고딕" charset="0"/>
+              </a:rPr>
+              <a:t>이름으로</a:t>
+            </a:r>
+            <a:r>
+              <a:rPr lang="ko-KR" sz="1800">
+                <a:latin typeface="맑은 고딕" charset="0"/>
+                <a:ea typeface="맑은 고딕" charset="0"/>
+              </a:rPr>
+              <a:t> </a:t>
+            </a:r>
+            <a:r>
+              <a:rPr lang="ko-KR" sz="1800">
+                <a:latin typeface="맑은 고딕" charset="0"/>
+                <a:ea typeface="맑은 고딕" charset="0"/>
+              </a:rPr>
+              <a:t>정의합니다.</a:t>
+            </a:r>
+            <a:endParaRPr lang="ko-KR" altLang="en-US" sz="1800">
+              <a:latin typeface="맑은 고딕" charset="0"/>
+              <a:ea typeface="맑은 고딕" charset="0"/>
+            </a:endParaRPr>
+          </a:p>
+          <a:p>
+            <a:pPr marL="0" indent="0" algn="l" latinLnBrk="0" hangingPunct="1">
+              <a:buFontTx/>
+              <a:buNone/>
+            </a:pPr>
+            <a:endParaRPr lang="ko-KR" altLang="en-US" sz="1800">
+              <a:latin typeface="맑은 고딕" charset="0"/>
+              <a:ea typeface="맑은 고딕" charset="0"/>
+            </a:endParaRPr>
+          </a:p>
+          <a:p>
+            <a:pPr marL="0" indent="0" algn="l" latinLnBrk="0" hangingPunct="1">
+              <a:buFontTx/>
+              <a:buNone/>
+            </a:pPr>
+            <a:r>
+              <a:rPr lang="ko-KR" sz="1800">
+                <a:latin typeface="맑은 고딕" charset="0"/>
+                <a:ea typeface="맑은 고딕" charset="0"/>
+              </a:rPr>
+              <a:t>그런</a:t>
+            </a:r>
+            <a:r>
+              <a:rPr lang="ko-KR" sz="1800">
+                <a:latin typeface="맑은 고딕" charset="0"/>
+                <a:ea typeface="맑은 고딕" charset="0"/>
+              </a:rPr>
+              <a:t> </a:t>
+            </a:r>
+            <a:r>
+              <a:rPr lang="ko-KR" sz="1800">
+                <a:latin typeface="맑은 고딕" charset="0"/>
+                <a:ea typeface="맑은 고딕" charset="0"/>
+              </a:rPr>
+              <a:t>다음 </a:t>
+            </a:r>
+            <a:r>
+              <a:rPr lang="ko-KR" sz="1800">
+                <a:latin typeface="맑은 고딕" charset="0"/>
+                <a:ea typeface="맑은 고딕" charset="0"/>
+              </a:rPr>
+              <a:t>AnimatorManager</a:t>
+            </a:r>
+            <a:r>
+              <a:rPr lang="ko-KR" sz="1800">
+                <a:latin typeface="맑은 고딕" charset="0"/>
+                <a:ea typeface="맑은 고딕" charset="0"/>
+              </a:rPr>
+              <a:t> </a:t>
+            </a:r>
+            <a:r>
+              <a:rPr lang="ko-KR" sz="1800">
+                <a:latin typeface="맑은 고딕" charset="0"/>
+                <a:ea typeface="맑은 고딕" charset="0"/>
+              </a:rPr>
+              <a:t>스크립트를</a:t>
+            </a:r>
+            <a:r>
+              <a:rPr lang="ko-KR" sz="1800">
+                <a:latin typeface="맑은 고딕" charset="0"/>
+                <a:ea typeface="맑은 고딕" charset="0"/>
+              </a:rPr>
+              <a:t> </a:t>
+            </a:r>
+            <a:r>
+              <a:rPr lang="ko-KR" sz="1800">
+                <a:latin typeface="맑은 고딕" charset="0"/>
+                <a:ea typeface="맑은 고딕" charset="0"/>
+              </a:rPr>
+              <a:t>생성하고</a:t>
+            </a:r>
+            <a:r>
+              <a:rPr lang="ko-KR" sz="1800">
+                <a:latin typeface="맑은 고딕" charset="0"/>
+                <a:ea typeface="맑은 고딕" charset="0"/>
+              </a:rPr>
+              <a:t> </a:t>
+            </a:r>
+            <a:r>
+              <a:rPr lang="ko-KR" sz="1800">
+                <a:latin typeface="맑은 고딕" charset="0"/>
+                <a:ea typeface="맑은 고딕" charset="0"/>
+              </a:rPr>
+              <a:t>Animator</a:t>
+            </a:r>
+            <a:r>
+              <a:rPr lang="ko-KR" sz="1800">
+                <a:latin typeface="맑은 고딕" charset="0"/>
+                <a:ea typeface="맑은 고딕" charset="0"/>
+              </a:rPr>
+              <a:t> </a:t>
+            </a:r>
+            <a:r>
+              <a:rPr lang="ko-KR" sz="1800">
+                <a:latin typeface="맑은 고딕" charset="0"/>
+                <a:ea typeface="맑은 고딕" charset="0"/>
+              </a:rPr>
+              <a:t>Manager</a:t>
+            </a:r>
+            <a:r>
+              <a:rPr lang="ko-KR" sz="1800">
+                <a:latin typeface="맑은 고딕" charset="0"/>
+                <a:ea typeface="맑은 고딕" charset="0"/>
+              </a:rPr>
+              <a:t> </a:t>
+            </a:r>
+            <a:r>
+              <a:rPr lang="ko-KR" sz="1800">
+                <a:latin typeface="맑은 고딕" charset="0"/>
+                <a:ea typeface="맑은 고딕" charset="0"/>
+              </a:rPr>
+              <a:t>오브젝트에</a:t>
+            </a:r>
+            <a:r>
+              <a:rPr lang="ko-KR" sz="1800">
+                <a:latin typeface="맑은 고딕" charset="0"/>
+                <a:ea typeface="맑은 고딕" charset="0"/>
+              </a:rPr>
+              <a:t> </a:t>
+            </a:r>
+            <a:r>
+              <a:rPr lang="ko-KR" sz="1800">
+                <a:latin typeface="맑은 고딕" charset="0"/>
+                <a:ea typeface="맑은 고딕" charset="0"/>
+              </a:rPr>
+              <a:t>넣어줍니다.</a:t>
+            </a:r>
+            <a:endParaRPr lang="ko-KR" altLang="en-US" sz="1800">
+              <a:latin typeface="맑은 고딕" charset="0"/>
+              <a:ea typeface="맑은 고딕" charset="0"/>
+            </a:endParaRPr>
+          </a:p>
+        </p:txBody>
+      </p:sp>
     </p:spTree>
   </p:cSld>
   <p:clrMapOvr>
@@ -10842,16 +8583,16 @@
       </p:grpSpPr>
       <p:sp>
         <p:nvSpPr>
-          <p:cNvPr id="1031" name="Rect 0"/>
+          <p:cNvPr id="1154" name="Rect 0"/>
           <p:cNvSpPr txBox="1">
             <a:spLocks/>
           </p:cNvSpPr>
           <p:nvPr/>
         </p:nvSpPr>
         <p:spPr>
-          <a:xfrm rot="0">
-            <a:off x="4546600" y="388620"/>
-            <a:ext cx="3126105" cy="554990"/>
+          <a:xfrm>
+            <a:off x="4280535" y="405130"/>
+            <a:ext cx="3626485" cy="478155"/>
           </a:xfrm>
           <a:prstGeom prst="rect"/>
           <a:noFill/>
@@ -10866,346 +8607,53 @@
           </a:bodyPr>
           <a:lstStyle/>
           <a:p>
-            <a:pPr marL="0" indent="0" algn="l" latinLnBrk="0">
-              <a:buFontTx/>
-              <a:buNone/>
-            </a:pPr>
-            <a:r>
-              <a:rPr lang="ko-KR" altLang="en-US" sz="3000" b="1">
+            <a:pPr marL="0" indent="0" algn="ctr" latinLnBrk="0">
+              <a:buFontTx/>
+              <a:buNone/>
+            </a:pPr>
+            <a:r>
+              <a:rPr lang="ko-KR" altLang="en-US" sz="2500" b="1">
                 <a:solidFill>
                   <a:schemeClr val="tx1"/>
                 </a:solidFill>
-                <a:latin typeface="맑은 고딕" charset="0"/>
-                <a:ea typeface="맑은 고딕" charset="0"/>
+                <a:latin typeface="나눔바른고딕" charset="0"/>
+                <a:ea typeface="나눔바른고딕" charset="0"/>
               </a:rPr>
               <a:t>네</a:t>
             </a:r>
             <a:r>
-              <a:rPr lang="ko-KR" altLang="en-US" sz="3000" b="1">
+              <a:rPr lang="ko-KR" altLang="en-US" sz="2500" b="1">
                 <a:solidFill>
                   <a:schemeClr val="tx1"/>
                 </a:solidFill>
-                <a:latin typeface="맑은 고딕" charset="0"/>
-                <a:ea typeface="맑은 고딕" charset="0"/>
-              </a:rPr>
-              <a:t> 번째 </a:t>
-            </a:r>
-            <a:r>
-              <a:rPr lang="ko-KR" altLang="en-US" sz="3000" b="1">
+                <a:latin typeface="나눔바른고딕" charset="0"/>
+                <a:ea typeface="나눔바른고딕" charset="0"/>
+              </a:rPr>
+              <a:t> </a:t>
+            </a:r>
+            <a:r>
+              <a:rPr lang="ko-KR" altLang="en-US" sz="2500" b="1">
                 <a:solidFill>
                   <a:schemeClr val="tx1"/>
                 </a:solidFill>
-                <a:latin typeface="맑은 고딕" charset="0"/>
-                <a:ea typeface="맑은 고딕" charset="0"/>
-              </a:rPr>
-              <a:t>튜토리얼</a:t>
-            </a:r>
-            <a:endParaRPr lang="ko-KR" altLang="en-US" sz="3000" b="1">
+                <a:latin typeface="나눔바른고딕" charset="0"/>
+                <a:ea typeface="나눔바른고딕" charset="0"/>
+              </a:rPr>
+              <a:t>번째 튜토리얼</a:t>
+            </a:r>
+            <a:endParaRPr lang="ko-KR" altLang="en-US" sz="2500" b="1">
               <a:solidFill>
                 <a:schemeClr val="tx1"/>
               </a:solidFill>
-              <a:latin typeface="맑은 고딕" charset="0"/>
-              <a:ea typeface="맑은 고딕" charset="0"/>
-            </a:endParaRPr>
-          </a:p>
-        </p:txBody>
-      </p:sp>
-      <p:sp>
-        <p:nvSpPr>
-          <p:cNvPr id="1159" name="Rect 0"/>
-          <p:cNvSpPr txBox="1">
-            <a:spLocks/>
-          </p:cNvSpPr>
-          <p:nvPr/>
-        </p:nvSpPr>
-        <p:spPr>
-          <a:xfrm rot="0">
-            <a:off x="1379220" y="5168900"/>
-            <a:ext cx="4056380" cy="954405"/>
-          </a:xfrm>
-          <a:prstGeom prst="rect"/>
-          <a:noFill/>
-          <a:ln w="0">
-            <a:noFill/>
-            <a:prstDash/>
-          </a:ln>
-        </p:spPr>
-        <p:txBody>
-          <a:bodyPr wrap="square" lIns="89535" tIns="46355" rIns="89535" bIns="46355" numCol="1" vert="horz" anchor="t">
-            <a:spAutoFit/>
-          </a:bodyPr>
-          <a:lstStyle/>
-          <a:p>
-            <a:pPr marL="0" indent="0" algn="l" latinLnBrk="0" hangingPunct="1">
-              <a:buFontTx/>
-              <a:buNone/>
-            </a:pPr>
-            <a:r>
-              <a:rPr lang="ko-KR" sz="2000" b="1">
-                <a:solidFill>
-                  <a:srgbClr val="0611F2"/>
-                </a:solidFill>
-                <a:latin typeface="맑은 고딕" charset="0"/>
-                <a:ea typeface="맑은 고딕" charset="0"/>
-              </a:rPr>
-              <a:t>9. </a:t>
-            </a:r>
-            <a:r>
-              <a:rPr lang="ko-KR" sz="1800">
-                <a:latin typeface="맑은 고딕" charset="0"/>
-                <a:ea typeface="맑은 고딕" charset="0"/>
-              </a:rPr>
-              <a:t>그다음으로 </a:t>
-            </a:r>
-            <a:r>
-              <a:rPr sz="1800">
-                <a:latin typeface="맑은 고딕" charset="0"/>
-                <a:ea typeface="맑은 고딕" charset="0"/>
-              </a:rPr>
-              <a:t>Project 폴더에 있는 Animator 폴더에 Animator Controller를 생성합니다.</a:t>
-            </a:r>
-            <a:endParaRPr lang="ko-KR" altLang="en-US" sz="1800">
-              <a:latin typeface="맑은 고딕" charset="0"/>
-              <a:ea typeface="맑은 고딕" charset="0"/>
+              <a:latin typeface="나눔바른고딕" charset="0"/>
+              <a:ea typeface="나눔바른고딕" charset="0"/>
             </a:endParaRPr>
           </a:p>
         </p:txBody>
       </p:sp>
       <p:pic>
         <p:nvPicPr>
-          <p:cNvPr id="1171" name="Picture "/>
-          <p:cNvPicPr>
-            <a:picLocks noChangeAspect="1"/>
-          </p:cNvPicPr>
-          <p:nvPr/>
-        </p:nvPicPr>
-        <p:blipFill rotWithShape="1">
-          <a:blip r:embed="rId2" cstate="hqprint">
-            <a:extLst>
-              <a:ext uri="{28A0092B-C50C-407E-A947-70E740481C1C}">
-                <a14:useLocalDpi xmlns:a14="http://schemas.microsoft.com/office/drawing/2010/main"/>
-              </a:ext>
-            </a:extLst>
-          </a:blip>
-          <a:stretch>
-            <a:fillRect/>
-          </a:stretch>
-        </p:blipFill>
-        <p:spPr>
-          <a:xfrm rot="0">
-            <a:off x="1329055" y="1361440"/>
-            <a:ext cx="4054475" cy="3681095"/>
-          </a:xfrm>
-          <a:prstGeom prst="roundRect"/>
-          <a:solidFill>
-            <a:srgbClr val="EDEDED"/>
-          </a:solidFill>
-        </p:spPr>
-      </p:pic>
-      <p:sp>
-        <p:nvSpPr>
-          <p:cNvPr id="1176" name="텍스트 상자 22"/>
-          <p:cNvSpPr txBox="1">
-            <a:spLocks/>
-          </p:cNvSpPr>
-          <p:nvPr/>
-        </p:nvSpPr>
-        <p:spPr>
-          <a:xfrm rot="0">
-            <a:off x="6821170" y="2570480"/>
-            <a:ext cx="4153535" cy="955040"/>
-          </a:xfrm>
-          <a:prstGeom prst="rect"/>
-          <a:noFill/>
-          <a:ln w="0">
-            <a:noFill/>
-            <a:prstDash/>
-          </a:ln>
-        </p:spPr>
-        <p:txBody>
-          <a:bodyPr wrap="square" lIns="89535" tIns="46355" rIns="89535" bIns="46355" numCol="1" vert="horz" anchor="t">
-            <a:spAutoFit/>
-          </a:bodyPr>
-          <a:lstStyle/>
-          <a:p>
-            <a:pPr marL="0" indent="0" algn="l" latinLnBrk="0" hangingPunct="1">
-              <a:buFontTx/>
-              <a:buNone/>
-            </a:pPr>
-            <a:r>
-              <a:rPr lang="ko-KR" sz="2000" b="1">
-                <a:solidFill>
-                  <a:srgbClr val="0611F2"/>
-                </a:solidFill>
-                <a:latin typeface="맑은 고딕" charset="0"/>
-                <a:ea typeface="맑은 고딕" charset="0"/>
-              </a:rPr>
-              <a:t>10. </a:t>
-            </a:r>
-            <a:r>
-              <a:rPr lang="ko-KR" sz="1800">
-                <a:latin typeface="맑은 고딕" charset="0"/>
-                <a:ea typeface="맑은 고딕" charset="0"/>
-              </a:rPr>
-              <a:t>그리고 Dreyar By M.Aure 오브젝트에 방금 생성한 Animator Controller를 넣어줍니다.</a:t>
-            </a:r>
-            <a:endParaRPr lang="ko-KR" altLang="en-US" sz="1800">
-              <a:latin typeface="맑은 고딕" charset="0"/>
-              <a:ea typeface="맑은 고딕" charset="0"/>
-            </a:endParaRPr>
-          </a:p>
-        </p:txBody>
-      </p:sp>
-      <p:pic>
-        <p:nvPicPr>
-          <p:cNvPr id="1177" name="그림 5"/>
-          <p:cNvPicPr>
-            <a:picLocks noChangeAspect="1"/>
-          </p:cNvPicPr>
-          <p:nvPr/>
-        </p:nvPicPr>
-        <p:blipFill rotWithShape="1">
-          <a:blip r:embed="rId5" cstate="hqprint">
-            <a:extLst>
-              <a:ext uri="{28A0092B-C50C-407E-A947-70E740481C1C}">
-                <a14:useLocalDpi xmlns:a14="http://schemas.microsoft.com/office/drawing/2010/main"/>
-              </a:ext>
-            </a:extLst>
-          </a:blip>
-          <a:stretch>
-            <a:fillRect/>
-          </a:stretch>
-        </p:blipFill>
-        <p:spPr>
-          <a:xfrm rot="0">
-            <a:off x="8221345" y="1364615"/>
-            <a:ext cx="2752090" cy="1118235"/>
-          </a:xfrm>
-          <a:prstGeom prst="roundRect"/>
-          <a:solidFill>
-            <a:srgbClr val="EDEDED"/>
-          </a:solidFill>
-        </p:spPr>
-      </p:pic>
-      <p:pic>
-        <p:nvPicPr>
-          <p:cNvPr id="1180" name="그림 10"/>
-          <p:cNvPicPr>
-            <a:picLocks noChangeAspect="1"/>
-          </p:cNvPicPr>
-          <p:nvPr/>
-        </p:nvPicPr>
-        <p:blipFill rotWithShape="1">
-          <a:blip r:embed="rId7" cstate="hqprint">
-            <a:extLst>
-              <a:ext uri="{28A0092B-C50C-407E-A947-70E740481C1C}">
-                <a14:useLocalDpi xmlns:a14="http://schemas.microsoft.com/office/drawing/2010/main"/>
-              </a:ext>
-            </a:extLst>
-          </a:blip>
-          <a:stretch>
-            <a:fillRect/>
-          </a:stretch>
-        </p:blipFill>
-        <p:spPr>
-          <a:xfrm rot="0">
-            <a:off x="6824980" y="3670935"/>
-            <a:ext cx="4147185" cy="1637030"/>
-          </a:xfrm>
-          <a:prstGeom prst="roundRect"/>
-          <a:solidFill>
-            <a:srgbClr val="EDEDED"/>
-          </a:solidFill>
-        </p:spPr>
-      </p:pic>
-      <p:sp>
-        <p:nvSpPr>
-          <p:cNvPr id="1181" name="텍스트 상자 13"/>
-          <p:cNvSpPr txBox="1">
-            <a:spLocks/>
-          </p:cNvSpPr>
-          <p:nvPr/>
-        </p:nvSpPr>
-        <p:spPr>
-          <a:xfrm rot="0">
-            <a:off x="6834505" y="5447030"/>
-            <a:ext cx="4153535" cy="678180"/>
-          </a:xfrm>
-          <a:prstGeom prst="rect"/>
-          <a:noFill/>
-          <a:ln w="0">
-            <a:noFill/>
-            <a:prstDash/>
-          </a:ln>
-        </p:spPr>
-        <p:txBody>
-          <a:bodyPr wrap="square" lIns="89535" tIns="46355" rIns="89535" bIns="46355" numCol="1" vert="horz" anchor="t">
-            <a:spAutoFit/>
-          </a:bodyPr>
-          <a:lstStyle/>
-          <a:p>
-            <a:pPr marL="0" indent="0" algn="l" latinLnBrk="0" hangingPunct="1">
-              <a:buFontTx/>
-              <a:buNone/>
-            </a:pPr>
-            <a:r>
-              <a:rPr lang="ko-KR" sz="2000" b="1">
-                <a:solidFill>
-                  <a:srgbClr val="0611F2"/>
-                </a:solidFill>
-                <a:latin typeface="맑은 고딕" charset="0"/>
-                <a:ea typeface="맑은 고딕" charset="0"/>
-              </a:rPr>
-              <a:t>11. </a:t>
-            </a:r>
-            <a:r>
-              <a:rPr lang="ko-KR" sz="1800">
-                <a:latin typeface="맑은 고딕" charset="0"/>
-                <a:ea typeface="맑은 고딕" charset="0"/>
-              </a:rPr>
-              <a:t>이제 Main Camera 오브젝트를 선택하고 위치를 변경합니다.</a:t>
-            </a:r>
-            <a:endParaRPr lang="ko-KR" altLang="en-US" sz="1800">
-              <a:latin typeface="맑은 고딕" charset="0"/>
-              <a:ea typeface="맑은 고딕" charset="0"/>
-            </a:endParaRPr>
-          </a:p>
-        </p:txBody>
-      </p:sp>
-      <p:pic>
-        <p:nvPicPr>
-          <p:cNvPr id="1182" name="그림 13"/>
-          <p:cNvPicPr>
-            <a:picLocks noChangeAspect="1"/>
-          </p:cNvPicPr>
-          <p:nvPr/>
-        </p:nvPicPr>
-        <p:blipFill rotWithShape="1">
-          <a:blip r:embed="rId8" cstate="print">
-            <a:extLst>
-              <a:ext uri="{28A0092B-C50C-407E-A947-70E740481C1C}">
-                <a14:useLocalDpi xmlns:a14="http://schemas.microsoft.com/office/drawing/2010/main" val="0"/>
-              </a:ext>
-            </a:extLst>
-          </a:blip>
-          <a:stretch>
-            <a:fillRect/>
-          </a:stretch>
-        </p:blipFill>
-        <p:spPr>
-          <a:xfrm rot="0">
-            <a:off x="6822440" y="1359535"/>
-            <a:ext cx="1179195" cy="1134745"/>
-          </a:xfrm>
-          <a:prstGeom prst="roundRect"/>
-          <a:solidFill>
-            <a:srgbClr val="EDEDED"/>
-          </a:solidFill>
-        </p:spPr>
-      </p:pic>
-      <p:pic>
-        <p:nvPicPr>
-          <p:cNvPr id="1183" name="그림 1" descr="C:/Users/Admin1/AppData/Roaming/PolarisOffice/ETemp/13048_5691128/fImage22421734441.png"/>
+          <p:cNvPr id="1176" name="그림 23" descr="C:/Users/Admin1/AppData/Roaming/PolarisOffice/ETemp/28880_14730240/fImage10263376153.png"/>
           <p:cNvPicPr>
             <a:picLocks noChangeAspect="1"/>
           </p:cNvPicPr>
@@ -11224,9 +8672,302 @@
           </a:stretch>
         </p:blipFill>
         <p:spPr>
-          <a:xfrm rot="10800000">
-            <a:off x="7781290" y="1745615"/>
-            <a:ext cx="624205" cy="350520"/>
+          <a:xfrm rot="0">
+            <a:off x="1248410" y="1447165"/>
+            <a:ext cx="4118610" cy="1610995"/>
+          </a:xfrm>
+          <a:prstGeom prst="roundRect"/>
+          <a:solidFill>
+            <a:srgbClr val="EDEDED"/>
+          </a:solidFill>
+        </p:spPr>
+      </p:pic>
+      <p:sp>
+        <p:nvSpPr>
+          <p:cNvPr id="1177" name="텍스트 상자 24"/>
+          <p:cNvSpPr txBox="1">
+            <a:spLocks/>
+          </p:cNvSpPr>
+          <p:nvPr/>
+        </p:nvSpPr>
+        <p:spPr>
+          <a:xfrm rot="0">
+            <a:off x="1240790" y="4378960"/>
+            <a:ext cx="4126230" cy="1784985"/>
+          </a:xfrm>
+          <a:prstGeom prst="rect"/>
+          <a:noFill/>
+          <a:ln w="0">
+            <a:noFill/>
+            <a:prstDash/>
+          </a:ln>
+        </p:spPr>
+        <p:txBody>
+          <a:bodyPr wrap="square" lIns="89535" tIns="46355" rIns="89535" bIns="46355" numCol="1" vert="horz" anchor="t">
+            <a:spAutoFit/>
+          </a:bodyPr>
+          <a:lstStyle/>
+          <a:p>
+            <a:pPr marL="0" indent="0" algn="l" latinLnBrk="0" hangingPunct="1">
+              <a:buFontTx/>
+              <a:buNone/>
+            </a:pPr>
+            <a:r>
+              <a:rPr lang="ko-KR" sz="2000" b="1">
+                <a:solidFill>
+                  <a:srgbClr val="0611F2"/>
+                </a:solidFill>
+                <a:latin typeface="맑은 고딕" charset="0"/>
+                <a:ea typeface="맑은 고딕" charset="0"/>
+              </a:rPr>
+              <a:t>16.</a:t>
+            </a:r>
+            <a:r>
+              <a:rPr lang="ko-KR" sz="2000" b="1">
+                <a:solidFill>
+                  <a:srgbClr val="0611F2"/>
+                </a:solidFill>
+                <a:latin typeface="맑은 고딕" charset="0"/>
+                <a:ea typeface="맑은 고딕" charset="0"/>
+              </a:rPr>
+              <a:t> </a:t>
+            </a:r>
+            <a:r>
+              <a:rPr lang="ko-KR" sz="1800">
+                <a:latin typeface="맑은 고딕" charset="0"/>
+                <a:ea typeface="맑은 고딕" charset="0"/>
+              </a:rPr>
+              <a:t>그다음 애니메이터 </a:t>
+            </a:r>
+            <a:r>
+              <a:rPr lang="ko-KR" sz="1800">
+                <a:latin typeface="맑은 고딕" charset="0"/>
+                <a:ea typeface="맑은 고딕" charset="0"/>
+              </a:rPr>
+              <a:t>컨트롤러를</a:t>
+            </a:r>
+            <a:r>
+              <a:rPr lang="ko-KR" sz="1800">
+                <a:latin typeface="맑은 고딕" charset="0"/>
+                <a:ea typeface="맑은 고딕" charset="0"/>
+              </a:rPr>
+              <a:t> </a:t>
+            </a:r>
+            <a:r>
+              <a:rPr lang="ko-KR" sz="1800">
+                <a:latin typeface="맑은 고딕" charset="0"/>
+                <a:ea typeface="맑은 고딕" charset="0"/>
+              </a:rPr>
+              <a:t>선택하여</a:t>
+            </a:r>
+            <a:r>
+              <a:rPr lang="ko-KR" sz="1800">
+                <a:latin typeface="맑은 고딕" charset="0"/>
+                <a:ea typeface="맑은 고딕" charset="0"/>
+              </a:rPr>
+              <a:t> </a:t>
+            </a:r>
+            <a:r>
+              <a:rPr lang="ko-KR" sz="1800">
+                <a:latin typeface="맑은 고딕" charset="0"/>
+                <a:ea typeface="맑은 고딕" charset="0"/>
+              </a:rPr>
+              <a:t>Base</a:t>
+            </a:r>
+            <a:r>
+              <a:rPr lang="ko-KR" sz="1800">
+                <a:latin typeface="맑은 고딕" charset="0"/>
+                <a:ea typeface="맑은 고딕" charset="0"/>
+              </a:rPr>
+              <a:t> Layer에 들어옵니다.</a:t>
+            </a:r>
+            <a:endParaRPr lang="ko-KR" altLang="en-US" sz="1800">
+              <a:latin typeface="맑은 고딕" charset="0"/>
+              <a:ea typeface="맑은 고딕" charset="0"/>
+            </a:endParaRPr>
+          </a:p>
+          <a:p>
+            <a:pPr marL="0" indent="0" algn="l" latinLnBrk="0" hangingPunct="1">
+              <a:buFontTx/>
+              <a:buNone/>
+            </a:pPr>
+            <a:endParaRPr lang="ko-KR" altLang="en-US" sz="1800">
+              <a:latin typeface="맑은 고딕" charset="0"/>
+              <a:ea typeface="맑은 고딕" charset="0"/>
+            </a:endParaRPr>
+          </a:p>
+          <a:p>
+            <a:pPr marL="0" indent="0" algn="l" latinLnBrk="0" hangingPunct="1">
+              <a:buFontTx/>
+              <a:buNone/>
+            </a:pPr>
+            <a:r>
+              <a:rPr lang="ko-KR" sz="1800">
+                <a:latin typeface="맑은 고딕" charset="0"/>
+                <a:ea typeface="맑은 고딕" charset="0"/>
+              </a:rPr>
+              <a:t>그러고</a:t>
+            </a:r>
+            <a:r>
+              <a:rPr lang="ko-KR" sz="1800">
+                <a:latin typeface="맑은 고딕" charset="0"/>
+                <a:ea typeface="맑은 고딕" charset="0"/>
+              </a:rPr>
+              <a:t> </a:t>
+            </a:r>
+            <a:r>
+              <a:rPr lang="ko-KR" sz="1800">
+                <a:latin typeface="맑은 고딕" charset="0"/>
+                <a:ea typeface="맑은 고딕" charset="0"/>
+              </a:rPr>
+              <a:t>나서 Project 폴더 아래에 있는 </a:t>
+            </a:r>
+            <a:r>
+              <a:rPr lang="ko-KR" sz="1800">
+                <a:latin typeface="맑은 고딕" charset="0"/>
+                <a:ea typeface="맑은 고딕" charset="0"/>
+              </a:rPr>
+              <a:t>Animation</a:t>
+            </a:r>
+            <a:r>
+              <a:rPr lang="ko-KR" sz="1800">
+                <a:latin typeface="맑은 고딕" charset="0"/>
+                <a:ea typeface="맑은 고딕" charset="0"/>
+              </a:rPr>
+              <a:t> 폴더에</a:t>
+            </a:r>
+            <a:r>
+              <a:rPr lang="ko-KR" sz="1800">
+                <a:latin typeface="맑은 고딕" charset="0"/>
+                <a:ea typeface="맑은 고딕" charset="0"/>
+              </a:rPr>
+              <a:t> </a:t>
+            </a:r>
+            <a:r>
+              <a:rPr lang="ko-KR" sz="1800">
+                <a:latin typeface="맑은 고딕" charset="0"/>
+                <a:ea typeface="맑은 고딕" charset="0"/>
+              </a:rPr>
+              <a:t>Idle</a:t>
+            </a:r>
+            <a:r>
+              <a:rPr lang="ko-KR" sz="1800">
+                <a:latin typeface="맑은 고딕" charset="0"/>
+                <a:ea typeface="맑은 고딕" charset="0"/>
+              </a:rPr>
+              <a:t> </a:t>
+            </a:r>
+            <a:r>
+              <a:rPr lang="ko-KR" sz="1800">
+                <a:latin typeface="맑은 고딕" charset="0"/>
+                <a:ea typeface="맑은 고딕" charset="0"/>
+              </a:rPr>
+              <a:t>애니메이션을</a:t>
+            </a:r>
+            <a:r>
+              <a:rPr lang="ko-KR" sz="1800">
+                <a:latin typeface="맑은 고딕" charset="0"/>
+                <a:ea typeface="맑은 고딕" charset="0"/>
+              </a:rPr>
+              <a:t> </a:t>
+            </a:r>
+            <a:r>
+              <a:rPr lang="ko-KR" sz="1800">
+                <a:latin typeface="맑은 고딕" charset="0"/>
+                <a:ea typeface="맑은 고딕" charset="0"/>
+              </a:rPr>
+              <a:t>Base</a:t>
+            </a:r>
+            <a:r>
+              <a:rPr lang="ko-KR" sz="1800">
+                <a:latin typeface="맑은 고딕" charset="0"/>
+                <a:ea typeface="맑은 고딕" charset="0"/>
+              </a:rPr>
+              <a:t> </a:t>
+            </a:r>
+            <a:r>
+              <a:rPr lang="ko-KR" sz="1800">
+                <a:latin typeface="맑은 고딕" charset="0"/>
+                <a:ea typeface="맑은 고딕" charset="0"/>
+              </a:rPr>
+              <a:t>Layer에</a:t>
+            </a:r>
+            <a:r>
+              <a:rPr lang="ko-KR" sz="1800">
+                <a:latin typeface="맑은 고딕" charset="0"/>
+                <a:ea typeface="맑은 고딕" charset="0"/>
+              </a:rPr>
+              <a:t> </a:t>
+            </a:r>
+            <a:r>
+              <a:rPr lang="ko-KR" sz="1800">
+                <a:latin typeface="맑은 고딕" charset="0"/>
+                <a:ea typeface="맑은 고딕" charset="0"/>
+              </a:rPr>
+              <a:t>추가합니다.</a:t>
+            </a:r>
+            <a:endParaRPr lang="ko-KR" altLang="en-US" sz="1800">
+              <a:latin typeface="맑은 고딕" charset="0"/>
+              <a:ea typeface="맑은 고딕" charset="0"/>
+            </a:endParaRPr>
+          </a:p>
+        </p:txBody>
+      </p:sp>
+      <p:pic>
+        <p:nvPicPr>
+          <p:cNvPr id="1178" name="그림 34" descr="C:/Users/Admin1/AppData/Roaming/PolarisOffice/ETemp/28880_14730240/fImage71523089358.png"/>
+          <p:cNvPicPr>
+            <a:picLocks noChangeAspect="1"/>
+          </p:cNvPicPr>
+          <p:nvPr/>
+        </p:nvPicPr>
+        <p:blipFill rotWithShape="1">
+          <a:blip r:embed="rId10" cstate="print">
+            <a:extLst>
+              <a:ext uri="{28A0092B-C50C-407E-A947-70E740481C1C}">
+                <a14:useLocalDpi xmlns:a14="http://schemas.microsoft.com/office/drawing/2010/main" val="0"/>
+              </a:ext>
+            </a:extLst>
+          </a:blip>
+          <a:stretch>
+            <a:fillRect/>
+          </a:stretch>
+        </p:blipFill>
+        <p:spPr>
+          <a:xfrm rot="0">
+            <a:off x="1252855" y="3204210"/>
+            <a:ext cx="4114165" cy="1077595"/>
+          </a:xfrm>
+          <a:prstGeom prst="roundRect"/>
+          <a:solidFill>
+            <a:srgbClr val="EDEDED"/>
+          </a:solidFill>
+        </p:spPr>
+      </p:pic>
+      <p:pic>
+        <p:nvPicPr>
+          <p:cNvPr id="1179" name="그림 37" descr="C:/Users/Admin1/AppData/Roaming/PolarisOffice/ETemp/28880_14730240/fImage22421734441.png"/>
+          <p:cNvPicPr>
+            <a:picLocks noChangeAspect="1"/>
+          </p:cNvPicPr>
+          <p:nvPr/>
+        </p:nvPicPr>
+        <p:blipFill rotWithShape="1">
+          <a:blip r:embed="rId11" cstate="hqprint">
+            <a:extLst>
+              <a:ext uri="{28A0092B-C50C-407E-A947-70E740481C1C}">
+                <a14:useLocalDpi xmlns:a14="http://schemas.microsoft.com/office/drawing/2010/main"/>
+              </a:ext>
+            </a:extLst>
+          </a:blip>
+          <a:stretch>
+            <a:fillRect/>
+          </a:stretch>
+        </p:blipFill>
+        <p:spPr>
+          <a:xfrm rot="16200000">
+            <a:off x="2997200" y="2808605"/>
+            <a:ext cx="624840" cy="498475"/>
           </a:xfrm>
           <a:prstGeom prst="rect"/>
           <a:noFill/>
@@ -11274,7 +9015,7 @@
       </p:grpSpPr>
       <p:sp>
         <p:nvSpPr>
-          <p:cNvPr id="1154" name="텍스트 상자 88"/>
+          <p:cNvPr id="1154" name="Rect 0"/>
           <p:cNvSpPr txBox="1">
             <a:spLocks/>
           </p:cNvSpPr>
@@ -11282,8 +9023,8 @@
         </p:nvSpPr>
         <p:spPr>
           <a:xfrm rot="0">
-            <a:off x="4343400" y="417195"/>
-            <a:ext cx="3501390" cy="554990"/>
+            <a:off x="4497705" y="417195"/>
+            <a:ext cx="3192145" cy="554990"/>
           </a:xfrm>
           <a:prstGeom prst="rect"/>
           <a:noFill/>
@@ -11310,7 +9051,7 @@
                 <a:latin typeface="맑은 고딕" charset="0"/>
                 <a:ea typeface="맑은 고딕" charset="0"/>
               </a:rPr>
-              <a:t>다섯</a:t>
+              <a:t>열</a:t>
             </a:r>
             <a:r>
               <a:rPr lang="ko-KR" altLang="en-US" sz="3000" b="1">
@@ -11342,16 +9083,145 @@
           </a:p>
         </p:txBody>
       </p:sp>
+      <p:sp>
+        <p:nvSpPr>
+          <p:cNvPr id="1157" name="Rect 0"/>
+          <p:cNvSpPr txBox="1">
+            <a:spLocks/>
+          </p:cNvSpPr>
+          <p:nvPr/>
+        </p:nvSpPr>
+        <p:spPr>
+          <a:xfrm rot="0">
+            <a:off x="6814820" y="4220845"/>
+            <a:ext cx="4217670" cy="2061845"/>
+          </a:xfrm>
+          <a:prstGeom prst="rect"/>
+          <a:noFill/>
+          <a:ln w="0">
+            <a:noFill/>
+            <a:prstDash/>
+          </a:ln>
+        </p:spPr>
+        <p:txBody>
+          <a:bodyPr wrap="square" lIns="89535" tIns="46355" rIns="89535" bIns="46355" numCol="1" vert="horz" anchor="t">
+            <a:spAutoFit/>
+          </a:bodyPr>
+          <a:lstStyle/>
+          <a:p>
+            <a:pPr marL="0" indent="0" algn="l" latinLnBrk="0" hangingPunct="1">
+              <a:buFontTx/>
+              <a:buNone/>
+            </a:pPr>
+            <a:r>
+              <a:rPr lang="ko-KR" sz="2000" b="1">
+                <a:solidFill>
+                  <a:srgbClr val="0611F2"/>
+                </a:solidFill>
+                <a:latin typeface="맑은 고딕" charset="0"/>
+                <a:ea typeface="맑은 고딕" charset="0"/>
+              </a:rPr>
+              <a:t>2</a:t>
+            </a:r>
+            <a:r>
+              <a:rPr lang="ko-KR" sz="2000" b="1">
+                <a:solidFill>
+                  <a:srgbClr val="0611F2"/>
+                </a:solidFill>
+                <a:latin typeface="맑은 고딕" charset="0"/>
+                <a:ea typeface="맑은 고딕" charset="0"/>
+              </a:rPr>
+              <a:t>7</a:t>
+            </a:r>
+            <a:r>
+              <a:rPr lang="ko-KR" sz="2000" b="1">
+                <a:solidFill>
+                  <a:srgbClr val="0611F2"/>
+                </a:solidFill>
+                <a:latin typeface="맑은 고딕" charset="0"/>
+                <a:ea typeface="맑은 고딕" charset="0"/>
+              </a:rPr>
+              <a:t>. </a:t>
+            </a:r>
+            <a:r>
+              <a:rPr lang="ko-KR" sz="1800">
+                <a:latin typeface="맑은 고딕" charset="0"/>
+                <a:ea typeface="맑은 고딕" charset="0"/>
+              </a:rPr>
+              <a:t>이제</a:t>
+            </a:r>
+            <a:r>
+              <a:rPr lang="ko-KR" sz="1800">
+                <a:latin typeface="맑은 고딕" charset="0"/>
+                <a:ea typeface="맑은 고딕" charset="0"/>
+              </a:rPr>
+              <a:t> AnimationAction 스크립트</a:t>
+            </a:r>
+            <a:r>
+              <a:rPr lang="ko-KR" sz="1800">
+                <a:latin typeface="맑은 고딕" charset="0"/>
+                <a:ea typeface="맑은 고딕" charset="0"/>
+              </a:rPr>
+              <a:t>에서</a:t>
+            </a:r>
+            <a:r>
+              <a:rPr lang="ko-KR" sz="1800">
+                <a:latin typeface="맑은 고딕" charset="0"/>
+                <a:ea typeface="맑은 고딕" charset="0"/>
+              </a:rPr>
+              <a:t> 애니메이터 변수를 선언합니다.</a:t>
+            </a:r>
+            <a:endParaRPr lang="ko-KR" altLang="en-US" sz="1800">
+              <a:latin typeface="맑은 고딕" charset="0"/>
+              <a:ea typeface="맑은 고딕" charset="0"/>
+            </a:endParaRPr>
+          </a:p>
+          <a:p>
+            <a:pPr marL="0" indent="0" algn="l" latinLnBrk="0" hangingPunct="1">
+              <a:buFontTx/>
+              <a:buNone/>
+            </a:pPr>
+            <a:endParaRPr lang="ko-KR" altLang="en-US" sz="1800">
+              <a:latin typeface="맑은 고딕" charset="0"/>
+              <a:ea typeface="맑은 고딕" charset="0"/>
+            </a:endParaRPr>
+          </a:p>
+          <a:p>
+            <a:pPr marL="0" indent="0" algn="l" latinLnBrk="0" hangingPunct="1">
+              <a:buFontTx/>
+              <a:buNone/>
+            </a:pPr>
+            <a:r>
+              <a:rPr lang="ko-KR" sz="1800">
+                <a:latin typeface="맑은 고딕" charset="0"/>
+                <a:ea typeface="맑은 고딕" charset="0"/>
+              </a:rPr>
+              <a:t>그</a:t>
+            </a:r>
+            <a:r>
+              <a:rPr lang="ko-KR" sz="1800">
+                <a:latin typeface="맑은 고딕" charset="0"/>
+                <a:ea typeface="맑은 고딕" charset="0"/>
+              </a:rPr>
+              <a:t>런 다음 Kick( ) 함수와 Running( ) 함수를 선언하고 애니메이션을 실행시키는 Play( ) 함수를 선언합니다.</a:t>
+            </a:r>
+            <a:endParaRPr lang="ko-KR" altLang="en-US" sz="1800">
+              <a:latin typeface="맑은 고딕" charset="0"/>
+              <a:ea typeface="맑은 고딕" charset="0"/>
+            </a:endParaRPr>
+          </a:p>
+        </p:txBody>
+      </p:sp>
       <p:pic>
         <p:nvPicPr>
-          <p:cNvPr id="1160" name="그림 99"/>
+          <p:cNvPr id="1165" name="Picture "/>
           <p:cNvPicPr>
             <a:picLocks noChangeAspect="1"/>
           </p:cNvPicPr>
           <p:nvPr/>
         </p:nvPicPr>
         <p:blipFill rotWithShape="1">
-          <a:blip r:embed="rId25" cstate="hqprint">
+          <a:blip r:embed="rId2" cstate="hqprint">
             <a:extLst>
               <a:ext uri="{28A0092B-C50C-407E-A947-70E740481C1C}">
                 <a14:useLocalDpi xmlns:a14="http://schemas.microsoft.com/office/drawing/2010/main"/>
@@ -11364,8 +9234,8 @@
         </p:blipFill>
         <p:spPr>
           <a:xfrm rot="0">
-            <a:off x="4416425" y="3273425"/>
-            <a:ext cx="701675" cy="711200"/>
+            <a:off x="6814820" y="1480820"/>
+            <a:ext cx="4205605" cy="2637790"/>
           </a:xfrm>
           <a:prstGeom prst="roundRect"/>
           <a:solidFill>
@@ -11373,51 +9243,16 @@
           </a:solidFill>
         </p:spPr>
       </p:pic>
-      <p:cxnSp>
-        <p:nvCxnSpPr>
-          <p:cNvPr id="1164" name="도형 106"/>
-          <p:cNvCxnSpPr>
-            <a:stCxn id="1160" idx="0"/>
-            <a:endCxn id="1172" idx="2"/>
-          </p:cNvCxnSpPr>
-          <p:nvPr/>
-        </p:nvCxnSpPr>
-        <p:spPr>
-          <a:xfrm rot="0" flipV="1">
-            <a:off x="4766945" y="2866390"/>
-            <a:ext cx="2540" cy="407670"/>
-          </a:xfrm>
-          <a:prstGeom prst="straightConnector1"/>
-          <a:ln w="19050" cap="flat" cmpd="sng">
-            <a:prstDash/>
-            <a:tailEnd type="triangle" w="med" len="med"/>
-          </a:ln>
-        </p:spPr>
-        <p:style>
-          <a:lnRef idx="3">
-            <a:schemeClr val="accent2"/>
-          </a:lnRef>
-          <a:fillRef idx="0">
-            <a:schemeClr val="accent2"/>
-          </a:fillRef>
-          <a:effectRef idx="2">
-            <a:schemeClr val="accent2"/>
-          </a:effectRef>
-          <a:fontRef idx="minor">
-            <a:schemeClr val="tx1"/>
-          </a:fontRef>
-        </p:style>
-      </p:cxnSp>
       <p:pic>
         <p:nvPicPr>
-          <p:cNvPr id="1168" name="그림 29"/>
+          <p:cNvPr id="1168" name="그림 205"/>
           <p:cNvPicPr>
             <a:picLocks noChangeAspect="1"/>
           </p:cNvPicPr>
           <p:nvPr/>
         </p:nvPicPr>
         <p:blipFill rotWithShape="1">
-          <a:blip r:embed="rId24" cstate="hqprint">
+          <a:blip r:embed="rId4" cstate="hqprint">
             <a:extLst>
               <a:ext uri="{28A0092B-C50C-407E-A947-70E740481C1C}">
                 <a14:useLocalDpi xmlns:a14="http://schemas.microsoft.com/office/drawing/2010/main"/>
@@ -11430,8 +9265,8 @@
         </p:blipFill>
         <p:spPr>
           <a:xfrm rot="0">
-            <a:off x="1496060" y="1463040"/>
-            <a:ext cx="2506345" cy="2527935"/>
+            <a:off x="1123950" y="1476375"/>
+            <a:ext cx="4245610" cy="2641600"/>
           </a:xfrm>
           <a:prstGeom prst="roundRect"/>
           <a:solidFill>
@@ -11441,16 +9276,16 @@
       </p:pic>
       <p:sp>
         <p:nvSpPr>
-          <p:cNvPr id="1169" name="텍스트 상자 30"/>
+          <p:cNvPr id="1169" name="텍스트 상자 208"/>
           <p:cNvSpPr txBox="1">
             <a:spLocks/>
           </p:cNvSpPr>
           <p:nvPr/>
         </p:nvSpPr>
         <p:spPr>
-          <a:xfrm rot="0">
-            <a:off x="1503045" y="4107815"/>
-            <a:ext cx="3857625" cy="2061845"/>
+          <a:xfrm>
+            <a:off x="1125855" y="4225290"/>
+            <a:ext cx="4248785" cy="2061845"/>
           </a:xfrm>
           <a:prstGeom prst="rect"/>
           <a:noFill/>
@@ -11477,7 +9312,7 @@
                 <a:latin typeface="맑은 고딕" charset="0"/>
                 <a:ea typeface="맑은 고딕" charset="0"/>
               </a:rPr>
-              <a:t>1</a:t>
+              <a:t>2</a:t>
             </a:r>
             <a:r>
               <a:rPr lang="ko-KR" sz="2000" b="1">
@@ -11487,7 +9322,7 @@
                 <a:latin typeface="맑은 고딕" charset="0"/>
                 <a:ea typeface="맑은 고딕" charset="0"/>
               </a:rPr>
-              <a:t>2</a:t>
+              <a:t>6</a:t>
             </a:r>
             <a:r>
               <a:rPr lang="ko-KR" sz="2000" b="1">
@@ -11504,7 +9339,14 @@
                 <a:latin typeface="맑은 고딕" charset="0"/>
                 <a:ea typeface="맑은 고딕" charset="0"/>
               </a:rPr>
-              <a:t>그런 다음 빈 게임 오브젝트를 생성하고 이름을 Animation Action으로 설정합니다.</a:t>
+              <a:t>마지막으로</a:t>
+            </a:r>
+            <a:r>
+              <a:rPr lang="ko-KR" sz="1800">
+                <a:latin typeface="맑은 고딕" charset="0"/>
+                <a:ea typeface="맑은 고딕" charset="0"/>
+              </a:rPr>
+              <a:t> Running Animation과 Kick 애니메이션을 선택하고 Make Transition을 생성합니다.</a:t>
             </a:r>
             <a:endParaRPr lang="ko-KR" altLang="en-US" sz="1800">
               <a:latin typeface="맑은 고딕" charset="0"/>
@@ -11531,28 +9373,7 @@
                 <a:latin typeface="맑은 고딕" charset="0"/>
                 <a:ea typeface="맑은 고딕" charset="0"/>
               </a:rPr>
-              <a:t>그리고</a:t>
-            </a:r>
-            <a:r>
-              <a:rPr lang="ko-KR" sz="1800">
-                <a:latin typeface="맑은 고딕" charset="0"/>
-                <a:ea typeface="맑은 고딕" charset="0"/>
-              </a:rPr>
-              <a:t> AnimationAction 스크립트 생성하고 Animation</a:t>
-            </a:r>
-            <a:r>
-              <a:rPr lang="ko-KR" sz="1800">
-                <a:latin typeface="맑은 고딕" charset="0"/>
-                <a:ea typeface="맑은 고딕" charset="0"/>
-              </a:rPr>
-              <a:t> </a:t>
-            </a:r>
-            <a:r>
-              <a:rPr lang="ko-KR" sz="1800">
-                <a:latin typeface="맑은 고딕" charset="0"/>
-                <a:ea typeface="맑은 고딕" charset="0"/>
-              </a:rPr>
-              <a:t>Action 오브젝트에 넣어줍니다.</a:t>
+              <a:t>그리고 Idle 애니메이션으로 연결하면 애니메이션이 끝났을 때 자동으로 Idle 애니메이션으로 돌아가도록 설정됩니다.</a:t>
             </a:r>
             <a:endParaRPr lang="ko-KR" altLang="en-US" sz="1800">
               <a:latin typeface="맑은 고딕" charset="0"/>
@@ -11561,122 +9382,6 @@
           </a:p>
         </p:txBody>
       </p:sp>
-      <p:sp>
-        <p:nvSpPr>
-          <p:cNvPr id="1170" name="텍스트 상자 14"/>
-          <p:cNvSpPr txBox="1">
-            <a:spLocks/>
-          </p:cNvSpPr>
-          <p:nvPr/>
-        </p:nvSpPr>
-        <p:spPr>
-          <a:xfrm rot="0">
-            <a:off x="6823710" y="5208270"/>
-            <a:ext cx="4133850" cy="954405"/>
-          </a:xfrm>
-          <a:prstGeom prst="rect"/>
-          <a:noFill/>
-          <a:ln w="0">
-            <a:noFill/>
-            <a:prstDash/>
-          </a:ln>
-        </p:spPr>
-        <p:txBody>
-          <a:bodyPr wrap="square" lIns="89535" tIns="46355" rIns="89535" bIns="46355" numCol="1" vert="horz" anchor="t">
-            <a:spAutoFit/>
-          </a:bodyPr>
-          <a:lstStyle/>
-          <a:p>
-            <a:pPr marL="0" indent="0" algn="l" latinLnBrk="0" hangingPunct="1">
-              <a:buFontTx/>
-              <a:buNone/>
-            </a:pPr>
-            <a:r>
-              <a:rPr lang="ko-KR" sz="2000" b="1">
-                <a:solidFill>
-                  <a:srgbClr val="0611F2"/>
-                </a:solidFill>
-                <a:latin typeface="맑은 고딕" charset="0"/>
-                <a:ea typeface="맑은 고딕" charset="0"/>
-              </a:rPr>
-              <a:t>13. </a:t>
-            </a:r>
-            <a:r>
-              <a:rPr lang="ko-KR" sz="1800">
-                <a:latin typeface="맑은 고딕" charset="0"/>
-                <a:ea typeface="맑은 고딕" charset="0"/>
-              </a:rPr>
-              <a:t>그리고 mixamo에서 Animation을 선택하고 Idle 애니메이션을 Download합니다.</a:t>
-            </a:r>
-            <a:endParaRPr lang="ko-KR" altLang="en-US" sz="1800">
-              <a:latin typeface="맑은 고딕" charset="0"/>
-              <a:ea typeface="맑은 고딕" charset="0"/>
-            </a:endParaRPr>
-          </a:p>
-        </p:txBody>
-      </p:sp>
-      <p:pic>
-        <p:nvPicPr>
-          <p:cNvPr id="1171" name="그림 15" descr="C:/Users/Admin1/AppData/Roaming/PolarisOffice/ETemp/13876_17549616/fImage3349343452995.png"/>
-          <p:cNvPicPr>
-            <a:picLocks noChangeAspect="1"/>
-          </p:cNvPicPr>
-          <p:nvPr/>
-        </p:nvPicPr>
-        <p:blipFill rotWithShape="1">
-          <a:blip r:embed="rId27" cstate="hqprint">
-            <a:extLst>
-              <a:ext uri="{28A0092B-C50C-407E-A947-70E740481C1C}">
-                <a14:useLocalDpi xmlns:a14="http://schemas.microsoft.com/office/drawing/2010/main"/>
-              </a:ext>
-            </a:extLst>
-          </a:blip>
-          <a:stretch>
-            <a:fillRect/>
-          </a:stretch>
-        </p:blipFill>
-        <p:spPr>
-          <a:xfrm rot="0">
-            <a:off x="6823710" y="1471295"/>
-            <a:ext cx="4133850" cy="3569335"/>
-          </a:xfrm>
-          <a:prstGeom prst="roundRect"/>
-          <a:solidFill>
-            <a:srgbClr val="EDEDED"/>
-          </a:solidFill>
-        </p:spPr>
-      </p:pic>
-      <p:pic>
-        <p:nvPicPr>
-          <p:cNvPr id="1172" name="그림 14"/>
-          <p:cNvPicPr>
-            <a:picLocks noChangeAspect="1"/>
-          </p:cNvPicPr>
-          <p:nvPr/>
-        </p:nvPicPr>
-        <p:blipFill rotWithShape="1">
-          <a:blip r:embed="rId28" cstate="print">
-            <a:extLst>
-              <a:ext uri="{28A0092B-C50C-407E-A947-70E740481C1C}">
-                <a14:useLocalDpi xmlns:a14="http://schemas.microsoft.com/office/drawing/2010/main" val="0"/>
-              </a:ext>
-            </a:extLst>
-          </a:blip>
-          <a:stretch>
-            <a:fillRect/>
-          </a:stretch>
-        </p:blipFill>
-        <p:spPr>
-          <a:xfrm rot="0">
-            <a:off x="4168775" y="1471930"/>
-            <a:ext cx="1200785" cy="1395095"/>
-          </a:xfrm>
-          <a:prstGeom prst="roundRect"/>
-          <a:solidFill>
-            <a:srgbClr val="EDEDED"/>
-          </a:solidFill>
-        </p:spPr>
-      </p:pic>
     </p:spTree>
   </p:cSld>
   <p:clrMapOvr>
@@ -11719,7 +9424,7 @@
       </p:grpSpPr>
       <p:sp>
         <p:nvSpPr>
-          <p:cNvPr id="1154" name="Rect 0"/>
+          <p:cNvPr id="1115" name="Rect 0"/>
           <p:cNvSpPr txBox="1">
             <a:spLocks/>
           </p:cNvSpPr>
@@ -11727,8 +9432,8 @@
         </p:nvSpPr>
         <p:spPr>
           <a:xfrm rot="0">
-            <a:off x="4280535" y="405130"/>
-            <a:ext cx="3625850" cy="554990"/>
+            <a:off x="1351280" y="3894455"/>
+            <a:ext cx="4017645" cy="2308225"/>
           </a:xfrm>
           <a:prstGeom prst="rect"/>
           <a:noFill/>
@@ -11743,6 +9448,108 @@
           </a:bodyPr>
           <a:lstStyle/>
           <a:p>
+            <a:pPr marL="0" indent="0" algn="l" latinLnBrk="0" hangingPunct="1">
+              <a:buFontTx/>
+              <a:buNone/>
+            </a:pPr>
+            <a:r>
+              <a:rPr lang="ko-KR" sz="1800">
+                <a:latin typeface="맑은 고딕" charset="0"/>
+                <a:ea typeface="맑은 고딕" charset="0"/>
+              </a:rPr>
+              <a:t>메카님 애니메이션이란?</a:t>
+            </a:r>
+            <a:endParaRPr lang="ko-KR" altLang="en-US" sz="1800">
+              <a:latin typeface="맑은 고딕" charset="0"/>
+              <a:ea typeface="맑은 고딕" charset="0"/>
+            </a:endParaRPr>
+          </a:p>
+          <a:p>
+            <a:pPr marL="0" indent="0" algn="l" latinLnBrk="0" hangingPunct="1">
+              <a:buFontTx/>
+              <a:buNone/>
+            </a:pPr>
+            <a:r>
+              <a:rPr lang="ko-KR" sz="1800">
+                <a:latin typeface="맑은 고딕" charset="0"/>
+                <a:ea typeface="맑은 고딕" charset="0"/>
+              </a:rPr>
+              <a:t>애니메이션의 전환 방식이 스테이트 머신으로 동작하는 애니메이션입니다.</a:t>
+            </a:r>
+            <a:endParaRPr lang="ko-KR" altLang="en-US" sz="1800">
+              <a:latin typeface="맑은 고딕" charset="0"/>
+              <a:ea typeface="맑은 고딕" charset="0"/>
+            </a:endParaRPr>
+          </a:p>
+          <a:p>
+            <a:pPr marL="0" indent="0" algn="l" latinLnBrk="0" hangingPunct="1">
+              <a:buFontTx/>
+              <a:buNone/>
+            </a:pPr>
+            <a:endParaRPr lang="ko-KR" altLang="en-US" sz="1800">
+              <a:latin typeface="맑은 고딕" charset="0"/>
+              <a:ea typeface="맑은 고딕" charset="0"/>
+            </a:endParaRPr>
+          </a:p>
+          <a:p>
+            <a:pPr marL="0" indent="0" algn="l" latinLnBrk="0" hangingPunct="1">
+              <a:buFontTx/>
+              <a:buNone/>
+            </a:pPr>
+            <a:r>
+              <a:rPr lang="ko-KR" sz="1800">
+                <a:latin typeface="맑은 고딕" charset="0"/>
+                <a:ea typeface="맑은 고딕" charset="0"/>
+              </a:rPr>
+              <a:t>그리고 애니메이션을 연결하는 트랜지션은 또 다른 애니메이션으로 </a:t>
+            </a:r>
+            <a:r>
+              <a:rPr lang="ko-KR" sz="1800">
+                <a:latin typeface="맑은 고딕" charset="0"/>
+                <a:ea typeface="맑은 고딕" charset="0"/>
+              </a:rPr>
+              <a:t>상태를 </a:t>
+            </a:r>
+            <a:r>
+              <a:rPr lang="ko-KR" sz="1800">
+                <a:latin typeface="맑은 고딕" charset="0"/>
+                <a:ea typeface="맑은 고딕" charset="0"/>
+              </a:rPr>
+              <a:t>전이하기 위해 설정하는 것입니다.</a:t>
+            </a:r>
+            <a:endParaRPr lang="ko-KR" altLang="en-US" sz="1800">
+              <a:latin typeface="맑은 고딕" charset="0"/>
+              <a:ea typeface="맑은 고딕" charset="0"/>
+            </a:endParaRPr>
+          </a:p>
+        </p:txBody>
+      </p:sp>
+      <p:sp>
+        <p:nvSpPr>
+          <p:cNvPr id="1130" name="텍스트 상자 209"/>
+          <p:cNvSpPr txBox="1">
+            <a:spLocks/>
+          </p:cNvSpPr>
+          <p:nvPr/>
+        </p:nvSpPr>
+        <p:spPr>
+          <a:xfrm rot="0">
+            <a:off x="4311015" y="461010"/>
+            <a:ext cx="3570605" cy="554990"/>
+          </a:xfrm>
+          <a:prstGeom prst="rect"/>
+          <a:noFill/>
+          <a:ln w="0">
+            <a:noFill/>
+            <a:prstDash/>
+          </a:ln>
+        </p:spPr>
+        <p:txBody>
+          <a:bodyPr wrap="square" lIns="89535" tIns="46355" rIns="89535" bIns="46355" numCol="1" vert="horz" anchor="t">
+            <a:spAutoFit/>
+          </a:bodyPr>
+          <a:lstStyle/>
+          <a:p>
             <a:pPr marL="0" indent="0" algn="l" latinLnBrk="0">
               <a:buFontTx/>
               <a:buNone/>
@@ -11755,7 +9562,7 @@
                 <a:latin typeface="맑은 고딕" charset="0"/>
                 <a:ea typeface="맑은 고딕" charset="0"/>
               </a:rPr>
-              <a:t>여</a:t>
+              <a:t>열</a:t>
             </a:r>
             <a:r>
               <a:rPr lang="ko-KR" altLang="en-US" sz="3000" b="1">
@@ -11765,7 +9572,17 @@
                 <a:latin typeface="맑은 고딕" charset="0"/>
                 <a:ea typeface="맑은 고딕" charset="0"/>
               </a:rPr>
-              <a:t>섯 번째 </a:t>
+              <a:t>한</a:t>
+            </a:r>
+            <a:r>
+              <a:rPr lang="ko-KR" altLang="en-US" sz="3000" b="1">
+                <a:solidFill>
+                  <a:schemeClr val="tx1"/>
+                </a:solidFill>
+                <a:latin typeface="맑은 고딕" charset="0"/>
+                <a:ea typeface="맑은 고딕" charset="0"/>
+              </a:rPr>
+              <a:t> 번째 </a:t>
             </a:r>
             <a:r>
               <a:rPr lang="ko-KR" altLang="en-US" sz="3000" b="1">
@@ -11789,7 +9606,7 @@
       </p:sp>
       <p:sp>
         <p:nvSpPr>
-          <p:cNvPr id="1159" name="Rect 0"/>
+          <p:cNvPr id="1132" name="텍스트 상자 41"/>
           <p:cNvSpPr txBox="1">
             <a:spLocks/>
           </p:cNvSpPr>
@@ -11797,8 +9614,8 @@
         </p:nvSpPr>
         <p:spPr>
           <a:xfrm rot="0">
-            <a:off x="1340485" y="4693285"/>
-            <a:ext cx="3989070" cy="1508125"/>
+            <a:off x="6797675" y="4418965"/>
+            <a:ext cx="4168140" cy="1784985"/>
           </a:xfrm>
           <a:prstGeom prst="rect"/>
           <a:noFill/>
@@ -11825,14 +9642,14 @@
                 <a:latin typeface="맑은 고딕" charset="0"/>
                 <a:ea typeface="맑은 고딕" charset="0"/>
               </a:rPr>
-              <a:t>14. </a:t>
-            </a:r>
-            <a:r>
-              <a:rPr lang="ko-KR" sz="1800">
-                <a:latin typeface="맑은 고딕" charset="0"/>
-                <a:ea typeface="맑은 고딕" charset="0"/>
-              </a:rPr>
-              <a:t>그런 다음 Format은 FBX for Unity(.fbx)로 설정합니다.</a:t>
+              <a:t>28. </a:t>
+            </a:r>
+            <a:r>
+              <a:rPr lang="ko-KR" sz="1800">
+                <a:latin typeface="맑은 고딕" charset="0"/>
+                <a:ea typeface="맑은 고딕" charset="0"/>
+              </a:rPr>
+              <a:t>이제 Animation Action 오브젝트를 선택합니다.</a:t>
             </a:r>
             <a:endParaRPr lang="ko-KR" altLang="en-US" sz="1800">
               <a:latin typeface="맑은 고딕" charset="0"/>
@@ -11859,7 +9676,7 @@
                 <a:latin typeface="맑은 고딕" charset="0"/>
                 <a:ea typeface="맑은 고딕" charset="0"/>
               </a:rPr>
-              <a:t>그리고 Skin은 Whitout Skin으로 설정한 다음 Download합니다.</a:t>
+              <a:t>그리고 Animator 컴포넌트에 Dreyar By M.Aure 캐릭터 오브젝트를 넣어줍니다.</a:t>
             </a:r>
             <a:endParaRPr lang="ko-KR" altLang="en-US" sz="1800">
               <a:latin typeface="맑은 고딕" charset="0"/>
@@ -11870,14 +9687,14 @@
       </p:sp>
       <p:pic>
         <p:nvPicPr>
-          <p:cNvPr id="1166" name="그림 108"/>
+          <p:cNvPr id="1133" name="그림 42" descr="C:/Users/Admin1/AppData/Roaming/PolarisOffice/ETemp/13876_17549616/fImage169704987673.png"/>
           <p:cNvPicPr>
             <a:picLocks noChangeAspect="1"/>
           </p:cNvPicPr>
           <p:nvPr/>
         </p:nvPicPr>
         <p:blipFill rotWithShape="1">
-          <a:blip r:embed="rId3" cstate="hqprint">
+          <a:blip r:embed="rId23" cstate="hqprint">
             <a:extLst>
               <a:ext uri="{28A0092B-C50C-407E-A947-70E740481C1C}">
                 <a14:useLocalDpi xmlns:a14="http://schemas.microsoft.com/office/drawing/2010/main"/>
@@ -11890,8 +9707,8 @@
         </p:blipFill>
         <p:spPr>
           <a:xfrm rot="0">
-            <a:off x="1336040" y="1409065"/>
-            <a:ext cx="4001770" cy="3163570"/>
+            <a:off x="8204835" y="1404620"/>
+            <a:ext cx="2760980" cy="2860675"/>
           </a:xfrm>
           <a:prstGeom prst="roundRect"/>
           <a:solidFill>
@@ -11901,14 +9718,14 @@
       </p:pic>
       <p:pic>
         <p:nvPicPr>
-          <p:cNvPr id="1167" name="그림 109"/>
+          <p:cNvPr id="1136" name="그림 33" descr="C:/Users/Admin1/AppData/Roaming/PolarisOffice/ETemp/13876_17549616/fImage64442294464.png"/>
           <p:cNvPicPr>
             <a:picLocks noChangeAspect="1"/>
           </p:cNvPicPr>
           <p:nvPr/>
         </p:nvPicPr>
         <p:blipFill rotWithShape="1">
-          <a:blip r:embed="rId4" cstate="hqprint">
+          <a:blip r:embed="rId25" cstate="hqprint">
             <a:extLst>
               <a:ext uri="{28A0092B-C50C-407E-A947-70E740481C1C}">
                 <a14:useLocalDpi xmlns:a14="http://schemas.microsoft.com/office/drawing/2010/main"/>
@@ -11921,8 +9738,8 @@
         </p:blipFill>
         <p:spPr>
           <a:xfrm rot="0">
-            <a:off x="6806565" y="1465580"/>
-            <a:ext cx="832485" cy="908685"/>
+            <a:off x="6808470" y="2113280"/>
+            <a:ext cx="1230630" cy="1670050"/>
           </a:xfrm>
           <a:prstGeom prst="roundRect"/>
           <a:solidFill>
@@ -11930,73 +9747,51 @@
           </a:solidFill>
         </p:spPr>
       </p:pic>
-      <p:sp>
-        <p:nvSpPr>
-          <p:cNvPr id="1173" name="텍스트 상자 120"/>
-          <p:cNvSpPr txBox="1">
-            <a:spLocks/>
-          </p:cNvSpPr>
+      <p:cxnSp>
+        <p:nvCxnSpPr>
+          <p:cNvPr id="1135" name="도형 44"/>
+          <p:cNvCxnSpPr/>
           <p:nvPr/>
-        </p:nvSpPr>
-        <p:spPr>
-          <a:xfrm rot="0">
-            <a:off x="6797675" y="2490470"/>
-            <a:ext cx="4192905" cy="678815"/>
-          </a:xfrm>
-          <a:prstGeom prst="rect"/>
-          <a:noFill/>
-          <a:ln w="0">
-            <a:noFill/>
+        </p:nvCxnSpPr>
+        <p:spPr>
+          <a:xfrm rot="0">
+            <a:off x="8030210" y="3283585"/>
+            <a:ext cx="2818765" cy="740410"/>
+          </a:xfrm>
+          <a:prstGeom prst="straightConnector1"/>
+          <a:ln w="19050" cap="flat" cmpd="sng">
             <a:prstDash/>
+            <a:tailEnd type="triangle" w="med" len="med"/>
           </a:ln>
         </p:spPr>
-        <p:txBody>
-          <a:bodyPr wrap="square" lIns="89535" tIns="46355" rIns="89535" bIns="46355" numCol="1" vert="horz" anchor="t">
-            <a:spAutoFit/>
-          </a:bodyPr>
-          <a:lstStyle/>
-          <a:p>
-            <a:pPr marL="0" indent="0" algn="l" latinLnBrk="0" hangingPunct="1">
-              <a:buFontTx/>
-              <a:buNone/>
-            </a:pPr>
-            <a:r>
-              <a:rPr lang="ko-KR" sz="2000" b="1">
-                <a:solidFill>
-                  <a:srgbClr val="0611F2"/>
-                </a:solidFill>
-                <a:latin typeface="맑은 고딕" charset="0"/>
-                <a:ea typeface="맑은 고딕" charset="0"/>
-              </a:rPr>
-              <a:t>15. </a:t>
-            </a:r>
-            <a:r>
-              <a:rPr lang="ko-KR" sz="1800">
-                <a:latin typeface="맑은 고딕" charset="0"/>
-                <a:ea typeface="맑은 고딕" charset="0"/>
-              </a:rPr>
-              <a:t>그다음 애니메이션 파일을 유니티 프로젝트에 추가합니다. </a:t>
-            </a:r>
-            <a:endParaRPr lang="ko-KR" altLang="en-US" sz="1800">
-              <a:latin typeface="맑은 고딕" charset="0"/>
-              <a:ea typeface="맑은 고딕" charset="0"/>
-            </a:endParaRPr>
-          </a:p>
-        </p:txBody>
-      </p:sp>
+        <p:style>
+          <a:lnRef idx="3">
+            <a:schemeClr val="accent2"/>
+          </a:lnRef>
+          <a:fillRef idx="0">
+            <a:schemeClr val="accent2"/>
+          </a:fillRef>
+          <a:effectRef idx="2">
+            <a:schemeClr val="accent2"/>
+          </a:effectRef>
+          <a:fontRef idx="minor">
+            <a:schemeClr val="tx1"/>
+          </a:fontRef>
+        </p:style>
+      </p:cxnSp>
       <p:pic>
         <p:nvPicPr>
-          <p:cNvPr id="1174" name="그림 18"/>
+          <p:cNvPr id="1137" name="그림 67"/>
           <p:cNvPicPr>
             <a:picLocks noChangeAspect="1"/>
           </p:cNvPicPr>
           <p:nvPr/>
         </p:nvPicPr>
         <p:blipFill rotWithShape="1">
-          <a:blip r:embed="rId7" cstate="hqprint">
+          <a:blip r:embed="rId26" cstate="print">
             <a:extLst>
               <a:ext uri="{28A0092B-C50C-407E-A947-70E740481C1C}">
-                <a14:useLocalDpi xmlns:a14="http://schemas.microsoft.com/office/drawing/2010/main"/>
+                <a14:useLocalDpi xmlns:a14="http://schemas.microsoft.com/office/drawing/2010/main" val="0"/>
               </a:ext>
             </a:extLst>
           </a:blip>
@@ -12006,8 +9801,8 @@
         </p:blipFill>
         <p:spPr>
           <a:xfrm rot="0">
-            <a:off x="7879715" y="1461135"/>
-            <a:ext cx="3119120" cy="904240"/>
+            <a:off x="1342390" y="1411605"/>
+            <a:ext cx="4027170" cy="2338705"/>
           </a:xfrm>
           <a:prstGeom prst="roundRect"/>
           <a:solidFill>
@@ -12015,120 +9810,6 @@
           </a:solidFill>
         </p:spPr>
       </p:pic>
-      <p:pic>
-        <p:nvPicPr>
-          <p:cNvPr id="1175" name="그림 22"/>
-          <p:cNvPicPr>
-            <a:picLocks noChangeAspect="1"/>
-          </p:cNvPicPr>
-          <p:nvPr/>
-        </p:nvPicPr>
-        <p:blipFill rotWithShape="1">
-          <a:blip r:embed="rId8" cstate="hqprint">
-            <a:extLst>
-              <a:ext uri="{28A0092B-C50C-407E-A947-70E740481C1C}">
-                <a14:useLocalDpi xmlns:a14="http://schemas.microsoft.com/office/drawing/2010/main"/>
-              </a:ext>
-            </a:extLst>
-          </a:blip>
-          <a:stretch>
-            <a:fillRect/>
-          </a:stretch>
-        </p:blipFill>
-        <p:spPr>
-          <a:xfrm rot="16200000">
-            <a:off x="7585710" y="1671320"/>
-            <a:ext cx="347345" cy="659130"/>
-          </a:xfrm>
-          <a:prstGeom prst="rect"/>
-          <a:noFill/>
-        </p:spPr>
-      </p:pic>
-      <p:pic>
-        <p:nvPicPr>
-          <p:cNvPr id="1176" name="그림 23"/>
-          <p:cNvPicPr>
-            <a:picLocks noChangeAspect="1"/>
-          </p:cNvPicPr>
-          <p:nvPr/>
-        </p:nvPicPr>
-        <p:blipFill rotWithShape="1">
-          <a:blip r:embed="rId9" cstate="hqprint">
-            <a:extLst>
-              <a:ext uri="{28A0092B-C50C-407E-A947-70E740481C1C}">
-                <a14:useLocalDpi xmlns:a14="http://schemas.microsoft.com/office/drawing/2010/main"/>
-              </a:ext>
-            </a:extLst>
-          </a:blip>
-          <a:stretch>
-            <a:fillRect/>
-          </a:stretch>
-        </p:blipFill>
-        <p:spPr>
-          <a:xfrm rot="0">
-            <a:off x="6805295" y="3306445"/>
-            <a:ext cx="4194175" cy="2106295"/>
-          </a:xfrm>
-          <a:prstGeom prst="roundRect"/>
-          <a:solidFill>
-            <a:srgbClr val="EDEDED"/>
-          </a:solidFill>
-        </p:spPr>
-      </p:pic>
-      <p:sp>
-        <p:nvSpPr>
-          <p:cNvPr id="1177" name="텍스트 상자 24"/>
-          <p:cNvSpPr txBox="1">
-            <a:spLocks/>
-          </p:cNvSpPr>
-          <p:nvPr/>
-        </p:nvSpPr>
-        <p:spPr>
-          <a:xfrm rot="0">
-            <a:off x="6806565" y="5525135"/>
-            <a:ext cx="4201795" cy="679450"/>
-          </a:xfrm>
-          <a:prstGeom prst="rect"/>
-          <a:noFill/>
-          <a:ln w="0">
-            <a:noFill/>
-            <a:prstDash/>
-          </a:ln>
-        </p:spPr>
-        <p:txBody>
-          <a:bodyPr wrap="square" lIns="89535" tIns="46355" rIns="89535" bIns="46355" numCol="1" vert="horz" anchor="t">
-            <a:spAutoFit/>
-          </a:bodyPr>
-          <a:lstStyle/>
-          <a:p>
-            <a:pPr marL="0" indent="0" algn="l" latinLnBrk="0" hangingPunct="1">
-              <a:buFontTx/>
-              <a:buNone/>
-            </a:pPr>
-            <a:r>
-              <a:rPr lang="ko-KR" sz="2000" b="1">
-                <a:solidFill>
-                  <a:srgbClr val="0611F2"/>
-                </a:solidFill>
-                <a:latin typeface="맑은 고딕" charset="0"/>
-                <a:ea typeface="맑은 고딕" charset="0"/>
-              </a:rPr>
-              <a:t>16. </a:t>
-            </a:r>
-            <a:r>
-              <a:rPr lang="ko-KR" sz="1800">
-                <a:latin typeface="맑은 고딕" charset="0"/>
-                <a:ea typeface="맑은 고딕" charset="0"/>
-              </a:rPr>
-              <a:t>이제 애니메이터 컨트롤러를 선택하여 Base Layer에 들어옵니다. </a:t>
-            </a:r>
-            <a:endParaRPr lang="ko-KR" altLang="en-US" sz="1800">
-              <a:latin typeface="맑은 고딕" charset="0"/>
-              <a:ea typeface="맑은 고딕" charset="0"/>
-            </a:endParaRPr>
-          </a:p>
-        </p:txBody>
-      </p:sp>
     </p:spTree>
   </p:cSld>
   <p:clrMapOvr>
@@ -12171,7 +9852,7 @@
       </p:grpSpPr>
       <p:sp>
         <p:nvSpPr>
-          <p:cNvPr id="1154" name="Rect 0"/>
+          <p:cNvPr id="1127" name="Rect 0"/>
           <p:cNvSpPr txBox="1">
             <a:spLocks/>
           </p:cNvSpPr>
@@ -12179,8 +9860,8 @@
         </p:nvSpPr>
         <p:spPr>
           <a:xfrm rot="0">
-            <a:off x="4272280" y="380365"/>
-            <a:ext cx="3642360" cy="554990"/>
+            <a:off x="1238885" y="4867910"/>
+            <a:ext cx="4136390" cy="1231265"/>
           </a:xfrm>
           <a:prstGeom prst="rect"/>
           <a:noFill/>
@@ -12195,6 +9876,60 @@
           </a:bodyPr>
           <a:lstStyle/>
           <a:p>
+            <a:pPr marL="0" indent="0" algn="l" latinLnBrk="0" hangingPunct="1">
+              <a:buFontTx/>
+              <a:buNone/>
+            </a:pPr>
+            <a:r>
+              <a:rPr lang="ko-KR" sz="2000" b="1">
+                <a:solidFill>
+                  <a:srgbClr val="0611F2"/>
+                </a:solidFill>
+                <a:latin typeface="맑은 고딕" charset="0"/>
+                <a:ea typeface="맑은 고딕" charset="0"/>
+              </a:rPr>
+              <a:t>29. </a:t>
+            </a:r>
+            <a:r>
+              <a:rPr lang="ko-KR" sz="1800">
+                <a:latin typeface="맑은 고딕" charset="0"/>
+                <a:ea typeface="맑은 고딕" charset="0"/>
+              </a:rPr>
+              <a:t>그런 다음 Button을 2개 생성한 다음 각각의 버튼 이름을 Kick Button과 Running Button이라는 이름으로 정의합니다.</a:t>
+            </a:r>
+            <a:endParaRPr lang="ko-KR" altLang="en-US" sz="1800">
+              <a:latin typeface="맑은 고딕" charset="0"/>
+              <a:ea typeface="맑은 고딕" charset="0"/>
+            </a:endParaRPr>
+          </a:p>
+        </p:txBody>
+      </p:sp>
+      <p:sp>
+        <p:nvSpPr>
+          <p:cNvPr id="1130" name="Rect 0"/>
+          <p:cNvSpPr txBox="1">
+            <a:spLocks/>
+          </p:cNvSpPr>
+          <p:nvPr/>
+        </p:nvSpPr>
+        <p:spPr>
+          <a:xfrm rot="0">
+            <a:off x="4307205" y="417195"/>
+            <a:ext cx="3582670" cy="554990"/>
+          </a:xfrm>
+          <a:prstGeom prst="rect"/>
+          <a:noFill/>
+          <a:ln w="0">
+            <a:noFill/>
+            <a:prstDash/>
+          </a:ln>
+        </p:spPr>
+        <p:txBody>
+          <a:bodyPr wrap="square" lIns="89535" tIns="46355" rIns="89535" bIns="46355" numCol="1" vert="horz" anchor="t">
+            <a:spAutoFit/>
+          </a:bodyPr>
+          <a:lstStyle/>
+          <a:p>
             <a:pPr marL="0" indent="0" algn="l" latinLnBrk="0">
               <a:buFontTx/>
               <a:buNone/>
@@ -12207,7 +9942,37 @@
                 <a:latin typeface="맑은 고딕" charset="0"/>
                 <a:ea typeface="맑은 고딕" charset="0"/>
               </a:rPr>
-              <a:t>일곱 번째 튜토리얼</a:t>
+              <a:t>열</a:t>
+            </a:r>
+            <a:r>
+              <a:rPr lang="ko-KR" altLang="en-US" sz="3000" b="1">
+                <a:solidFill>
+                  <a:schemeClr val="tx1"/>
+                </a:solidFill>
+                <a:latin typeface="맑은 고딕" charset="0"/>
+                <a:ea typeface="맑은 고딕" charset="0"/>
+              </a:rPr>
+              <a:t>두</a:t>
+            </a:r>
+            <a:r>
+              <a:rPr lang="ko-KR" altLang="en-US" sz="3000" b="1">
+                <a:solidFill>
+                  <a:schemeClr val="tx1"/>
+                </a:solidFill>
+                <a:latin typeface="맑은 고딕" charset="0"/>
+                <a:ea typeface="맑은 고딕" charset="0"/>
+              </a:rPr>
+              <a:t> 번째 </a:t>
+            </a:r>
+            <a:r>
+              <a:rPr lang="ko-KR" altLang="en-US" sz="3000" b="1">
+                <a:solidFill>
+                  <a:schemeClr val="tx1"/>
+                </a:solidFill>
+                <a:latin typeface="맑은 고딕" charset="0"/>
+                <a:ea typeface="맑은 고딕" charset="0"/>
+              </a:rPr>
+              <a:t>튜토리얼</a:t>
             </a:r>
             <a:endParaRPr lang="ko-KR" altLang="en-US" sz="3000" b="1">
               <a:solidFill>
@@ -12219,179 +9984,9 @@
           </a:p>
         </p:txBody>
       </p:sp>
-      <p:sp>
-        <p:nvSpPr>
-          <p:cNvPr id="1159" name="Rect 0"/>
-          <p:cNvSpPr txBox="1">
-            <a:spLocks/>
-          </p:cNvSpPr>
-          <p:nvPr/>
-        </p:nvSpPr>
-        <p:spPr>
-          <a:xfrm rot="0">
-            <a:off x="1316355" y="5499100"/>
-            <a:ext cx="4067175" cy="677545"/>
-          </a:xfrm>
-          <a:prstGeom prst="rect"/>
-          <a:noFill/>
-          <a:ln w="0">
-            <a:noFill/>
-            <a:prstDash/>
-          </a:ln>
-        </p:spPr>
-        <p:txBody>
-          <a:bodyPr wrap="square" lIns="89535" tIns="46355" rIns="89535" bIns="46355" numCol="1" vert="horz" anchor="t">
-            <a:spAutoFit/>
-          </a:bodyPr>
-          <a:lstStyle/>
-          <a:p>
-            <a:pPr marL="0" indent="0" algn="l" latinLnBrk="0" hangingPunct="1">
-              <a:buFontTx/>
-              <a:buNone/>
-            </a:pPr>
-            <a:r>
-              <a:rPr lang="ko-KR" sz="2000" b="1">
-                <a:solidFill>
-                  <a:srgbClr val="0611F2"/>
-                </a:solidFill>
-                <a:latin typeface="맑은 고딕" charset="0"/>
-                <a:ea typeface="맑은 고딕" charset="0"/>
-              </a:rPr>
-              <a:t>18. </a:t>
-            </a:r>
-            <a:r>
-              <a:rPr lang="ko-KR" sz="1800">
-                <a:latin typeface="맑은 고딕" charset="0"/>
-                <a:ea typeface="맑은 고딕" charset="0"/>
-              </a:rPr>
-              <a:t>그다음으로 Idle 애니메이션을 Base Layer에 추가합니다.</a:t>
-            </a:r>
-            <a:endParaRPr lang="ko-KR" altLang="en-US" sz="1800">
-              <a:latin typeface="맑은 고딕" charset="0"/>
-              <a:ea typeface="맑은 고딕" charset="0"/>
-            </a:endParaRPr>
-          </a:p>
-        </p:txBody>
-      </p:sp>
       <p:pic>
         <p:nvPicPr>
-          <p:cNvPr id="1168" name="Picture "/>
-          <p:cNvPicPr>
-            <a:picLocks noChangeAspect="1"/>
-          </p:cNvPicPr>
-          <p:nvPr/>
-        </p:nvPicPr>
-        <p:blipFill rotWithShape="1">
-          <a:blip r:embed="rId2" cstate="hqprint">
-            <a:extLst>
-              <a:ext uri="{28A0092B-C50C-407E-A947-70E740481C1C}">
-                <a14:useLocalDpi xmlns:a14="http://schemas.microsoft.com/office/drawing/2010/main"/>
-              </a:ext>
-            </a:extLst>
-          </a:blip>
-          <a:stretch>
-            <a:fillRect/>
-          </a:stretch>
-        </p:blipFill>
-        <p:spPr>
-          <a:xfrm rot="0">
-            <a:off x="1316355" y="4266565"/>
-            <a:ext cx="962025" cy="824865"/>
-          </a:xfrm>
-          <a:prstGeom prst="roundRect"/>
-          <a:solidFill>
-            <a:srgbClr val="EDEDED"/>
-          </a:solidFill>
-        </p:spPr>
-      </p:pic>
-      <p:sp>
-        <p:nvSpPr>
-          <p:cNvPr id="1173" name="Rect 0"/>
-          <p:cNvSpPr txBox="1">
-            <a:spLocks/>
-          </p:cNvSpPr>
-          <p:nvPr/>
-        </p:nvSpPr>
-        <p:spPr>
-          <a:xfrm rot="0">
-            <a:off x="6848475" y="2912110"/>
-            <a:ext cx="4133850" cy="677545"/>
-          </a:xfrm>
-          <a:prstGeom prst="rect"/>
-          <a:noFill/>
-          <a:ln w="0">
-            <a:noFill/>
-            <a:prstDash/>
-          </a:ln>
-        </p:spPr>
-        <p:txBody>
-          <a:bodyPr wrap="square" lIns="89535" tIns="46355" rIns="89535" bIns="46355" numCol="1" vert="horz" anchor="t">
-            <a:spAutoFit/>
-          </a:bodyPr>
-          <a:lstStyle/>
-          <a:p>
-            <a:pPr marL="0" indent="0" algn="l" latinLnBrk="0" hangingPunct="1">
-              <a:buFontTx/>
-              <a:buNone/>
-            </a:pPr>
-            <a:r>
-              <a:rPr lang="ko-KR" sz="2000" b="1">
-                <a:solidFill>
-                  <a:srgbClr val="0611F2"/>
-                </a:solidFill>
-                <a:latin typeface="맑은 고딕" charset="0"/>
-                <a:ea typeface="맑은 고딕" charset="0"/>
-              </a:rPr>
-              <a:t>19. </a:t>
-            </a:r>
-            <a:r>
-              <a:rPr lang="ko-KR" sz="1800">
-                <a:latin typeface="맑은 고딕" charset="0"/>
-                <a:ea typeface="맑은 고딕" charset="0"/>
-              </a:rPr>
-              <a:t>그러면 Entry에서 Idle로 연결되는 트랜지션이 생기게 됩니다. </a:t>
-            </a:r>
-            <a:endParaRPr lang="ko-KR" altLang="en-US" sz="1800">
-              <a:latin typeface="맑은 고딕" charset="0"/>
-              <a:ea typeface="맑은 고딕" charset="0"/>
-            </a:endParaRPr>
-          </a:p>
-        </p:txBody>
-      </p:sp>
-      <p:pic>
-        <p:nvPicPr>
-          <p:cNvPr id="1174" name="그림 121" descr="C:/Users/Admin1/AppData/Roaming/PolarisOffice/ETemp/13876_17549616/fImage40103704604.png"/>
-          <p:cNvPicPr>
-            <a:picLocks noChangeAspect="1"/>
-          </p:cNvPicPr>
-          <p:nvPr/>
-        </p:nvPicPr>
-        <p:blipFill rotWithShape="1">
-          <a:blip r:embed="rId3" cstate="hqprint">
-            <a:extLst>
-              <a:ext uri="{28A0092B-C50C-407E-A947-70E740481C1C}">
-                <a14:useLocalDpi xmlns:a14="http://schemas.microsoft.com/office/drawing/2010/main"/>
-              </a:ext>
-            </a:extLst>
-          </a:blip>
-          <a:stretch>
-            <a:fillRect/>
-          </a:stretch>
-        </p:blipFill>
-        <p:spPr>
-          <a:xfrm rot="0">
-            <a:off x="6831965" y="1367790"/>
-            <a:ext cx="4142105" cy="1438910"/>
-          </a:xfrm>
-          <a:prstGeom prst="roundRect"/>
-          <a:solidFill>
-            <a:srgbClr val="EDEDED"/>
-          </a:solidFill>
-        </p:spPr>
-      </p:pic>
-      <p:pic>
-        <p:nvPicPr>
-          <p:cNvPr id="1175" name="그림 123"/>
+          <p:cNvPr id="1134" name="그림 217" descr="C:/Users/Admin1/AppData/Roaming/PolarisOffice/ETemp/13876_17549616/fImage191385015141.png"/>
           <p:cNvPicPr>
             <a:picLocks noChangeAspect="1"/>
           </p:cNvPicPr>
@@ -12411,8 +10006,8 @@
         </p:blipFill>
         <p:spPr>
           <a:xfrm rot="0">
-            <a:off x="2952750" y="4026535"/>
-            <a:ext cx="2433955" cy="1316990"/>
+            <a:off x="1238885" y="1385570"/>
+            <a:ext cx="2710815" cy="3305175"/>
           </a:xfrm>
           <a:prstGeom prst="roundRect"/>
           <a:solidFill>
@@ -12420,101 +10015,16 @@
           </a:solidFill>
         </p:spPr>
       </p:pic>
-      <p:sp>
-        <p:nvSpPr>
-          <p:cNvPr id="1180" name="텍스트 상자 136"/>
-          <p:cNvSpPr txBox="1">
-            <a:spLocks/>
-          </p:cNvSpPr>
-          <p:nvPr/>
-        </p:nvSpPr>
-        <p:spPr>
-          <a:xfrm rot="0">
-            <a:off x="1315720" y="2894965"/>
-            <a:ext cx="4066540" cy="955040"/>
-          </a:xfrm>
-          <a:prstGeom prst="rect"/>
-          <a:noFill/>
-          <a:ln w="0">
-            <a:noFill/>
-            <a:prstDash/>
-          </a:ln>
-        </p:spPr>
-        <p:txBody>
-          <a:bodyPr wrap="square" lIns="89535" tIns="46355" rIns="89535" bIns="46355" numCol="1" vert="horz" anchor="t">
-            <a:spAutoFit/>
-          </a:bodyPr>
-          <a:lstStyle/>
-          <a:p>
-            <a:pPr marL="0" indent="0" algn="l" latinLnBrk="0" hangingPunct="1">
-              <a:buFontTx/>
-              <a:buNone/>
-            </a:pPr>
-            <a:r>
-              <a:rPr lang="ko-KR" sz="2000" b="1">
-                <a:solidFill>
-                  <a:srgbClr val="0611F2"/>
-                </a:solidFill>
-                <a:latin typeface="맑은 고딕" charset="0"/>
-                <a:ea typeface="맑은 고딕" charset="0"/>
-              </a:rPr>
-              <a:t>17. </a:t>
-            </a:r>
-            <a:r>
-              <a:rPr lang="ko-KR" sz="1800">
-                <a:latin typeface="맑은 고딕" charset="0"/>
-                <a:ea typeface="맑은 고딕" charset="0"/>
-              </a:rPr>
-              <a:t>그런 다음 Idle 애니메이션을 선택하고 애니메이션 클립의 이름을 Idle로 변경합니다.</a:t>
-            </a:r>
-            <a:endParaRPr lang="ko-KR" altLang="en-US" sz="1800">
-              <a:latin typeface="맑은 고딕" charset="0"/>
-              <a:ea typeface="맑은 고딕" charset="0"/>
-            </a:endParaRPr>
-          </a:p>
-        </p:txBody>
-      </p:sp>
       <p:pic>
         <p:nvPicPr>
-          <p:cNvPr id="1181" name="그림 23"/>
+          <p:cNvPr id="1135" name="그림 50" descr="C:/Users/Admin1/AppData/Roaming/PolarisOffice/ETemp/13876_17549616/fImage92502368145.png"/>
           <p:cNvPicPr>
             <a:picLocks noChangeAspect="1"/>
           </p:cNvPicPr>
           <p:nvPr/>
         </p:nvPicPr>
         <p:blipFill rotWithShape="1">
-          <a:blip r:embed="rId11" cstate="print">
-            <a:extLst>
-              <a:ext uri="{28A0092B-C50C-407E-A947-70E740481C1C}">
-                <a14:useLocalDpi xmlns:a14="http://schemas.microsoft.com/office/drawing/2010/main" val="0"/>
-              </a:ext>
-            </a:extLst>
-          </a:blip>
-          <a:stretch>
-            <a:fillRect/>
-          </a:stretch>
-        </p:blipFill>
-        <p:spPr>
-          <a:xfrm rot="0">
-            <a:off x="1307465" y="1364615"/>
-            <a:ext cx="4070985" cy="1381125"/>
-          </a:xfrm>
-          <a:prstGeom prst="roundRect"/>
-          <a:solidFill>
-            <a:srgbClr val="EDEDED"/>
-          </a:solidFill>
-        </p:spPr>
-      </p:pic>
-      <p:pic>
-        <p:nvPicPr>
-          <p:cNvPr id="1182" name="그림 26"/>
-          <p:cNvPicPr>
-            <a:picLocks noChangeAspect="1"/>
-          </p:cNvPicPr>
-          <p:nvPr/>
-        </p:nvPicPr>
-        <p:blipFill rotWithShape="1">
-          <a:blip r:embed="rId12" cstate="hqprint">
+          <a:blip r:embed="rId7" cstate="hqprint">
             <a:extLst>
               <a:ext uri="{28A0092B-C50C-407E-A947-70E740481C1C}">
                 <a14:useLocalDpi xmlns:a14="http://schemas.microsoft.com/office/drawing/2010/main"/>
@@ -12527,23 +10037,79 @@
         </p:blipFill>
         <p:spPr>
           <a:xfrm rot="0">
-            <a:off x="2381885" y="4470400"/>
-            <a:ext cx="494030" cy="424815"/>
+            <a:off x="4114800" y="2012315"/>
+            <a:ext cx="1266190" cy="2070735"/>
+          </a:xfrm>
+          <a:prstGeom prst="roundRect"/>
+          <a:solidFill>
+            <a:srgbClr val="EDEDED"/>
+          </a:solidFill>
+        </p:spPr>
+      </p:pic>
+      <p:sp>
+        <p:nvSpPr>
+          <p:cNvPr id="1138" name="텍스트 상자 58"/>
+          <p:cNvSpPr txBox="1">
+            <a:spLocks/>
+          </p:cNvSpPr>
+          <p:nvPr/>
+        </p:nvSpPr>
+        <p:spPr>
+          <a:xfrm rot="0">
+            <a:off x="6807835" y="5477510"/>
+            <a:ext cx="4166235" cy="677545"/>
           </a:xfrm>
           <a:prstGeom prst="rect"/>
           <a:noFill/>
-        </p:spPr>
-      </p:pic>
+          <a:ln w="0">
+            <a:noFill/>
+            <a:prstDash/>
+          </a:ln>
+        </p:spPr>
+        <p:txBody>
+          <a:bodyPr wrap="square" lIns="89535" tIns="46355" rIns="89535" bIns="46355" numCol="1" vert="horz" anchor="t">
+            <a:spAutoFit/>
+          </a:bodyPr>
+          <a:lstStyle/>
+          <a:p>
+            <a:pPr marL="0" indent="0" algn="l" latinLnBrk="0" hangingPunct="1">
+              <a:buFontTx/>
+              <a:buNone/>
+            </a:pPr>
+            <a:r>
+              <a:rPr lang="ko-KR" sz="2000" b="1">
+                <a:solidFill>
+                  <a:srgbClr val="0611F2"/>
+                </a:solidFill>
+                <a:latin typeface="맑은 고딕" charset="0"/>
+                <a:ea typeface="맑은 고딕" charset="0"/>
+              </a:rPr>
+              <a:t>30. </a:t>
+            </a:r>
+            <a:r>
+              <a:rPr lang="ko-KR" sz="1800">
+                <a:latin typeface="맑은 고딕" charset="0"/>
+                <a:ea typeface="맑은 고딕" charset="0"/>
+              </a:rPr>
+              <a:t>그리고 Kick Button과 Running Button의 앵커와 위치를 설정합니다.</a:t>
+            </a:r>
+            <a:endParaRPr lang="ko-KR" altLang="en-US" sz="1800">
+              <a:latin typeface="맑은 고딕" charset="0"/>
+              <a:ea typeface="맑은 고딕" charset="0"/>
+            </a:endParaRPr>
+          </a:p>
+        </p:txBody>
+      </p:sp>
       <p:pic>
         <p:nvPicPr>
-          <p:cNvPr id="1183" name="그림 46" descr="C:/Users/Admin1/AppData/Roaming/PolarisOffice/ETemp/13876_17549616/fImage158992341478.png"/>
+          <p:cNvPr id="1139" name="그림 78" descr="C:/Users/Admin1/AppData/Roaming/PolarisOffice/ETemp/13876_17549616/fImage121153393281.png"/>
           <p:cNvPicPr>
             <a:picLocks noChangeAspect="1"/>
           </p:cNvPicPr>
           <p:nvPr/>
         </p:nvPicPr>
         <p:blipFill rotWithShape="1">
-          <a:blip r:embed="rId13" cstate="hqprint">
+          <a:blip r:embed="rId8" cstate="hqprint">
             <a:extLst>
               <a:ext uri="{28A0092B-C50C-407E-A947-70E740481C1C}">
                 <a14:useLocalDpi xmlns:a14="http://schemas.microsoft.com/office/drawing/2010/main"/>
@@ -12556,8 +10122,8 @@
         </p:blipFill>
         <p:spPr>
           <a:xfrm rot="0">
-            <a:off x="6840855" y="3731895"/>
-            <a:ext cx="4133215" cy="1681480"/>
+            <a:off x="6814820" y="1384935"/>
+            <a:ext cx="4159250" cy="1837690"/>
           </a:xfrm>
           <a:prstGeom prst="roundRect"/>
           <a:solidFill>
@@ -12565,60 +10131,37 @@
           </a:solidFill>
         </p:spPr>
       </p:pic>
-      <p:sp>
-        <p:nvSpPr>
-          <p:cNvPr id="1184" name="텍스트 상자 49"/>
-          <p:cNvSpPr txBox="1">
-            <a:spLocks/>
-          </p:cNvSpPr>
+      <p:pic>
+        <p:nvPicPr>
+          <p:cNvPr id="1140" name="그림 81" descr="C:/Users/Admin1/AppData/Roaming/PolarisOffice/ETemp/13876_17549616/fImage123733406827.png"/>
+          <p:cNvPicPr>
+            <a:picLocks noChangeAspect="1"/>
+          </p:cNvPicPr>
           <p:nvPr/>
-        </p:nvSpPr>
-        <p:spPr>
-          <a:xfrm rot="0">
-            <a:off x="6842125" y="5494655"/>
-            <a:ext cx="4131945" cy="677545"/>
-          </a:xfrm>
-          <a:prstGeom prst="rect"/>
-          <a:noFill/>
-          <a:ln w="0">
-            <a:noFill/>
-            <a:prstDash/>
-          </a:ln>
-        </p:spPr>
-        <p:txBody>
-          <a:bodyPr wrap="square" lIns="89535" tIns="46355" rIns="89535" bIns="46355" numCol="1" vert="horz" anchor="t">
-            <a:spAutoFit/>
-          </a:bodyPr>
-          <a:lstStyle/>
-          <a:p>
-            <a:pPr marL="0" indent="0" algn="l" latinLnBrk="0" hangingPunct="1">
-              <a:buFontTx/>
-              <a:buNone/>
-            </a:pPr>
-            <a:r>
-              <a:rPr lang="ko-KR" sz="2000" b="1">
-                <a:solidFill>
-                  <a:srgbClr val="0611F2"/>
-                </a:solidFill>
-                <a:latin typeface="맑은 고딕" charset="0"/>
-                <a:ea typeface="맑은 고딕" charset="0"/>
-              </a:rPr>
-              <a:t>20. </a:t>
-            </a:r>
-            <a:r>
-              <a:rPr lang="ko-KR" sz="1800">
-                <a:latin typeface="맑은 고딕" charset="0"/>
-                <a:ea typeface="맑은 고딕" charset="0"/>
-              </a:rPr>
-              <a:t>마지막으로 Dreyar By M.Aure 오브젝트의 Transform을 초기화합니다. </a:t>
-            </a:r>
-            <a:endParaRPr lang="ko-KR" altLang="en-US" sz="1800">
-              <a:latin typeface="맑은 고딕" charset="0"/>
-              <a:ea typeface="맑은 고딕" charset="0"/>
-            </a:endParaRPr>
-          </a:p>
-        </p:txBody>
-      </p:sp>
+        </p:nvPicPr>
+        <p:blipFill rotWithShape="1">
+          <a:blip r:embed="rId9" cstate="hqprint">
+            <a:extLst>
+              <a:ext uri="{28A0092B-C50C-407E-A947-70E740481C1C}">
+                <a14:useLocalDpi xmlns:a14="http://schemas.microsoft.com/office/drawing/2010/main"/>
+              </a:ext>
+            </a:extLst>
+          </a:blip>
+          <a:stretch>
+            <a:fillRect/>
+          </a:stretch>
+        </p:blipFill>
+        <p:spPr>
+          <a:xfrm rot="0">
+            <a:off x="6805295" y="3461385"/>
+            <a:ext cx="4168775" cy="1838960"/>
+          </a:xfrm>
+          <a:prstGeom prst="roundRect"/>
+          <a:solidFill>
+            <a:srgbClr val="EDEDED"/>
+          </a:solidFill>
+        </p:spPr>
+      </p:pic>
     </p:spTree>
   </p:cSld>
   <p:clrMapOvr>
@@ -12661,7 +10204,7 @@
       </p:grpSpPr>
       <p:sp>
         <p:nvSpPr>
-          <p:cNvPr id="1154" name="Rect 0"/>
+          <p:cNvPr id="1127" name="Rect 0"/>
           <p:cNvSpPr txBox="1">
             <a:spLocks/>
           </p:cNvSpPr>
@@ -12669,8 +10212,8 @@
         </p:nvSpPr>
         <p:spPr>
           <a:xfrm rot="0">
-            <a:off x="4239260" y="413385"/>
-            <a:ext cx="3717290" cy="554990"/>
+            <a:off x="6813550" y="4354195"/>
+            <a:ext cx="4144010" cy="1784985"/>
           </a:xfrm>
           <a:prstGeom prst="rect"/>
           <a:noFill/>
@@ -12685,6 +10228,101 @@
           </a:bodyPr>
           <a:lstStyle/>
           <a:p>
+            <a:pPr marL="0" indent="0" algn="l" latinLnBrk="0" hangingPunct="1">
+              <a:buFontTx/>
+              <a:buNone/>
+            </a:pPr>
+            <a:r>
+              <a:rPr lang="ko-KR" sz="2000" b="1">
+                <a:solidFill>
+                  <a:srgbClr val="0611F2"/>
+                </a:solidFill>
+                <a:latin typeface="맑은 고딕" charset="0"/>
+                <a:ea typeface="맑은 고딕" charset="0"/>
+              </a:rPr>
+              <a:t>32. </a:t>
+            </a:r>
+            <a:r>
+              <a:rPr lang="ko-KR" sz="1800">
+                <a:latin typeface="맑은 고딕" charset="0"/>
+                <a:ea typeface="맑은 고딕" charset="0"/>
+              </a:rPr>
+              <a:t>이제 Kick</a:t>
+            </a:r>
+            <a:r>
+              <a:rPr sz="1800">
+                <a:latin typeface="맑은 고딕" charset="0"/>
+                <a:ea typeface="맑은 고딕" charset="0"/>
+              </a:rPr>
+              <a:t> Button과 Running Button</a:t>
+            </a:r>
+            <a:r>
+              <a:rPr lang="ko-KR" sz="1800">
+                <a:latin typeface="맑은 고딕" charset="0"/>
+                <a:ea typeface="맑은 고딕" charset="0"/>
+              </a:rPr>
+              <a:t>에 이벤트 함수를 선택합니다.</a:t>
+            </a:r>
+            <a:endParaRPr lang="ko-KR" altLang="en-US" sz="1800">
+              <a:latin typeface="맑은 고딕" charset="0"/>
+              <a:ea typeface="맑은 고딕" charset="0"/>
+            </a:endParaRPr>
+          </a:p>
+          <a:p>
+            <a:pPr marL="0" indent="0" algn="l" latinLnBrk="0" hangingPunct="1">
+              <a:buFontTx/>
+              <a:buNone/>
+            </a:pPr>
+            <a:endParaRPr lang="ko-KR" altLang="en-US" sz="1800">
+              <a:latin typeface="맑은 고딕" charset="0"/>
+              <a:ea typeface="맑은 고딕" charset="0"/>
+            </a:endParaRPr>
+          </a:p>
+          <a:p>
+            <a:pPr marL="0" indent="0" algn="l" latinLnBrk="0" hangingPunct="1">
+              <a:buFontTx/>
+              <a:buNone/>
+            </a:pPr>
+            <a:r>
+              <a:rPr lang="ko-KR" sz="1800">
+                <a:latin typeface="맑은 고딕" charset="0"/>
+                <a:ea typeface="맑은 고딕" charset="0"/>
+              </a:rPr>
+              <a:t>그런 다음 AnimationAction 스크립트에 있는 Kick( )함수와 Running( ) 함수를 등록합니다.  </a:t>
+            </a:r>
+            <a:endParaRPr lang="ko-KR" altLang="en-US" sz="1800">
+              <a:latin typeface="맑은 고딕" charset="0"/>
+              <a:ea typeface="맑은 고딕" charset="0"/>
+            </a:endParaRPr>
+          </a:p>
+        </p:txBody>
+      </p:sp>
+      <p:sp>
+        <p:nvSpPr>
+          <p:cNvPr id="1130" name="Rect 0"/>
+          <p:cNvSpPr txBox="1">
+            <a:spLocks/>
+          </p:cNvSpPr>
+          <p:nvPr/>
+        </p:nvSpPr>
+        <p:spPr>
+          <a:xfrm rot="0">
+            <a:off x="4298950" y="408940"/>
+            <a:ext cx="3590925" cy="554990"/>
+          </a:xfrm>
+          <a:prstGeom prst="rect"/>
+          <a:noFill/>
+          <a:ln w="0">
+            <a:noFill/>
+            <a:prstDash/>
+          </a:ln>
+        </p:spPr>
+        <p:txBody>
+          <a:bodyPr wrap="square" lIns="89535" tIns="46355" rIns="89535" bIns="46355" numCol="1" vert="horz" anchor="t">
+            <a:spAutoFit/>
+          </a:bodyPr>
+          <a:lstStyle/>
+          <a:p>
             <a:pPr marL="0" indent="0" algn="l" latinLnBrk="0">
               <a:buFontTx/>
               <a:buNone/>
@@ -12697,7 +10335,17 @@
                 <a:latin typeface="맑은 고딕" charset="0"/>
                 <a:ea typeface="맑은 고딕" charset="0"/>
               </a:rPr>
-              <a:t>여덟</a:t>
+              <a:t>열</a:t>
+            </a:r>
+            <a:r>
+              <a:rPr lang="ko-KR" altLang="en-US" sz="3000" b="1">
+                <a:solidFill>
+                  <a:schemeClr val="tx1"/>
+                </a:solidFill>
+                <a:latin typeface="맑은 고딕" charset="0"/>
+                <a:ea typeface="맑은 고딕" charset="0"/>
+              </a:rPr>
+              <a:t>세</a:t>
             </a:r>
             <a:r>
               <a:rPr lang="ko-KR" altLang="en-US" sz="3000" b="1">
@@ -12729,216 +10377,9 @@
           </a:p>
         </p:txBody>
       </p:sp>
-      <p:sp>
-        <p:nvSpPr>
-          <p:cNvPr id="1157" name="Rect 0"/>
-          <p:cNvSpPr txBox="1">
-            <a:spLocks/>
-          </p:cNvSpPr>
-          <p:nvPr/>
-        </p:nvSpPr>
-        <p:spPr>
-          <a:xfrm rot="0">
-            <a:off x="6828790" y="4328160"/>
-            <a:ext cx="4128770" cy="1784985"/>
-          </a:xfrm>
-          <a:prstGeom prst="rect"/>
-          <a:noFill/>
-          <a:ln w="0">
-            <a:noFill/>
-            <a:prstDash/>
-          </a:ln>
-        </p:spPr>
-        <p:txBody>
-          <a:bodyPr wrap="square" lIns="89535" tIns="46355" rIns="89535" bIns="46355" numCol="1" vert="horz" anchor="t">
-            <a:spAutoFit/>
-          </a:bodyPr>
-          <a:lstStyle/>
-          <a:p>
-            <a:pPr marL="0" indent="0" algn="l" latinLnBrk="0" hangingPunct="1">
-              <a:buFontTx/>
-              <a:buNone/>
-            </a:pPr>
-            <a:r>
-              <a:rPr lang="ko-KR" sz="2000" b="1">
-                <a:solidFill>
-                  <a:srgbClr val="0611F2"/>
-                </a:solidFill>
-                <a:latin typeface="맑은 고딕" charset="0"/>
-                <a:ea typeface="맑은 고딕" charset="0"/>
-              </a:rPr>
-              <a:t>22. </a:t>
-            </a:r>
-            <a:r>
-              <a:rPr lang="ko-KR" sz="1800">
-                <a:latin typeface="맑은 고딕" charset="0"/>
-                <a:ea typeface="맑은 고딕" charset="0"/>
-              </a:rPr>
-              <a:t>그리고 Running 애니메이션을 선택하고 In Place를 선택한 다음 Download합니다</a:t>
-            </a:r>
-            <a:endParaRPr lang="ko-KR" altLang="en-US" sz="1800">
-              <a:latin typeface="맑은 고딕" charset="0"/>
-              <a:ea typeface="맑은 고딕" charset="0"/>
-            </a:endParaRPr>
-          </a:p>
-          <a:p>
-            <a:pPr marL="0" indent="0" algn="l" latinLnBrk="0" hangingPunct="1">
-              <a:buFontTx/>
-              <a:buNone/>
-            </a:pPr>
-            <a:endParaRPr lang="ko-KR" altLang="en-US" sz="1800">
-              <a:latin typeface="맑은 고딕" charset="0"/>
-              <a:ea typeface="맑은 고딕" charset="0"/>
-            </a:endParaRPr>
-          </a:p>
-          <a:p>
-            <a:pPr marL="0" indent="0" algn="l" latinLnBrk="0" hangingPunct="1">
-              <a:buFontTx/>
-              <a:buNone/>
-            </a:pPr>
-            <a:r>
-              <a:rPr lang="ko-KR" sz="1800">
-                <a:latin typeface="맑은 고딕" charset="0"/>
-                <a:ea typeface="맑은 고딕" charset="0"/>
-              </a:rPr>
-              <a:t>그런 다음 Mma Kick 애니메이션도 함께 Download 합니다.</a:t>
-            </a:r>
-            <a:endParaRPr lang="ko-KR" altLang="en-US" sz="1800">
-              <a:latin typeface="맑은 고딕" charset="0"/>
-              <a:ea typeface="맑은 고딕" charset="0"/>
-            </a:endParaRPr>
-          </a:p>
-        </p:txBody>
-      </p:sp>
       <p:pic>
         <p:nvPicPr>
-          <p:cNvPr id="1168" name="그림 162"/>
-          <p:cNvPicPr>
-            <a:picLocks noChangeAspect="1"/>
-          </p:cNvPicPr>
-          <p:nvPr/>
-        </p:nvPicPr>
-        <p:blipFill rotWithShape="1">
-          <a:blip r:embed="rId2" cstate="hqprint">
-            <a:extLst>
-              <a:ext uri="{28A0092B-C50C-407E-A947-70E740481C1C}">
-                <a14:useLocalDpi xmlns:a14="http://schemas.microsoft.com/office/drawing/2010/main"/>
-              </a:ext>
-            </a:extLst>
-          </a:blip>
-          <a:stretch>
-            <a:fillRect/>
-          </a:stretch>
-        </p:blipFill>
-        <p:spPr>
-          <a:xfrm rot="0">
-            <a:off x="1203325" y="1405255"/>
-            <a:ext cx="4183380" cy="1624965"/>
-          </a:xfrm>
-          <a:prstGeom prst="roundRect"/>
-          <a:solidFill>
-            <a:srgbClr val="EDEDED"/>
-          </a:solidFill>
-        </p:spPr>
-      </p:pic>
-      <p:pic>
-        <p:nvPicPr>
-          <p:cNvPr id="1169" name="그림 163"/>
-          <p:cNvPicPr>
-            <a:picLocks noChangeAspect="1"/>
-          </p:cNvPicPr>
-          <p:nvPr/>
-        </p:nvPicPr>
-        <p:blipFill rotWithShape="1">
-          <a:blip r:embed="rId3" cstate="hqprint">
-            <a:extLst>
-              <a:ext uri="{28A0092B-C50C-407E-A947-70E740481C1C}">
-                <a14:useLocalDpi xmlns:a14="http://schemas.microsoft.com/office/drawing/2010/main"/>
-              </a:ext>
-            </a:extLst>
-          </a:blip>
-          <a:stretch>
-            <a:fillRect/>
-          </a:stretch>
-        </p:blipFill>
-        <p:spPr>
-          <a:xfrm rot="0">
-            <a:off x="1193800" y="3350260"/>
-            <a:ext cx="4204970" cy="1612900"/>
-          </a:xfrm>
-          <a:prstGeom prst="roundRect"/>
-          <a:solidFill>
-            <a:srgbClr val="EDEDED"/>
-          </a:solidFill>
-        </p:spPr>
-      </p:pic>
-      <p:sp>
-        <p:nvSpPr>
-          <p:cNvPr id="1170" name="텍스트 상자 168"/>
-          <p:cNvSpPr txBox="1">
-            <a:spLocks/>
-          </p:cNvSpPr>
-          <p:nvPr/>
-        </p:nvSpPr>
-        <p:spPr>
-          <a:xfrm rot="0">
-            <a:off x="1181100" y="5153660"/>
-            <a:ext cx="4214495" cy="954405"/>
-          </a:xfrm>
-          <a:prstGeom prst="rect"/>
-          <a:noFill/>
-          <a:ln w="0">
-            <a:noFill/>
-            <a:prstDash/>
-          </a:ln>
-        </p:spPr>
-        <p:txBody>
-          <a:bodyPr wrap="square" lIns="89535" tIns="46355" rIns="89535" bIns="46355" numCol="1" vert="horz" anchor="t">
-            <a:spAutoFit/>
-          </a:bodyPr>
-          <a:lstStyle/>
-          <a:p>
-            <a:pPr marL="0" indent="0" algn="l" latinLnBrk="0" hangingPunct="1">
-              <a:buFontTx/>
-              <a:buNone/>
-            </a:pPr>
-            <a:r>
-              <a:rPr lang="ko-KR" sz="2000" b="1">
-                <a:solidFill>
-                  <a:srgbClr val="0611F2"/>
-                </a:solidFill>
-                <a:latin typeface="맑은 고딕" charset="0"/>
-                <a:ea typeface="맑은 고딕" charset="0"/>
-              </a:rPr>
-              <a:t>21</a:t>
-            </a:r>
-            <a:r>
-              <a:rPr lang="ko-KR" sz="2000" b="1">
-                <a:solidFill>
-                  <a:srgbClr val="0611F2"/>
-                </a:solidFill>
-                <a:latin typeface="맑은 고딕" charset="0"/>
-                <a:ea typeface="맑은 고딕" charset="0"/>
-              </a:rPr>
-              <a:t>. </a:t>
-            </a:r>
-            <a:r>
-              <a:rPr lang="ko-KR" sz="1800">
-                <a:latin typeface="맑은 고딕" charset="0"/>
-                <a:ea typeface="맑은 고딕" charset="0"/>
-              </a:rPr>
-              <a:t>그다음으로 mixamo에서 Mma Kick 애니메이션과 Running 애니메이션을 Download 합니다.</a:t>
-            </a:r>
-            <a:endParaRPr lang="ko-KR" altLang="en-US" sz="1800">
-              <a:latin typeface="맑은 고딕" charset="0"/>
-              <a:ea typeface="맑은 고딕" charset="0"/>
-            </a:endParaRPr>
-          </a:p>
-        </p:txBody>
-      </p:sp>
-      <p:pic>
-        <p:nvPicPr>
-          <p:cNvPr id="1172" name="그림 170" descr="C:/Users/Admin1/AppData/Roaming/PolarisOffice/ETemp/13876_17549616/fImage1290804479718.png"/>
+          <p:cNvPr id="1138" name="그림 223" descr="C:/Users/Admin1/AppData/Roaming/PolarisOffice/ETemp/13876_17549616/fImage51935165547.png"/>
           <p:cNvPicPr>
             <a:picLocks noChangeAspect="1"/>
           </p:cNvPicPr>
@@ -12958,8 +10399,8 @@
         </p:blipFill>
         <p:spPr>
           <a:xfrm rot="0">
-            <a:off x="6833235" y="1392555"/>
-            <a:ext cx="1971040" cy="2774950"/>
+            <a:off x="6814820" y="2927985"/>
+            <a:ext cx="4142740" cy="1337310"/>
           </a:xfrm>
           <a:prstGeom prst="roundRect"/>
           <a:solidFill>
@@ -12969,7 +10410,7 @@
       </p:pic>
       <p:pic>
         <p:nvPicPr>
-          <p:cNvPr id="1173" name="그림 172" descr="C:/Users/Admin1/AppData/Roaming/PolarisOffice/ETemp/13876_17549616/fImage1268824489895.png"/>
+          <p:cNvPr id="1139" name="그림 224" descr="C:/Users/Admin1/AppData/Roaming/PolarisOffice/ETemp/13876_17549616/fImage51055177644.png"/>
           <p:cNvPicPr>
             <a:picLocks noChangeAspect="1"/>
           </p:cNvPicPr>
@@ -12989,8 +10430,8 @@
         </p:blipFill>
         <p:spPr>
           <a:xfrm rot="0">
-            <a:off x="9003030" y="1384935"/>
-            <a:ext cx="1962785" cy="2764155"/>
+            <a:off x="6814820" y="1376045"/>
+            <a:ext cx="4142740" cy="1343025"/>
           </a:xfrm>
           <a:prstGeom prst="roundRect"/>
           <a:solidFill>
@@ -12998,6 +10439,261 @@
           </a:solidFill>
         </p:spPr>
       </p:pic>
+      <p:pic>
+        <p:nvPicPr>
+          <p:cNvPr id="1144" name="그림 60"/>
+          <p:cNvPicPr>
+            <a:picLocks noChangeAspect="1"/>
+          </p:cNvPicPr>
+          <p:nvPr/>
+        </p:nvPicPr>
+        <p:blipFill rotWithShape="1">
+          <a:blip r:embed="rId10" cstate="hqprint">
+            <a:extLst>
+              <a:ext uri="{28A0092B-C50C-407E-A947-70E740481C1C}">
+                <a14:useLocalDpi xmlns:a14="http://schemas.microsoft.com/office/drawing/2010/main"/>
+              </a:ext>
+            </a:extLst>
+          </a:blip>
+          <a:stretch>
+            <a:fillRect/>
+          </a:stretch>
+        </p:blipFill>
+        <p:spPr>
+          <a:xfrm rot="0">
+            <a:off x="2693670" y="1376680"/>
+            <a:ext cx="2662555" cy="1290955"/>
+          </a:xfrm>
+          <a:prstGeom prst="roundRect"/>
+          <a:solidFill>
+            <a:srgbClr val="EDEDED"/>
+          </a:solidFill>
+        </p:spPr>
+      </p:pic>
+      <p:pic>
+        <p:nvPicPr>
+          <p:cNvPr id="1145" name="그림 61"/>
+          <p:cNvPicPr>
+            <a:picLocks noChangeAspect="1"/>
+          </p:cNvPicPr>
+          <p:nvPr/>
+        </p:nvPicPr>
+        <p:blipFill rotWithShape="1">
+          <a:blip r:embed="rId11" cstate="hqprint">
+            <a:extLst>
+              <a:ext uri="{28A0092B-C50C-407E-A947-70E740481C1C}">
+                <a14:useLocalDpi xmlns:a14="http://schemas.microsoft.com/office/drawing/2010/main"/>
+              </a:ext>
+            </a:extLst>
+          </a:blip>
+          <a:stretch>
+            <a:fillRect/>
+          </a:stretch>
+        </p:blipFill>
+        <p:spPr>
+          <a:xfrm rot="0">
+            <a:off x="2702560" y="2961005"/>
+            <a:ext cx="2653030" cy="1299845"/>
+          </a:xfrm>
+          <a:prstGeom prst="roundRect"/>
+          <a:solidFill>
+            <a:srgbClr val="EDEDED"/>
+          </a:solidFill>
+        </p:spPr>
+      </p:pic>
+      <p:pic>
+        <p:nvPicPr>
+          <p:cNvPr id="1146" name="그림 70" descr="C:/Users/Admin1/AppData/Roaming/PolarisOffice/ETemp/13876_17549616/fImage93932522995.png"/>
+          <p:cNvPicPr>
+            <a:picLocks noChangeAspect="1"/>
+          </p:cNvPicPr>
+          <p:nvPr/>
+        </p:nvPicPr>
+        <p:blipFill rotWithShape="1">
+          <a:blip r:embed="rId12" cstate="hqprint">
+            <a:extLst>
+              <a:ext uri="{28A0092B-C50C-407E-A947-70E740481C1C}">
+                <a14:useLocalDpi xmlns:a14="http://schemas.microsoft.com/office/drawing/2010/main"/>
+              </a:ext>
+            </a:extLst>
+          </a:blip>
+          <a:stretch>
+            <a:fillRect/>
+          </a:stretch>
+        </p:blipFill>
+        <p:spPr>
+          <a:xfrm rot="0">
+            <a:off x="1238885" y="1376680"/>
+            <a:ext cx="1351915" cy="2887345"/>
+          </a:xfrm>
+          <a:prstGeom prst="roundRect"/>
+          <a:solidFill>
+            <a:srgbClr val="EDEDED"/>
+          </a:solidFill>
+        </p:spPr>
+      </p:pic>
+      <p:cxnSp>
+        <p:nvCxnSpPr>
+          <p:cNvPr id="1147" name="도형 73"/>
+          <p:cNvCxnSpPr/>
+          <p:nvPr/>
+        </p:nvCxnSpPr>
+        <p:spPr>
+          <a:xfrm rot="0">
+            <a:off x="2485390" y="2952750"/>
+            <a:ext cx="988060" cy="805815"/>
+          </a:xfrm>
+          <a:prstGeom prst="straightConnector1"/>
+          <a:ln w="6350" cap="flat" cmpd="sng">
+            <a:prstDash/>
+            <a:headEnd type="none" w="med" len="med"/>
+            <a:tailEnd type="triangle" w="med" len="med"/>
+          </a:ln>
+        </p:spPr>
+        <p:style>
+          <a:lnRef idx="1">
+            <a:schemeClr val="accent1"/>
+          </a:lnRef>
+          <a:fillRef idx="0">
+            <a:schemeClr val="accent1"/>
+          </a:fillRef>
+          <a:effectRef idx="0">
+            <a:schemeClr val="accent1"/>
+          </a:effectRef>
+          <a:fontRef idx="minor">
+            <a:schemeClr val="tx1"/>
+          </a:fontRef>
+        </p:style>
+      </p:cxnSp>
+      <p:sp>
+        <p:nvSpPr>
+          <p:cNvPr id="1148" name="텍스트 상자 74"/>
+          <p:cNvSpPr txBox="1">
+            <a:spLocks/>
+          </p:cNvSpPr>
+          <p:nvPr/>
+        </p:nvSpPr>
+        <p:spPr>
+          <a:xfrm rot="0">
+            <a:off x="1238885" y="4484370"/>
+            <a:ext cx="4114165" cy="1662430"/>
+          </a:xfrm>
+          <a:prstGeom prst="rect"/>
+          <a:noFill/>
+        </p:spPr>
+        <p:txBody>
+          <a:bodyPr wrap="square" lIns="0" tIns="0" rIns="0" bIns="0" numCol="1" vert="horz" anchor="t">
+            <a:noAutofit/>
+          </a:bodyPr>
+          <a:lstStyle/>
+          <a:p>
+            <a:pPr marL="0" indent="0" rtl="0" algn="l" defTabSz="914400" eaLnBrk="1" latinLnBrk="0" hangingPunct="1">
+              <a:buFontTx/>
+              <a:buNone/>
+            </a:pPr>
+            <a:r>
+              <a:rPr sz="1800" b="1">
+                <a:solidFill>
+                  <a:srgbClr val="0611F2"/>
+                </a:solidFill>
+                <a:latin typeface="맑은 고딕" charset="0"/>
+                <a:ea typeface="맑은 고딕" charset="0"/>
+              </a:rPr>
+              <a:t>31</a:t>
+            </a:r>
+            <a:r>
+              <a:rPr sz="1800" b="1">
+                <a:solidFill>
+                  <a:srgbClr val="0611F2"/>
+                </a:solidFill>
+                <a:latin typeface="맑은 고딕" charset="0"/>
+                <a:ea typeface="맑은 고딕" charset="0"/>
+              </a:rPr>
+              <a:t>.</a:t>
+            </a:r>
+            <a:r>
+              <a:rPr sz="1800">
+                <a:latin typeface="맑은 고딕" charset="0"/>
+                <a:ea typeface="맑은 고딕" charset="0"/>
+              </a:rPr>
+              <a:t> 그다음 </a:t>
+            </a:r>
+            <a:r>
+              <a:rPr lang="ko-KR" sz="1800">
+                <a:latin typeface="맑은 고딕" charset="0"/>
+                <a:ea typeface="맑은 고딕" charset="0"/>
+              </a:rPr>
+              <a:t>Kick</a:t>
+            </a:r>
+            <a:r>
+              <a:rPr sz="1800">
+                <a:latin typeface="맑은 고딕" charset="0"/>
+                <a:ea typeface="맑은 고딕" charset="0"/>
+              </a:rPr>
+              <a:t> Button과 Running Button</a:t>
+            </a:r>
+            <a:r>
+              <a:rPr lang="ko-KR" sz="1800">
+                <a:latin typeface="맑은 고딕" charset="0"/>
+                <a:ea typeface="맑은 고딕" charset="0"/>
+              </a:rPr>
+              <a:t>에</a:t>
+            </a:r>
+            <a:r>
+              <a:rPr sz="1800">
+                <a:latin typeface="맑은 고딕" charset="0"/>
+                <a:ea typeface="맑은 고딕" charset="0"/>
+              </a:rPr>
+              <a:t> On Click( ) 함수를 생성합니다.</a:t>
+            </a:r>
+            <a:endParaRPr lang="ko-KR" altLang="en-US" sz="1800">
+              <a:latin typeface="맑은 고딕" charset="0"/>
+              <a:ea typeface="맑은 고딕" charset="0"/>
+            </a:endParaRPr>
+          </a:p>
+          <a:p>
+            <a:pPr marL="0" indent="0" rtl="0" algn="l" defTabSz="914400" eaLnBrk="1" latinLnBrk="0" hangingPunct="1">
+              <a:buFontTx/>
+              <a:buNone/>
+            </a:pPr>
+            <a:endParaRPr lang="ko-KR" altLang="en-US" sz="1800">
+              <a:latin typeface="맑은 고딕" charset="0"/>
+              <a:ea typeface="맑은 고딕" charset="0"/>
+            </a:endParaRPr>
+          </a:p>
+          <a:p>
+            <a:pPr marL="0" indent="0" rtl="0" algn="l" defTabSz="914400" eaLnBrk="1" latinLnBrk="0" hangingPunct="1">
+              <a:buFontTx/>
+              <a:buNone/>
+            </a:pPr>
+            <a:r>
+              <a:rPr sz="1800">
+                <a:latin typeface="맑은 고딕" charset="0"/>
+                <a:ea typeface="맑은 고딕" charset="0"/>
+              </a:rPr>
+              <a:t>마지막으</a:t>
+            </a:r>
+            <a:r>
+              <a:rPr lang="ko-KR" sz="1800">
+                <a:latin typeface="맑은 고딕" charset="0"/>
+                <a:ea typeface="맑은 고딕" charset="0"/>
+              </a:rPr>
+              <a:t>로</a:t>
+            </a:r>
+            <a:r>
+              <a:rPr sz="1800">
+                <a:latin typeface="맑은 고딕" charset="0"/>
+                <a:ea typeface="맑은 고딕" charset="0"/>
+              </a:rPr>
+              <a:t> 각각의 버튼에 있는 On Click( ) 함수에 Animation Action 오브젝트를 넣어줍니다.</a:t>
+            </a:r>
+            <a:endParaRPr lang="ko-KR" altLang="en-US" sz="1800">
+              <a:latin typeface="맑은 고딕" charset="0"/>
+              <a:ea typeface="맑은 고딕" charset="0"/>
+            </a:endParaRPr>
+          </a:p>
+        </p:txBody>
+      </p:sp>
     </p:spTree>
   </p:cSld>
   <p:clrMapOvr>
@@ -13040,7 +10736,7 @@
       </p:grpSpPr>
       <p:sp>
         <p:nvSpPr>
-          <p:cNvPr id="1154" name="Rect 0"/>
+          <p:cNvPr id="1127" name="Rect 0"/>
           <p:cNvSpPr txBox="1">
             <a:spLocks/>
           </p:cNvSpPr>
@@ -13048,8 +10744,8 @@
         </p:nvSpPr>
         <p:spPr>
           <a:xfrm rot="0">
-            <a:off x="4297045" y="380365"/>
-            <a:ext cx="3592195" cy="554990"/>
+            <a:off x="6806565" y="4227195"/>
+            <a:ext cx="4159250" cy="2061845"/>
           </a:xfrm>
           <a:prstGeom prst="rect"/>
           <a:noFill/>
@@ -13064,6 +10760,87 @@
           </a:bodyPr>
           <a:lstStyle/>
           <a:p>
+            <a:pPr marL="0" indent="0" algn="l" latinLnBrk="0" hangingPunct="1">
+              <a:buFontTx/>
+              <a:buNone/>
+            </a:pPr>
+            <a:r>
+              <a:rPr lang="ko-KR" sz="2000" b="1">
+                <a:solidFill>
+                  <a:srgbClr val="0611F2"/>
+                </a:solidFill>
+                <a:latin typeface="맑은 고딕" charset="0"/>
+                <a:ea typeface="맑은 고딕" charset="0"/>
+              </a:rPr>
+              <a:t>34. </a:t>
+            </a:r>
+            <a:r>
+              <a:rPr lang="ko-KR" sz="1800">
+                <a:latin typeface="맑은 고딕" charset="0"/>
+                <a:ea typeface="맑은 고딕" charset="0"/>
+              </a:rPr>
+              <a:t>마지막으로 Idle 애니메이션에서 Make Transition을 선택하여 Exit 스테이트에 연결합니다.</a:t>
+            </a:r>
+            <a:endParaRPr lang="ko-KR" altLang="en-US" sz="1800">
+              <a:latin typeface="맑은 고딕" charset="0"/>
+              <a:ea typeface="맑은 고딕" charset="0"/>
+            </a:endParaRPr>
+          </a:p>
+          <a:p>
+            <a:pPr marL="0" indent="0" algn="l" latinLnBrk="0" hangingPunct="1">
+              <a:buFontTx/>
+              <a:buNone/>
+            </a:pPr>
+            <a:endParaRPr lang="ko-KR" altLang="en-US" sz="1800">
+              <a:latin typeface="맑은 고딕" charset="0"/>
+              <a:ea typeface="맑은 고딕" charset="0"/>
+            </a:endParaRPr>
+          </a:p>
+          <a:p>
+            <a:pPr marL="0" indent="0" algn="l" latinLnBrk="0" hangingPunct="1">
+              <a:buFontTx/>
+              <a:buNone/>
+            </a:pPr>
+            <a:r>
+              <a:rPr lang="ko-KR" sz="1800">
+                <a:latin typeface="맑은 고딕" charset="0"/>
+                <a:ea typeface="맑은 고딕" charset="0"/>
+              </a:rPr>
+              <a:t>그러면 Idle 애니메이션의 진행이 다 끝나고 다시 Entry 스테이트로 진입하게 됩니다.</a:t>
+            </a:r>
+            <a:endParaRPr lang="ko-KR" altLang="en-US" sz="1800">
+              <a:latin typeface="맑은 고딕" charset="0"/>
+              <a:ea typeface="맑은 고딕" charset="0"/>
+            </a:endParaRPr>
+          </a:p>
+        </p:txBody>
+      </p:sp>
+      <p:sp>
+        <p:nvSpPr>
+          <p:cNvPr id="1130" name="Rect 0"/>
+          <p:cNvSpPr txBox="1">
+            <a:spLocks/>
+          </p:cNvSpPr>
+          <p:nvPr/>
+        </p:nvSpPr>
+        <p:spPr>
+          <a:xfrm rot="0">
+            <a:off x="4273550" y="400685"/>
+            <a:ext cx="3641090" cy="554990"/>
+          </a:xfrm>
+          <a:prstGeom prst="rect"/>
+          <a:noFill/>
+          <a:ln w="0">
+            <a:noFill/>
+            <a:prstDash/>
+          </a:ln>
+        </p:spPr>
+        <p:txBody>
+          <a:bodyPr wrap="square" lIns="89535" tIns="46355" rIns="89535" bIns="46355" numCol="1" vert="horz" anchor="t">
+            <a:spAutoFit/>
+          </a:bodyPr>
+          <a:lstStyle/>
+          <a:p>
             <a:pPr marL="0" indent="0" algn="l" latinLnBrk="0">
               <a:buFontTx/>
               <a:buNone/>
@@ -13076,7 +10853,17 @@
                 <a:latin typeface="맑은 고딕" charset="0"/>
                 <a:ea typeface="맑은 고딕" charset="0"/>
               </a:rPr>
-              <a:t>아홉</a:t>
+              <a:t>열</a:t>
+            </a:r>
+            <a:r>
+              <a:rPr lang="ko-KR" altLang="en-US" sz="3000" b="1">
+                <a:solidFill>
+                  <a:schemeClr val="tx1"/>
+                </a:solidFill>
+                <a:latin typeface="맑은 고딕" charset="0"/>
+                <a:ea typeface="맑은 고딕" charset="0"/>
+              </a:rPr>
+              <a:t>네</a:t>
             </a:r>
             <a:r>
               <a:rPr lang="ko-KR" altLang="en-US" sz="3000" b="1">
@@ -13110,7 +10897,7 @@
       </p:sp>
       <p:sp>
         <p:nvSpPr>
-          <p:cNvPr id="1157" name="Rect 0"/>
+          <p:cNvPr id="1148" name="Rect 0"/>
           <p:cNvSpPr txBox="1">
             <a:spLocks/>
           </p:cNvSpPr>
@@ -13118,107 +10905,124 @@
         </p:nvSpPr>
         <p:spPr>
           <a:xfrm rot="0">
-            <a:off x="6827520" y="5580380"/>
-            <a:ext cx="4146550" cy="677545"/>
+            <a:off x="1212850" y="4077970"/>
+            <a:ext cx="4156710" cy="2215515"/>
           </a:xfrm>
           <a:prstGeom prst="rect"/>
           <a:noFill/>
-          <a:ln w="0">
-            <a:noFill/>
-            <a:prstDash/>
-          </a:ln>
-        </p:spPr>
-        <p:txBody>
-          <a:bodyPr wrap="square" lIns="89535" tIns="46355" rIns="89535" bIns="46355" numCol="1" vert="horz" anchor="t">
-            <a:spAutoFit/>
+        </p:spPr>
+        <p:txBody>
+          <a:bodyPr wrap="square" lIns="0" tIns="0" rIns="0" bIns="0" vert="horz" anchor="t">
+            <a:noAutofit/>
           </a:bodyPr>
           <a:lstStyle/>
           <a:p>
-            <a:pPr marL="0" indent="0" algn="l" latinLnBrk="0" hangingPunct="1">
-              <a:buFontTx/>
-              <a:buNone/>
-            </a:pPr>
-            <a:r>
-              <a:rPr lang="ko-KR" sz="2000" b="1">
+            <a:pPr marL="0" indent="0" rtl="0" algn="l" defTabSz="914400" eaLnBrk="1" latinLnBrk="0" hangingPunct="1">
+              <a:buFontTx/>
+              <a:buNone/>
+            </a:pPr>
+            <a:r>
+              <a:rPr sz="1800" b="1">
                 <a:solidFill>
                   <a:srgbClr val="0611F2"/>
                 </a:solidFill>
                 <a:latin typeface="맑은 고딕" charset="0"/>
                 <a:ea typeface="맑은 고딕" charset="0"/>
               </a:rPr>
-              <a:t>25. </a:t>
-            </a:r>
-            <a:r>
-              <a:rPr lang="ko-KR" sz="1800">
-                <a:latin typeface="맑은 고딕" charset="0"/>
-                <a:ea typeface="맑은 고딕" charset="0"/>
-              </a:rPr>
-              <a:t>그런 다음 각각의 애니메이션을 Base Layer에 추가합니다.</a:t>
+              <a:t>3</a:t>
+            </a:r>
+            <a:r>
+              <a:rPr lang="ko-KR" sz="1800" b="1">
+                <a:solidFill>
+                  <a:srgbClr val="0611F2"/>
+                </a:solidFill>
+                <a:latin typeface="맑은 고딕" charset="0"/>
+                <a:ea typeface="맑은 고딕" charset="0"/>
+              </a:rPr>
+              <a:t>3</a:t>
+            </a:r>
+            <a:r>
+              <a:rPr sz="1800" b="1">
+                <a:solidFill>
+                  <a:srgbClr val="0611F2"/>
+                </a:solidFill>
+                <a:latin typeface="맑은 고딕" charset="0"/>
+                <a:ea typeface="맑은 고딕" charset="0"/>
+              </a:rPr>
+              <a:t>.</a:t>
+            </a:r>
+            <a:r>
+              <a:rPr sz="1800">
+                <a:latin typeface="맑은 고딕" charset="0"/>
+                <a:ea typeface="맑은 고딕" charset="0"/>
+              </a:rPr>
+              <a:t> 그</a:t>
+            </a:r>
+            <a:r>
+              <a:rPr sz="1800">
+                <a:latin typeface="맑은 고딕" charset="0"/>
+                <a:ea typeface="맑은 고딕" charset="0"/>
+              </a:rPr>
+              <a:t>리</a:t>
+            </a:r>
+            <a:r>
+              <a:rPr lang="ko-KR" sz="1800">
+                <a:latin typeface="맑은 고딕" charset="0"/>
+                <a:ea typeface="맑은 고딕" charset="0"/>
+              </a:rPr>
+              <a:t>고</a:t>
+            </a:r>
+            <a:r>
+              <a:rPr sz="1800">
+                <a:latin typeface="맑은 고딕" charset="0"/>
+                <a:ea typeface="맑은 고딕" charset="0"/>
+              </a:rPr>
+              <a:t> </a:t>
+            </a:r>
+            <a:r>
+              <a:rPr lang="ko-KR" sz="1800">
+                <a:latin typeface="맑은 고딕" charset="0"/>
+                <a:ea typeface="맑은 고딕" charset="0"/>
+              </a:rPr>
+              <a:t>Running Text 오브젝트를 선택하고 Running Button이라는 텍스트로 정의한 다음 Font Size를 20으로 설정합니다.</a:t>
             </a:r>
             <a:endParaRPr lang="ko-KR" altLang="en-US" sz="1800">
               <a:latin typeface="맑은 고딕" charset="0"/>
               <a:ea typeface="맑은 고딕" charset="0"/>
             </a:endParaRPr>
           </a:p>
-        </p:txBody>
-      </p:sp>
-      <p:sp>
-        <p:nvSpPr>
-          <p:cNvPr id="1170" name="Rect 0"/>
-          <p:cNvSpPr txBox="1">
-            <a:spLocks/>
-          </p:cNvSpPr>
-          <p:nvPr/>
-        </p:nvSpPr>
-        <p:spPr>
-          <a:xfrm rot="0">
-            <a:off x="1230630" y="2285365"/>
-            <a:ext cx="4121785" cy="677545"/>
-          </a:xfrm>
-          <a:prstGeom prst="rect"/>
-          <a:noFill/>
-          <a:ln w="0">
-            <a:noFill/>
-            <a:prstDash/>
-          </a:ln>
-        </p:spPr>
-        <p:txBody>
-          <a:bodyPr wrap="square" lIns="89535" tIns="46355" rIns="89535" bIns="46355" numCol="1" vert="horz" anchor="t">
-            <a:spAutoFit/>
-          </a:bodyPr>
-          <a:lstStyle/>
-          <a:p>
-            <a:pPr marL="0" indent="0" algn="l" latinLnBrk="0" hangingPunct="1">
-              <a:buFontTx/>
-              <a:buNone/>
-            </a:pPr>
-            <a:r>
-              <a:rPr lang="ko-KR" sz="2000" b="1">
-                <a:solidFill>
-                  <a:srgbClr val="0611F2"/>
-                </a:solidFill>
-                <a:latin typeface="맑은 고딕" charset="0"/>
-                <a:ea typeface="맑은 고딕" charset="0"/>
-              </a:rPr>
-              <a:t>23. </a:t>
-            </a:r>
-            <a:r>
-              <a:rPr lang="ko-KR" sz="1800">
-                <a:latin typeface="맑은 고딕" charset="0"/>
-                <a:ea typeface="맑은 고딕" charset="0"/>
-              </a:rPr>
-              <a:t>이제 애니메이션 파일을 유니티 프로젝트에 추가합니다. </a:t>
-            </a:r>
+          <a:p>
+            <a:pPr marL="0" indent="0" rtl="0" algn="l" defTabSz="914400" eaLnBrk="1" latinLnBrk="0" hangingPunct="1">
+              <a:buFontTx/>
+              <a:buNone/>
+            </a:pPr>
             <a:endParaRPr lang="ko-KR" altLang="en-US" sz="1800">
               <a:latin typeface="맑은 고딕" charset="0"/>
               <a:ea typeface="맑은 고딕" charset="0"/>
             </a:endParaRPr>
           </a:p>
+          <a:p>
+            <a:pPr marL="0" indent="0" rtl="0" algn="l" defTabSz="914400" eaLnBrk="1" latinLnBrk="0" hangingPunct="1">
+              <a:buFontTx/>
+              <a:buNone/>
+            </a:pPr>
+            <a:r>
+              <a:rPr lang="ko-KR" sz="1800">
+                <a:latin typeface="맑은 고딕" charset="0"/>
+                <a:ea typeface="맑은 고딕" charset="0"/>
+              </a:rPr>
+              <a:t>그다음 Kick Text 오브젝트를 선택하여 Kick Action이라는 텍스트로 정의하고 Font Size를 20으로 설정합니다.</a:t>
+            </a:r>
+            <a:endParaRPr lang="ko-KR" altLang="en-US" sz="1800">
+              <a:latin typeface="맑은 고딕" charset="0"/>
+              <a:ea typeface="맑은 고딕" charset="0"/>
+            </a:endParaRPr>
+          </a:p>
         </p:txBody>
       </p:sp>
       <p:pic>
         <p:nvPicPr>
-          <p:cNvPr id="1171" name="그림 173" descr="C:/Users/Admin1/AppData/Roaming/PolarisOffice/ETemp/13876_17549616/fImage226374495447.png"/>
+          <p:cNvPr id="1150" name="그림 87" descr="C:/Users/Admin1/AppData/Roaming/PolarisOffice/ETemp/13876_17549616/fImage121233421942.png"/>
           <p:cNvPicPr>
             <a:picLocks noChangeAspect="1"/>
           </p:cNvPicPr>
@@ -13238,8 +11042,8 @@
         </p:blipFill>
         <p:spPr>
           <a:xfrm rot="0">
-            <a:off x="1238885" y="1360805"/>
-            <a:ext cx="1962785" cy="848360"/>
+            <a:off x="1203960" y="1363345"/>
+            <a:ext cx="4166235" cy="1201420"/>
           </a:xfrm>
           <a:prstGeom prst="roundRect"/>
           <a:solidFill>
@@ -13249,7 +11053,7 @@
       </p:pic>
       <p:pic>
         <p:nvPicPr>
-          <p:cNvPr id="1176" name="그림 180"/>
+          <p:cNvPr id="1152" name="그림 93" descr="C:/Users/Admin1/AppData/Roaming/PolarisOffice/ETemp/13876_17549616/fImage120273444827.png"/>
           <p:cNvPicPr>
             <a:picLocks noChangeAspect="1"/>
           </p:cNvPicPr>
@@ -13269,8 +11073,8 @@
         </p:blipFill>
         <p:spPr>
           <a:xfrm rot="0">
-            <a:off x="4493260" y="1361440"/>
-            <a:ext cx="868680" cy="838835"/>
+            <a:off x="1203960" y="2735580"/>
+            <a:ext cx="4175125" cy="1179195"/>
           </a:xfrm>
           <a:prstGeom prst="roundRect"/>
           <a:solidFill>
@@ -13280,7 +11084,7 @@
       </p:pic>
       <p:pic>
         <p:nvPicPr>
-          <p:cNvPr id="1177" name="그림 181"/>
+          <p:cNvPr id="1154" name="그림 99" descr="C:/Users/Admin1/AppData/Roaming/PolarisOffice/ETemp/13876_17549616/fImage181103465436.png"/>
           <p:cNvPicPr>
             <a:picLocks noChangeAspect="1"/>
           </p:cNvPicPr>
@@ -13300,311 +11104,13 @@
         </p:blipFill>
         <p:spPr>
           <a:xfrm rot="0">
-            <a:off x="3437255" y="1361440"/>
-            <a:ext cx="842645" cy="838835"/>
+            <a:off x="6814820" y="1362710"/>
+            <a:ext cx="4142740" cy="2686050"/>
           </a:xfrm>
           <a:prstGeom prst="roundRect"/>
           <a:solidFill>
             <a:srgbClr val="EDEDED"/>
           </a:solidFill>
-        </p:spPr>
-      </p:pic>
-      <p:pic>
-        <p:nvPicPr>
-          <p:cNvPr id="1178" name="그림 186" descr="C:/Users/Admin1/AppData/Roaming/PolarisOffice/ETemp/13876_17549616/fImage61714561538.png"/>
-          <p:cNvPicPr>
-            <a:picLocks noChangeAspect="1"/>
-          </p:cNvPicPr>
-          <p:nvPr/>
-        </p:nvPicPr>
-        <p:blipFill rotWithShape="1">
-          <a:blip r:embed="rId5" cstate="hqprint">
-            <a:extLst>
-              <a:ext uri="{28A0092B-C50C-407E-A947-70E740481C1C}">
-                <a14:useLocalDpi xmlns:a14="http://schemas.microsoft.com/office/drawing/2010/main"/>
-              </a:ext>
-            </a:extLst>
-          </a:blip>
-          <a:stretch>
-            <a:fillRect/>
-          </a:stretch>
-        </p:blipFill>
-        <p:spPr>
-          <a:xfrm rot="0">
-            <a:off x="6823710" y="3380105"/>
-            <a:ext cx="4133850" cy="2067560"/>
-          </a:xfrm>
-          <a:prstGeom prst="roundRect"/>
-          <a:solidFill>
-            <a:srgbClr val="EDEDED"/>
-          </a:solidFill>
-        </p:spPr>
-      </p:pic>
-      <p:pic>
-        <p:nvPicPr>
-          <p:cNvPr id="1179" name="그림 189" descr="C:/Users/Admin1/AppData/Roaming/PolarisOffice/ETemp/13876_17549616/fImage40104711869.png"/>
-          <p:cNvPicPr>
-            <a:picLocks noChangeAspect="1"/>
-          </p:cNvPicPr>
-          <p:nvPr/>
-        </p:nvPicPr>
-        <p:blipFill rotWithShape="1">
-          <a:blip r:embed="rId6" cstate="hqprint">
-            <a:extLst>
-              <a:ext uri="{28A0092B-C50C-407E-A947-70E740481C1C}">
-                <a14:useLocalDpi xmlns:a14="http://schemas.microsoft.com/office/drawing/2010/main"/>
-              </a:ext>
-            </a:extLst>
-          </a:blip>
-          <a:stretch>
-            <a:fillRect/>
-          </a:stretch>
-        </p:blipFill>
-        <p:spPr>
-          <a:xfrm rot="0">
-            <a:off x="7888605" y="1359535"/>
-            <a:ext cx="3085465" cy="1784985"/>
-          </a:xfrm>
-          <a:prstGeom prst="roundRect"/>
-          <a:solidFill>
-            <a:srgbClr val="EDEDED"/>
-          </a:solidFill>
-        </p:spPr>
-      </p:pic>
-      <p:pic>
-        <p:nvPicPr>
-          <p:cNvPr id="1180" name="그림 190"/>
-          <p:cNvPicPr>
-            <a:picLocks noChangeAspect="1"/>
-          </p:cNvPicPr>
-          <p:nvPr/>
-        </p:nvPicPr>
-        <p:blipFill rotWithShape="1">
-          <a:blip r:embed="rId7" cstate="hqprint">
-            <a:extLst>
-              <a:ext uri="{28A0092B-C50C-407E-A947-70E740481C1C}">
-                <a14:useLocalDpi xmlns:a14="http://schemas.microsoft.com/office/drawing/2010/main"/>
-              </a:ext>
-            </a:extLst>
-          </a:blip>
-          <a:stretch>
-            <a:fillRect/>
-          </a:stretch>
-        </p:blipFill>
-        <p:spPr>
-          <a:xfrm rot="0">
-            <a:off x="6832600" y="2389505"/>
-            <a:ext cx="868045" cy="659765"/>
-          </a:xfrm>
-          <a:prstGeom prst="roundRect"/>
-          <a:solidFill>
-            <a:srgbClr val="EDEDED"/>
-          </a:solidFill>
-        </p:spPr>
-      </p:pic>
-      <p:pic>
-        <p:nvPicPr>
-          <p:cNvPr id="1181" name="그림 191"/>
-          <p:cNvPicPr>
-            <a:picLocks noChangeAspect="1"/>
-          </p:cNvPicPr>
-          <p:nvPr/>
-        </p:nvPicPr>
-        <p:blipFill rotWithShape="1">
-          <a:blip r:embed="rId8" cstate="hqprint">
-            <a:extLst>
-              <a:ext uri="{28A0092B-C50C-407E-A947-70E740481C1C}">
-                <a14:useLocalDpi xmlns:a14="http://schemas.microsoft.com/office/drawing/2010/main"/>
-              </a:ext>
-            </a:extLst>
-          </a:blip>
-          <a:stretch>
-            <a:fillRect/>
-          </a:stretch>
-        </p:blipFill>
-        <p:spPr>
-          <a:xfrm rot="0">
-            <a:off x="6835140" y="1497965"/>
-            <a:ext cx="872490" cy="675640"/>
-          </a:xfrm>
-          <a:prstGeom prst="roundRect"/>
-          <a:solidFill>
-            <a:srgbClr val="EDEDED"/>
-          </a:solidFill>
-        </p:spPr>
-      </p:pic>
-      <p:sp>
-        <p:nvSpPr>
-          <p:cNvPr id="1188" name="텍스트 상자 204"/>
-          <p:cNvSpPr txBox="1">
-            <a:spLocks/>
-          </p:cNvSpPr>
-          <p:nvPr/>
-        </p:nvSpPr>
-        <p:spPr>
-          <a:xfrm rot="0">
-            <a:off x="1222375" y="5297170"/>
-            <a:ext cx="4123055" cy="954405"/>
-          </a:xfrm>
-          <a:prstGeom prst="rect"/>
-          <a:noFill/>
-          <a:ln w="0">
-            <a:noFill/>
-            <a:prstDash/>
-          </a:ln>
-        </p:spPr>
-        <p:txBody>
-          <a:bodyPr wrap="square" lIns="89535" tIns="46355" rIns="89535" bIns="46355" numCol="1" vert="horz" anchor="t">
-            <a:spAutoFit/>
-          </a:bodyPr>
-          <a:lstStyle/>
-          <a:p>
-            <a:pPr marL="0" indent="0" algn="l" latinLnBrk="0" hangingPunct="1">
-              <a:buFontTx/>
-              <a:buNone/>
-            </a:pPr>
-            <a:r>
-              <a:rPr lang="ko-KR" sz="2000" b="1">
-                <a:solidFill>
-                  <a:srgbClr val="0611F2"/>
-                </a:solidFill>
-                <a:latin typeface="맑은 고딕" charset="0"/>
-                <a:ea typeface="맑은 고딕" charset="0"/>
-              </a:rPr>
-              <a:t>24. </a:t>
-            </a:r>
-            <a:r>
-              <a:rPr lang="ko-KR" sz="1800">
-                <a:latin typeface="맑은 고딕" charset="0"/>
-                <a:ea typeface="맑은 고딕" charset="0"/>
-              </a:rPr>
-              <a:t>그리고 애니메이션을 선택한 다음 애니메이션 클립 이름을 각각의 애니메이션 이름으로 변경합니다. </a:t>
-            </a:r>
-            <a:endParaRPr lang="ko-KR" altLang="en-US" sz="1800">
-              <a:latin typeface="맑은 고딕" charset="0"/>
-              <a:ea typeface="맑은 고딕" charset="0"/>
-            </a:endParaRPr>
-          </a:p>
-        </p:txBody>
-      </p:sp>
-      <p:pic>
-        <p:nvPicPr>
-          <p:cNvPr id="1191" name="그림 38" descr="C:/Users/Admin1/AppData/Roaming/PolarisOffice/ETemp/13876_17549616/fImage71452309358.png"/>
-          <p:cNvPicPr>
-            <a:picLocks noChangeAspect="1"/>
-          </p:cNvPicPr>
-          <p:nvPr/>
-        </p:nvPicPr>
-        <p:blipFill rotWithShape="1">
-          <a:blip r:embed="rId16" cstate="hqprint">
-            <a:extLst>
-              <a:ext uri="{28A0092B-C50C-407E-A947-70E740481C1C}">
-                <a14:useLocalDpi xmlns:a14="http://schemas.microsoft.com/office/drawing/2010/main"/>
-              </a:ext>
-            </a:extLst>
-          </a:blip>
-          <a:stretch>
-            <a:fillRect/>
-          </a:stretch>
-        </p:blipFill>
-        <p:spPr>
-          <a:xfrm rot="0">
-            <a:off x="1247140" y="3088640"/>
-            <a:ext cx="4114165" cy="982345"/>
-          </a:xfrm>
-          <a:prstGeom prst="roundRect"/>
-          <a:solidFill>
-            <a:srgbClr val="EDEDED"/>
-          </a:solidFill>
-        </p:spPr>
-      </p:pic>
-      <p:pic>
-        <p:nvPicPr>
-          <p:cNvPr id="1192" name="그림 41" descr="C:/Users/Admin1/AppData/Roaming/PolarisOffice/ETemp/13876_17549616/fImage66992316962.png"/>
-          <p:cNvPicPr>
-            <a:picLocks noChangeAspect="1"/>
-          </p:cNvPicPr>
-          <p:nvPr/>
-        </p:nvPicPr>
-        <p:blipFill rotWithShape="1">
-          <a:blip r:embed="rId17" cstate="hqprint">
-            <a:extLst>
-              <a:ext uri="{28A0092B-C50C-407E-A947-70E740481C1C}">
-                <a14:useLocalDpi xmlns:a14="http://schemas.microsoft.com/office/drawing/2010/main"/>
-              </a:ext>
-            </a:extLst>
-          </a:blip>
-          <a:stretch>
-            <a:fillRect/>
-          </a:stretch>
-        </p:blipFill>
-        <p:spPr>
-          <a:xfrm rot="0">
-            <a:off x="1238885" y="4208780"/>
-            <a:ext cx="4122420" cy="988060"/>
-          </a:xfrm>
-          <a:prstGeom prst="roundRect"/>
-          <a:solidFill>
-            <a:srgbClr val="EDEDED"/>
-          </a:solidFill>
-        </p:spPr>
-      </p:pic>
-      <p:pic>
-        <p:nvPicPr>
-          <p:cNvPr id="1193" name="그림 44" descr="C:/Users/Admin1/AppData/Roaming/PolarisOffice/ETemp/13876_17549616/fImage22421734441.png"/>
-          <p:cNvPicPr>
-            <a:picLocks noChangeAspect="1"/>
-          </p:cNvPicPr>
-          <p:nvPr/>
-        </p:nvPicPr>
-        <p:blipFill rotWithShape="1">
-          <a:blip r:embed="rId18" cstate="hqprint">
-            <a:extLst>
-              <a:ext uri="{28A0092B-C50C-407E-A947-70E740481C1C}">
-                <a14:useLocalDpi xmlns:a14="http://schemas.microsoft.com/office/drawing/2010/main"/>
-              </a:ext>
-            </a:extLst>
-          </a:blip>
-          <a:stretch>
-            <a:fillRect/>
-          </a:stretch>
-        </p:blipFill>
-        <p:spPr>
-          <a:xfrm rot="0">
-            <a:off x="7585710" y="1628140"/>
-            <a:ext cx="615950" cy="425450"/>
-          </a:xfrm>
-          <a:prstGeom prst="rect"/>
-          <a:noFill/>
-        </p:spPr>
-      </p:pic>
-      <p:pic>
-        <p:nvPicPr>
-          <p:cNvPr id="1194" name="그림 45" descr="C:/Users/Admin1/AppData/Roaming/PolarisOffice/ETemp/13876_17549616/fImage22421734441.png"/>
-          <p:cNvPicPr>
-            <a:picLocks noChangeAspect="1"/>
-          </p:cNvPicPr>
-          <p:nvPr/>
-        </p:nvPicPr>
-        <p:blipFill rotWithShape="1">
-          <a:blip r:embed="rId18" cstate="hqprint">
-            <a:extLst>
-              <a:ext uri="{28A0092B-C50C-407E-A947-70E740481C1C}">
-                <a14:useLocalDpi xmlns:a14="http://schemas.microsoft.com/office/drawing/2010/main"/>
-              </a:ext>
-            </a:extLst>
-          </a:blip>
-          <a:stretch>
-            <a:fillRect/>
-          </a:stretch>
-        </p:blipFill>
-        <p:spPr>
-          <a:xfrm rot="0">
-            <a:off x="7579995" y="2519680"/>
-            <a:ext cx="615950" cy="425450"/>
-          </a:xfrm>
-          <a:prstGeom prst="rect"/>
-          <a:noFill/>
         </p:spPr>
       </p:pic>
     </p:spTree>

--- a/Assets/Animator Controller/PPT Data/Animator Controller Example.pptx
+++ b/Assets/Animator Controller/PPT Data/Animator Controller Example.pptx
@@ -2,21 +2,20 @@
 <file path=ppt/presentation.xml><?xml version="1.0" encoding="utf-8"?>
 <p:presentation xmlns:a="http://schemas.openxmlformats.org/drawingml/2006/main" xmlns:r="http://schemas.openxmlformats.org/officeDocument/2006/relationships" xmlns:p="http://schemas.openxmlformats.org/presentationml/2006/main" xmlns:p14="http://schemas.microsoft.com/office/powerpoint/2010/main" saveSubsetFonts="1" firstSlideNum="0">
   <p:sldMasterIdLst>
-    <p:sldMasterId id="2147486310" r:id="rId12"/>
+    <p:sldMasterId id="2147486329" r:id="rId12"/>
   </p:sldMasterIdLst>
   <p:notesMasterIdLst>
     <p:notesMasterId r:id="rId14"/>
   </p:notesMasterIdLst>
   <p:sldIdLst>
     <p:sldId id="296" r:id="rId16"/>
-    <p:sldId id="318" r:id="rId17"/>
-    <p:sldId id="316" r:id="rId18"/>
-    <p:sldId id="297" r:id="rId19"/>
-    <p:sldId id="302" r:id="rId20"/>
-    <p:sldId id="292" r:id="rId22"/>
-    <p:sldId id="303" r:id="rId24"/>
-    <p:sldId id="304" r:id="rId26"/>
-    <p:sldId id="317" r:id="rId28"/>
+    <p:sldId id="318" r:id="rId18"/>
+    <p:sldId id="316" r:id="rId20"/>
+    <p:sldId id="297" r:id="rId22"/>
+    <p:sldId id="319" r:id="rId24"/>
+    <p:sldId id="321" r:id="rId26"/>
+    <p:sldId id="322" r:id="rId27"/>
+    <p:sldId id="320" r:id="rId28"/>
   </p:sldIdLst>
   <p:sldSz cx="12192000" cy="6858000"/>
   <p:notesSz cx="6858000" cy="9144000"/>
@@ -1073,7 +1072,7 @@
         <p:spPr>
           <a:xfrm rot="0">
             <a:off x="685800" y="1143000"/>
-            <a:ext cx="5490845" cy="3090545"/>
+            <a:ext cx="5491480" cy="3091180"/>
           </a:xfrm>
           <a:prstGeom prst="rect"/>
           <a:noFill/>
@@ -1112,7 +1111,7 @@
         <p:spPr>
           <a:xfrm rot="0">
             <a:off x="685800" y="4400550"/>
-            <a:ext cx="5490845" cy="3604895"/>
+            <a:ext cx="5491480" cy="3605530"/>
           </a:xfrm>
           <a:prstGeom prst="rect"/>
         </p:spPr>
@@ -1142,7 +1141,7 @@
         <p:spPr>
           <a:xfrm rot="0">
             <a:off x="3884930" y="8685530"/>
-            <a:ext cx="2976245" cy="462915"/>
+            <a:ext cx="2976880" cy="463550"/>
           </a:xfrm>
           <a:prstGeom prst="rect"/>
         </p:spPr>
@@ -1215,7 +1214,7 @@
         <p:spPr>
           <a:xfrm rot="0">
             <a:off x="685800" y="1143000"/>
-            <a:ext cx="5490210" cy="3089910"/>
+            <a:ext cx="5492115" cy="3091815"/>
           </a:xfrm>
           <a:prstGeom prst="rect"/>
           <a:noFill/>
@@ -1254,7 +1253,7 @@
         <p:spPr>
           <a:xfrm rot="0">
             <a:off x="685800" y="4400550"/>
-            <a:ext cx="5490210" cy="3604260"/>
+            <a:ext cx="5492115" cy="3606165"/>
           </a:xfrm>
           <a:prstGeom prst="rect"/>
         </p:spPr>
@@ -1284,7 +1283,7 @@
         <p:spPr>
           <a:xfrm rot="0">
             <a:off x="3884930" y="8685530"/>
-            <a:ext cx="2975610" cy="462280"/>
+            <a:ext cx="2977515" cy="464185"/>
           </a:xfrm>
           <a:prstGeom prst="rect"/>
         </p:spPr>
@@ -1357,7 +1356,7 @@
         <p:spPr>
           <a:xfrm rot="0">
             <a:off x="685800" y="1143000"/>
-            <a:ext cx="5490845" cy="3090545"/>
+            <a:ext cx="5492115" cy="3091815"/>
           </a:xfrm>
           <a:prstGeom prst="rect"/>
           <a:noFill/>
@@ -1396,7 +1395,7 @@
         <p:spPr>
           <a:xfrm rot="0">
             <a:off x="685800" y="4400550"/>
-            <a:ext cx="5490845" cy="3604895"/>
+            <a:ext cx="5492115" cy="3606165"/>
           </a:xfrm>
           <a:prstGeom prst="rect"/>
         </p:spPr>
@@ -1426,7 +1425,7 @@
         <p:spPr>
           <a:xfrm rot="0">
             <a:off x="3884930" y="8685530"/>
-            <a:ext cx="2976245" cy="462915"/>
+            <a:ext cx="2977515" cy="464185"/>
           </a:xfrm>
           <a:prstGeom prst="rect"/>
         </p:spPr>
@@ -1499,7 +1498,7 @@
         <p:spPr>
           <a:xfrm rot="0">
             <a:off x="685800" y="1143000"/>
-            <a:ext cx="5490845" cy="3090545"/>
+            <a:ext cx="5492115" cy="3091815"/>
           </a:xfrm>
           <a:prstGeom prst="rect"/>
           <a:noFill/>
@@ -1538,7 +1537,7 @@
         <p:spPr>
           <a:xfrm rot="0">
             <a:off x="685800" y="4400550"/>
-            <a:ext cx="5490845" cy="3604895"/>
+            <a:ext cx="5492115" cy="3606165"/>
           </a:xfrm>
           <a:prstGeom prst="rect"/>
         </p:spPr>
@@ -1568,149 +1567,7 @@
         <p:spPr>
           <a:xfrm rot="0">
             <a:off x="3884930" y="8685530"/>
-            <a:ext cx="2976245" cy="462915"/>
-          </a:xfrm>
-          <a:prstGeom prst="rect"/>
-        </p:spPr>
-        <p:txBody>
-          <a:bodyPr wrap="square" lIns="91440" tIns="45720" rIns="91440" bIns="45720" numCol="1" vert="horz" anchor="b">
-            <a:noAutofit/>
-          </a:bodyPr>
-          <a:lstStyle>
-            <a:lvl1pPr marL="0" indent="0" algn="r" latinLnBrk="0">
-              <a:buFontTx/>
-              <a:buNone/>
-              <a:defRPr lang="en-GB" altLang="en-US" sz="1200"/>
-            </a:lvl1pPr>
-          </a:lstStyle>
-          <a:p>
-            <a:pPr marL="0" indent="0" latinLnBrk="0">
-              <a:buFontTx/>
-              <a:buNone/>
-            </a:pPr>
-            <a:fld id="{B9320F77-B9A0-41C5-862A-B4B631284C64}" type="slidenum">
-              <a:rPr lang="ko-KR" altLang="en-US"/>
-              <a:t>‹#›</a:t>
-            </a:fld>
-          </a:p>
-        </p:txBody>
-      </p:sp>
-    </p:spTree>
-  </p:cSld>
-  <p:clrMapOvr>
-    <a:masterClrMapping/>
-  </p:clrMapOvr>
-  <mc:AlternateContent xmlns:mc="http://schemas.openxmlformats.org/markup-compatibility/2006">
-    <mc:Choice xmlns:p14="http://schemas.microsoft.com/office/powerpoint/2010/main" Requires="p14">
-      <p:transition spd="slow" p14:dur="0"/>
-    </mc:Choice>
-    <mc:Fallback>
-      <p:transition spd="slow"/>
-    </mc:Fallback>
-  </mc:AlternateContent>
-</p:notes>
-</file>
-
-<file path=ppt/notesSlides/notesSlide9.xml><?xml version="1.0" encoding="utf-8"?>
-<p:notes xmlns:a="http://schemas.openxmlformats.org/drawingml/2006/main" xmlns:r="http://schemas.openxmlformats.org/officeDocument/2006/relationships" xmlns:p="http://schemas.openxmlformats.org/presentationml/2006/main">
-  <p:cSld>
-    <p:spTree>
-      <p:nvGrpSpPr>
-        <p:cNvPr id="1" name=""/>
-        <p:cNvGrpSpPr/>
-        <p:nvPr/>
-      </p:nvGrpSpPr>
-      <p:grpSpPr>
-        <a:xfrm>
-          <a:off x="0" y="0"/>
-          <a:ext cx="0" cy="0"/>
-          <a:chOff x="0" y="0"/>
-          <a:chExt cx="0" cy="0"/>
-        </a:xfrm>
-      </p:grpSpPr>
-      <p:sp>
-        <p:nvSpPr>
-          <p:cNvPr id="2" name="슬라이드 이미지 개체 틀 3"/>
-          <p:cNvSpPr>
-            <a:spLocks noChangeAspect="1"/>
-          </p:cNvSpPr>
-          <p:nvPr>
-            <p:ph type="sldImg" idx="2"/>
-          </p:nvPr>
-        </p:nvSpPr>
-        <p:spPr>
-          <a:xfrm rot="0">
-            <a:off x="685800" y="1143000"/>
-            <a:ext cx="5491480" cy="3091180"/>
-          </a:xfrm>
-          <a:prstGeom prst="rect"/>
-          <a:noFill/>
-          <a:ln w="12700" cap="flat" cmpd="sng">
-            <a:solidFill>
-              <a:srgbClr val="000000">
-                <a:alpha val="100000"/>
-              </a:srgbClr>
-            </a:solidFill>
-            <a:prstDash val="solid"/>
-          </a:ln>
-        </p:spPr>
-        <p:txBody>
-          <a:bodyPr wrap="square" lIns="91440" tIns="45720" rIns="91440" bIns="45720" numCol="1" vert="horz" anchor="ctr">
-            <a:noAutofit/>
-          </a:bodyPr>
-          <a:lstStyle/>
-          <a:p>
-            <a:pPr marL="0" indent="0" latinLnBrk="0">
-              <a:buFontTx/>
-              <a:buNone/>
-            </a:pPr>
-          </a:p>
-        </p:txBody>
-      </p:sp>
-      <p:sp>
-        <p:nvSpPr>
-          <p:cNvPr id="3" name="슬라이드 노트 개체 틀 4"/>
-          <p:cNvSpPr txBox="1">
-            <a:spLocks/>
-          </p:cNvSpPr>
-          <p:nvPr>
-            <p:ph type="body" idx="3"/>
-          </p:nvPr>
-        </p:nvSpPr>
-        <p:spPr>
-          <a:xfrm rot="0">
-            <a:off x="685800" y="4400550"/>
-            <a:ext cx="5491480" cy="3605530"/>
-          </a:xfrm>
-          <a:prstGeom prst="rect"/>
-        </p:spPr>
-        <p:txBody>
-          <a:bodyPr wrap="square" lIns="91440" tIns="45720" rIns="91440" bIns="45720" numCol="1" vert="horz" anchor="t">
-            <a:noAutofit/>
-          </a:bodyPr>
-          <a:lstStyle/>
-          <a:p>
-            <a:pPr marL="0" indent="0" latinLnBrk="0">
-              <a:buFontTx/>
-              <a:buNone/>
-            </a:pPr>
-          </a:p>
-        </p:txBody>
-      </p:sp>
-      <p:sp>
-        <p:nvSpPr>
-          <p:cNvPr id="4" name="슬라이드 번호 개체 틀 6"/>
-          <p:cNvSpPr txBox="1">
-            <a:spLocks/>
-          </p:cNvSpPr>
-          <p:nvPr>
-            <p:ph type="sldNum" idx="5"/>
-          </p:nvPr>
-        </p:nvSpPr>
-        <p:spPr>
-          <a:xfrm rot="0">
-            <a:off x="3884930" y="8685530"/>
-            <a:ext cx="2976880" cy="463550"/>
+            <a:ext cx="2977515" cy="464185"/>
           </a:xfrm>
           <a:prstGeom prst="rect"/>
         </p:spPr>
@@ -8653,7 +8510,7 @@
       </p:sp>
       <p:pic>
         <p:nvPicPr>
-          <p:cNvPr id="1176" name="그림 23" descr="C:/Users/Admin1/AppData/Roaming/PolarisOffice/ETemp/28880_14730240/fImage10263376153.png"/>
+          <p:cNvPr id="1176" name="그림 23"/>
           <p:cNvPicPr>
             <a:picLocks noChangeAspect="1"/>
           </p:cNvPicPr>
@@ -8691,9 +8548,9 @@
           <p:nvPr/>
         </p:nvSpPr>
         <p:spPr>
-          <a:xfrm rot="0">
+          <a:xfrm>
             <a:off x="1240790" y="4378960"/>
-            <a:ext cx="4126230" cy="1784985"/>
+            <a:ext cx="4126865" cy="1784985"/>
           </a:xfrm>
           <a:prstGeom prst="rect"/>
           <a:noFill/>
@@ -8720,7 +8577,7 @@
                 <a:latin typeface="맑은 고딕" charset="0"/>
                 <a:ea typeface="맑은 고딕" charset="0"/>
               </a:rPr>
-              <a:t>16.</a:t>
+              <a:t>9.</a:t>
             </a:r>
             <a:r>
               <a:rPr lang="ko-KR" sz="2000" b="1">
@@ -8737,21 +8594,7 @@
                 <a:latin typeface="맑은 고딕" charset="0"/>
                 <a:ea typeface="맑은 고딕" charset="0"/>
               </a:rPr>
-              <a:t>그다음 애니메이터 </a:t>
-            </a:r>
-            <a:r>
-              <a:rPr lang="ko-KR" sz="1800">
-                <a:latin typeface="맑은 고딕" charset="0"/>
-                <a:ea typeface="맑은 고딕" charset="0"/>
-              </a:rPr>
-              <a:t>컨트롤러를</a:t>
-            </a:r>
-            <a:r>
-              <a:rPr lang="ko-KR" sz="1800">
-                <a:latin typeface="맑은 고딕" charset="0"/>
-                <a:ea typeface="맑은 고딕" charset="0"/>
-              </a:rPr>
-              <a:t> </a:t>
+              <a:t>그다음 애니메이터 컨트롤러를 </a:t>
             </a:r>
             <a:r>
               <a:rPr lang="ko-KR" sz="1800">
@@ -8765,21 +8608,7 @@
                 <a:latin typeface="맑은 고딕" charset="0"/>
                 <a:ea typeface="맑은 고딕" charset="0"/>
               </a:rPr>
-              <a:t> </a:t>
-            </a:r>
-            <a:r>
-              <a:rPr lang="ko-KR" sz="1800">
-                <a:latin typeface="맑은 고딕" charset="0"/>
-                <a:ea typeface="맑은 고딕" charset="0"/>
-              </a:rPr>
-              <a:t>Base</a:t>
-            </a:r>
-            <a:r>
-              <a:rPr lang="ko-KR" sz="1800">
-                <a:latin typeface="맑은 고딕" charset="0"/>
-                <a:ea typeface="맑은 고딕" charset="0"/>
-              </a:rPr>
-              <a:t> Layer에 들어옵니다.</a:t>
+              <a:t> Base Layer에 들어옵니다.</a:t>
             </a:r>
             <a:endParaRPr lang="ko-KR" altLang="en-US" sz="1800">
               <a:latin typeface="맑은 고딕" charset="0"/>
@@ -8813,14 +8642,7 @@
                 <a:latin typeface="맑은 고딕" charset="0"/>
                 <a:ea typeface="맑은 고딕" charset="0"/>
               </a:rPr>
-              <a:t> </a:t>
-            </a:r>
-            <a:r>
-              <a:rPr lang="ko-KR" sz="1800">
-                <a:latin typeface="맑은 고딕" charset="0"/>
-                <a:ea typeface="맑은 고딕" charset="0"/>
-              </a:rPr>
-              <a:t>나서 Project 폴더 아래에 있는 </a:t>
+              <a:t> 나서 Project 폴더 아래에 있는 </a:t>
             </a:r>
             <a:r>
               <a:rPr lang="ko-KR" sz="1800">
@@ -8834,42 +8656,7 @@
                 <a:latin typeface="맑은 고딕" charset="0"/>
                 <a:ea typeface="맑은 고딕" charset="0"/>
               </a:rPr>
-              <a:t> 폴더에</a:t>
-            </a:r>
-            <a:r>
-              <a:rPr lang="ko-KR" sz="1800">
-                <a:latin typeface="맑은 고딕" charset="0"/>
-                <a:ea typeface="맑은 고딕" charset="0"/>
-              </a:rPr>
-              <a:t> </a:t>
-            </a:r>
-            <a:r>
-              <a:rPr lang="ko-KR" sz="1800">
-                <a:latin typeface="맑은 고딕" charset="0"/>
-                <a:ea typeface="맑은 고딕" charset="0"/>
-              </a:rPr>
-              <a:t>Idle</a:t>
-            </a:r>
-            <a:r>
-              <a:rPr lang="ko-KR" sz="1800">
-                <a:latin typeface="맑은 고딕" charset="0"/>
-                <a:ea typeface="맑은 고딕" charset="0"/>
-              </a:rPr>
-              <a:t> </a:t>
-            </a:r>
-            <a:r>
-              <a:rPr lang="ko-KR" sz="1800">
-                <a:latin typeface="맑은 고딕" charset="0"/>
-                <a:ea typeface="맑은 고딕" charset="0"/>
-              </a:rPr>
-              <a:t>애니메이션을</a:t>
-            </a:r>
-            <a:r>
-              <a:rPr lang="ko-KR" sz="1800">
-                <a:latin typeface="맑은 고딕" charset="0"/>
-                <a:ea typeface="맑은 고딕" charset="0"/>
-              </a:rPr>
-              <a:t> </a:t>
+              <a:t> 폴더에 Idle 애니메이션을 </a:t>
             </a:r>
             <a:r>
               <a:rPr lang="ko-KR" sz="1800">
@@ -8883,28 +8670,7 @@
                 <a:latin typeface="맑은 고딕" charset="0"/>
                 <a:ea typeface="맑은 고딕" charset="0"/>
               </a:rPr>
-              <a:t> </a:t>
-            </a:r>
-            <a:r>
-              <a:rPr lang="ko-KR" sz="1800">
-                <a:latin typeface="맑은 고딕" charset="0"/>
-                <a:ea typeface="맑은 고딕" charset="0"/>
-              </a:rPr>
-              <a:t>Layer에</a:t>
-            </a:r>
-            <a:r>
-              <a:rPr lang="ko-KR" sz="1800">
-                <a:latin typeface="맑은 고딕" charset="0"/>
-                <a:ea typeface="맑은 고딕" charset="0"/>
-              </a:rPr>
-              <a:t> </a:t>
-            </a:r>
-            <a:r>
-              <a:rPr lang="ko-KR" sz="1800">
-                <a:latin typeface="맑은 고딕" charset="0"/>
-                <a:ea typeface="맑은 고딕" charset="0"/>
-              </a:rPr>
-              <a:t>추가합니다.</a:t>
+              <a:t> Layer에 추가합니다.</a:t>
             </a:r>
             <a:endParaRPr lang="ko-KR" altLang="en-US" sz="1800">
               <a:latin typeface="맑은 고딕" charset="0"/>
@@ -8915,7 +8681,7 @@
       </p:sp>
       <p:pic>
         <p:nvPicPr>
-          <p:cNvPr id="1178" name="그림 34" descr="C:/Users/Admin1/AppData/Roaming/PolarisOffice/ETemp/28880_14730240/fImage71523089358.png"/>
+          <p:cNvPr id="1178" name="그림 34"/>
           <p:cNvPicPr>
             <a:picLocks noChangeAspect="1"/>
           </p:cNvPicPr>
@@ -8946,7 +8712,7 @@
       </p:pic>
       <p:pic>
         <p:nvPicPr>
-          <p:cNvPr id="1179" name="그림 37" descr="C:/Users/Admin1/AppData/Roaming/PolarisOffice/ETemp/28880_14730240/fImage22421734441.png"/>
+          <p:cNvPr id="1179" name="그림 37"/>
           <p:cNvPicPr>
             <a:picLocks noChangeAspect="1"/>
           </p:cNvPicPr>
@@ -8971,6 +8737,188 @@
           </a:xfrm>
           <a:prstGeom prst="rect"/>
           <a:noFill/>
+        </p:spPr>
+      </p:pic>
+      <p:pic>
+        <p:nvPicPr>
+          <p:cNvPr id="1180" name="그림 1" descr="C:/Users/Admin1/AppData/Roaming/PolarisOffice/ETemp/24900_16569248/fImage2242713841.png"/>
+          <p:cNvPicPr>
+            <a:picLocks noChangeAspect="1"/>
+          </p:cNvPicPr>
+          <p:nvPr/>
+        </p:nvPicPr>
+        <p:blipFill rotWithShape="1">
+          <a:blip r:embed="rId12" cstate="print">
+            <a:extLst>
+              <a:ext uri="{28A0092B-C50C-407E-A947-70E740481C1C}">
+                <a14:useLocalDpi xmlns:a14="http://schemas.microsoft.com/office/drawing/2010/main" val="0"/>
+              </a:ext>
+            </a:extLst>
+          </a:blip>
+          <a:stretch>
+            <a:fillRect/>
+          </a:stretch>
+        </p:blipFill>
+        <p:spPr>
+          <a:xfrm rot="0">
+            <a:off x="6822440" y="1447165"/>
+            <a:ext cx="2601595" cy="3514725"/>
+          </a:xfrm>
+          <a:prstGeom prst="roundRect"/>
+          <a:solidFill>
+            <a:srgbClr val="EDEDED"/>
+          </a:solidFill>
+        </p:spPr>
+      </p:pic>
+      <p:sp>
+        <p:nvSpPr>
+          <p:cNvPr id="1181" name="텍스트 상자 4"/>
+          <p:cNvSpPr txBox="1">
+            <a:spLocks/>
+          </p:cNvSpPr>
+          <p:nvPr/>
+        </p:nvSpPr>
+        <p:spPr>
+          <a:xfrm rot="0">
+            <a:off x="6822440" y="5182870"/>
+            <a:ext cx="4126230" cy="954405"/>
+          </a:xfrm>
+          <a:prstGeom prst="rect"/>
+          <a:noFill/>
+          <a:ln w="0">
+            <a:noFill/>
+            <a:prstDash/>
+          </a:ln>
+        </p:spPr>
+        <p:txBody>
+          <a:bodyPr wrap="square" lIns="89535" tIns="46355" rIns="89535" bIns="46355" numCol="1" vert="horz" anchor="t">
+            <a:spAutoFit/>
+          </a:bodyPr>
+          <a:lstStyle/>
+          <a:p>
+            <a:pPr marL="0" indent="0" algn="l" latinLnBrk="0" hangingPunct="1">
+              <a:buFontTx/>
+              <a:buNone/>
+            </a:pPr>
+            <a:r>
+              <a:rPr lang="ko-KR" sz="2000" b="1">
+                <a:solidFill>
+                  <a:srgbClr val="0611F2"/>
+                </a:solidFill>
+                <a:latin typeface="맑은 고딕" charset="0"/>
+                <a:ea typeface="맑은 고딕" charset="0"/>
+              </a:rPr>
+              <a:t>10.</a:t>
+            </a:r>
+            <a:r>
+              <a:rPr lang="ko-KR" sz="2000" b="1">
+                <a:solidFill>
+                  <a:srgbClr val="0611F2"/>
+                </a:solidFill>
+                <a:latin typeface="맑은 고딕" charset="0"/>
+                <a:ea typeface="맑은 고딕" charset="0"/>
+              </a:rPr>
+              <a:t> </a:t>
+            </a:r>
+            <a:r>
+              <a:rPr lang="ko-KR" sz="1800">
+                <a:latin typeface="맑은 고딕" charset="0"/>
+                <a:ea typeface="맑은 고딕" charset="0"/>
+              </a:rPr>
+              <a:t>이제 UI에서 Button - </a:t>
+            </a:r>
+            <a:r>
+              <a:rPr lang="ko-KR" sz="1800">
+                <a:latin typeface="맑은 고딕" charset="0"/>
+                <a:ea typeface="맑은 고딕" charset="0"/>
+              </a:rPr>
+              <a:t>TextMeshPro를</a:t>
+            </a:r>
+            <a:r>
+              <a:rPr lang="ko-KR" sz="1800">
+                <a:latin typeface="맑은 고딕" charset="0"/>
+                <a:ea typeface="맑은 고딕" charset="0"/>
+              </a:rPr>
+              <a:t> </a:t>
+            </a:r>
+            <a:r>
+              <a:rPr lang="ko-KR" sz="1800">
+                <a:latin typeface="맑은 고딕" charset="0"/>
+                <a:ea typeface="맑은 고딕" charset="0"/>
+              </a:rPr>
+              <a:t>생성하고</a:t>
+            </a:r>
+            <a:r>
+              <a:rPr lang="ko-KR" sz="1800">
+                <a:latin typeface="맑은 고딕" charset="0"/>
+                <a:ea typeface="맑은 고딕" charset="0"/>
+              </a:rPr>
+              <a:t> </a:t>
+            </a:r>
+            <a:r>
+              <a:rPr lang="ko-KR" sz="1800">
+                <a:latin typeface="맑은 고딕" charset="0"/>
+                <a:ea typeface="맑은 고딕" charset="0"/>
+              </a:rPr>
+              <a:t>Kick </a:t>
+            </a:r>
+            <a:r>
+              <a:rPr lang="ko-KR" sz="1800">
+                <a:latin typeface="맑은 고딕" charset="0"/>
+                <a:ea typeface="맑은 고딕" charset="0"/>
+              </a:rPr>
+              <a:t>Button이라는</a:t>
+            </a:r>
+            <a:r>
+              <a:rPr lang="ko-KR" sz="1800">
+                <a:latin typeface="맑은 고딕" charset="0"/>
+                <a:ea typeface="맑은 고딕" charset="0"/>
+              </a:rPr>
+              <a:t> </a:t>
+            </a:r>
+            <a:r>
+              <a:rPr lang="ko-KR" sz="1800">
+                <a:latin typeface="맑은 고딕" charset="0"/>
+                <a:ea typeface="맑은 고딕" charset="0"/>
+              </a:rPr>
+              <a:t>이름으로 정의합니다.</a:t>
+            </a:r>
+            <a:endParaRPr lang="ko-KR" altLang="en-US" sz="1800">
+              <a:latin typeface="맑은 고딕" charset="0"/>
+              <a:ea typeface="맑은 고딕" charset="0"/>
+            </a:endParaRPr>
+          </a:p>
+        </p:txBody>
+      </p:sp>
+      <p:pic>
+        <p:nvPicPr>
+          <p:cNvPr id="1182" name="그림 5" descr="C:/Users/Admin1/AppData/Roaming/PolarisOffice/ETemp/24900_16569248/fImage94281408467.png"/>
+          <p:cNvPicPr>
+            <a:picLocks noChangeAspect="1"/>
+          </p:cNvPicPr>
+          <p:nvPr/>
+        </p:nvPicPr>
+        <p:blipFill rotWithShape="1">
+          <a:blip r:embed="rId13" cstate="print">
+            <a:extLst>
+              <a:ext uri="{28A0092B-C50C-407E-A947-70E740481C1C}">
+                <a14:useLocalDpi xmlns:a14="http://schemas.microsoft.com/office/drawing/2010/main" val="0"/>
+              </a:ext>
+            </a:extLst>
+          </a:blip>
+          <a:stretch>
+            <a:fillRect/>
+          </a:stretch>
+        </p:blipFill>
+        <p:spPr>
+          <a:xfrm rot="0">
+            <a:off x="9570085" y="2183765"/>
+            <a:ext cx="1381760" cy="2045970"/>
+          </a:xfrm>
+          <a:prstGeom prst="roundRect"/>
+          <a:solidFill>
+            <a:srgbClr val="EDEDED"/>
+          </a:solidFill>
         </p:spPr>
       </p:pic>
     </p:spTree>
@@ -8997,7 +8945,7 @@
 </file>
 
 <file path=ppt/slides/slide5.xml><?xml version="1.0" encoding="utf-8"?>
-<p:sld xmlns:a="http://schemas.openxmlformats.org/drawingml/2006/main" xmlns:r="http://schemas.openxmlformats.org/officeDocument/2006/relationships" xmlns:p="http://schemas.openxmlformats.org/presentationml/2006/main" xmlns:p14="http://schemas.microsoft.com/office/powerpoint/2010/main">
+<p:sld xmlns:a="http://schemas.openxmlformats.org/drawingml/2006/main" xmlns:r="http://schemas.openxmlformats.org/officeDocument/2006/relationships" xmlns:p="http://schemas.openxmlformats.org/presentationml/2006/main">
   <p:cSld>
     <p:spTree>
       <p:nvGrpSpPr>
@@ -9023,8 +8971,8 @@
         </p:nvSpPr>
         <p:spPr>
           <a:xfrm rot="0">
-            <a:off x="4497705" y="417195"/>
-            <a:ext cx="3192145" cy="554990"/>
+            <a:off x="4280535" y="405130"/>
+            <a:ext cx="3627120" cy="478155"/>
           </a:xfrm>
           <a:prstGeom prst="rect"/>
           <a:noFill/>
@@ -9039,53 +8987,43 @@
           </a:bodyPr>
           <a:lstStyle/>
           <a:p>
-            <a:pPr marL="0" indent="0" algn="l" latinLnBrk="0">
-              <a:buFontTx/>
-              <a:buNone/>
-            </a:pPr>
-            <a:r>
-              <a:rPr lang="ko-KR" altLang="en-US" sz="3000" b="1">
+            <a:pPr marL="0" indent="0" algn="ctr" latinLnBrk="0">
+              <a:buFontTx/>
+              <a:buNone/>
+            </a:pPr>
+            <a:r>
+              <a:rPr lang="ko-KR" altLang="en-US" sz="2500" b="1">
                 <a:solidFill>
                   <a:schemeClr val="tx1"/>
                 </a:solidFill>
-                <a:latin typeface="맑은 고딕" charset="0"/>
-                <a:ea typeface="맑은 고딕" charset="0"/>
-              </a:rPr>
-              <a:t>열</a:t>
-            </a:r>
-            <a:r>
-              <a:rPr lang="ko-KR" altLang="en-US" sz="3000" b="1">
+                <a:latin typeface="나눔바른고딕" charset="0"/>
+                <a:ea typeface="나눔바른고딕" charset="0"/>
+              </a:rPr>
+              <a:t>다섯</a:t>
+            </a:r>
+            <a:r>
+              <a:rPr lang="ko-KR" altLang="en-US" sz="2500" b="1">
                 <a:solidFill>
                   <a:schemeClr val="tx1"/>
                 </a:solidFill>
-                <a:latin typeface="맑은 고딕" charset="0"/>
-                <a:ea typeface="맑은 고딕" charset="0"/>
-              </a:rPr>
-              <a:t> 번째 </a:t>
-            </a:r>
-            <a:r>
-              <a:rPr lang="ko-KR" altLang="en-US" sz="3000" b="1">
-                <a:solidFill>
-                  <a:schemeClr val="tx1"/>
-                </a:solidFill>
-                <a:latin typeface="맑은 고딕" charset="0"/>
-                <a:ea typeface="맑은 고딕" charset="0"/>
-              </a:rPr>
-              <a:t>튜토리얼</a:t>
-            </a:r>
-            <a:endParaRPr lang="ko-KR" altLang="en-US" sz="3000" b="1">
+                <a:latin typeface="나눔바른고딕" charset="0"/>
+                <a:ea typeface="나눔바른고딕" charset="0"/>
+              </a:rPr>
+              <a:t> 번째 튜토리얼</a:t>
+            </a:r>
+            <a:endParaRPr lang="ko-KR" altLang="en-US" sz="2500" b="1">
               <a:solidFill>
                 <a:schemeClr val="tx1"/>
               </a:solidFill>
-              <a:latin typeface="맑은 고딕" charset="0"/>
-              <a:ea typeface="맑은 고딕" charset="0"/>
+              <a:latin typeface="나눔바른고딕" charset="0"/>
+              <a:ea typeface="나눔바른고딕" charset="0"/>
             </a:endParaRPr>
           </a:p>
         </p:txBody>
       </p:sp>
       <p:sp>
         <p:nvSpPr>
-          <p:cNvPr id="1157" name="Rect 0"/>
+          <p:cNvPr id="1177" name="Rect 0"/>
           <p:cNvSpPr txBox="1">
             <a:spLocks/>
           </p:cNvSpPr>
@@ -9093,8 +9031,8 @@
         </p:nvSpPr>
         <p:spPr>
           <a:xfrm rot="0">
-            <a:off x="6814820" y="4220845"/>
-            <a:ext cx="4217670" cy="2061845"/>
+            <a:off x="1240790" y="4378960"/>
+            <a:ext cx="4126865" cy="1784985"/>
           </a:xfrm>
           <a:prstGeom prst="rect"/>
           <a:noFill/>
@@ -9121,7 +9059,7 @@
                 <a:latin typeface="맑은 고딕" charset="0"/>
                 <a:ea typeface="맑은 고딕" charset="0"/>
               </a:rPr>
-              <a:t>2</a:t>
+              <a:t>1</a:t>
             </a:r>
             <a:r>
               <a:rPr lang="ko-KR" sz="2000" b="1">
@@ -9131,7 +9069,7 @@
                 <a:latin typeface="맑은 고딕" charset="0"/>
                 <a:ea typeface="맑은 고딕" charset="0"/>
               </a:rPr>
-              <a:t>7</a:t>
+              <a:t>1</a:t>
             </a:r>
             <a:r>
               <a:rPr lang="ko-KR" sz="2000" b="1">
@@ -9141,35 +9079,52 @@
                 <a:latin typeface="맑은 고딕" charset="0"/>
                 <a:ea typeface="맑은 고딕" charset="0"/>
               </a:rPr>
-              <a:t>. </a:t>
-            </a:r>
-            <a:r>
-              <a:rPr lang="ko-KR" sz="1800">
-                <a:latin typeface="맑은 고딕" charset="0"/>
-                <a:ea typeface="맑은 고딕" charset="0"/>
-              </a:rPr>
-              <a:t>이제</a:t>
-            </a:r>
-            <a:r>
-              <a:rPr lang="ko-KR" sz="1800">
-                <a:latin typeface="맑은 고딕" charset="0"/>
-                <a:ea typeface="맑은 고딕" charset="0"/>
-              </a:rPr>
-              <a:t> AnimationAction 스크립트</a:t>
-            </a:r>
-            <a:r>
-              <a:rPr lang="ko-KR" sz="1800">
-                <a:latin typeface="맑은 고딕" charset="0"/>
-                <a:ea typeface="맑은 고딕" charset="0"/>
-              </a:rPr>
-              <a:t>에서</a:t>
-            </a:r>
-            <a:r>
-              <a:rPr lang="ko-KR" sz="1800">
-                <a:latin typeface="맑은 고딕" charset="0"/>
-                <a:ea typeface="맑은 고딕" charset="0"/>
-              </a:rPr>
-              <a:t> 애니메이터 변수를 선언합니다.</a:t>
+              <a:t>.</a:t>
+            </a:r>
+            <a:r>
+              <a:rPr lang="ko-KR" sz="2000" b="1">
+                <a:solidFill>
+                  <a:srgbClr val="0611F2"/>
+                </a:solidFill>
+                <a:latin typeface="맑은 고딕" charset="0"/>
+                <a:ea typeface="맑은 고딕" charset="0"/>
+              </a:rPr>
+              <a:t> </a:t>
+            </a:r>
+            <a:r>
+              <a:rPr lang="ko-KR" sz="1800">
+                <a:latin typeface="맑은 고딕" charset="0"/>
+                <a:ea typeface="맑은 고딕" charset="0"/>
+              </a:rPr>
+              <a:t>그리고 애니메이터 컨트롤러를 </a:t>
+            </a:r>
+            <a:r>
+              <a:rPr lang="ko-KR" sz="1800">
+                <a:latin typeface="맑은 고딕" charset="0"/>
+                <a:ea typeface="맑은 고딕" charset="0"/>
+              </a:rPr>
+              <a:t>선택하여</a:t>
+            </a:r>
+            <a:r>
+              <a:rPr lang="ko-KR" sz="1800">
+                <a:latin typeface="맑은 고딕" charset="0"/>
+                <a:ea typeface="맑은 고딕" charset="0"/>
+              </a:rPr>
+              <a:t> </a:t>
+            </a:r>
+            <a:r>
+              <a:rPr lang="ko-KR" sz="1800">
+                <a:latin typeface="맑은 고딕" charset="0"/>
+                <a:ea typeface="맑은 고딕" charset="0"/>
+              </a:rPr>
+              <a:t>Base</a:t>
+            </a:r>
+            <a:r>
+              <a:rPr lang="ko-KR" sz="1800">
+                <a:latin typeface="맑은 고딕" charset="0"/>
+                <a:ea typeface="맑은 고딕" charset="0"/>
+              </a:rPr>
+              <a:t> Layer에 들어옵니다.</a:t>
             </a:r>
             <a:endParaRPr lang="ko-KR" altLang="en-US" sz="1800">
               <a:latin typeface="맑은 고딕" charset="0"/>
@@ -9196,14 +9151,91 @@
                 <a:latin typeface="맑은 고딕" charset="0"/>
                 <a:ea typeface="맑은 고딕" charset="0"/>
               </a:rPr>
-              <a:t>그</a:t>
-            </a:r>
-            <a:r>
-              <a:rPr lang="ko-KR" sz="1800">
-                <a:latin typeface="맑은 고딕" charset="0"/>
-                <a:ea typeface="맑은 고딕" charset="0"/>
-              </a:rPr>
-              <a:t>런 다음 Kick( ) 함수와 Running( ) 함수를 선언하고 애니메이션을 실행시키는 Play( ) 함수를 선언합니다.</a:t>
+              <a:t>그런</a:t>
+            </a:r>
+            <a:r>
+              <a:rPr lang="ko-KR" sz="1800">
+                <a:latin typeface="맑은 고딕" charset="0"/>
+                <a:ea typeface="맑은 고딕" charset="0"/>
+              </a:rPr>
+              <a:t> </a:t>
+            </a:r>
+            <a:r>
+              <a:rPr lang="ko-KR" sz="1800">
+                <a:latin typeface="맑은 고딕" charset="0"/>
+                <a:ea typeface="맑은 고딕" charset="0"/>
+              </a:rPr>
+              <a:t>다음</a:t>
+            </a:r>
+            <a:r>
+              <a:rPr lang="ko-KR" sz="1800">
+                <a:latin typeface="맑은 고딕" charset="0"/>
+                <a:ea typeface="맑은 고딕" charset="0"/>
+              </a:rPr>
+              <a:t> Project 폴더 아래에 있는 </a:t>
+            </a:r>
+            <a:r>
+              <a:rPr lang="ko-KR" sz="1800">
+                <a:latin typeface="맑은 고딕" charset="0"/>
+                <a:ea typeface="맑은 고딕" charset="0"/>
+              </a:rPr>
+              <a:t>Animation</a:t>
+            </a:r>
+            <a:r>
+              <a:rPr lang="ko-KR" sz="1800">
+                <a:latin typeface="맑은 고딕" charset="0"/>
+                <a:ea typeface="맑은 고딕" charset="0"/>
+              </a:rPr>
+              <a:t> </a:t>
+            </a:r>
+            <a:r>
+              <a:rPr lang="ko-KR" sz="1800">
+                <a:latin typeface="맑은 고딕" charset="0"/>
+                <a:ea typeface="맑은 고딕" charset="0"/>
+              </a:rPr>
+              <a:t>폴더에</a:t>
+            </a:r>
+            <a:r>
+              <a:rPr lang="ko-KR" sz="1800">
+                <a:latin typeface="맑은 고딕" charset="0"/>
+                <a:ea typeface="맑은 고딕" charset="0"/>
+              </a:rPr>
+              <a:t> Kick 애니메이션을 </a:t>
+            </a:r>
+            <a:r>
+              <a:rPr lang="ko-KR" sz="1800">
+                <a:latin typeface="맑은 고딕" charset="0"/>
+                <a:ea typeface="맑은 고딕" charset="0"/>
+              </a:rPr>
+              <a:t>Base</a:t>
+            </a:r>
+            <a:r>
+              <a:rPr lang="ko-KR" sz="1800">
+                <a:latin typeface="맑은 고딕" charset="0"/>
+                <a:ea typeface="맑은 고딕" charset="0"/>
+              </a:rPr>
+              <a:t> </a:t>
+            </a:r>
+            <a:r>
+              <a:rPr lang="ko-KR" sz="1800">
+                <a:latin typeface="맑은 고딕" charset="0"/>
+                <a:ea typeface="맑은 고딕" charset="0"/>
+              </a:rPr>
+              <a:t>Layer에</a:t>
+            </a:r>
+            <a:r>
+              <a:rPr lang="ko-KR" sz="1800">
+                <a:latin typeface="맑은 고딕" charset="0"/>
+                <a:ea typeface="맑은 고딕" charset="0"/>
+              </a:rPr>
+              <a:t> </a:t>
+            </a:r>
+            <a:r>
+              <a:rPr lang="ko-KR" sz="1800">
+                <a:latin typeface="맑은 고딕" charset="0"/>
+                <a:ea typeface="맑은 고딕" charset="0"/>
+              </a:rPr>
+              <a:t>추가합니다.</a:t>
             </a:r>
             <a:endParaRPr lang="ko-KR" altLang="en-US" sz="1800">
               <a:latin typeface="맑은 고딕" charset="0"/>
@@ -9214,14 +9246,227 @@
       </p:sp>
       <p:pic>
         <p:nvPicPr>
-          <p:cNvPr id="1165" name="Picture "/>
+          <p:cNvPr id="1180" name="Picture " descr="C:/Users/Admin1/AppData/Roaming/PolarisOffice/ETemp/24900_16569248/fImage224272186334.png"/>
           <p:cNvPicPr>
             <a:picLocks noChangeAspect="1"/>
           </p:cNvPicPr>
           <p:nvPr/>
         </p:nvPicPr>
         <p:blipFill rotWithShape="1">
-          <a:blip r:embed="rId2" cstate="hqprint">
+          <a:blip r:embed="rId2" cstate="print">
+            <a:extLst>
+              <a:ext uri="{28A0092B-C50C-407E-A947-70E740481C1C}">
+                <a14:useLocalDpi xmlns:a14="http://schemas.microsoft.com/office/drawing/2010/main" val="0"/>
+              </a:ext>
+            </a:extLst>
+          </a:blip>
+          <a:stretch>
+            <a:fillRect/>
+          </a:stretch>
+        </p:blipFill>
+        <p:spPr>
+          <a:xfrm rot="0">
+            <a:off x="6822440" y="1447165"/>
+            <a:ext cx="2601595" cy="3514725"/>
+          </a:xfrm>
+          <a:prstGeom prst="roundRect"/>
+          <a:solidFill>
+            <a:srgbClr val="EDEDED"/>
+          </a:solidFill>
+        </p:spPr>
+      </p:pic>
+      <p:sp>
+        <p:nvSpPr>
+          <p:cNvPr id="1181" name="Rect 0"/>
+          <p:cNvSpPr txBox="1">
+            <a:spLocks/>
+          </p:cNvSpPr>
+          <p:nvPr/>
+        </p:nvSpPr>
+        <p:spPr>
+          <a:xfrm rot="0">
+            <a:off x="6822440" y="5182870"/>
+            <a:ext cx="4126230" cy="954405"/>
+          </a:xfrm>
+          <a:prstGeom prst="rect"/>
+          <a:noFill/>
+          <a:ln w="0">
+            <a:noFill/>
+            <a:prstDash/>
+          </a:ln>
+        </p:spPr>
+        <p:txBody>
+          <a:bodyPr wrap="square" lIns="89535" tIns="46355" rIns="89535" bIns="46355" numCol="1" vert="horz" anchor="t">
+            <a:spAutoFit/>
+          </a:bodyPr>
+          <a:lstStyle/>
+          <a:p>
+            <a:pPr marL="0" indent="0" algn="l" latinLnBrk="0" hangingPunct="1">
+              <a:buFontTx/>
+              <a:buNone/>
+            </a:pPr>
+            <a:r>
+              <a:rPr lang="ko-KR" sz="2000" b="1">
+                <a:solidFill>
+                  <a:srgbClr val="0611F2"/>
+                </a:solidFill>
+                <a:latin typeface="맑은 고딕" charset="0"/>
+                <a:ea typeface="맑은 고딕" charset="0"/>
+              </a:rPr>
+              <a:t>12.</a:t>
+            </a:r>
+            <a:r>
+              <a:rPr lang="ko-KR" sz="2000" b="1">
+                <a:solidFill>
+                  <a:srgbClr val="0611F2"/>
+                </a:solidFill>
+                <a:latin typeface="맑은 고딕" charset="0"/>
+                <a:ea typeface="맑은 고딕" charset="0"/>
+              </a:rPr>
+              <a:t> </a:t>
+            </a:r>
+            <a:r>
+              <a:rPr lang="ko-KR" sz="1800">
+                <a:latin typeface="맑은 고딕" charset="0"/>
+                <a:ea typeface="맑은 고딕" charset="0"/>
+              </a:rPr>
+              <a:t>그다음 UI에서 Button - </a:t>
+            </a:r>
+            <a:r>
+              <a:rPr lang="ko-KR" sz="1800">
+                <a:latin typeface="맑은 고딕" charset="0"/>
+                <a:ea typeface="맑은 고딕" charset="0"/>
+              </a:rPr>
+              <a:t>TextMeshPro를</a:t>
+            </a:r>
+            <a:r>
+              <a:rPr lang="ko-KR" sz="1800">
+                <a:latin typeface="맑은 고딕" charset="0"/>
+                <a:ea typeface="맑은 고딕" charset="0"/>
+              </a:rPr>
+              <a:t> </a:t>
+            </a:r>
+            <a:r>
+              <a:rPr lang="ko-KR" sz="1800">
+                <a:latin typeface="맑은 고딕" charset="0"/>
+                <a:ea typeface="맑은 고딕" charset="0"/>
+              </a:rPr>
+              <a:t>생성하고</a:t>
+            </a:r>
+            <a:r>
+              <a:rPr lang="ko-KR" sz="1800">
+                <a:latin typeface="맑은 고딕" charset="0"/>
+                <a:ea typeface="맑은 고딕" charset="0"/>
+              </a:rPr>
+              <a:t> </a:t>
+            </a:r>
+            <a:r>
+              <a:rPr lang="ko-KR" sz="1800">
+                <a:latin typeface="맑은 고딕" charset="0"/>
+                <a:ea typeface="맑은 고딕" charset="0"/>
+              </a:rPr>
+              <a:t>Running </a:t>
+            </a:r>
+            <a:r>
+              <a:rPr lang="ko-KR" sz="1800">
+                <a:latin typeface="맑은 고딕" charset="0"/>
+                <a:ea typeface="맑은 고딕" charset="0"/>
+              </a:rPr>
+              <a:t>Button이라는</a:t>
+            </a:r>
+            <a:r>
+              <a:rPr lang="ko-KR" sz="1800">
+                <a:latin typeface="맑은 고딕" charset="0"/>
+                <a:ea typeface="맑은 고딕" charset="0"/>
+              </a:rPr>
+              <a:t> </a:t>
+            </a:r>
+            <a:r>
+              <a:rPr lang="ko-KR" sz="1800">
+                <a:latin typeface="맑은 고딕" charset="0"/>
+                <a:ea typeface="맑은 고딕" charset="0"/>
+              </a:rPr>
+              <a:t>이름으로 정의합니다.</a:t>
+            </a:r>
+            <a:endParaRPr lang="ko-KR" altLang="en-US" sz="1800">
+              <a:latin typeface="맑은 고딕" charset="0"/>
+              <a:ea typeface="맑은 고딕" charset="0"/>
+            </a:endParaRPr>
+          </a:p>
+        </p:txBody>
+      </p:sp>
+      <p:pic>
+        <p:nvPicPr>
+          <p:cNvPr id="1183" name="그림 8" descr="C:/Users/Admin1/AppData/Roaming/PolarisOffice/ETemp/24900_16569248/fImage72422246500.png"/>
+          <p:cNvPicPr>
+            <a:picLocks noChangeAspect="1"/>
+          </p:cNvPicPr>
+          <p:nvPr/>
+        </p:nvPicPr>
+        <p:blipFill rotWithShape="1">
+          <a:blip r:embed="rId3" cstate="print">
+            <a:extLst>
+              <a:ext uri="{28A0092B-C50C-407E-A947-70E740481C1C}">
+                <a14:useLocalDpi xmlns:a14="http://schemas.microsoft.com/office/drawing/2010/main" val="0"/>
+              </a:ext>
+            </a:extLst>
+          </a:blip>
+          <a:stretch>
+            <a:fillRect/>
+          </a:stretch>
+        </p:blipFill>
+        <p:spPr>
+          <a:xfrm rot="0">
+            <a:off x="1246505" y="3222625"/>
+            <a:ext cx="4120515" cy="1067435"/>
+          </a:xfrm>
+          <a:prstGeom prst="roundRect"/>
+          <a:solidFill>
+            <a:srgbClr val="EDEDED"/>
+          </a:solidFill>
+        </p:spPr>
+      </p:pic>
+      <p:pic>
+        <p:nvPicPr>
+          <p:cNvPr id="1184" name="그림 11" descr="C:/Users/Admin1/AppData/Roaming/PolarisOffice/ETemp/24900_16569248/fImage201262259169.png"/>
+          <p:cNvPicPr>
+            <a:picLocks noChangeAspect="1"/>
+          </p:cNvPicPr>
+          <p:nvPr/>
+        </p:nvPicPr>
+        <p:blipFill rotWithShape="1">
+          <a:blip r:embed="rId4" cstate="print">
+            <a:extLst>
+              <a:ext uri="{28A0092B-C50C-407E-A947-70E740481C1C}">
+                <a14:useLocalDpi xmlns:a14="http://schemas.microsoft.com/office/drawing/2010/main" val="0"/>
+              </a:ext>
+            </a:extLst>
+          </a:blip>
+          <a:stretch>
+            <a:fillRect/>
+          </a:stretch>
+        </p:blipFill>
+        <p:spPr>
+          <a:xfrm rot="0">
+            <a:off x="1240790" y="1447165"/>
+            <a:ext cx="4135120" cy="1610995"/>
+          </a:xfrm>
+          <a:prstGeom prst="roundRect"/>
+          <a:solidFill>
+            <a:srgbClr val="EDEDED"/>
+          </a:solidFill>
+        </p:spPr>
+      </p:pic>
+      <p:pic>
+        <p:nvPicPr>
+          <p:cNvPr id="1179" name="Picture " descr="C:/Users/Admin1/AppData/Roaming/PolarisOffice/ETemp/24900_16569248/fImage22421734441.png"/>
+          <p:cNvPicPr>
+            <a:picLocks noChangeAspect="1"/>
+          </p:cNvPicPr>
+          <p:nvPr/>
+        </p:nvPicPr>
+        <p:blipFill rotWithShape="1">
+          <a:blip r:embed="rId5" cstate="hqprint">
             <a:extLst>
               <a:ext uri="{28A0092B-C50C-407E-A947-70E740481C1C}">
                 <a14:useLocalDpi xmlns:a14="http://schemas.microsoft.com/office/drawing/2010/main"/>
@@ -9233,29 +9478,27 @@
           </a:stretch>
         </p:blipFill>
         <p:spPr>
-          <a:xfrm rot="0">
-            <a:off x="6814820" y="1480820"/>
-            <a:ext cx="4205605" cy="2637790"/>
-          </a:xfrm>
-          <a:prstGeom prst="roundRect"/>
-          <a:solidFill>
-            <a:srgbClr val="EDEDED"/>
-          </a:solidFill>
+          <a:xfrm rot="16200000">
+            <a:off x="2997200" y="2808605"/>
+            <a:ext cx="625475" cy="499110"/>
+          </a:xfrm>
+          <a:prstGeom prst="rect"/>
+          <a:noFill/>
         </p:spPr>
       </p:pic>
       <p:pic>
         <p:nvPicPr>
-          <p:cNvPr id="1168" name="그림 205"/>
+          <p:cNvPr id="1185" name="그림 14" descr="C:/Users/Admin1/AppData/Roaming/PolarisOffice/ETemp/24900_16569248/fImage100142265724.png"/>
           <p:cNvPicPr>
             <a:picLocks noChangeAspect="1"/>
           </p:cNvPicPr>
           <p:nvPr/>
         </p:nvPicPr>
         <p:blipFill rotWithShape="1">
-          <a:blip r:embed="rId4" cstate="hqprint">
+          <a:blip r:embed="rId6" cstate="print">
             <a:extLst>
               <a:ext uri="{28A0092B-C50C-407E-A947-70E740481C1C}">
-                <a14:useLocalDpi xmlns:a14="http://schemas.microsoft.com/office/drawing/2010/main"/>
+                <a14:useLocalDpi xmlns:a14="http://schemas.microsoft.com/office/drawing/2010/main" val="0"/>
               </a:ext>
             </a:extLst>
           </a:blip>
@@ -9265,8 +9508,8 @@
         </p:blipFill>
         <p:spPr>
           <a:xfrm rot="0">
-            <a:off x="1123950" y="1476375"/>
-            <a:ext cx="4245610" cy="2641600"/>
+            <a:off x="9552940" y="2256790"/>
+            <a:ext cx="1397635" cy="1904365"/>
           </a:xfrm>
           <a:prstGeom prst="roundRect"/>
           <a:solidFill>
@@ -9274,114 +9517,6 @@
           </a:solidFill>
         </p:spPr>
       </p:pic>
-      <p:sp>
-        <p:nvSpPr>
-          <p:cNvPr id="1169" name="텍스트 상자 208"/>
-          <p:cNvSpPr txBox="1">
-            <a:spLocks/>
-          </p:cNvSpPr>
-          <p:nvPr/>
-        </p:nvSpPr>
-        <p:spPr>
-          <a:xfrm>
-            <a:off x="1125855" y="4225290"/>
-            <a:ext cx="4248785" cy="2061845"/>
-          </a:xfrm>
-          <a:prstGeom prst="rect"/>
-          <a:noFill/>
-          <a:ln w="0">
-            <a:noFill/>
-            <a:prstDash/>
-          </a:ln>
-        </p:spPr>
-        <p:txBody>
-          <a:bodyPr wrap="square" lIns="89535" tIns="46355" rIns="89535" bIns="46355" numCol="1" vert="horz" anchor="t">
-            <a:spAutoFit/>
-          </a:bodyPr>
-          <a:lstStyle/>
-          <a:p>
-            <a:pPr marL="0" indent="0" algn="l" latinLnBrk="0" hangingPunct="1">
-              <a:buFontTx/>
-              <a:buNone/>
-            </a:pPr>
-            <a:r>
-              <a:rPr lang="ko-KR" sz="2000" b="1">
-                <a:solidFill>
-                  <a:srgbClr val="0611F2"/>
-                </a:solidFill>
-                <a:latin typeface="맑은 고딕" charset="0"/>
-                <a:ea typeface="맑은 고딕" charset="0"/>
-              </a:rPr>
-              <a:t>2</a:t>
-            </a:r>
-            <a:r>
-              <a:rPr lang="ko-KR" sz="2000" b="1">
-                <a:solidFill>
-                  <a:srgbClr val="0611F2"/>
-                </a:solidFill>
-                <a:latin typeface="맑은 고딕" charset="0"/>
-                <a:ea typeface="맑은 고딕" charset="0"/>
-              </a:rPr>
-              <a:t>6</a:t>
-            </a:r>
-            <a:r>
-              <a:rPr lang="ko-KR" sz="2000" b="1">
-                <a:solidFill>
-                  <a:srgbClr val="0611F2"/>
-                </a:solidFill>
-                <a:latin typeface="맑은 고딕" charset="0"/>
-                <a:ea typeface="맑은 고딕" charset="0"/>
-              </a:rPr>
-              <a:t>. </a:t>
-            </a:r>
-            <a:r>
-              <a:rPr lang="ko-KR" sz="1800">
-                <a:latin typeface="맑은 고딕" charset="0"/>
-                <a:ea typeface="맑은 고딕" charset="0"/>
-              </a:rPr>
-              <a:t>마지막으로</a:t>
-            </a:r>
-            <a:r>
-              <a:rPr lang="ko-KR" sz="1800">
-                <a:latin typeface="맑은 고딕" charset="0"/>
-                <a:ea typeface="맑은 고딕" charset="0"/>
-              </a:rPr>
-              <a:t> Running Animation과 Kick 애니메이션을 선택하고 Make Transition을 생성합니다.</a:t>
-            </a:r>
-            <a:endParaRPr lang="ko-KR" altLang="en-US" sz="1800">
-              <a:latin typeface="맑은 고딕" charset="0"/>
-              <a:ea typeface="맑은 고딕" charset="0"/>
-            </a:endParaRPr>
-          </a:p>
-          <a:p>
-            <a:pPr marL="0" indent="0" algn="l" latinLnBrk="0" hangingPunct="1">
-              <a:buFontTx/>
-              <a:buNone/>
-            </a:pPr>
-            <a:endParaRPr lang="ko-KR" altLang="en-US" sz="1800">
-              <a:latin typeface="맑은 고딕" charset="0"/>
-              <a:ea typeface="맑은 고딕" charset="0"/>
-            </a:endParaRPr>
-          </a:p>
-          <a:p>
-            <a:pPr marL="0" indent="0" algn="l" latinLnBrk="0" hangingPunct="1">
-              <a:buFontTx/>
-              <a:buNone/>
-            </a:pPr>
-            <a:r>
-              <a:rPr lang="ko-KR" sz="1800">
-                <a:latin typeface="맑은 고딕" charset="0"/>
-                <a:ea typeface="맑은 고딕" charset="0"/>
-              </a:rPr>
-              <a:t>그리고 Idle 애니메이션으로 연결하면 애니메이션이 끝났을 때 자동으로 Idle 애니메이션으로 돌아가도록 설정됩니다.</a:t>
-            </a:r>
-            <a:endParaRPr lang="ko-KR" altLang="en-US" sz="1800">
-              <a:latin typeface="맑은 고딕" charset="0"/>
-              <a:ea typeface="맑은 고딕" charset="0"/>
-            </a:endParaRPr>
-          </a:p>
-        </p:txBody>
-      </p:sp>
     </p:spTree>
   </p:cSld>
   <p:clrMapOvr>
@@ -9406,7 +9541,7 @@
 </file>
 
 <file path=ppt/slides/slide6.xml><?xml version="1.0" encoding="utf-8"?>
-<p:sld xmlns:a="http://schemas.openxmlformats.org/drawingml/2006/main" xmlns:r="http://schemas.openxmlformats.org/officeDocument/2006/relationships" xmlns:p="http://schemas.openxmlformats.org/presentationml/2006/main" xmlns:p14="http://schemas.microsoft.com/office/powerpoint/2010/main">
+<p:sld xmlns:a="http://schemas.openxmlformats.org/drawingml/2006/main" xmlns:r="http://schemas.openxmlformats.org/officeDocument/2006/relationships" xmlns:p="http://schemas.openxmlformats.org/presentationml/2006/main">
   <p:cSld>
     <p:spTree>
       <p:nvGrpSpPr>
@@ -9424,7 +9559,7 @@
       </p:grpSpPr>
       <p:sp>
         <p:nvSpPr>
-          <p:cNvPr id="1115" name="Rect 0"/>
+          <p:cNvPr id="1154" name="Rect 0"/>
           <p:cNvSpPr txBox="1">
             <a:spLocks/>
           </p:cNvSpPr>
@@ -9432,8 +9567,8 @@
         </p:nvSpPr>
         <p:spPr>
           <a:xfrm rot="0">
-            <a:off x="1351280" y="3894455"/>
-            <a:ext cx="4017645" cy="2308225"/>
+            <a:off x="4280535" y="405130"/>
+            <a:ext cx="3627755" cy="478155"/>
           </a:xfrm>
           <a:prstGeom prst="rect"/>
           <a:noFill/>
@@ -9448,85 +9583,43 @@
           </a:bodyPr>
           <a:lstStyle/>
           <a:p>
-            <a:pPr marL="0" indent="0" algn="l" latinLnBrk="0" hangingPunct="1">
-              <a:buFontTx/>
-              <a:buNone/>
-            </a:pPr>
-            <a:r>
-              <a:rPr lang="ko-KR" sz="1800">
-                <a:latin typeface="맑은 고딕" charset="0"/>
-                <a:ea typeface="맑은 고딕" charset="0"/>
-              </a:rPr>
-              <a:t>메카님 애니메이션이란?</a:t>
-            </a:r>
-            <a:endParaRPr lang="ko-KR" altLang="en-US" sz="1800">
-              <a:latin typeface="맑은 고딕" charset="0"/>
-              <a:ea typeface="맑은 고딕" charset="0"/>
+            <a:pPr marL="0" indent="0" algn="ctr" latinLnBrk="0">
+              <a:buFontTx/>
+              <a:buNone/>
+            </a:pPr>
+            <a:r>
+              <a:rPr lang="ko-KR" altLang="en-US" sz="2500" b="1">
+                <a:solidFill>
+                  <a:schemeClr val="tx1"/>
+                </a:solidFill>
+                <a:latin typeface="나눔바른고딕" charset="0"/>
+                <a:ea typeface="나눔바른고딕" charset="0"/>
+              </a:rPr>
+              <a:t>여섯</a:t>
+            </a:r>
+            <a:r>
+              <a:rPr lang="ko-KR" altLang="en-US" sz="2500" b="1">
+                <a:solidFill>
+                  <a:schemeClr val="tx1"/>
+                </a:solidFill>
+                <a:latin typeface="나눔바른고딕" charset="0"/>
+                <a:ea typeface="나눔바른고딕" charset="0"/>
+              </a:rPr>
+              <a:t> 번째 튜토리얼</a:t>
+            </a:r>
+            <a:endParaRPr lang="ko-KR" altLang="en-US" sz="2500" b="1">
+              <a:solidFill>
+                <a:schemeClr val="tx1"/>
+              </a:solidFill>
+              <a:latin typeface="나눔바른고딕" charset="0"/>
+              <a:ea typeface="나눔바른고딕" charset="0"/>
             </a:endParaRPr>
           </a:p>
-          <a:p>
-            <a:pPr marL="0" indent="0" algn="l" latinLnBrk="0" hangingPunct="1">
-              <a:buFontTx/>
-              <a:buNone/>
-            </a:pPr>
-            <a:r>
-              <a:rPr lang="ko-KR" sz="1800">
-                <a:latin typeface="맑은 고딕" charset="0"/>
-                <a:ea typeface="맑은 고딕" charset="0"/>
-              </a:rPr>
-              <a:t>애니메이션의 전환 방식이 스테이트 머신으로 동작하는 애니메이션입니다.</a:t>
-            </a:r>
-            <a:endParaRPr lang="ko-KR" altLang="en-US" sz="1800">
-              <a:latin typeface="맑은 고딕" charset="0"/>
-              <a:ea typeface="맑은 고딕" charset="0"/>
-            </a:endParaRPr>
-          </a:p>
-          <a:p>
-            <a:pPr marL="0" indent="0" algn="l" latinLnBrk="0" hangingPunct="1">
-              <a:buFontTx/>
-              <a:buNone/>
-            </a:pPr>
-            <a:endParaRPr lang="ko-KR" altLang="en-US" sz="1800">
-              <a:latin typeface="맑은 고딕" charset="0"/>
-              <a:ea typeface="맑은 고딕" charset="0"/>
-            </a:endParaRPr>
-          </a:p>
-          <a:p>
-            <a:pPr marL="0" indent="0" algn="l" latinLnBrk="0" hangingPunct="1">
-              <a:buFontTx/>
-              <a:buNone/>
-            </a:pPr>
-            <a:r>
-              <a:rPr lang="ko-KR" sz="1800">
-                <a:latin typeface="맑은 고딕" charset="0"/>
-                <a:ea typeface="맑은 고딕" charset="0"/>
-              </a:rPr>
-              <a:t>그리고 애니메이션을 연결하는 트랜지션은 또 다른 애니메이션으로 </a:t>
-            </a:r>
-            <a:r>
-              <a:rPr lang="ko-KR" sz="1800">
-                <a:latin typeface="맑은 고딕" charset="0"/>
-                <a:ea typeface="맑은 고딕" charset="0"/>
-              </a:rPr>
-              <a:t>상태를 </a:t>
-            </a:r>
-            <a:r>
-              <a:rPr lang="ko-KR" sz="1800">
-                <a:latin typeface="맑은 고딕" charset="0"/>
-                <a:ea typeface="맑은 고딕" charset="0"/>
-              </a:rPr>
-              <a:t>전이하기 위해 설정하는 것입니다.</a:t>
-            </a:r>
-            <a:endParaRPr lang="ko-KR" altLang="en-US" sz="1800">
-              <a:latin typeface="맑은 고딕" charset="0"/>
-              <a:ea typeface="맑은 고딕" charset="0"/>
-            </a:endParaRPr>
-          </a:p>
-        </p:txBody>
-      </p:sp>
-      <p:sp>
-        <p:nvSpPr>
-          <p:cNvPr id="1130" name="텍스트 상자 209"/>
+        </p:txBody>
+      </p:sp>
+      <p:sp>
+        <p:nvSpPr>
+          <p:cNvPr id="1177" name="Rect 0"/>
           <p:cNvSpPr txBox="1">
             <a:spLocks/>
           </p:cNvSpPr>
@@ -9534,8 +9627,8 @@
         </p:nvSpPr>
         <p:spPr>
           <a:xfrm rot="0">
-            <a:off x="4311015" y="461010"/>
-            <a:ext cx="3570605" cy="554990"/>
+            <a:off x="1249680" y="2802255"/>
+            <a:ext cx="4126230" cy="954405"/>
           </a:xfrm>
           <a:prstGeom prst="rect"/>
           <a:noFill/>
@@ -9550,54 +9643,87 @@
           </a:bodyPr>
           <a:lstStyle/>
           <a:p>
-            <a:pPr marL="0" indent="0" algn="l" latinLnBrk="0">
-              <a:buFontTx/>
-              <a:buNone/>
-            </a:pPr>
-            <a:r>
-              <a:rPr lang="ko-KR" altLang="en-US" sz="3000" b="1">
+            <a:pPr marL="0" indent="0" algn="l" latinLnBrk="0" hangingPunct="1">
+              <a:buFontTx/>
+              <a:buNone/>
+            </a:pPr>
+            <a:r>
+              <a:rPr lang="ko-KR" sz="2000" b="1">
                 <a:solidFill>
-                  <a:schemeClr val="tx1"/>
+                  <a:srgbClr val="0611F2"/>
                 </a:solidFill>
                 <a:latin typeface="맑은 고딕" charset="0"/>
                 <a:ea typeface="맑은 고딕" charset="0"/>
               </a:rPr>
-              <a:t>열</a:t>
-            </a:r>
-            <a:r>
-              <a:rPr lang="ko-KR" altLang="en-US" sz="3000" b="1">
+              <a:t>13.</a:t>
+            </a:r>
+            <a:r>
+              <a:rPr lang="ko-KR" sz="2000" b="1">
                 <a:solidFill>
-                  <a:schemeClr val="tx1"/>
+                  <a:srgbClr val="0611F2"/>
                 </a:solidFill>
                 <a:latin typeface="맑은 고딕" charset="0"/>
                 <a:ea typeface="맑은 고딕" charset="0"/>
               </a:rPr>
-              <a:t>한</a:t>
-            </a:r>
-            <a:r>
-              <a:rPr lang="ko-KR" altLang="en-US" sz="3000" b="1">
-                <a:solidFill>
-                  <a:schemeClr val="tx1"/>
-                </a:solidFill>
-                <a:latin typeface="맑은 고딕" charset="0"/>
-                <a:ea typeface="맑은 고딕" charset="0"/>
-              </a:rPr>
-              <a:t> 번째 </a:t>
-            </a:r>
-            <a:r>
-              <a:rPr lang="ko-KR" altLang="en-US" sz="3000" b="1">
-                <a:solidFill>
-                  <a:schemeClr val="tx1"/>
-                </a:solidFill>
-                <a:latin typeface="맑은 고딕" charset="0"/>
-                <a:ea typeface="맑은 고딕" charset="0"/>
-              </a:rPr>
-              <a:t>튜토리얼</a:t>
-            </a:r>
-            <a:endParaRPr lang="ko-KR" altLang="en-US" sz="3000" b="1">
-              <a:solidFill>
-                <a:schemeClr val="tx1"/>
-              </a:solidFill>
+              <a:t> </a:t>
+            </a:r>
+            <a:r>
+              <a:rPr lang="ko-KR" sz="1800">
+                <a:latin typeface="맑은 고딕" charset="0"/>
+                <a:ea typeface="맑은 고딕" charset="0"/>
+              </a:rPr>
+              <a:t>그러고 나서 Kick Button </a:t>
+            </a:r>
+            <a:r>
+              <a:rPr lang="ko-KR" sz="1800">
+                <a:latin typeface="맑은 고딕" charset="0"/>
+                <a:ea typeface="맑은 고딕" charset="0"/>
+              </a:rPr>
+              <a:t>오브젝트의</a:t>
+            </a:r>
+            <a:r>
+              <a:rPr lang="ko-KR" sz="1800">
+                <a:latin typeface="맑은 고딕" charset="0"/>
+                <a:ea typeface="맑은 고딕" charset="0"/>
+              </a:rPr>
+              <a:t> </a:t>
+            </a:r>
+            <a:r>
+              <a:rPr lang="ko-KR" sz="1800">
+                <a:latin typeface="맑은 고딕" charset="0"/>
+                <a:ea typeface="맑은 고딕" charset="0"/>
+              </a:rPr>
+              <a:t>앵커를 지정하고 위치와 </a:t>
+            </a:r>
+            <a:r>
+              <a:rPr lang="ko-KR" sz="1800">
+                <a:latin typeface="맑은 고딕" charset="0"/>
+                <a:ea typeface="맑은 고딕" charset="0"/>
+              </a:rPr>
+              <a:t>크기</a:t>
+            </a:r>
+            <a:r>
+              <a:rPr lang="ko-KR" sz="1800">
+                <a:latin typeface="맑은 고딕" charset="0"/>
+                <a:ea typeface="맑은 고딕" charset="0"/>
+              </a:rPr>
+              <a:t>를</a:t>
+            </a:r>
+            <a:r>
+              <a:rPr lang="ko-KR" sz="1800">
+                <a:latin typeface="맑은 고딕" charset="0"/>
+                <a:ea typeface="맑은 고딕" charset="0"/>
+              </a:rPr>
+              <a:t> </a:t>
+            </a:r>
+            <a:r>
+              <a:rPr lang="ko-KR" sz="1800">
+                <a:latin typeface="맑은 고딕" charset="0"/>
+                <a:ea typeface="맑은 고딕" charset="0"/>
+              </a:rPr>
+              <a:t>설정합니다.</a:t>
+            </a:r>
+            <a:endParaRPr lang="ko-KR" altLang="en-US" sz="1800">
               <a:latin typeface="맑은 고딕" charset="0"/>
               <a:ea typeface="맑은 고딕" charset="0"/>
             </a:endParaRPr>
@@ -9606,7 +9732,7 @@
       </p:sp>
       <p:sp>
         <p:nvSpPr>
-          <p:cNvPr id="1132" name="텍스트 상자 41"/>
+          <p:cNvPr id="1181" name="Rect 0"/>
           <p:cNvSpPr txBox="1">
             <a:spLocks/>
           </p:cNvSpPr>
@@ -9614,8 +9740,8 @@
         </p:nvSpPr>
         <p:spPr>
           <a:xfrm rot="0">
-            <a:off x="6797675" y="4418965"/>
-            <a:ext cx="4168140" cy="1784985"/>
+            <a:off x="6831330" y="4373245"/>
+            <a:ext cx="4126230" cy="1784985"/>
           </a:xfrm>
           <a:prstGeom prst="rect"/>
           <a:noFill/>
@@ -9642,14 +9768,80 @@
                 <a:latin typeface="맑은 고딕" charset="0"/>
                 <a:ea typeface="맑은 고딕" charset="0"/>
               </a:rPr>
-              <a:t>28. </a:t>
-            </a:r>
-            <a:r>
-              <a:rPr lang="ko-KR" sz="1800">
-                <a:latin typeface="맑은 고딕" charset="0"/>
-                <a:ea typeface="맑은 고딕" charset="0"/>
-              </a:rPr>
-              <a:t>이제 Animation Action 오브젝트를 선택합니다.</a:t>
+              <a:t>15.</a:t>
+            </a:r>
+            <a:r>
+              <a:rPr lang="ko-KR" sz="2000" b="1">
+                <a:solidFill>
+                  <a:srgbClr val="0611F2"/>
+                </a:solidFill>
+                <a:latin typeface="맑은 고딕" charset="0"/>
+                <a:ea typeface="맑은 고딕" charset="0"/>
+              </a:rPr>
+              <a:t> </a:t>
+            </a:r>
+            <a:r>
+              <a:rPr sz="1800">
+                <a:latin typeface="맑은 고딕" charset="0"/>
+                <a:ea typeface="맑은 고딕" charset="0"/>
+              </a:rPr>
+              <a:t>그리고</a:t>
+            </a:r>
+            <a:r>
+              <a:rPr sz="1800">
+                <a:latin typeface="맑은 고딕" charset="0"/>
+                <a:ea typeface="맑은 고딕" charset="0"/>
+              </a:rPr>
+              <a:t> Project 폴더 아래에 </a:t>
+            </a:r>
+            <a:r>
+              <a:rPr sz="1800">
+                <a:latin typeface="맑은 고딕" charset="0"/>
+                <a:ea typeface="맑은 고딕" charset="0"/>
+              </a:rPr>
+              <a:t>있는</a:t>
+            </a:r>
+            <a:r>
+              <a:rPr sz="1800">
+                <a:latin typeface="맑은 고딕" charset="0"/>
+                <a:ea typeface="맑은 고딕" charset="0"/>
+              </a:rPr>
+              <a:t> </a:t>
+            </a:r>
+            <a:r>
+              <a:rPr sz="1800">
+                <a:latin typeface="맑은 고딕" charset="0"/>
+                <a:ea typeface="맑은 고딕" charset="0"/>
+              </a:rPr>
+              <a:t>Texture</a:t>
+            </a:r>
+            <a:r>
+              <a:rPr sz="1800">
+                <a:latin typeface="맑은 고딕" charset="0"/>
+                <a:ea typeface="맑은 고딕" charset="0"/>
+              </a:rPr>
+              <a:t> 폴더에 Kick </a:t>
+            </a:r>
+            <a:r>
+              <a:rPr sz="1800">
+                <a:latin typeface="맑은 고딕" charset="0"/>
+                <a:ea typeface="맑은 고딕" charset="0"/>
+              </a:rPr>
+              <a:t>텍스처를</a:t>
+            </a:r>
+            <a:r>
+              <a:rPr sz="1800">
+                <a:latin typeface="맑은 고딕" charset="0"/>
+                <a:ea typeface="맑은 고딕" charset="0"/>
+              </a:rPr>
+              <a:t> </a:t>
+            </a:r>
+            <a:r>
+              <a:rPr sz="1800">
+                <a:latin typeface="맑은 고딕" charset="0"/>
+                <a:ea typeface="맑은 고딕" charset="0"/>
+              </a:rPr>
+              <a:t>선택합니다.</a:t>
             </a:r>
             <a:endParaRPr lang="ko-KR" altLang="en-US" sz="1800">
               <a:latin typeface="맑은 고딕" charset="0"/>
@@ -9657,7 +9849,7 @@
             </a:endParaRPr>
           </a:p>
           <a:p>
-            <a:pPr marL="0" indent="0" algn="l" latinLnBrk="0" hangingPunct="1">
+            <a:pPr marL="0" indent="0" rtl="0" algn="l" defTabSz="914400" eaLnBrk="1" latinLnBrk="0" hangingPunct="1">
               <a:buFontTx/>
               <a:buNone/>
             </a:pPr>
@@ -9667,16 +9859,51 @@
             </a:endParaRPr>
           </a:p>
           <a:p>
-            <a:pPr marL="0" indent="0" algn="l" latinLnBrk="0" hangingPunct="1">
-              <a:buFontTx/>
-              <a:buNone/>
-            </a:pPr>
-            <a:r>
-              <a:rPr lang="ko-KR" sz="1800">
-                <a:latin typeface="맑은 고딕" charset="0"/>
-                <a:ea typeface="맑은 고딕" charset="0"/>
-              </a:rPr>
-              <a:t>그리고 Animator 컴포넌트에 Dreyar By M.Aure 캐릭터 오브젝트를 넣어줍니다.</a:t>
+            <a:pPr marL="0" indent="0" rtl="0" algn="l" defTabSz="914400" eaLnBrk="1" latinLnBrk="0" hangingPunct="1">
+              <a:buFontTx/>
+              <a:buNone/>
+            </a:pPr>
+            <a:r>
+              <a:rPr sz="1800">
+                <a:latin typeface="맑은 고딕" charset="0"/>
+                <a:ea typeface="맑은 고딕" charset="0"/>
+              </a:rPr>
+              <a:t>그런</a:t>
+            </a:r>
+            <a:r>
+              <a:rPr sz="1800">
+                <a:latin typeface="맑은 고딕" charset="0"/>
+                <a:ea typeface="맑은 고딕" charset="0"/>
+              </a:rPr>
+              <a:t> 다음 Kick Button 오브젝트의 </a:t>
+            </a:r>
+            <a:r>
+              <a:rPr sz="1800">
+                <a:latin typeface="맑은 고딕" charset="0"/>
+                <a:ea typeface="맑은 고딕" charset="0"/>
+              </a:rPr>
+              <a:t>Source</a:t>
+            </a:r>
+            <a:r>
+              <a:rPr sz="1800">
+                <a:latin typeface="맑은 고딕" charset="0"/>
+                <a:ea typeface="맑은 고딕" charset="0"/>
+              </a:rPr>
+              <a:t> </a:t>
+            </a:r>
+            <a:r>
+              <a:rPr sz="1800">
+                <a:latin typeface="맑은 고딕" charset="0"/>
+                <a:ea typeface="맑은 고딕" charset="0"/>
+              </a:rPr>
+              <a:t>Image에</a:t>
+            </a:r>
+            <a:r>
+              <a:rPr sz="1800">
+                <a:latin typeface="맑은 고딕" charset="0"/>
+                <a:ea typeface="맑은 고딕" charset="0"/>
+              </a:rPr>
+              <a:t> 넣어줍니다.</a:t>
             </a:r>
             <a:endParaRPr lang="ko-KR" altLang="en-US" sz="1800">
               <a:latin typeface="맑은 고딕" charset="0"/>
@@ -9687,108 +9914,14 @@
       </p:sp>
       <p:pic>
         <p:nvPicPr>
-          <p:cNvPr id="1133" name="그림 42" descr="C:/Users/Admin1/AppData/Roaming/PolarisOffice/ETemp/13876_17549616/fImage169704987673.png"/>
+          <p:cNvPr id="1186" name="그림 8" descr="C:/Users/Admin1/AppData/Roaming/PolarisOffice/ETemp/21544_15856240/fImage1185023341.png"/>
           <p:cNvPicPr>
             <a:picLocks noChangeAspect="1"/>
           </p:cNvPicPr>
           <p:nvPr/>
         </p:nvPicPr>
         <p:blipFill rotWithShape="1">
-          <a:blip r:embed="rId23" cstate="hqprint">
-            <a:extLst>
-              <a:ext uri="{28A0092B-C50C-407E-A947-70E740481C1C}">
-                <a14:useLocalDpi xmlns:a14="http://schemas.microsoft.com/office/drawing/2010/main"/>
-              </a:ext>
-            </a:extLst>
-          </a:blip>
-          <a:stretch>
-            <a:fillRect/>
-          </a:stretch>
-        </p:blipFill>
-        <p:spPr>
-          <a:xfrm rot="0">
-            <a:off x="8204835" y="1404620"/>
-            <a:ext cx="2760980" cy="2860675"/>
-          </a:xfrm>
-          <a:prstGeom prst="roundRect"/>
-          <a:solidFill>
-            <a:srgbClr val="EDEDED"/>
-          </a:solidFill>
-        </p:spPr>
-      </p:pic>
-      <p:pic>
-        <p:nvPicPr>
-          <p:cNvPr id="1136" name="그림 33" descr="C:/Users/Admin1/AppData/Roaming/PolarisOffice/ETemp/13876_17549616/fImage64442294464.png"/>
-          <p:cNvPicPr>
-            <a:picLocks noChangeAspect="1"/>
-          </p:cNvPicPr>
-          <p:nvPr/>
-        </p:nvPicPr>
-        <p:blipFill rotWithShape="1">
-          <a:blip r:embed="rId25" cstate="hqprint">
-            <a:extLst>
-              <a:ext uri="{28A0092B-C50C-407E-A947-70E740481C1C}">
-                <a14:useLocalDpi xmlns:a14="http://schemas.microsoft.com/office/drawing/2010/main"/>
-              </a:ext>
-            </a:extLst>
-          </a:blip>
-          <a:stretch>
-            <a:fillRect/>
-          </a:stretch>
-        </p:blipFill>
-        <p:spPr>
-          <a:xfrm rot="0">
-            <a:off x="6808470" y="2113280"/>
-            <a:ext cx="1230630" cy="1670050"/>
-          </a:xfrm>
-          <a:prstGeom prst="roundRect"/>
-          <a:solidFill>
-            <a:srgbClr val="EDEDED"/>
-          </a:solidFill>
-        </p:spPr>
-      </p:pic>
-      <p:cxnSp>
-        <p:nvCxnSpPr>
-          <p:cNvPr id="1135" name="도형 44"/>
-          <p:cNvCxnSpPr/>
-          <p:nvPr/>
-        </p:nvCxnSpPr>
-        <p:spPr>
-          <a:xfrm rot="0">
-            <a:off x="8030210" y="3283585"/>
-            <a:ext cx="2818765" cy="740410"/>
-          </a:xfrm>
-          <a:prstGeom prst="straightConnector1"/>
-          <a:ln w="19050" cap="flat" cmpd="sng">
-            <a:prstDash/>
-            <a:tailEnd type="triangle" w="med" len="med"/>
-          </a:ln>
-        </p:spPr>
-        <p:style>
-          <a:lnRef idx="3">
-            <a:schemeClr val="accent2"/>
-          </a:lnRef>
-          <a:fillRef idx="0">
-            <a:schemeClr val="accent2"/>
-          </a:fillRef>
-          <a:effectRef idx="2">
-            <a:schemeClr val="accent2"/>
-          </a:effectRef>
-          <a:fontRef idx="minor">
-            <a:schemeClr val="tx1"/>
-          </a:fontRef>
-        </p:style>
-      </p:cxnSp>
-      <p:pic>
-        <p:nvPicPr>
-          <p:cNvPr id="1137" name="그림 67"/>
-          <p:cNvPicPr>
-            <a:picLocks noChangeAspect="1"/>
-          </p:cNvPicPr>
-          <p:nvPr/>
-        </p:nvPicPr>
-        <p:blipFill rotWithShape="1">
-          <a:blip r:embed="rId26" cstate="print">
+          <a:blip r:embed="rId2" cstate="print">
             <a:extLst>
               <a:ext uri="{28A0092B-C50C-407E-A947-70E740481C1C}">
                 <a14:useLocalDpi xmlns:a14="http://schemas.microsoft.com/office/drawing/2010/main" val="0"/>
@@ -9801,8 +9934,8 @@
         </p:blipFill>
         <p:spPr>
           <a:xfrm rot="0">
-            <a:off x="1342390" y="1411605"/>
-            <a:ext cx="4027170" cy="2338705"/>
+            <a:off x="1240155" y="1447165"/>
+            <a:ext cx="4135755" cy="1275080"/>
           </a:xfrm>
           <a:prstGeom prst="roundRect"/>
           <a:solidFill>
@@ -9810,6 +9943,231 @@
           </a:solidFill>
         </p:spPr>
       </p:pic>
+      <p:pic>
+        <p:nvPicPr>
+          <p:cNvPr id="1187" name="그림 11" descr="C:/Users/Admin1/AppData/Roaming/PolarisOffice/ETemp/21544_15856240/fImage118702348467.png"/>
+          <p:cNvPicPr>
+            <a:picLocks noChangeAspect="1"/>
+          </p:cNvPicPr>
+          <p:nvPr/>
+        </p:nvPicPr>
+        <p:blipFill rotWithShape="1">
+          <a:blip r:embed="rId3" cstate="print">
+            <a:extLst>
+              <a:ext uri="{28A0092B-C50C-407E-A947-70E740481C1C}">
+                <a14:useLocalDpi xmlns:a14="http://schemas.microsoft.com/office/drawing/2010/main" val="0"/>
+              </a:ext>
+            </a:extLst>
+          </a:blip>
+          <a:stretch>
+            <a:fillRect/>
+          </a:stretch>
+        </p:blipFill>
+        <p:spPr>
+          <a:xfrm rot="0">
+            <a:off x="1251585" y="3849370"/>
+            <a:ext cx="4124325" cy="1275715"/>
+          </a:xfrm>
+          <a:prstGeom prst="roundRect"/>
+          <a:solidFill>
+            <a:srgbClr val="EDEDED"/>
+          </a:solidFill>
+        </p:spPr>
+      </p:pic>
+      <p:sp>
+        <p:nvSpPr>
+          <p:cNvPr id="1188" name="텍스트 상자 14"/>
+          <p:cNvSpPr txBox="1">
+            <a:spLocks/>
+          </p:cNvSpPr>
+          <p:nvPr/>
+        </p:nvSpPr>
+        <p:spPr>
+          <a:xfrm rot="0">
+            <a:off x="1252220" y="5199380"/>
+            <a:ext cx="4131945" cy="954405"/>
+          </a:xfrm>
+          <a:prstGeom prst="rect"/>
+          <a:noFill/>
+          <a:ln w="0">
+            <a:noFill/>
+            <a:prstDash/>
+          </a:ln>
+        </p:spPr>
+        <p:txBody>
+          <a:bodyPr wrap="square" lIns="89535" tIns="46355" rIns="89535" bIns="46355" numCol="1" vert="horz" anchor="t">
+            <a:spAutoFit/>
+          </a:bodyPr>
+          <a:lstStyle/>
+          <a:p>
+            <a:pPr marL="0" indent="0" algn="l" latinLnBrk="0" hangingPunct="1">
+              <a:buFontTx/>
+              <a:buNone/>
+            </a:pPr>
+            <a:r>
+              <a:rPr lang="ko-KR" sz="2000" b="1">
+                <a:solidFill>
+                  <a:srgbClr val="0611F2"/>
+                </a:solidFill>
+                <a:latin typeface="맑은 고딕" charset="0"/>
+                <a:ea typeface="맑은 고딕" charset="0"/>
+              </a:rPr>
+              <a:t>14.</a:t>
+            </a:r>
+            <a:r>
+              <a:rPr lang="ko-KR" sz="2000" b="1">
+                <a:solidFill>
+                  <a:srgbClr val="0611F2"/>
+                </a:solidFill>
+                <a:latin typeface="맑은 고딕" charset="0"/>
+                <a:ea typeface="맑은 고딕" charset="0"/>
+              </a:rPr>
+              <a:t> </a:t>
+            </a:r>
+            <a:r>
+              <a:rPr lang="ko-KR" sz="1800">
+                <a:latin typeface="맑은 고딕" charset="0"/>
+                <a:ea typeface="맑은 고딕" charset="0"/>
+              </a:rPr>
+              <a:t>이제 Running Button </a:t>
+            </a:r>
+            <a:r>
+              <a:rPr lang="ko-KR" sz="1800">
+                <a:latin typeface="맑은 고딕" charset="0"/>
+                <a:ea typeface="맑은 고딕" charset="0"/>
+              </a:rPr>
+              <a:t>오브젝트의 </a:t>
+            </a:r>
+            <a:r>
+              <a:rPr lang="ko-KR" sz="1800">
+                <a:latin typeface="맑은 고딕" charset="0"/>
+                <a:ea typeface="맑은 고딕" charset="0"/>
+              </a:rPr>
+              <a:t>앵커를</a:t>
+            </a:r>
+            <a:r>
+              <a:rPr lang="ko-KR" sz="1800">
+                <a:latin typeface="맑은 고딕" charset="0"/>
+                <a:ea typeface="맑은 고딕" charset="0"/>
+              </a:rPr>
+              <a:t> 지정하고 위치와 크기</a:t>
+            </a:r>
+            <a:r>
+              <a:rPr lang="ko-KR" sz="1800">
+                <a:latin typeface="맑은 고딕" charset="0"/>
+                <a:ea typeface="맑은 고딕" charset="0"/>
+              </a:rPr>
+              <a:t>를 </a:t>
+            </a:r>
+            <a:r>
+              <a:rPr lang="ko-KR" sz="1800">
+                <a:latin typeface="맑은 고딕" charset="0"/>
+                <a:ea typeface="맑은 고딕" charset="0"/>
+              </a:rPr>
+              <a:t>설정합니다.</a:t>
+            </a:r>
+            <a:endParaRPr lang="ko-KR" altLang="en-US" sz="1800">
+              <a:latin typeface="맑은 고딕" charset="0"/>
+              <a:ea typeface="맑은 고딕" charset="0"/>
+            </a:endParaRPr>
+          </a:p>
+        </p:txBody>
+      </p:sp>
+      <p:pic>
+        <p:nvPicPr>
+          <p:cNvPr id="1189" name="그림 15" descr="C:/Users/Admin1/AppData/Roaming/PolarisOffice/ETemp/21544_15856240/fImage164642376334.png"/>
+          <p:cNvPicPr>
+            <a:picLocks noChangeAspect="1"/>
+          </p:cNvPicPr>
+          <p:nvPr/>
+        </p:nvPicPr>
+        <p:blipFill rotWithShape="1">
+          <a:blip r:embed="rId4" cstate="print">
+            <a:extLst>
+              <a:ext uri="{28A0092B-C50C-407E-A947-70E740481C1C}">
+                <a14:useLocalDpi xmlns:a14="http://schemas.microsoft.com/office/drawing/2010/main" val="0"/>
+              </a:ext>
+            </a:extLst>
+          </a:blip>
+          <a:stretch>
+            <a:fillRect/>
+          </a:stretch>
+        </p:blipFill>
+        <p:spPr>
+          <a:xfrm rot="0">
+            <a:off x="6821170" y="1444625"/>
+            <a:ext cx="4136390" cy="1717040"/>
+          </a:xfrm>
+          <a:prstGeom prst="roundRect"/>
+          <a:solidFill>
+            <a:srgbClr val="EDEDED"/>
+          </a:solidFill>
+        </p:spPr>
+      </p:pic>
+      <p:pic>
+        <p:nvPicPr>
+          <p:cNvPr id="1190" name="그림 18" descr="C:/Users/Admin1/AppData/Roaming/PolarisOffice/ETemp/21544_15856240/fImage366322386500.png"/>
+          <p:cNvPicPr>
+            <a:picLocks noChangeAspect="1"/>
+          </p:cNvPicPr>
+          <p:nvPr/>
+        </p:nvPicPr>
+        <p:blipFill rotWithShape="1">
+          <a:blip r:embed="rId5" cstate="print">
+            <a:extLst>
+              <a:ext uri="{28A0092B-C50C-407E-A947-70E740481C1C}">
+                <a14:useLocalDpi xmlns:a14="http://schemas.microsoft.com/office/drawing/2010/main" val="0"/>
+              </a:ext>
+            </a:extLst>
+          </a:blip>
+          <a:stretch>
+            <a:fillRect/>
+          </a:stretch>
+        </p:blipFill>
+        <p:spPr>
+          <a:xfrm rot="0">
+            <a:off x="6827520" y="3293110"/>
+            <a:ext cx="4130040" cy="1031240"/>
+          </a:xfrm>
+          <a:prstGeom prst="roundRect"/>
+          <a:solidFill>
+            <a:srgbClr val="EDEDED"/>
+          </a:solidFill>
+        </p:spPr>
+      </p:pic>
+      <p:cxnSp>
+        <p:nvCxnSpPr>
+          <p:cNvPr id="1191" name="도형 21"/>
+          <p:cNvCxnSpPr/>
+          <p:nvPr/>
+        </p:nvCxnSpPr>
+        <p:spPr>
+          <a:xfrm rot="0" flipV="1">
+            <a:off x="10009505" y="1713865"/>
+            <a:ext cx="827405" cy="1835785"/>
+          </a:xfrm>
+          <a:prstGeom prst="straightConnector1"/>
+          <a:ln w="6350" cap="flat" cmpd="sng">
+            <a:prstDash/>
+            <a:headEnd type="none" w="med" len="med"/>
+            <a:tailEnd type="triangle" w="med" len="med"/>
+          </a:ln>
+        </p:spPr>
+        <p:style>
+          <a:lnRef idx="1">
+            <a:schemeClr val="accent1"/>
+          </a:lnRef>
+          <a:fillRef idx="0">
+            <a:schemeClr val="accent1"/>
+          </a:fillRef>
+          <a:effectRef idx="0">
+            <a:schemeClr val="accent1"/>
+          </a:effectRef>
+          <a:fontRef idx="minor">
+            <a:schemeClr val="tx1"/>
+          </a:fontRef>
+        </p:style>
+      </p:cxnSp>
     </p:spTree>
   </p:cSld>
   <p:clrMapOvr>
@@ -9834,7 +10192,7 @@
 </file>
 
 <file path=ppt/slides/slide7.xml><?xml version="1.0" encoding="utf-8"?>
-<p:sld xmlns:a="http://schemas.openxmlformats.org/drawingml/2006/main" xmlns:r="http://schemas.openxmlformats.org/officeDocument/2006/relationships" xmlns:p="http://schemas.openxmlformats.org/presentationml/2006/main" xmlns:p14="http://schemas.microsoft.com/office/powerpoint/2010/main">
+<p:sld xmlns:a="http://schemas.openxmlformats.org/drawingml/2006/main" xmlns:r="http://schemas.openxmlformats.org/officeDocument/2006/relationships" xmlns:p="http://schemas.openxmlformats.org/presentationml/2006/main">
   <p:cSld>
     <p:spTree>
       <p:nvGrpSpPr>
@@ -9852,7 +10210,7 @@
       </p:grpSpPr>
       <p:sp>
         <p:nvSpPr>
-          <p:cNvPr id="1127" name="Rect 0"/>
+          <p:cNvPr id="1154" name="Rect 0"/>
           <p:cNvSpPr txBox="1">
             <a:spLocks/>
           </p:cNvSpPr>
@@ -9860,8 +10218,8 @@
         </p:nvSpPr>
         <p:spPr>
           <a:xfrm rot="0">
-            <a:off x="1238885" y="4867910"/>
-            <a:ext cx="4136390" cy="1231265"/>
+            <a:off x="4280535" y="405130"/>
+            <a:ext cx="3627755" cy="478155"/>
           </a:xfrm>
           <a:prstGeom prst="rect"/>
           <a:noFill/>
@@ -9876,37 +10234,43 @@
           </a:bodyPr>
           <a:lstStyle/>
           <a:p>
-            <a:pPr marL="0" indent="0" algn="l" latinLnBrk="0" hangingPunct="1">
-              <a:buFontTx/>
-              <a:buNone/>
-            </a:pPr>
-            <a:r>
-              <a:rPr lang="ko-KR" sz="2000" b="1">
+            <a:pPr marL="0" indent="0" algn="ctr" latinLnBrk="0">
+              <a:buFontTx/>
+              <a:buNone/>
+            </a:pPr>
+            <a:r>
+              <a:rPr lang="ko-KR" altLang="en-US" sz="2500" b="1">
                 <a:solidFill>
-                  <a:srgbClr val="0611F2"/>
+                  <a:schemeClr val="tx1"/>
                 </a:solidFill>
-                <a:latin typeface="맑은 고딕" charset="0"/>
-                <a:ea typeface="맑은 고딕" charset="0"/>
-              </a:rPr>
-              <a:t>29. </a:t>
-            </a:r>
-            <a:r>
-              <a:rPr lang="ko-KR" sz="1800">
-                <a:latin typeface="맑은 고딕" charset="0"/>
-                <a:ea typeface="맑은 고딕" charset="0"/>
-              </a:rPr>
-              <a:t>그런 다음 Button을 2개 생성한 다음 각각의 버튼 이름을 Kick Button과 Running Button이라는 이름으로 정의합니다.</a:t>
-            </a:r>
-            <a:endParaRPr lang="ko-KR" altLang="en-US" sz="1800">
-              <a:latin typeface="맑은 고딕" charset="0"/>
-              <a:ea typeface="맑은 고딕" charset="0"/>
+                <a:latin typeface="나눔바른고딕" charset="0"/>
+                <a:ea typeface="나눔바른고딕" charset="0"/>
+              </a:rPr>
+              <a:t>일곱</a:t>
+            </a:r>
+            <a:r>
+              <a:rPr lang="ko-KR" altLang="en-US" sz="2500" b="1">
+                <a:solidFill>
+                  <a:schemeClr val="tx1"/>
+                </a:solidFill>
+                <a:latin typeface="나눔바른고딕" charset="0"/>
+                <a:ea typeface="나눔바른고딕" charset="0"/>
+              </a:rPr>
+              <a:t> 번째 튜토리얼</a:t>
+            </a:r>
+            <a:endParaRPr lang="ko-KR" altLang="en-US" sz="2500" b="1">
+              <a:solidFill>
+                <a:schemeClr val="tx1"/>
+              </a:solidFill>
+              <a:latin typeface="나눔바른고딕" charset="0"/>
+              <a:ea typeface="나눔바른고딕" charset="0"/>
             </a:endParaRPr>
           </a:p>
         </p:txBody>
       </p:sp>
       <p:sp>
         <p:nvSpPr>
-          <p:cNvPr id="1130" name="Rect 0"/>
+          <p:cNvPr id="1181" name="Rect 0"/>
           <p:cNvSpPr txBox="1">
             <a:spLocks/>
           </p:cNvSpPr>
@@ -9914,8 +10278,8 @@
         </p:nvSpPr>
         <p:spPr>
           <a:xfrm rot="0">
-            <a:off x="4307205" y="417195"/>
-            <a:ext cx="3582670" cy="554990"/>
+            <a:off x="6831330" y="4639945"/>
+            <a:ext cx="4134485" cy="1508125"/>
           </a:xfrm>
           <a:prstGeom prst="rect"/>
           <a:noFill/>
@@ -9930,70 +10294,326 @@
           </a:bodyPr>
           <a:lstStyle/>
           <a:p>
-            <a:pPr marL="0" indent="0" algn="l" latinLnBrk="0">
-              <a:buFontTx/>
-              <a:buNone/>
-            </a:pPr>
-            <a:r>
-              <a:rPr lang="ko-KR" altLang="en-US" sz="3000" b="1">
+            <a:pPr marL="0" indent="0" algn="l" latinLnBrk="0" hangingPunct="1">
+              <a:buFontTx/>
+              <a:buNone/>
+            </a:pPr>
+            <a:r>
+              <a:rPr lang="ko-KR" sz="2000" b="1">
                 <a:solidFill>
-                  <a:schemeClr val="tx1"/>
+                  <a:srgbClr val="0611F2"/>
                 </a:solidFill>
                 <a:latin typeface="맑은 고딕" charset="0"/>
                 <a:ea typeface="맑은 고딕" charset="0"/>
               </a:rPr>
-              <a:t>열</a:t>
-            </a:r>
-            <a:r>
-              <a:rPr lang="ko-KR" altLang="en-US" sz="3000" b="1">
+              <a:t>18.</a:t>
+            </a:r>
+            <a:r>
+              <a:rPr lang="ko-KR" sz="2000" b="1">
                 <a:solidFill>
-                  <a:schemeClr val="tx1"/>
+                  <a:srgbClr val="0611F2"/>
                 </a:solidFill>
                 <a:latin typeface="맑은 고딕" charset="0"/>
                 <a:ea typeface="맑은 고딕" charset="0"/>
               </a:rPr>
-              <a:t>두</a:t>
-            </a:r>
-            <a:r>
-              <a:rPr lang="ko-KR" altLang="en-US" sz="3000" b="1">
-                <a:solidFill>
-                  <a:schemeClr val="tx1"/>
-                </a:solidFill>
-                <a:latin typeface="맑은 고딕" charset="0"/>
-                <a:ea typeface="맑은 고딕" charset="0"/>
-              </a:rPr>
-              <a:t> 번째 </a:t>
-            </a:r>
-            <a:r>
-              <a:rPr lang="ko-KR" altLang="en-US" sz="3000" b="1">
-                <a:solidFill>
-                  <a:schemeClr val="tx1"/>
-                </a:solidFill>
-                <a:latin typeface="맑은 고딕" charset="0"/>
-                <a:ea typeface="맑은 고딕" charset="0"/>
-              </a:rPr>
-              <a:t>튜토리얼</a:t>
-            </a:r>
-            <a:endParaRPr lang="ko-KR" altLang="en-US" sz="3000" b="1">
-              <a:solidFill>
-                <a:schemeClr val="tx1"/>
-              </a:solidFill>
+              <a:t> </a:t>
+            </a:r>
+            <a:r>
+              <a:rPr lang="ko-KR" sz="1800">
+                <a:latin typeface="맑은 고딕" charset="0"/>
+                <a:ea typeface="맑은 고딕" charset="0"/>
+              </a:rPr>
+              <a:t>이제 </a:t>
+            </a:r>
+            <a:r>
+              <a:rPr lang="ko-KR" sz="1800">
+                <a:latin typeface="맑은 고딕" charset="0"/>
+                <a:ea typeface="맑은 고딕" charset="0"/>
+              </a:rPr>
+              <a:t>Kick</a:t>
+            </a:r>
+            <a:r>
+              <a:rPr lang="ko-KR" sz="1800">
+                <a:latin typeface="맑은 고딕" charset="0"/>
+                <a:ea typeface="맑은 고딕" charset="0"/>
+              </a:rPr>
+              <a:t> </a:t>
+            </a:r>
+            <a:r>
+              <a:rPr lang="ko-KR" sz="1800">
+                <a:latin typeface="맑은 고딕" charset="0"/>
+                <a:ea typeface="맑은 고딕" charset="0"/>
+              </a:rPr>
+              <a:t>애니메이션을</a:t>
+            </a:r>
+            <a:r>
+              <a:rPr lang="ko-KR" sz="1800">
+                <a:latin typeface="맑은 고딕" charset="0"/>
+                <a:ea typeface="맑은 고딕" charset="0"/>
+              </a:rPr>
+              <a:t> </a:t>
+            </a:r>
+            <a:r>
+              <a:rPr lang="ko-KR" sz="1800">
+                <a:latin typeface="맑은 고딕" charset="0"/>
+                <a:ea typeface="맑은 고딕" charset="0"/>
+              </a:rPr>
+              <a:t>선택하고</a:t>
+            </a:r>
+            <a:r>
+              <a:rPr lang="ko-KR" sz="1800">
+                <a:latin typeface="맑은 고딕" charset="0"/>
+                <a:ea typeface="맑은 고딕" charset="0"/>
+              </a:rPr>
+              <a:t> </a:t>
+            </a:r>
+            <a:r>
+              <a:rPr lang="ko-KR" sz="1800">
+                <a:latin typeface="맑은 고딕" charset="0"/>
+                <a:ea typeface="맑은 고딕" charset="0"/>
+              </a:rPr>
+              <a:t>Make</a:t>
+            </a:r>
+            <a:r>
+              <a:rPr lang="ko-KR" sz="1800">
+                <a:latin typeface="맑은 고딕" charset="0"/>
+                <a:ea typeface="맑은 고딕" charset="0"/>
+              </a:rPr>
+              <a:t> </a:t>
+            </a:r>
+            <a:r>
+              <a:rPr lang="ko-KR" sz="1800">
+                <a:latin typeface="맑은 고딕" charset="0"/>
+                <a:ea typeface="맑은 고딕" charset="0"/>
+              </a:rPr>
+              <a:t>Transition을</a:t>
+            </a:r>
+            <a:r>
+              <a:rPr lang="ko-KR" sz="1800">
+                <a:latin typeface="맑은 고딕" charset="0"/>
+                <a:ea typeface="맑은 고딕" charset="0"/>
+              </a:rPr>
+              <a:t> </a:t>
+            </a:r>
+            <a:r>
+              <a:rPr lang="ko-KR" sz="1800">
+                <a:latin typeface="맑은 고딕" charset="0"/>
+                <a:ea typeface="맑은 고딕" charset="0"/>
+              </a:rPr>
+              <a:t>생성합니다.</a:t>
+            </a:r>
+            <a:endParaRPr lang="ko-KR" altLang="en-US" sz="1800">
               <a:latin typeface="맑은 고딕" charset="0"/>
               <a:ea typeface="맑은 고딕" charset="0"/>
             </a:endParaRPr>
           </a:p>
+          <a:p>
+            <a:pPr marL="0" indent="0" rtl="0" algn="l" defTabSz="914400" eaLnBrk="1" latinLnBrk="0" hangingPunct="1">
+              <a:buFontTx/>
+              <a:buNone/>
+            </a:pPr>
+            <a:endParaRPr lang="ko-KR" altLang="en-US" sz="1800">
+              <a:latin typeface="맑은 고딕" charset="0"/>
+              <a:ea typeface="맑은 고딕" charset="0"/>
+            </a:endParaRPr>
+          </a:p>
+          <a:p>
+            <a:pPr marL="0" indent="0" algn="l" latinLnBrk="0" hangingPunct="1">
+              <a:buFontTx/>
+              <a:buNone/>
+            </a:pPr>
+            <a:r>
+              <a:rPr lang="ko-KR" sz="1800">
+                <a:latin typeface="맑은 고딕" charset="0"/>
+                <a:ea typeface="맑은 고딕" charset="0"/>
+              </a:rPr>
+              <a:t>그리고</a:t>
+            </a:r>
+            <a:r>
+              <a:rPr lang="ko-KR" sz="1800">
+                <a:latin typeface="맑은 고딕" charset="0"/>
+                <a:ea typeface="맑은 고딕" charset="0"/>
+              </a:rPr>
+              <a:t> </a:t>
+            </a:r>
+            <a:r>
+              <a:rPr lang="ko-KR" sz="1800">
+                <a:latin typeface="맑은 고딕" charset="0"/>
+                <a:ea typeface="맑은 고딕" charset="0"/>
+              </a:rPr>
+              <a:t>트랜지션을</a:t>
+            </a:r>
+            <a:r>
+              <a:rPr lang="ko-KR" sz="1800">
+                <a:latin typeface="맑은 고딕" charset="0"/>
+                <a:ea typeface="맑은 고딕" charset="0"/>
+              </a:rPr>
+              <a:t> Idle </a:t>
+            </a:r>
+            <a:r>
+              <a:rPr lang="ko-KR" sz="1800">
+                <a:latin typeface="맑은 고딕" charset="0"/>
+                <a:ea typeface="맑은 고딕" charset="0"/>
+              </a:rPr>
+              <a:t>애니메이션 </a:t>
+            </a:r>
+            <a:r>
+              <a:rPr lang="ko-KR" sz="1800">
+                <a:latin typeface="맑은 고딕" charset="0"/>
+                <a:ea typeface="맑은 고딕" charset="0"/>
+              </a:rPr>
+              <a:t>쪽으로</a:t>
+            </a:r>
+            <a:r>
+              <a:rPr lang="ko-KR" sz="1800">
+                <a:latin typeface="맑은 고딕" charset="0"/>
+                <a:ea typeface="맑은 고딕" charset="0"/>
+              </a:rPr>
+              <a:t> </a:t>
+            </a:r>
+            <a:r>
+              <a:rPr lang="ko-KR" sz="1800">
+                <a:latin typeface="맑은 고딕" charset="0"/>
+                <a:ea typeface="맑은 고딕" charset="0"/>
+              </a:rPr>
+              <a:t>연결합니다.</a:t>
+            </a:r>
+            <a:endParaRPr lang="ko-KR" altLang="en-US" sz="1800">
+              <a:latin typeface="맑은 고딕" charset="0"/>
+              <a:ea typeface="맑은 고딕" charset="0"/>
+            </a:endParaRPr>
+          </a:p>
+        </p:txBody>
+      </p:sp>
+      <p:sp>
+        <p:nvSpPr>
+          <p:cNvPr id="1188" name="Rect 0"/>
+          <p:cNvSpPr txBox="1">
+            <a:spLocks/>
+          </p:cNvSpPr>
+          <p:nvPr/>
+        </p:nvSpPr>
+        <p:spPr>
+          <a:xfrm rot="0">
+            <a:off x="1252220" y="5199380"/>
+            <a:ext cx="4131945" cy="954405"/>
+          </a:xfrm>
+          <a:prstGeom prst="rect"/>
+          <a:noFill/>
+          <a:ln w="0">
+            <a:noFill/>
+            <a:prstDash/>
+          </a:ln>
+        </p:spPr>
+        <p:txBody>
+          <a:bodyPr wrap="square" lIns="89535" tIns="46355" rIns="89535" bIns="46355" numCol="1" vert="horz" anchor="t">
+            <a:spAutoFit/>
+          </a:bodyPr>
+          <a:lstStyle/>
+          <a:p>
+            <a:pPr marL="0" indent="0" algn="l" latinLnBrk="0" hangingPunct="1">
+              <a:buFontTx/>
+              <a:buNone/>
+            </a:pPr>
+            <a:r>
+              <a:rPr lang="ko-KR" sz="2000" b="1">
+                <a:solidFill>
+                  <a:srgbClr val="0611F2"/>
+                </a:solidFill>
+                <a:latin typeface="맑은 고딕" charset="0"/>
+                <a:ea typeface="맑은 고딕" charset="0"/>
+              </a:rPr>
+              <a:t>1</a:t>
+            </a:r>
+            <a:r>
+              <a:rPr lang="ko-KR" sz="2000" b="1">
+                <a:solidFill>
+                  <a:srgbClr val="0611F2"/>
+                </a:solidFill>
+                <a:latin typeface="맑은 고딕" charset="0"/>
+                <a:ea typeface="맑은 고딕" charset="0"/>
+              </a:rPr>
+              <a:t>7</a:t>
+            </a:r>
+            <a:r>
+              <a:rPr lang="ko-KR" sz="2000" b="1">
+                <a:solidFill>
+                  <a:srgbClr val="0611F2"/>
+                </a:solidFill>
+                <a:latin typeface="맑은 고딕" charset="0"/>
+                <a:ea typeface="맑은 고딕" charset="0"/>
+              </a:rPr>
+              <a:t>.</a:t>
+            </a:r>
+            <a:r>
+              <a:rPr lang="ko-KR" sz="2000" b="1">
+                <a:solidFill>
+                  <a:srgbClr val="0611F2"/>
+                </a:solidFill>
+                <a:latin typeface="맑은 고딕" charset="0"/>
+                <a:ea typeface="맑은 고딕" charset="0"/>
+              </a:rPr>
+              <a:t> </a:t>
+            </a:r>
+            <a:r>
+              <a:rPr lang="ko-KR" sz="1800">
+                <a:latin typeface="맑은 고딕" charset="0"/>
+                <a:ea typeface="맑은 고딕" charset="0"/>
+              </a:rPr>
+              <a:t>그러고 나서 Animator Manager </a:t>
+            </a:r>
+            <a:r>
+              <a:rPr lang="ko-KR" sz="1800">
+                <a:latin typeface="맑은 고딕" charset="0"/>
+                <a:ea typeface="맑은 고딕" charset="0"/>
+              </a:rPr>
+              <a:t>오브젝트의</a:t>
+            </a:r>
+            <a:r>
+              <a:rPr lang="ko-KR" sz="1800">
+                <a:latin typeface="맑은 고딕" charset="0"/>
+                <a:ea typeface="맑은 고딕" charset="0"/>
+              </a:rPr>
+              <a:t> </a:t>
+            </a:r>
+            <a:r>
+              <a:rPr lang="ko-KR" sz="1800">
+                <a:latin typeface="맑은 고딕" charset="0"/>
+                <a:ea typeface="맑은 고딕" charset="0"/>
+              </a:rPr>
+              <a:t>위치와 회전 값을 </a:t>
+            </a:r>
+            <a:r>
+              <a:rPr lang="ko-KR" sz="1800">
+                <a:latin typeface="맑은 고딕" charset="0"/>
+                <a:ea typeface="맑은 고딕" charset="0"/>
+              </a:rPr>
+              <a:t>초기화합니</a:t>
+            </a:r>
+            <a:r>
+              <a:rPr lang="ko-KR" sz="1800">
+                <a:latin typeface="맑은 고딕" charset="0"/>
+                <a:ea typeface="맑은 고딕" charset="0"/>
+              </a:rPr>
+              <a:t>다.</a:t>
+            </a:r>
+            <a:endParaRPr lang="ko-KR" altLang="en-US" sz="1800">
+              <a:latin typeface="맑은 고딕" charset="0"/>
+              <a:ea typeface="맑은 고딕" charset="0"/>
+            </a:endParaRPr>
+          </a:p>
         </p:txBody>
       </p:sp>
       <p:pic>
         <p:nvPicPr>
-          <p:cNvPr id="1134" name="그림 217" descr="C:/Users/Admin1/AppData/Roaming/PolarisOffice/ETemp/13876_17549616/fImage191385015141.png"/>
+          <p:cNvPr id="1192" name="그림 23" descr="C:/Users/Admin1/AppData/Roaming/PolarisOffice/ETemp/21544_15856240/fImage30172549169.png"/>
           <p:cNvPicPr>
             <a:picLocks noChangeAspect="1"/>
           </p:cNvPicPr>
           <p:nvPr/>
         </p:nvPicPr>
         <p:blipFill rotWithShape="1">
-          <a:blip r:embed="rId4" cstate="hqprint">
+          <a:blip r:embed="rId2" cstate="hqprint">
             <a:extLst>
               <a:ext uri="{28A0092B-C50C-407E-A947-70E740481C1C}">
                 <a14:useLocalDpi xmlns:a14="http://schemas.microsoft.com/office/drawing/2010/main"/>
@@ -10006,8 +10626,8 @@
         </p:blipFill>
         <p:spPr>
           <a:xfrm rot="0">
-            <a:off x="1238885" y="1385570"/>
-            <a:ext cx="2710815" cy="3305175"/>
+            <a:off x="2612390" y="1445260"/>
+            <a:ext cx="2764790" cy="1235075"/>
           </a:xfrm>
           <a:prstGeom prst="roundRect"/>
           <a:solidFill>
@@ -10015,19 +10635,152 @@
           </a:solidFill>
         </p:spPr>
       </p:pic>
+      <p:sp>
+        <p:nvSpPr>
+          <p:cNvPr id="1193" name="텍스트 상자 24"/>
+          <p:cNvSpPr txBox="1">
+            <a:spLocks/>
+          </p:cNvSpPr>
+          <p:nvPr/>
+        </p:nvSpPr>
+        <p:spPr>
+          <a:xfrm rot="0">
+            <a:off x="1249045" y="2787650"/>
+            <a:ext cx="4124325" cy="677545"/>
+          </a:xfrm>
+          <a:prstGeom prst="rect"/>
+          <a:noFill/>
+          <a:ln w="0">
+            <a:noFill/>
+            <a:prstDash/>
+          </a:ln>
+        </p:spPr>
+        <p:txBody>
+          <a:bodyPr wrap="square" lIns="89535" tIns="46355" rIns="89535" bIns="46355" vert="horz" anchor="t">
+            <a:spAutoFit/>
+          </a:bodyPr>
+          <a:lstStyle/>
+          <a:p>
+            <a:pPr marL="0" indent="0" rtl="0" algn="l" defTabSz="914400" eaLnBrk="1" latinLnBrk="0" hangingPunct="1">
+              <a:buFontTx/>
+              <a:buNone/>
+            </a:pPr>
+            <a:r>
+              <a:rPr sz="2000" b="1">
+                <a:solidFill>
+                  <a:srgbClr val="0611F2"/>
+                </a:solidFill>
+                <a:latin typeface="맑은 고딕" charset="0"/>
+                <a:ea typeface="맑은 고딕" charset="0"/>
+              </a:rPr>
+              <a:t>1</a:t>
+            </a:r>
+            <a:r>
+              <a:rPr sz="2000" b="1">
+                <a:solidFill>
+                  <a:srgbClr val="0611F2"/>
+                </a:solidFill>
+                <a:latin typeface="맑은 고딕" charset="0"/>
+                <a:ea typeface="맑은 고딕" charset="0"/>
+              </a:rPr>
+              <a:t>6</a:t>
+            </a:r>
+            <a:r>
+              <a:rPr sz="2000" b="1">
+                <a:solidFill>
+                  <a:srgbClr val="0611F2"/>
+                </a:solidFill>
+                <a:latin typeface="맑은 고딕" charset="0"/>
+                <a:ea typeface="맑은 고딕" charset="0"/>
+              </a:rPr>
+              <a:t>.</a:t>
+            </a:r>
+            <a:r>
+              <a:rPr sz="2000">
+                <a:solidFill>
+                  <a:srgbClr val="0611F2"/>
+                </a:solidFill>
+                <a:latin typeface="맑은 고딕" charset="0"/>
+                <a:ea typeface="맑은 고딕" charset="0"/>
+              </a:rPr>
+              <a:t> </a:t>
+            </a:r>
+            <a:r>
+              <a:rPr sz="1800">
+                <a:latin typeface="맑은 고딕" charset="0"/>
+                <a:ea typeface="맑은 고딕" charset="0"/>
+              </a:rPr>
+              <a:t>그다음 Kick Button </a:t>
+            </a:r>
+            <a:r>
+              <a:rPr sz="1800">
+                <a:latin typeface="맑은 고딕" charset="0"/>
+                <a:ea typeface="맑은 고딕" charset="0"/>
+              </a:rPr>
+              <a:t>오브젝트의</a:t>
+            </a:r>
+            <a:r>
+              <a:rPr sz="1800">
+                <a:latin typeface="맑은 고딕" charset="0"/>
+                <a:ea typeface="맑은 고딕" charset="0"/>
+              </a:rPr>
+              <a:t> </a:t>
+            </a:r>
+            <a:r>
+              <a:rPr sz="1800">
+                <a:latin typeface="맑은 고딕" charset="0"/>
+                <a:ea typeface="맑은 고딕" charset="0"/>
+              </a:rPr>
+              <a:t>On</a:t>
+            </a:r>
+            <a:r>
+              <a:rPr sz="1800">
+                <a:latin typeface="맑은 고딕" charset="0"/>
+                <a:ea typeface="맑은 고딕" charset="0"/>
+              </a:rPr>
+              <a:t> </a:t>
+            </a:r>
+            <a:r>
+              <a:rPr sz="1800">
+                <a:latin typeface="맑은 고딕" charset="0"/>
+                <a:ea typeface="맑은 고딕" charset="0"/>
+              </a:rPr>
+              <a:t>Click(</a:t>
+            </a:r>
+            <a:r>
+              <a:rPr sz="1800">
+                <a:latin typeface="맑은 고딕" charset="0"/>
+                <a:ea typeface="맑은 고딕" charset="0"/>
+              </a:rPr>
+              <a:t> ) 함수를 </a:t>
+            </a:r>
+            <a:r>
+              <a:rPr sz="1800">
+                <a:latin typeface="맑은 고딕" charset="0"/>
+                <a:ea typeface="맑은 고딕" charset="0"/>
+              </a:rPr>
+              <a:t>추가합니다.</a:t>
+            </a:r>
+            <a:endParaRPr lang="ko-KR" altLang="en-US" sz="1800">
+              <a:latin typeface="맑은 고딕" charset="0"/>
+              <a:ea typeface="맑은 고딕" charset="0"/>
+            </a:endParaRPr>
+          </a:p>
+        </p:txBody>
+      </p:sp>
       <p:pic>
         <p:nvPicPr>
-          <p:cNvPr id="1135" name="그림 50" descr="C:/Users/Admin1/AppData/Roaming/PolarisOffice/ETemp/13876_17549616/fImage92502368145.png"/>
+          <p:cNvPr id="1194" name="그림 25" descr="C:/Users/Admin1/AppData/Roaming/PolarisOffice/ETemp/21544_15856240/fImage99872565724.png"/>
           <p:cNvPicPr>
             <a:picLocks noChangeAspect="1"/>
           </p:cNvPicPr>
           <p:nvPr/>
         </p:nvPicPr>
         <p:blipFill rotWithShape="1">
-          <a:blip r:embed="rId7" cstate="hqprint">
+          <a:blip r:embed="rId3" cstate="print">
             <a:extLst>
               <a:ext uri="{28A0092B-C50C-407E-A947-70E740481C1C}">
-                <a14:useLocalDpi xmlns:a14="http://schemas.microsoft.com/office/drawing/2010/main"/>
+                <a14:useLocalDpi xmlns:a14="http://schemas.microsoft.com/office/drawing/2010/main" val="0"/>
               </a:ext>
             </a:extLst>
           </a:blip>
@@ -10037,8 +10790,8 @@
         </p:blipFill>
         <p:spPr>
           <a:xfrm rot="0">
-            <a:off x="4114800" y="2012315"/>
-            <a:ext cx="1266190" cy="2070735"/>
+            <a:off x="1247140" y="1449070"/>
+            <a:ext cx="1268730" cy="1238885"/>
           </a:xfrm>
           <a:prstGeom prst="roundRect"/>
           <a:solidFill>
@@ -10046,73 +10799,19 @@
           </a:solidFill>
         </p:spPr>
       </p:pic>
-      <p:sp>
-        <p:nvSpPr>
-          <p:cNvPr id="1138" name="텍스트 상자 58"/>
-          <p:cNvSpPr txBox="1">
-            <a:spLocks/>
-          </p:cNvSpPr>
-          <p:nvPr/>
-        </p:nvSpPr>
-        <p:spPr>
-          <a:xfrm rot="0">
-            <a:off x="6807835" y="5477510"/>
-            <a:ext cx="4166235" cy="677545"/>
-          </a:xfrm>
-          <a:prstGeom prst="rect"/>
-          <a:noFill/>
-          <a:ln w="0">
-            <a:noFill/>
-            <a:prstDash/>
-          </a:ln>
-        </p:spPr>
-        <p:txBody>
-          <a:bodyPr wrap="square" lIns="89535" tIns="46355" rIns="89535" bIns="46355" numCol="1" vert="horz" anchor="t">
-            <a:spAutoFit/>
-          </a:bodyPr>
-          <a:lstStyle/>
-          <a:p>
-            <a:pPr marL="0" indent="0" algn="l" latinLnBrk="0" hangingPunct="1">
-              <a:buFontTx/>
-              <a:buNone/>
-            </a:pPr>
-            <a:r>
-              <a:rPr lang="ko-KR" sz="2000" b="1">
-                <a:solidFill>
-                  <a:srgbClr val="0611F2"/>
-                </a:solidFill>
-                <a:latin typeface="맑은 고딕" charset="0"/>
-                <a:ea typeface="맑은 고딕" charset="0"/>
-              </a:rPr>
-              <a:t>30. </a:t>
-            </a:r>
-            <a:r>
-              <a:rPr lang="ko-KR" sz="1800">
-                <a:latin typeface="맑은 고딕" charset="0"/>
-                <a:ea typeface="맑은 고딕" charset="0"/>
-              </a:rPr>
-              <a:t>그리고 Kick Button과 Running Button의 앵커와 위치를 설정합니다.</a:t>
-            </a:r>
-            <a:endParaRPr lang="ko-KR" altLang="en-US" sz="1800">
-              <a:latin typeface="맑은 고딕" charset="0"/>
-              <a:ea typeface="맑은 고딕" charset="0"/>
-            </a:endParaRPr>
-          </a:p>
-        </p:txBody>
-      </p:sp>
       <p:pic>
         <p:nvPicPr>
-          <p:cNvPr id="1139" name="그림 78" descr="C:/Users/Admin1/AppData/Roaming/PolarisOffice/ETemp/13876_17549616/fImage121153393281.png"/>
+          <p:cNvPr id="1195" name="그림 28" descr="C:/Users/Admin1/AppData/Roaming/PolarisOffice/ETemp/21544_15856240/fImage122162571478.png"/>
           <p:cNvPicPr>
             <a:picLocks noChangeAspect="1"/>
           </p:cNvPicPr>
           <p:nvPr/>
         </p:nvPicPr>
         <p:blipFill rotWithShape="1">
-          <a:blip r:embed="rId8" cstate="hqprint">
+          <a:blip r:embed="rId4" cstate="print">
             <a:extLst>
               <a:ext uri="{28A0092B-C50C-407E-A947-70E740481C1C}">
-                <a14:useLocalDpi xmlns:a14="http://schemas.microsoft.com/office/drawing/2010/main"/>
+                <a14:useLocalDpi xmlns:a14="http://schemas.microsoft.com/office/drawing/2010/main" val="0"/>
               </a:ext>
             </a:extLst>
           </a:blip>
@@ -10122,8 +10821,8 @@
         </p:blipFill>
         <p:spPr>
           <a:xfrm rot="0">
-            <a:off x="6814820" y="1384935"/>
-            <a:ext cx="4159250" cy="1837690"/>
+            <a:off x="1240790" y="3600450"/>
+            <a:ext cx="4135120" cy="1494155"/>
           </a:xfrm>
           <a:prstGeom prst="roundRect"/>
           <a:solidFill>
@@ -10133,17 +10832,17 @@
       </p:pic>
       <p:pic>
         <p:nvPicPr>
-          <p:cNvPr id="1140" name="그림 81" descr="C:/Users/Admin1/AppData/Roaming/PolarisOffice/ETemp/13876_17549616/fImage123733406827.png"/>
+          <p:cNvPr id="1196" name="그림 31" descr="C:/Users/Admin1/AppData/Roaming/PolarisOffice/ETemp/21544_15856240/fImage235402589358.png"/>
           <p:cNvPicPr>
             <a:picLocks noChangeAspect="1"/>
           </p:cNvPicPr>
           <p:nvPr/>
         </p:nvPicPr>
         <p:blipFill rotWithShape="1">
-          <a:blip r:embed="rId9" cstate="hqprint">
+          <a:blip r:embed="rId5" cstate="print">
             <a:extLst>
               <a:ext uri="{28A0092B-C50C-407E-A947-70E740481C1C}">
-                <a14:useLocalDpi xmlns:a14="http://schemas.microsoft.com/office/drawing/2010/main"/>
+                <a14:useLocalDpi xmlns:a14="http://schemas.microsoft.com/office/drawing/2010/main" val="0"/>
               </a:ext>
             </a:extLst>
           </a:blip>
@@ -10153,8 +10852,8 @@
         </p:blipFill>
         <p:spPr>
           <a:xfrm rot="0">
-            <a:off x="6805295" y="3461385"/>
-            <a:ext cx="4168775" cy="1838960"/>
+            <a:off x="6830695" y="1438275"/>
+            <a:ext cx="4135120" cy="3023870"/>
           </a:xfrm>
           <a:prstGeom prst="roundRect"/>
           <a:solidFill>
@@ -10186,7 +10885,7 @@
 </file>
 
 <file path=ppt/slides/slide8.xml><?xml version="1.0" encoding="utf-8"?>
-<p:sld xmlns:a="http://schemas.openxmlformats.org/drawingml/2006/main" xmlns:r="http://schemas.openxmlformats.org/officeDocument/2006/relationships" xmlns:p="http://schemas.openxmlformats.org/presentationml/2006/main" xmlns:p14="http://schemas.microsoft.com/office/powerpoint/2010/main">
+<p:sld xmlns:a="http://schemas.openxmlformats.org/drawingml/2006/main" xmlns:r="http://schemas.openxmlformats.org/officeDocument/2006/relationships" xmlns:p="http://schemas.openxmlformats.org/presentationml/2006/main">
   <p:cSld>
     <p:spTree>
       <p:nvGrpSpPr>
@@ -10204,7 +10903,7 @@
       </p:grpSpPr>
       <p:sp>
         <p:nvSpPr>
-          <p:cNvPr id="1127" name="Rect 0"/>
+          <p:cNvPr id="1154" name="Rect 0"/>
           <p:cNvSpPr txBox="1">
             <a:spLocks/>
           </p:cNvSpPr>
@@ -10212,8 +10911,8 @@
         </p:nvSpPr>
         <p:spPr>
           <a:xfrm rot="0">
-            <a:off x="6813550" y="4354195"/>
-            <a:ext cx="4144010" cy="1784985"/>
+            <a:off x="4280535" y="405130"/>
+            <a:ext cx="3627755" cy="478155"/>
           </a:xfrm>
           <a:prstGeom prst="rect"/>
           <a:noFill/>
@@ -10228,78 +10927,43 @@
           </a:bodyPr>
           <a:lstStyle/>
           <a:p>
-            <a:pPr marL="0" indent="0" algn="l" latinLnBrk="0" hangingPunct="1">
-              <a:buFontTx/>
-              <a:buNone/>
-            </a:pPr>
-            <a:r>
-              <a:rPr lang="ko-KR" sz="2000" b="1">
+            <a:pPr marL="0" indent="0" algn="ctr" latinLnBrk="0">
+              <a:buFontTx/>
+              <a:buNone/>
+            </a:pPr>
+            <a:r>
+              <a:rPr lang="ko-KR" altLang="en-US" sz="2500" b="1">
                 <a:solidFill>
-                  <a:srgbClr val="0611F2"/>
+                  <a:schemeClr val="tx1"/>
                 </a:solidFill>
-                <a:latin typeface="맑은 고딕" charset="0"/>
-                <a:ea typeface="맑은 고딕" charset="0"/>
-              </a:rPr>
-              <a:t>32. </a:t>
-            </a:r>
-            <a:r>
-              <a:rPr lang="ko-KR" sz="1800">
-                <a:latin typeface="맑은 고딕" charset="0"/>
-                <a:ea typeface="맑은 고딕" charset="0"/>
-              </a:rPr>
-              <a:t>이제 Kick</a:t>
-            </a:r>
-            <a:r>
-              <a:rPr sz="1800">
-                <a:latin typeface="맑은 고딕" charset="0"/>
-                <a:ea typeface="맑은 고딕" charset="0"/>
-              </a:rPr>
-              <a:t> Button과 Running Button</a:t>
-            </a:r>
-            <a:r>
-              <a:rPr lang="ko-KR" sz="1800">
-                <a:latin typeface="맑은 고딕" charset="0"/>
-                <a:ea typeface="맑은 고딕" charset="0"/>
-              </a:rPr>
-              <a:t>에 이벤트 함수를 선택합니다.</a:t>
-            </a:r>
-            <a:endParaRPr lang="ko-KR" altLang="en-US" sz="1800">
-              <a:latin typeface="맑은 고딕" charset="0"/>
-              <a:ea typeface="맑은 고딕" charset="0"/>
+                <a:latin typeface="나눔바른고딕" charset="0"/>
+                <a:ea typeface="나눔바른고딕" charset="0"/>
+              </a:rPr>
+              <a:t>여덟</a:t>
+            </a:r>
+            <a:r>
+              <a:rPr lang="ko-KR" altLang="en-US" sz="2500" b="1">
+                <a:solidFill>
+                  <a:schemeClr val="tx1"/>
+                </a:solidFill>
+                <a:latin typeface="나눔바른고딕" charset="0"/>
+                <a:ea typeface="나눔바른고딕" charset="0"/>
+              </a:rPr>
+              <a:t> 번째 튜토리얼</a:t>
+            </a:r>
+            <a:endParaRPr lang="ko-KR" altLang="en-US" sz="2500" b="1">
+              <a:solidFill>
+                <a:schemeClr val="tx1"/>
+              </a:solidFill>
+              <a:latin typeface="나눔바른고딕" charset="0"/>
+              <a:ea typeface="나눔바른고딕" charset="0"/>
             </a:endParaRPr>
           </a:p>
-          <a:p>
-            <a:pPr marL="0" indent="0" algn="l" latinLnBrk="0" hangingPunct="1">
-              <a:buFontTx/>
-              <a:buNone/>
-            </a:pPr>
-            <a:endParaRPr lang="ko-KR" altLang="en-US" sz="1800">
-              <a:latin typeface="맑은 고딕" charset="0"/>
-              <a:ea typeface="맑은 고딕" charset="0"/>
-            </a:endParaRPr>
-          </a:p>
-          <a:p>
-            <a:pPr marL="0" indent="0" algn="l" latinLnBrk="0" hangingPunct="1">
-              <a:buFontTx/>
-              <a:buNone/>
-            </a:pPr>
-            <a:r>
-              <a:rPr lang="ko-KR" sz="1800">
-                <a:latin typeface="맑은 고딕" charset="0"/>
-                <a:ea typeface="맑은 고딕" charset="0"/>
-              </a:rPr>
-              <a:t>그런 다음 AnimationAction 스크립트에 있는 Kick( )함수와 Running( ) 함수를 등록합니다.  </a:t>
-            </a:r>
-            <a:endParaRPr lang="ko-KR" altLang="en-US" sz="1800">
-              <a:latin typeface="맑은 고딕" charset="0"/>
-              <a:ea typeface="맑은 고딕" charset="0"/>
-            </a:endParaRPr>
-          </a:p>
-        </p:txBody>
-      </p:sp>
-      <p:sp>
-        <p:nvSpPr>
-          <p:cNvPr id="1130" name="Rect 0"/>
+        </p:txBody>
+      </p:sp>
+      <p:sp>
+        <p:nvSpPr>
+          <p:cNvPr id="1177" name="Rect 0"/>
           <p:cNvSpPr txBox="1">
             <a:spLocks/>
           </p:cNvSpPr>
@@ -10307,8 +10971,8 @@
         </p:nvSpPr>
         <p:spPr>
           <a:xfrm rot="0">
-            <a:off x="4298950" y="408940"/>
-            <a:ext cx="3590925" cy="554990"/>
+            <a:off x="1240790" y="4912995"/>
+            <a:ext cx="4143375" cy="1231265"/>
           </a:xfrm>
           <a:prstGeom prst="rect"/>
           <a:noFill/>
@@ -10323,63 +10987,451 @@
           </a:bodyPr>
           <a:lstStyle/>
           <a:p>
-            <a:pPr marL="0" indent="0" algn="l" latinLnBrk="0">
-              <a:buFontTx/>
-              <a:buNone/>
-            </a:pPr>
-            <a:r>
-              <a:rPr lang="ko-KR" altLang="en-US" sz="3000" b="1">
+            <a:pPr marL="0" indent="0" algn="l" latinLnBrk="0" hangingPunct="1">
+              <a:buFontTx/>
+              <a:buNone/>
+            </a:pPr>
+            <a:r>
+              <a:rPr lang="ko-KR" sz="2000" b="1">
                 <a:solidFill>
-                  <a:schemeClr val="tx1"/>
+                  <a:srgbClr val="0611F2"/>
                 </a:solidFill>
                 <a:latin typeface="맑은 고딕" charset="0"/>
                 <a:ea typeface="맑은 고딕" charset="0"/>
               </a:rPr>
-              <a:t>열</a:t>
-            </a:r>
-            <a:r>
-              <a:rPr lang="ko-KR" altLang="en-US" sz="3000" b="1">
+              <a:t>19.</a:t>
+            </a:r>
+            <a:r>
+              <a:rPr lang="ko-KR" sz="2000" b="1">
                 <a:solidFill>
-                  <a:schemeClr val="tx1"/>
+                  <a:srgbClr val="0611F2"/>
                 </a:solidFill>
                 <a:latin typeface="맑은 고딕" charset="0"/>
                 <a:ea typeface="맑은 고딕" charset="0"/>
               </a:rPr>
-              <a:t>세</a:t>
-            </a:r>
-            <a:r>
-              <a:rPr lang="ko-KR" altLang="en-US" sz="3000" b="1">
-                <a:solidFill>
-                  <a:schemeClr val="tx1"/>
-                </a:solidFill>
-                <a:latin typeface="맑은 고딕" charset="0"/>
-                <a:ea typeface="맑은 고딕" charset="0"/>
-              </a:rPr>
-              <a:t> 번째 </a:t>
-            </a:r>
-            <a:r>
-              <a:rPr lang="ko-KR" altLang="en-US" sz="3000" b="1">
-                <a:solidFill>
-                  <a:schemeClr val="tx1"/>
-                </a:solidFill>
-                <a:latin typeface="맑은 고딕" charset="0"/>
-                <a:ea typeface="맑은 고딕" charset="0"/>
-              </a:rPr>
-              <a:t>튜토리얼</a:t>
-            </a:r>
-            <a:endParaRPr lang="ko-KR" altLang="en-US" sz="3000" b="1">
-              <a:solidFill>
-                <a:schemeClr val="tx1"/>
-              </a:solidFill>
+              <a:t> </a:t>
+            </a:r>
+            <a:r>
+              <a:rPr lang="ko-KR" sz="1800">
+                <a:latin typeface="맑은 고딕" charset="0"/>
+                <a:ea typeface="맑은 고딕" charset="0"/>
+              </a:rPr>
+              <a:t>그런 다음 Project 폴더 아래에 </a:t>
+            </a:r>
+            <a:r>
+              <a:rPr lang="ko-KR" sz="1800">
+                <a:latin typeface="맑은 고딕" charset="0"/>
+                <a:ea typeface="맑은 고딕" charset="0"/>
+              </a:rPr>
+              <a:t>있는</a:t>
+            </a:r>
+            <a:r>
+              <a:rPr lang="ko-KR" sz="1800">
+                <a:latin typeface="맑은 고딕" charset="0"/>
+                <a:ea typeface="맑은 고딕" charset="0"/>
+              </a:rPr>
+              <a:t> </a:t>
+            </a:r>
+            <a:r>
+              <a:rPr lang="ko-KR" sz="1800">
+                <a:latin typeface="맑은 고딕" charset="0"/>
+                <a:ea typeface="맑은 고딕" charset="0"/>
+              </a:rPr>
+              <a:t>Animation</a:t>
+            </a:r>
+            <a:r>
+              <a:rPr lang="ko-KR" sz="1800">
+                <a:latin typeface="맑은 고딕" charset="0"/>
+                <a:ea typeface="맑은 고딕" charset="0"/>
+              </a:rPr>
+              <a:t> </a:t>
+            </a:r>
+            <a:r>
+              <a:rPr lang="ko-KR" sz="1800">
+                <a:latin typeface="맑은 고딕" charset="0"/>
+                <a:ea typeface="맑은 고딕" charset="0"/>
+              </a:rPr>
+              <a:t>폴더에</a:t>
+            </a:r>
+            <a:r>
+              <a:rPr lang="ko-KR" sz="1800">
+                <a:latin typeface="맑은 고딕" charset="0"/>
+                <a:ea typeface="맑은 고딕" charset="0"/>
+              </a:rPr>
+              <a:t> Running </a:t>
+            </a:r>
+            <a:r>
+              <a:rPr lang="ko-KR" sz="1800">
+                <a:latin typeface="맑은 고딕" charset="0"/>
+                <a:ea typeface="맑은 고딕" charset="0"/>
+              </a:rPr>
+              <a:t>애니메이션을</a:t>
+            </a:r>
+            <a:r>
+              <a:rPr lang="ko-KR" sz="1800">
+                <a:latin typeface="맑은 고딕" charset="0"/>
+                <a:ea typeface="맑은 고딕" charset="0"/>
+              </a:rPr>
+              <a:t> </a:t>
+            </a:r>
+            <a:r>
+              <a:rPr lang="ko-KR" sz="1800">
+                <a:latin typeface="맑은 고딕" charset="0"/>
+                <a:ea typeface="맑은 고딕" charset="0"/>
+              </a:rPr>
+              <a:t>Base</a:t>
+            </a:r>
+            <a:r>
+              <a:rPr lang="ko-KR" sz="1800">
+                <a:latin typeface="맑은 고딕" charset="0"/>
+                <a:ea typeface="맑은 고딕" charset="0"/>
+              </a:rPr>
+              <a:t> </a:t>
+            </a:r>
+            <a:r>
+              <a:rPr lang="ko-KR" sz="1800">
+                <a:latin typeface="맑은 고딕" charset="0"/>
+                <a:ea typeface="맑은 고딕" charset="0"/>
+              </a:rPr>
+              <a:t>Layer에</a:t>
+            </a:r>
+            <a:r>
+              <a:rPr lang="ko-KR" sz="1800">
+                <a:latin typeface="맑은 고딕" charset="0"/>
+                <a:ea typeface="맑은 고딕" charset="0"/>
+              </a:rPr>
+              <a:t> </a:t>
+            </a:r>
+            <a:r>
+              <a:rPr lang="ko-KR" sz="1800">
+                <a:latin typeface="맑은 고딕" charset="0"/>
+                <a:ea typeface="맑은 고딕" charset="0"/>
+              </a:rPr>
+              <a:t>추가합니다.</a:t>
+            </a:r>
+            <a:endParaRPr lang="ko-KR" altLang="en-US" sz="1800">
               <a:latin typeface="맑은 고딕" charset="0"/>
               <a:ea typeface="맑은 고딕" charset="0"/>
             </a:endParaRPr>
           </a:p>
         </p:txBody>
       </p:sp>
+      <p:sp>
+        <p:nvSpPr>
+          <p:cNvPr id="1181" name="Rect 0"/>
+          <p:cNvSpPr txBox="1">
+            <a:spLocks/>
+          </p:cNvSpPr>
+          <p:nvPr/>
+        </p:nvSpPr>
+        <p:spPr>
+          <a:xfrm rot="0">
+            <a:off x="6831330" y="4080510"/>
+            <a:ext cx="4134485" cy="2061845"/>
+          </a:xfrm>
+          <a:prstGeom prst="rect"/>
+          <a:noFill/>
+          <a:ln w="0">
+            <a:noFill/>
+            <a:prstDash/>
+          </a:ln>
+        </p:spPr>
+        <p:txBody>
+          <a:bodyPr wrap="square" lIns="89535" tIns="46355" rIns="89535" bIns="46355" numCol="1" vert="horz" anchor="t">
+            <a:spAutoFit/>
+          </a:bodyPr>
+          <a:lstStyle/>
+          <a:p>
+            <a:pPr marL="0" indent="0" algn="l" latinLnBrk="0" hangingPunct="1">
+              <a:buFontTx/>
+              <a:buNone/>
+            </a:pPr>
+            <a:r>
+              <a:rPr lang="ko-KR" sz="2000" b="1">
+                <a:solidFill>
+                  <a:srgbClr val="0611F2"/>
+                </a:solidFill>
+                <a:latin typeface="맑은 고딕" charset="0"/>
+                <a:ea typeface="맑은 고딕" charset="0"/>
+              </a:rPr>
+              <a:t>2</a:t>
+            </a:r>
+            <a:r>
+              <a:rPr lang="ko-KR" sz="2000" b="1">
+                <a:solidFill>
+                  <a:srgbClr val="0611F2"/>
+                </a:solidFill>
+                <a:latin typeface="맑은 고딕" charset="0"/>
+                <a:ea typeface="맑은 고딕" charset="0"/>
+              </a:rPr>
+              <a:t>0</a:t>
+            </a:r>
+            <a:r>
+              <a:rPr lang="ko-KR" sz="2000" b="1">
+                <a:solidFill>
+                  <a:srgbClr val="0611F2"/>
+                </a:solidFill>
+                <a:latin typeface="맑은 고딕" charset="0"/>
+                <a:ea typeface="맑은 고딕" charset="0"/>
+              </a:rPr>
+              <a:t>.</a:t>
+            </a:r>
+            <a:r>
+              <a:rPr lang="ko-KR" sz="2000" b="1">
+                <a:solidFill>
+                  <a:srgbClr val="0611F2"/>
+                </a:solidFill>
+                <a:latin typeface="맑은 고딕" charset="0"/>
+                <a:ea typeface="맑은 고딕" charset="0"/>
+              </a:rPr>
+              <a:t> </a:t>
+            </a:r>
+            <a:r>
+              <a:rPr sz="1800">
+                <a:latin typeface="맑은 고딕" charset="0"/>
+                <a:ea typeface="맑은 고딕" charset="0"/>
+              </a:rPr>
+              <a:t>그다음</a:t>
+            </a:r>
+            <a:r>
+              <a:rPr sz="1800">
+                <a:latin typeface="맑은 고딕" charset="0"/>
+                <a:ea typeface="맑은 고딕" charset="0"/>
+              </a:rPr>
+              <a:t> Project 폴더 아래에 </a:t>
+            </a:r>
+            <a:r>
+              <a:rPr sz="1800">
+                <a:latin typeface="맑은 고딕" charset="0"/>
+                <a:ea typeface="맑은 고딕" charset="0"/>
+              </a:rPr>
+              <a:t>있는</a:t>
+            </a:r>
+            <a:r>
+              <a:rPr sz="1800">
+                <a:latin typeface="맑은 고딕" charset="0"/>
+                <a:ea typeface="맑은 고딕" charset="0"/>
+              </a:rPr>
+              <a:t> </a:t>
+            </a:r>
+            <a:r>
+              <a:rPr sz="1800">
+                <a:latin typeface="맑은 고딕" charset="0"/>
+                <a:ea typeface="맑은 고딕" charset="0"/>
+              </a:rPr>
+              <a:t>Texture</a:t>
+            </a:r>
+            <a:r>
+              <a:rPr sz="1800">
+                <a:latin typeface="맑은 고딕" charset="0"/>
+                <a:ea typeface="맑은 고딕" charset="0"/>
+              </a:rPr>
+              <a:t> 폴더에 Run </a:t>
+            </a:r>
+            <a:r>
+              <a:rPr sz="1800">
+                <a:latin typeface="맑은 고딕" charset="0"/>
+                <a:ea typeface="맑은 고딕" charset="0"/>
+              </a:rPr>
+              <a:t>텍스처를</a:t>
+            </a:r>
+            <a:r>
+              <a:rPr sz="1800">
+                <a:latin typeface="맑은 고딕" charset="0"/>
+                <a:ea typeface="맑은 고딕" charset="0"/>
+              </a:rPr>
+              <a:t> </a:t>
+            </a:r>
+            <a:r>
+              <a:rPr sz="1800">
+                <a:latin typeface="맑은 고딕" charset="0"/>
+                <a:ea typeface="맑은 고딕" charset="0"/>
+              </a:rPr>
+              <a:t>선택합니다.</a:t>
+            </a:r>
+            <a:endParaRPr lang="ko-KR" altLang="en-US" sz="1800">
+              <a:latin typeface="맑은 고딕" charset="0"/>
+              <a:ea typeface="맑은 고딕" charset="0"/>
+            </a:endParaRPr>
+          </a:p>
+          <a:p>
+            <a:pPr marL="0" indent="0" rtl="0" algn="l" defTabSz="914400" eaLnBrk="1" latinLnBrk="0" hangingPunct="1">
+              <a:buFontTx/>
+              <a:buNone/>
+            </a:pPr>
+            <a:endParaRPr lang="ko-KR" altLang="en-US" sz="1800">
+              <a:latin typeface="맑은 고딕" charset="0"/>
+              <a:ea typeface="맑은 고딕" charset="0"/>
+            </a:endParaRPr>
+          </a:p>
+          <a:p>
+            <a:pPr marL="0" indent="0" rtl="0" algn="l" defTabSz="914400" eaLnBrk="1" latinLnBrk="0" hangingPunct="1">
+              <a:buFontTx/>
+              <a:buNone/>
+            </a:pPr>
+            <a:r>
+              <a:rPr sz="1800">
+                <a:latin typeface="맑은 고딕" charset="0"/>
+                <a:ea typeface="맑은 고딕" charset="0"/>
+              </a:rPr>
+              <a:t>그</a:t>
+            </a:r>
+            <a:r>
+              <a:rPr sz="1800">
+                <a:latin typeface="맑은 고딕" charset="0"/>
+                <a:ea typeface="맑은 고딕" charset="0"/>
+              </a:rPr>
+              <a:t>러</a:t>
+            </a:r>
+            <a:r>
+              <a:rPr lang="ko-KR" sz="1800">
+                <a:latin typeface="맑은 고딕" charset="0"/>
+                <a:ea typeface="맑은 고딕" charset="0"/>
+              </a:rPr>
+              <a:t>고</a:t>
+            </a:r>
+            <a:r>
+              <a:rPr lang="ko-KR" sz="1800">
+                <a:latin typeface="맑은 고딕" charset="0"/>
+                <a:ea typeface="맑은 고딕" charset="0"/>
+              </a:rPr>
+              <a:t> </a:t>
+            </a:r>
+            <a:r>
+              <a:rPr lang="ko-KR" sz="1800">
+                <a:latin typeface="맑은 고딕" charset="0"/>
+                <a:ea typeface="맑은 고딕" charset="0"/>
+              </a:rPr>
+              <a:t>나서</a:t>
+            </a:r>
+            <a:r>
+              <a:rPr sz="1800">
+                <a:latin typeface="맑은 고딕" charset="0"/>
+                <a:ea typeface="맑은 고딕" charset="0"/>
+              </a:rPr>
+              <a:t> Running Button </a:t>
+            </a:r>
+            <a:r>
+              <a:rPr sz="1800">
+                <a:latin typeface="맑은 고딕" charset="0"/>
+                <a:ea typeface="맑은 고딕" charset="0"/>
+              </a:rPr>
+              <a:t>오브젝트의</a:t>
+            </a:r>
+            <a:r>
+              <a:rPr sz="1800">
+                <a:latin typeface="맑은 고딕" charset="0"/>
+                <a:ea typeface="맑은 고딕" charset="0"/>
+              </a:rPr>
+              <a:t> </a:t>
+            </a:r>
+            <a:r>
+              <a:rPr sz="1800">
+                <a:latin typeface="맑은 고딕" charset="0"/>
+                <a:ea typeface="맑은 고딕" charset="0"/>
+              </a:rPr>
+              <a:t>Source</a:t>
+            </a:r>
+            <a:r>
+              <a:rPr sz="1800">
+                <a:latin typeface="맑은 고딕" charset="0"/>
+                <a:ea typeface="맑은 고딕" charset="0"/>
+              </a:rPr>
+              <a:t> </a:t>
+            </a:r>
+            <a:r>
+              <a:rPr sz="1800">
+                <a:latin typeface="맑은 고딕" charset="0"/>
+                <a:ea typeface="맑은 고딕" charset="0"/>
+              </a:rPr>
+              <a:t>Image에</a:t>
+            </a:r>
+            <a:r>
+              <a:rPr sz="1800">
+                <a:latin typeface="맑은 고딕" charset="0"/>
+                <a:ea typeface="맑은 고딕" charset="0"/>
+              </a:rPr>
+              <a:t> </a:t>
+            </a:r>
+            <a:r>
+              <a:rPr sz="1800">
+                <a:latin typeface="맑은 고딕" charset="0"/>
+                <a:ea typeface="맑은 고딕" charset="0"/>
+              </a:rPr>
+              <a:t>넣어줍니다.</a:t>
+            </a:r>
+            <a:endParaRPr lang="ko-KR" altLang="en-US" sz="1800">
+              <a:latin typeface="맑은 고딕" charset="0"/>
+              <a:ea typeface="맑은 고딕" charset="0"/>
+            </a:endParaRPr>
+          </a:p>
+        </p:txBody>
+      </p:sp>
       <p:pic>
         <p:nvPicPr>
-          <p:cNvPr id="1138" name="그림 223" descr="C:/Users/Admin1/AppData/Roaming/PolarisOffice/ETemp/13876_17549616/fImage51935165547.png"/>
+          <p:cNvPr id="1186" name="그림 1" descr="C:/Users/Admin1/AppData/Roaming/PolarisOffice/ETemp/21544_15856240/fImage225382206962.png"/>
+          <p:cNvPicPr>
+            <a:picLocks noChangeAspect="1"/>
+          </p:cNvPicPr>
+          <p:nvPr/>
+        </p:nvPicPr>
+        <p:blipFill rotWithShape="1">
+          <a:blip r:embed="rId2" cstate="print">
+            <a:extLst>
+              <a:ext uri="{28A0092B-C50C-407E-A947-70E740481C1C}">
+                <a14:useLocalDpi xmlns:a14="http://schemas.microsoft.com/office/drawing/2010/main" val="0"/>
+              </a:ext>
+            </a:extLst>
+          </a:blip>
+          <a:stretch>
+            <a:fillRect/>
+          </a:stretch>
+        </p:blipFill>
+        <p:spPr>
+          <a:xfrm rot="0">
+            <a:off x="1240790" y="1447165"/>
+            <a:ext cx="4143375" cy="2084705"/>
+          </a:xfrm>
+          <a:prstGeom prst="roundRect"/>
+          <a:solidFill>
+            <a:srgbClr val="EDEDED"/>
+          </a:solidFill>
+        </p:spPr>
+      </p:pic>
+      <p:pic>
+        <p:nvPicPr>
+          <p:cNvPr id="1187" name="그림 3" descr="C:/Users/Admin1/AppData/Roaming/PolarisOffice/ETemp/21544_15856240/fImage71562214464.png"/>
+          <p:cNvPicPr>
+            <a:picLocks noChangeAspect="1"/>
+          </p:cNvPicPr>
+          <p:nvPr/>
+        </p:nvPicPr>
+        <p:blipFill rotWithShape="1">
+          <a:blip r:embed="rId3" cstate="print">
+            <a:extLst>
+              <a:ext uri="{28A0092B-C50C-407E-A947-70E740481C1C}">
+                <a14:useLocalDpi xmlns:a14="http://schemas.microsoft.com/office/drawing/2010/main" val="0"/>
+              </a:ext>
+            </a:extLst>
+          </a:blip>
+          <a:stretch>
+            <a:fillRect/>
+          </a:stretch>
+        </p:blipFill>
+        <p:spPr>
+          <a:xfrm rot="0">
+            <a:off x="1244600" y="3742690"/>
+            <a:ext cx="4131310" cy="1076960"/>
+          </a:xfrm>
+          <a:prstGeom prst="roundRect"/>
+          <a:solidFill>
+            <a:srgbClr val="EDEDED"/>
+          </a:solidFill>
+        </p:spPr>
+      </p:pic>
+      <p:pic>
+        <p:nvPicPr>
+          <p:cNvPr id="1179" name="Picture " descr="C:/Users/Admin1/AppData/Roaming/PolarisOffice/ETemp/21544_15856240/fImage22421734441.png"/>
           <p:cNvPicPr>
             <a:picLocks noChangeAspect="1"/>
           </p:cNvPicPr>
@@ -10398,29 +11450,27 @@
           </a:stretch>
         </p:blipFill>
         <p:spPr>
-          <a:xfrm rot="0">
-            <a:off x="6814820" y="2927985"/>
-            <a:ext cx="4142740" cy="1337310"/>
-          </a:xfrm>
-          <a:prstGeom prst="roundRect"/>
-          <a:solidFill>
-            <a:srgbClr val="EDEDED"/>
-          </a:solidFill>
+          <a:xfrm rot="16200000">
+            <a:off x="2988310" y="3325495"/>
+            <a:ext cx="626110" cy="499745"/>
+          </a:xfrm>
+          <a:prstGeom prst="rect"/>
+          <a:noFill/>
         </p:spPr>
       </p:pic>
       <p:pic>
         <p:nvPicPr>
-          <p:cNvPr id="1139" name="그림 224" descr="C:/Users/Admin1/AppData/Roaming/PolarisOffice/ETemp/13876_17549616/fImage51055177644.png"/>
+          <p:cNvPr id="1188" name="그림 37" descr="C:/Users/Admin1/AppData/Roaming/PolarisOffice/ETemp/21544_15856240/fImage163422625705.png"/>
           <p:cNvPicPr>
             <a:picLocks noChangeAspect="1"/>
           </p:cNvPicPr>
           <p:nvPr/>
         </p:nvPicPr>
         <p:blipFill rotWithShape="1">
-          <a:blip r:embed="rId5" cstate="hqprint">
+          <a:blip r:embed="rId5" cstate="print">
             <a:extLst>
               <a:ext uri="{28A0092B-C50C-407E-A947-70E740481C1C}">
-                <a14:useLocalDpi xmlns:a14="http://schemas.microsoft.com/office/drawing/2010/main"/>
+                <a14:useLocalDpi xmlns:a14="http://schemas.microsoft.com/office/drawing/2010/main" val="0"/>
               </a:ext>
             </a:extLst>
           </a:blip>
@@ -10430,8 +11480,8 @@
         </p:blipFill>
         <p:spPr>
           <a:xfrm rot="0">
-            <a:off x="6814820" y="1376045"/>
-            <a:ext cx="4142740" cy="1343025"/>
+            <a:off x="6822440" y="1435735"/>
+            <a:ext cx="4152265" cy="1510665"/>
           </a:xfrm>
           <a:prstGeom prst="roundRect"/>
           <a:solidFill>
@@ -10441,17 +11491,17 @@
       </p:pic>
       <p:pic>
         <p:nvPicPr>
-          <p:cNvPr id="1144" name="그림 60"/>
+          <p:cNvPr id="1189" name="그림 40" descr="C:/Users/Admin1/AppData/Roaming/PolarisOffice/ETemp/21544_15856240/fImage365232638145.png"/>
           <p:cNvPicPr>
             <a:picLocks noChangeAspect="1"/>
           </p:cNvPicPr>
           <p:nvPr/>
         </p:nvPicPr>
         <p:blipFill rotWithShape="1">
-          <a:blip r:embed="rId10" cstate="hqprint">
+          <a:blip r:embed="rId6" cstate="print">
             <a:extLst>
               <a:ext uri="{28A0092B-C50C-407E-A947-70E740481C1C}">
-                <a14:useLocalDpi xmlns:a14="http://schemas.microsoft.com/office/drawing/2010/main"/>
+                <a14:useLocalDpi xmlns:a14="http://schemas.microsoft.com/office/drawing/2010/main" val="0"/>
               </a:ext>
             </a:extLst>
           </a:blip>
@@ -10461,8 +11511,8 @@
         </p:blipFill>
         <p:spPr>
           <a:xfrm rot="0">
-            <a:off x="2693670" y="1376680"/>
-            <a:ext cx="2662555" cy="1290955"/>
+            <a:off x="6829425" y="3087370"/>
+            <a:ext cx="4128135" cy="909955"/>
           </a:xfrm>
           <a:prstGeom prst="roundRect"/>
           <a:solidFill>
@@ -10470,78 +11520,16 @@
           </a:solidFill>
         </p:spPr>
       </p:pic>
-      <p:pic>
-        <p:nvPicPr>
-          <p:cNvPr id="1145" name="그림 61"/>
-          <p:cNvPicPr>
-            <a:picLocks noChangeAspect="1"/>
-          </p:cNvPicPr>
-          <p:nvPr/>
-        </p:nvPicPr>
-        <p:blipFill rotWithShape="1">
-          <a:blip r:embed="rId11" cstate="hqprint">
-            <a:extLst>
-              <a:ext uri="{28A0092B-C50C-407E-A947-70E740481C1C}">
-                <a14:useLocalDpi xmlns:a14="http://schemas.microsoft.com/office/drawing/2010/main"/>
-              </a:ext>
-            </a:extLst>
-          </a:blip>
-          <a:stretch>
-            <a:fillRect/>
-          </a:stretch>
-        </p:blipFill>
-        <p:spPr>
-          <a:xfrm rot="0">
-            <a:off x="2702560" y="2961005"/>
-            <a:ext cx="2653030" cy="1299845"/>
-          </a:xfrm>
-          <a:prstGeom prst="roundRect"/>
-          <a:solidFill>
-            <a:srgbClr val="EDEDED"/>
-          </a:solidFill>
-        </p:spPr>
-      </p:pic>
-      <p:pic>
-        <p:nvPicPr>
-          <p:cNvPr id="1146" name="그림 70" descr="C:/Users/Admin1/AppData/Roaming/PolarisOffice/ETemp/13876_17549616/fImage93932522995.png"/>
-          <p:cNvPicPr>
-            <a:picLocks noChangeAspect="1"/>
-          </p:cNvPicPr>
-          <p:nvPr/>
-        </p:nvPicPr>
-        <p:blipFill rotWithShape="1">
-          <a:blip r:embed="rId12" cstate="hqprint">
-            <a:extLst>
-              <a:ext uri="{28A0092B-C50C-407E-A947-70E740481C1C}">
-                <a14:useLocalDpi xmlns:a14="http://schemas.microsoft.com/office/drawing/2010/main"/>
-              </a:ext>
-            </a:extLst>
-          </a:blip>
-          <a:stretch>
-            <a:fillRect/>
-          </a:stretch>
-        </p:blipFill>
-        <p:spPr>
-          <a:xfrm rot="0">
-            <a:off x="1238885" y="1376680"/>
-            <a:ext cx="1351915" cy="2887345"/>
-          </a:xfrm>
-          <a:prstGeom prst="roundRect"/>
-          <a:solidFill>
-            <a:srgbClr val="EDEDED"/>
-          </a:solidFill>
-        </p:spPr>
-      </p:pic>
       <p:cxnSp>
         <p:nvCxnSpPr>
-          <p:cNvPr id="1147" name="도형 73"/>
+          <p:cNvPr id="1190" name="도형 43"/>
           <p:cNvCxnSpPr/>
           <p:nvPr/>
         </p:nvCxnSpPr>
         <p:spPr>
-          <a:xfrm rot="0">
-            <a:off x="2485390" y="2952750"/>
-            <a:ext cx="988060" cy="805815"/>
+          <a:xfrm rot="0" flipV="1">
+            <a:off x="10508615" y="1670685"/>
+            <a:ext cx="336550" cy="1628775"/>
           </a:xfrm>
           <a:prstGeom prst="straightConnector1"/>
           <a:ln w="6350" cap="flat" cmpd="sng">
@@ -10565,554 +11553,6 @@
           </a:fontRef>
         </p:style>
       </p:cxnSp>
-      <p:sp>
-        <p:nvSpPr>
-          <p:cNvPr id="1148" name="텍스트 상자 74"/>
-          <p:cNvSpPr txBox="1">
-            <a:spLocks/>
-          </p:cNvSpPr>
-          <p:nvPr/>
-        </p:nvSpPr>
-        <p:spPr>
-          <a:xfrm rot="0">
-            <a:off x="1238885" y="4484370"/>
-            <a:ext cx="4114165" cy="1662430"/>
-          </a:xfrm>
-          <a:prstGeom prst="rect"/>
-          <a:noFill/>
-        </p:spPr>
-        <p:txBody>
-          <a:bodyPr wrap="square" lIns="0" tIns="0" rIns="0" bIns="0" numCol="1" vert="horz" anchor="t">
-            <a:noAutofit/>
-          </a:bodyPr>
-          <a:lstStyle/>
-          <a:p>
-            <a:pPr marL="0" indent="0" rtl="0" algn="l" defTabSz="914400" eaLnBrk="1" latinLnBrk="0" hangingPunct="1">
-              <a:buFontTx/>
-              <a:buNone/>
-            </a:pPr>
-            <a:r>
-              <a:rPr sz="1800" b="1">
-                <a:solidFill>
-                  <a:srgbClr val="0611F2"/>
-                </a:solidFill>
-                <a:latin typeface="맑은 고딕" charset="0"/>
-                <a:ea typeface="맑은 고딕" charset="0"/>
-              </a:rPr>
-              <a:t>31</a:t>
-            </a:r>
-            <a:r>
-              <a:rPr sz="1800" b="1">
-                <a:solidFill>
-                  <a:srgbClr val="0611F2"/>
-                </a:solidFill>
-                <a:latin typeface="맑은 고딕" charset="0"/>
-                <a:ea typeface="맑은 고딕" charset="0"/>
-              </a:rPr>
-              <a:t>.</a:t>
-            </a:r>
-            <a:r>
-              <a:rPr sz="1800">
-                <a:latin typeface="맑은 고딕" charset="0"/>
-                <a:ea typeface="맑은 고딕" charset="0"/>
-              </a:rPr>
-              <a:t> 그다음 </a:t>
-            </a:r>
-            <a:r>
-              <a:rPr lang="ko-KR" sz="1800">
-                <a:latin typeface="맑은 고딕" charset="0"/>
-                <a:ea typeface="맑은 고딕" charset="0"/>
-              </a:rPr>
-              <a:t>Kick</a:t>
-            </a:r>
-            <a:r>
-              <a:rPr sz="1800">
-                <a:latin typeface="맑은 고딕" charset="0"/>
-                <a:ea typeface="맑은 고딕" charset="0"/>
-              </a:rPr>
-              <a:t> Button과 Running Button</a:t>
-            </a:r>
-            <a:r>
-              <a:rPr lang="ko-KR" sz="1800">
-                <a:latin typeface="맑은 고딕" charset="0"/>
-                <a:ea typeface="맑은 고딕" charset="0"/>
-              </a:rPr>
-              <a:t>에</a:t>
-            </a:r>
-            <a:r>
-              <a:rPr sz="1800">
-                <a:latin typeface="맑은 고딕" charset="0"/>
-                <a:ea typeface="맑은 고딕" charset="0"/>
-              </a:rPr>
-              <a:t> On Click( ) 함수를 생성합니다.</a:t>
-            </a:r>
-            <a:endParaRPr lang="ko-KR" altLang="en-US" sz="1800">
-              <a:latin typeface="맑은 고딕" charset="0"/>
-              <a:ea typeface="맑은 고딕" charset="0"/>
-            </a:endParaRPr>
-          </a:p>
-          <a:p>
-            <a:pPr marL="0" indent="0" rtl="0" algn="l" defTabSz="914400" eaLnBrk="1" latinLnBrk="0" hangingPunct="1">
-              <a:buFontTx/>
-              <a:buNone/>
-            </a:pPr>
-            <a:endParaRPr lang="ko-KR" altLang="en-US" sz="1800">
-              <a:latin typeface="맑은 고딕" charset="0"/>
-              <a:ea typeface="맑은 고딕" charset="0"/>
-            </a:endParaRPr>
-          </a:p>
-          <a:p>
-            <a:pPr marL="0" indent="0" rtl="0" algn="l" defTabSz="914400" eaLnBrk="1" latinLnBrk="0" hangingPunct="1">
-              <a:buFontTx/>
-              <a:buNone/>
-            </a:pPr>
-            <a:r>
-              <a:rPr sz="1800">
-                <a:latin typeface="맑은 고딕" charset="0"/>
-                <a:ea typeface="맑은 고딕" charset="0"/>
-              </a:rPr>
-              <a:t>마지막으</a:t>
-            </a:r>
-            <a:r>
-              <a:rPr lang="ko-KR" sz="1800">
-                <a:latin typeface="맑은 고딕" charset="0"/>
-                <a:ea typeface="맑은 고딕" charset="0"/>
-              </a:rPr>
-              <a:t>로</a:t>
-            </a:r>
-            <a:r>
-              <a:rPr sz="1800">
-                <a:latin typeface="맑은 고딕" charset="0"/>
-                <a:ea typeface="맑은 고딕" charset="0"/>
-              </a:rPr>
-              <a:t> 각각의 버튼에 있는 On Click( ) 함수에 Animation Action 오브젝트를 넣어줍니다.</a:t>
-            </a:r>
-            <a:endParaRPr lang="ko-KR" altLang="en-US" sz="1800">
-              <a:latin typeface="맑은 고딕" charset="0"/>
-              <a:ea typeface="맑은 고딕" charset="0"/>
-            </a:endParaRPr>
-          </a:p>
-        </p:txBody>
-      </p:sp>
-    </p:spTree>
-  </p:cSld>
-  <p:clrMapOvr>
-    <a:masterClrMapping/>
-  </p:clrMapOvr>
-  <mc:AlternateContent xmlns:mc="http://schemas.openxmlformats.org/markup-compatibility/2006">
-    <mc:Choice xmlns:p14="http://schemas.microsoft.com/office/powerpoint/2010/main" Requires="p14">
-      <p:transition spd="slow" p14:dur="2000"/>
-    </mc:Choice>
-    <mc:Fallback>
-      <p:transition spd="slow"/>
-    </mc:Fallback>
-  </mc:AlternateContent>
-  <p:timing>
-    <p:tnLst>
-      <p:par>
-        <p:cTn id="1" dur="indefinite" restart="never" nodeType="tmRoot"/>
-      </p:par>
-    </p:tnLst>
-  </p:timing>
-</p:sld>
-</file>
-
-<file path=ppt/slides/slide9.xml><?xml version="1.0" encoding="utf-8"?>
-<p:sld xmlns:a="http://schemas.openxmlformats.org/drawingml/2006/main" xmlns:r="http://schemas.openxmlformats.org/officeDocument/2006/relationships" xmlns:p="http://schemas.openxmlformats.org/presentationml/2006/main" xmlns:p14="http://schemas.microsoft.com/office/powerpoint/2010/main">
-  <p:cSld>
-    <p:spTree>
-      <p:nvGrpSpPr>
-        <p:cNvPr id="1" name=""/>
-        <p:cNvGrpSpPr/>
-        <p:nvPr/>
-      </p:nvGrpSpPr>
-      <p:grpSpPr>
-        <a:xfrm>
-          <a:off x="0" y="0"/>
-          <a:ext cx="0" cy="0"/>
-          <a:chOff x="0" y="0"/>
-          <a:chExt cx="0" cy="0"/>
-        </a:xfrm>
-      </p:grpSpPr>
-      <p:sp>
-        <p:nvSpPr>
-          <p:cNvPr id="1127" name="Rect 0"/>
-          <p:cNvSpPr txBox="1">
-            <a:spLocks/>
-          </p:cNvSpPr>
-          <p:nvPr/>
-        </p:nvSpPr>
-        <p:spPr>
-          <a:xfrm rot="0">
-            <a:off x="6806565" y="4227195"/>
-            <a:ext cx="4159250" cy="2061845"/>
-          </a:xfrm>
-          <a:prstGeom prst="rect"/>
-          <a:noFill/>
-          <a:ln w="0">
-            <a:noFill/>
-            <a:prstDash/>
-          </a:ln>
-        </p:spPr>
-        <p:txBody>
-          <a:bodyPr wrap="square" lIns="89535" tIns="46355" rIns="89535" bIns="46355" numCol="1" vert="horz" anchor="t">
-            <a:spAutoFit/>
-          </a:bodyPr>
-          <a:lstStyle/>
-          <a:p>
-            <a:pPr marL="0" indent="0" algn="l" latinLnBrk="0" hangingPunct="1">
-              <a:buFontTx/>
-              <a:buNone/>
-            </a:pPr>
-            <a:r>
-              <a:rPr lang="ko-KR" sz="2000" b="1">
-                <a:solidFill>
-                  <a:srgbClr val="0611F2"/>
-                </a:solidFill>
-                <a:latin typeface="맑은 고딕" charset="0"/>
-                <a:ea typeface="맑은 고딕" charset="0"/>
-              </a:rPr>
-              <a:t>34. </a:t>
-            </a:r>
-            <a:r>
-              <a:rPr lang="ko-KR" sz="1800">
-                <a:latin typeface="맑은 고딕" charset="0"/>
-                <a:ea typeface="맑은 고딕" charset="0"/>
-              </a:rPr>
-              <a:t>마지막으로 Idle 애니메이션에서 Make Transition을 선택하여 Exit 스테이트에 연결합니다.</a:t>
-            </a:r>
-            <a:endParaRPr lang="ko-KR" altLang="en-US" sz="1800">
-              <a:latin typeface="맑은 고딕" charset="0"/>
-              <a:ea typeface="맑은 고딕" charset="0"/>
-            </a:endParaRPr>
-          </a:p>
-          <a:p>
-            <a:pPr marL="0" indent="0" algn="l" latinLnBrk="0" hangingPunct="1">
-              <a:buFontTx/>
-              <a:buNone/>
-            </a:pPr>
-            <a:endParaRPr lang="ko-KR" altLang="en-US" sz="1800">
-              <a:latin typeface="맑은 고딕" charset="0"/>
-              <a:ea typeface="맑은 고딕" charset="0"/>
-            </a:endParaRPr>
-          </a:p>
-          <a:p>
-            <a:pPr marL="0" indent="0" algn="l" latinLnBrk="0" hangingPunct="1">
-              <a:buFontTx/>
-              <a:buNone/>
-            </a:pPr>
-            <a:r>
-              <a:rPr lang="ko-KR" sz="1800">
-                <a:latin typeface="맑은 고딕" charset="0"/>
-                <a:ea typeface="맑은 고딕" charset="0"/>
-              </a:rPr>
-              <a:t>그러면 Idle 애니메이션의 진행이 다 끝나고 다시 Entry 스테이트로 진입하게 됩니다.</a:t>
-            </a:r>
-            <a:endParaRPr lang="ko-KR" altLang="en-US" sz="1800">
-              <a:latin typeface="맑은 고딕" charset="0"/>
-              <a:ea typeface="맑은 고딕" charset="0"/>
-            </a:endParaRPr>
-          </a:p>
-        </p:txBody>
-      </p:sp>
-      <p:sp>
-        <p:nvSpPr>
-          <p:cNvPr id="1130" name="Rect 0"/>
-          <p:cNvSpPr txBox="1">
-            <a:spLocks/>
-          </p:cNvSpPr>
-          <p:nvPr/>
-        </p:nvSpPr>
-        <p:spPr>
-          <a:xfrm rot="0">
-            <a:off x="4273550" y="400685"/>
-            <a:ext cx="3641090" cy="554990"/>
-          </a:xfrm>
-          <a:prstGeom prst="rect"/>
-          <a:noFill/>
-          <a:ln w="0">
-            <a:noFill/>
-            <a:prstDash/>
-          </a:ln>
-        </p:spPr>
-        <p:txBody>
-          <a:bodyPr wrap="square" lIns="89535" tIns="46355" rIns="89535" bIns="46355" numCol="1" vert="horz" anchor="t">
-            <a:spAutoFit/>
-          </a:bodyPr>
-          <a:lstStyle/>
-          <a:p>
-            <a:pPr marL="0" indent="0" algn="l" latinLnBrk="0">
-              <a:buFontTx/>
-              <a:buNone/>
-            </a:pPr>
-            <a:r>
-              <a:rPr lang="ko-KR" altLang="en-US" sz="3000" b="1">
-                <a:solidFill>
-                  <a:schemeClr val="tx1"/>
-                </a:solidFill>
-                <a:latin typeface="맑은 고딕" charset="0"/>
-                <a:ea typeface="맑은 고딕" charset="0"/>
-              </a:rPr>
-              <a:t>열</a:t>
-            </a:r>
-            <a:r>
-              <a:rPr lang="ko-KR" altLang="en-US" sz="3000" b="1">
-                <a:solidFill>
-                  <a:schemeClr val="tx1"/>
-                </a:solidFill>
-                <a:latin typeface="맑은 고딕" charset="0"/>
-                <a:ea typeface="맑은 고딕" charset="0"/>
-              </a:rPr>
-              <a:t>네</a:t>
-            </a:r>
-            <a:r>
-              <a:rPr lang="ko-KR" altLang="en-US" sz="3000" b="1">
-                <a:solidFill>
-                  <a:schemeClr val="tx1"/>
-                </a:solidFill>
-                <a:latin typeface="맑은 고딕" charset="0"/>
-                <a:ea typeface="맑은 고딕" charset="0"/>
-              </a:rPr>
-              <a:t> 번째 </a:t>
-            </a:r>
-            <a:r>
-              <a:rPr lang="ko-KR" altLang="en-US" sz="3000" b="1">
-                <a:solidFill>
-                  <a:schemeClr val="tx1"/>
-                </a:solidFill>
-                <a:latin typeface="맑은 고딕" charset="0"/>
-                <a:ea typeface="맑은 고딕" charset="0"/>
-              </a:rPr>
-              <a:t>튜토리얼</a:t>
-            </a:r>
-            <a:endParaRPr lang="ko-KR" altLang="en-US" sz="3000" b="1">
-              <a:solidFill>
-                <a:schemeClr val="tx1"/>
-              </a:solidFill>
-              <a:latin typeface="맑은 고딕" charset="0"/>
-              <a:ea typeface="맑은 고딕" charset="0"/>
-            </a:endParaRPr>
-          </a:p>
-        </p:txBody>
-      </p:sp>
-      <p:sp>
-        <p:nvSpPr>
-          <p:cNvPr id="1148" name="Rect 0"/>
-          <p:cNvSpPr txBox="1">
-            <a:spLocks/>
-          </p:cNvSpPr>
-          <p:nvPr/>
-        </p:nvSpPr>
-        <p:spPr>
-          <a:xfrm rot="0">
-            <a:off x="1212850" y="4077970"/>
-            <a:ext cx="4156710" cy="2215515"/>
-          </a:xfrm>
-          <a:prstGeom prst="rect"/>
-          <a:noFill/>
-        </p:spPr>
-        <p:txBody>
-          <a:bodyPr wrap="square" lIns="0" tIns="0" rIns="0" bIns="0" vert="horz" anchor="t">
-            <a:noAutofit/>
-          </a:bodyPr>
-          <a:lstStyle/>
-          <a:p>
-            <a:pPr marL="0" indent="0" rtl="0" algn="l" defTabSz="914400" eaLnBrk="1" latinLnBrk="0" hangingPunct="1">
-              <a:buFontTx/>
-              <a:buNone/>
-            </a:pPr>
-            <a:r>
-              <a:rPr sz="1800" b="1">
-                <a:solidFill>
-                  <a:srgbClr val="0611F2"/>
-                </a:solidFill>
-                <a:latin typeface="맑은 고딕" charset="0"/>
-                <a:ea typeface="맑은 고딕" charset="0"/>
-              </a:rPr>
-              <a:t>3</a:t>
-            </a:r>
-            <a:r>
-              <a:rPr lang="ko-KR" sz="1800" b="1">
-                <a:solidFill>
-                  <a:srgbClr val="0611F2"/>
-                </a:solidFill>
-                <a:latin typeface="맑은 고딕" charset="0"/>
-                <a:ea typeface="맑은 고딕" charset="0"/>
-              </a:rPr>
-              <a:t>3</a:t>
-            </a:r>
-            <a:r>
-              <a:rPr sz="1800" b="1">
-                <a:solidFill>
-                  <a:srgbClr val="0611F2"/>
-                </a:solidFill>
-                <a:latin typeface="맑은 고딕" charset="0"/>
-                <a:ea typeface="맑은 고딕" charset="0"/>
-              </a:rPr>
-              <a:t>.</a:t>
-            </a:r>
-            <a:r>
-              <a:rPr sz="1800">
-                <a:latin typeface="맑은 고딕" charset="0"/>
-                <a:ea typeface="맑은 고딕" charset="0"/>
-              </a:rPr>
-              <a:t> 그</a:t>
-            </a:r>
-            <a:r>
-              <a:rPr sz="1800">
-                <a:latin typeface="맑은 고딕" charset="0"/>
-                <a:ea typeface="맑은 고딕" charset="0"/>
-              </a:rPr>
-              <a:t>리</a:t>
-            </a:r>
-            <a:r>
-              <a:rPr lang="ko-KR" sz="1800">
-                <a:latin typeface="맑은 고딕" charset="0"/>
-                <a:ea typeface="맑은 고딕" charset="0"/>
-              </a:rPr>
-              <a:t>고</a:t>
-            </a:r>
-            <a:r>
-              <a:rPr sz="1800">
-                <a:latin typeface="맑은 고딕" charset="0"/>
-                <a:ea typeface="맑은 고딕" charset="0"/>
-              </a:rPr>
-              <a:t> </a:t>
-            </a:r>
-            <a:r>
-              <a:rPr lang="ko-KR" sz="1800">
-                <a:latin typeface="맑은 고딕" charset="0"/>
-                <a:ea typeface="맑은 고딕" charset="0"/>
-              </a:rPr>
-              <a:t>Running Text 오브젝트를 선택하고 Running Button이라는 텍스트로 정의한 다음 Font Size를 20으로 설정합니다.</a:t>
-            </a:r>
-            <a:endParaRPr lang="ko-KR" altLang="en-US" sz="1800">
-              <a:latin typeface="맑은 고딕" charset="0"/>
-              <a:ea typeface="맑은 고딕" charset="0"/>
-            </a:endParaRPr>
-          </a:p>
-          <a:p>
-            <a:pPr marL="0" indent="0" rtl="0" algn="l" defTabSz="914400" eaLnBrk="1" latinLnBrk="0" hangingPunct="1">
-              <a:buFontTx/>
-              <a:buNone/>
-            </a:pPr>
-            <a:endParaRPr lang="ko-KR" altLang="en-US" sz="1800">
-              <a:latin typeface="맑은 고딕" charset="0"/>
-              <a:ea typeface="맑은 고딕" charset="0"/>
-            </a:endParaRPr>
-          </a:p>
-          <a:p>
-            <a:pPr marL="0" indent="0" rtl="0" algn="l" defTabSz="914400" eaLnBrk="1" latinLnBrk="0" hangingPunct="1">
-              <a:buFontTx/>
-              <a:buNone/>
-            </a:pPr>
-            <a:r>
-              <a:rPr lang="ko-KR" sz="1800">
-                <a:latin typeface="맑은 고딕" charset="0"/>
-                <a:ea typeface="맑은 고딕" charset="0"/>
-              </a:rPr>
-              <a:t>그다음 Kick Text 오브젝트를 선택하여 Kick Action이라는 텍스트로 정의하고 Font Size를 20으로 설정합니다.</a:t>
-            </a:r>
-            <a:endParaRPr lang="ko-KR" altLang="en-US" sz="1800">
-              <a:latin typeface="맑은 고딕" charset="0"/>
-              <a:ea typeface="맑은 고딕" charset="0"/>
-            </a:endParaRPr>
-          </a:p>
-        </p:txBody>
-      </p:sp>
-      <p:pic>
-        <p:nvPicPr>
-          <p:cNvPr id="1150" name="그림 87" descr="C:/Users/Admin1/AppData/Roaming/PolarisOffice/ETemp/13876_17549616/fImage121233421942.png"/>
-          <p:cNvPicPr>
-            <a:picLocks noChangeAspect="1"/>
-          </p:cNvPicPr>
-          <p:nvPr/>
-        </p:nvPicPr>
-        <p:blipFill rotWithShape="1">
-          <a:blip r:embed="rId2" cstate="hqprint">
-            <a:extLst>
-              <a:ext uri="{28A0092B-C50C-407E-A947-70E740481C1C}">
-                <a14:useLocalDpi xmlns:a14="http://schemas.microsoft.com/office/drawing/2010/main"/>
-              </a:ext>
-            </a:extLst>
-          </a:blip>
-          <a:stretch>
-            <a:fillRect/>
-          </a:stretch>
-        </p:blipFill>
-        <p:spPr>
-          <a:xfrm rot="0">
-            <a:off x="1203960" y="1363345"/>
-            <a:ext cx="4166235" cy="1201420"/>
-          </a:xfrm>
-          <a:prstGeom prst="roundRect"/>
-          <a:solidFill>
-            <a:srgbClr val="EDEDED"/>
-          </a:solidFill>
-        </p:spPr>
-      </p:pic>
-      <p:pic>
-        <p:nvPicPr>
-          <p:cNvPr id="1152" name="그림 93" descr="C:/Users/Admin1/AppData/Roaming/PolarisOffice/ETemp/13876_17549616/fImage120273444827.png"/>
-          <p:cNvPicPr>
-            <a:picLocks noChangeAspect="1"/>
-          </p:cNvPicPr>
-          <p:nvPr/>
-        </p:nvPicPr>
-        <p:blipFill rotWithShape="1">
-          <a:blip r:embed="rId3" cstate="hqprint">
-            <a:extLst>
-              <a:ext uri="{28A0092B-C50C-407E-A947-70E740481C1C}">
-                <a14:useLocalDpi xmlns:a14="http://schemas.microsoft.com/office/drawing/2010/main"/>
-              </a:ext>
-            </a:extLst>
-          </a:blip>
-          <a:stretch>
-            <a:fillRect/>
-          </a:stretch>
-        </p:blipFill>
-        <p:spPr>
-          <a:xfrm rot="0">
-            <a:off x="1203960" y="2735580"/>
-            <a:ext cx="4175125" cy="1179195"/>
-          </a:xfrm>
-          <a:prstGeom prst="roundRect"/>
-          <a:solidFill>
-            <a:srgbClr val="EDEDED"/>
-          </a:solidFill>
-        </p:spPr>
-      </p:pic>
-      <p:pic>
-        <p:nvPicPr>
-          <p:cNvPr id="1154" name="그림 99" descr="C:/Users/Admin1/AppData/Roaming/PolarisOffice/ETemp/13876_17549616/fImage181103465436.png"/>
-          <p:cNvPicPr>
-            <a:picLocks noChangeAspect="1"/>
-          </p:cNvPicPr>
-          <p:nvPr/>
-        </p:nvPicPr>
-        <p:blipFill rotWithShape="1">
-          <a:blip r:embed="rId4" cstate="hqprint">
-            <a:extLst>
-              <a:ext uri="{28A0092B-C50C-407E-A947-70E740481C1C}">
-                <a14:useLocalDpi xmlns:a14="http://schemas.microsoft.com/office/drawing/2010/main"/>
-              </a:ext>
-            </a:extLst>
-          </a:blip>
-          <a:stretch>
-            <a:fillRect/>
-          </a:stretch>
-        </p:blipFill>
-        <p:spPr>
-          <a:xfrm rot="0">
-            <a:off x="6814820" y="1362710"/>
-            <a:ext cx="4142740" cy="2686050"/>
-          </a:xfrm>
-          <a:prstGeom prst="roundRect"/>
-          <a:solidFill>
-            <a:srgbClr val="EDEDED"/>
-          </a:solidFill>
-        </p:spPr>
-      </p:pic>
     </p:spTree>
   </p:cSld>
   <p:clrMapOvr>

--- a/Assets/Animator Controller/PPT Data/Animator Controller Example.pptx
+++ b/Assets/Animator Controller/PPT Data/Animator Controller Example.pptx
@@ -2,7 +2,7 @@
 <file path=ppt/presentation.xml><?xml version="1.0" encoding="utf-8"?>
 <p:presentation xmlns:a="http://schemas.openxmlformats.org/drawingml/2006/main" xmlns:r="http://schemas.openxmlformats.org/officeDocument/2006/relationships" xmlns:p="http://schemas.openxmlformats.org/presentationml/2006/main" xmlns:p14="http://schemas.microsoft.com/office/powerpoint/2010/main" saveSubsetFonts="1" firstSlideNum="0">
   <p:sldMasterIdLst>
-    <p:sldMasterId id="2147486329" r:id="rId12"/>
+    <p:sldMasterId id="2147486330" r:id="rId12"/>
   </p:sldMasterIdLst>
   <p:notesMasterIdLst>
     <p:notesMasterId r:id="rId14"/>
@@ -12,10 +12,10 @@
     <p:sldId id="318" r:id="rId18"/>
     <p:sldId id="316" r:id="rId20"/>
     <p:sldId id="297" r:id="rId22"/>
-    <p:sldId id="319" r:id="rId24"/>
-    <p:sldId id="321" r:id="rId26"/>
+    <p:sldId id="319" r:id="rId23"/>
+    <p:sldId id="321" r:id="rId25"/>
     <p:sldId id="322" r:id="rId27"/>
-    <p:sldId id="320" r:id="rId28"/>
+    <p:sldId id="320" r:id="rId29"/>
   </p:sldIdLst>
   <p:sldSz cx="12192000" cy="6858000"/>
   <p:notesSz cx="6858000" cy="9144000"/>
@@ -8548,9 +8548,9 @@
           <p:nvPr/>
         </p:nvSpPr>
         <p:spPr>
-          <a:xfrm>
+          <a:xfrm rot="0">
             <a:off x="1240790" y="4378960"/>
-            <a:ext cx="4126865" cy="1784985"/>
+            <a:ext cx="4117975" cy="1784985"/>
           </a:xfrm>
           <a:prstGeom prst="rect"/>
           <a:noFill/>
@@ -8741,7 +8741,7 @@
       </p:pic>
       <p:pic>
         <p:nvPicPr>
-          <p:cNvPr id="1180" name="그림 1" descr="C:/Users/Admin1/AppData/Roaming/PolarisOffice/ETemp/24900_16569248/fImage2242713841.png"/>
+          <p:cNvPr id="1180" name="그림 1"/>
           <p:cNvPicPr>
             <a:picLocks noChangeAspect="1"/>
           </p:cNvPicPr>
@@ -8892,7 +8892,7 @@
       </p:sp>
       <p:pic>
         <p:nvPicPr>
-          <p:cNvPr id="1182" name="그림 5" descr="C:/Users/Admin1/AppData/Roaming/PolarisOffice/ETemp/24900_16569248/fImage94281408467.png"/>
+          <p:cNvPr id="1182" name="그림 5"/>
           <p:cNvPicPr>
             <a:picLocks noChangeAspect="1"/>
           </p:cNvPicPr>

--- a/Assets/Animator Controller/PPT Data/Animator Controller Example.pptx
+++ b/Assets/Animator Controller/PPT Data/Animator Controller Example.pptx
@@ -2,7 +2,7 @@
 <file path=ppt/presentation.xml><?xml version="1.0" encoding="utf-8"?>
 <p:presentation xmlns:a="http://schemas.openxmlformats.org/drawingml/2006/main" xmlns:r="http://schemas.openxmlformats.org/officeDocument/2006/relationships" xmlns:p="http://schemas.openxmlformats.org/presentationml/2006/main" xmlns:p14="http://schemas.microsoft.com/office/powerpoint/2010/main" saveSubsetFonts="1" firstSlideNum="0">
   <p:sldMasterIdLst>
-    <p:sldMasterId id="2147486330" r:id="rId12"/>
+    <p:sldMasterId id="2147486356" r:id="rId12"/>
   </p:sldMasterIdLst>
   <p:notesMasterIdLst>
     <p:notesMasterId r:id="rId14"/>
@@ -12,10 +12,14 @@
     <p:sldId id="318" r:id="rId18"/>
     <p:sldId id="316" r:id="rId20"/>
     <p:sldId id="297" r:id="rId22"/>
-    <p:sldId id="319" r:id="rId23"/>
-    <p:sldId id="321" r:id="rId25"/>
-    <p:sldId id="322" r:id="rId27"/>
+    <p:sldId id="319" r:id="rId24"/>
+    <p:sldId id="321" r:id="rId26"/>
+    <p:sldId id="322" r:id="rId28"/>
     <p:sldId id="320" r:id="rId29"/>
+    <p:sldId id="323" r:id="rId31"/>
+    <p:sldId id="324" r:id="rId33"/>
+    <p:sldId id="325" r:id="rId35"/>
+    <p:sldId id="326" r:id="rId36"/>
   </p:sldIdLst>
   <p:sldSz cx="12192000" cy="6858000"/>
   <p:notesSz cx="6858000" cy="9144000"/>
@@ -616,6 +620,432 @@
 </p:notes>
 </file>
 
+<file path=ppt/notesSlides/notesSlide10.xml><?xml version="1.0" encoding="utf-8"?>
+<p:notes xmlns:a="http://schemas.openxmlformats.org/drawingml/2006/main" xmlns:r="http://schemas.openxmlformats.org/officeDocument/2006/relationships" xmlns:p="http://schemas.openxmlformats.org/presentationml/2006/main">
+  <p:cSld>
+    <p:spTree>
+      <p:nvGrpSpPr>
+        <p:cNvPr id="1" name=""/>
+        <p:cNvGrpSpPr/>
+        <p:nvPr/>
+      </p:nvGrpSpPr>
+      <p:grpSpPr>
+        <a:xfrm>
+          <a:off x="0" y="0"/>
+          <a:ext cx="0" cy="0"/>
+          <a:chOff x="0" y="0"/>
+          <a:chExt cx="0" cy="0"/>
+        </a:xfrm>
+      </p:grpSpPr>
+      <p:sp>
+        <p:nvSpPr>
+          <p:cNvPr id="2" name="슬라이드 이미지 개체 틀 3"/>
+          <p:cNvSpPr>
+            <a:spLocks noChangeAspect="1"/>
+          </p:cNvSpPr>
+          <p:nvPr>
+            <p:ph type="sldImg" idx="2"/>
+          </p:nvPr>
+        </p:nvSpPr>
+        <p:spPr>
+          <a:xfrm rot="0">
+            <a:off x="685800" y="1143000"/>
+            <a:ext cx="5493385" cy="3093085"/>
+          </a:xfrm>
+          <a:prstGeom prst="rect"/>
+          <a:noFill/>
+          <a:ln w="12700" cap="flat" cmpd="sng">
+            <a:solidFill>
+              <a:srgbClr val="000000">
+                <a:alpha val="100000"/>
+              </a:srgbClr>
+            </a:solidFill>
+            <a:prstDash val="solid"/>
+          </a:ln>
+        </p:spPr>
+        <p:txBody>
+          <a:bodyPr wrap="square" lIns="91440" tIns="45720" rIns="91440" bIns="45720" numCol="1" vert="horz" anchor="ctr">
+            <a:noAutofit/>
+          </a:bodyPr>
+          <a:lstStyle/>
+          <a:p>
+            <a:pPr marL="0" indent="0" latinLnBrk="0">
+              <a:buFontTx/>
+              <a:buNone/>
+            </a:pPr>
+          </a:p>
+        </p:txBody>
+      </p:sp>
+      <p:sp>
+        <p:nvSpPr>
+          <p:cNvPr id="3" name="슬라이드 노트 개체 틀 4"/>
+          <p:cNvSpPr txBox="1">
+            <a:spLocks/>
+          </p:cNvSpPr>
+          <p:nvPr>
+            <p:ph type="body" idx="3"/>
+          </p:nvPr>
+        </p:nvSpPr>
+        <p:spPr>
+          <a:xfrm rot="0">
+            <a:off x="685800" y="4400550"/>
+            <a:ext cx="5493385" cy="3607435"/>
+          </a:xfrm>
+          <a:prstGeom prst="rect"/>
+        </p:spPr>
+        <p:txBody>
+          <a:bodyPr wrap="square" lIns="91440" tIns="45720" rIns="91440" bIns="45720" numCol="1" vert="horz" anchor="t">
+            <a:noAutofit/>
+          </a:bodyPr>
+          <a:lstStyle/>
+          <a:p>
+            <a:pPr marL="0" indent="0" latinLnBrk="0">
+              <a:buFontTx/>
+              <a:buNone/>
+            </a:pPr>
+          </a:p>
+        </p:txBody>
+      </p:sp>
+      <p:sp>
+        <p:nvSpPr>
+          <p:cNvPr id="4" name="슬라이드 번호 개체 틀 6"/>
+          <p:cNvSpPr txBox="1">
+            <a:spLocks/>
+          </p:cNvSpPr>
+          <p:nvPr>
+            <p:ph type="sldNum" idx="5"/>
+          </p:nvPr>
+        </p:nvSpPr>
+        <p:spPr>
+          <a:xfrm rot="0">
+            <a:off x="3884930" y="8685530"/>
+            <a:ext cx="2978785" cy="465455"/>
+          </a:xfrm>
+          <a:prstGeom prst="rect"/>
+        </p:spPr>
+        <p:txBody>
+          <a:bodyPr wrap="square" lIns="91440" tIns="45720" rIns="91440" bIns="45720" numCol="1" vert="horz" anchor="b">
+            <a:noAutofit/>
+          </a:bodyPr>
+          <a:lstStyle>
+            <a:lvl1pPr marL="0" indent="0" algn="r" latinLnBrk="0">
+              <a:buFontTx/>
+              <a:buNone/>
+              <a:defRPr lang="en-GB" altLang="en-US" sz="1200"/>
+            </a:lvl1pPr>
+          </a:lstStyle>
+          <a:p>
+            <a:pPr marL="0" indent="0" latinLnBrk="0">
+              <a:buFontTx/>
+              <a:buNone/>
+            </a:pPr>
+            <a:fld id="{B9320F77-B9A0-41C5-862A-B4B631284C64}" type="slidenum">
+              <a:rPr lang="ko-KR" altLang="en-US"/>
+              <a:t>‹#›</a:t>
+            </a:fld>
+          </a:p>
+        </p:txBody>
+      </p:sp>
+    </p:spTree>
+  </p:cSld>
+  <p:clrMapOvr>
+    <a:masterClrMapping/>
+  </p:clrMapOvr>
+  <mc:AlternateContent xmlns:mc="http://schemas.openxmlformats.org/markup-compatibility/2006">
+    <mc:Choice xmlns:p14="http://schemas.microsoft.com/office/powerpoint/2010/main" Requires="p14">
+      <p:transition spd="slow" p14:dur="0"/>
+    </mc:Choice>
+    <mc:Fallback>
+      <p:transition spd="slow"/>
+    </mc:Fallback>
+  </mc:AlternateContent>
+</p:notes>
+</file>
+
+<file path=ppt/notesSlides/notesSlide11.xml><?xml version="1.0" encoding="utf-8"?>
+<p:notes xmlns:a="http://schemas.openxmlformats.org/drawingml/2006/main" xmlns:r="http://schemas.openxmlformats.org/officeDocument/2006/relationships" xmlns:p="http://schemas.openxmlformats.org/presentationml/2006/main">
+  <p:cSld>
+    <p:spTree>
+      <p:nvGrpSpPr>
+        <p:cNvPr id="1" name=""/>
+        <p:cNvGrpSpPr/>
+        <p:nvPr/>
+      </p:nvGrpSpPr>
+      <p:grpSpPr>
+        <a:xfrm>
+          <a:off x="0" y="0"/>
+          <a:ext cx="0" cy="0"/>
+          <a:chOff x="0" y="0"/>
+          <a:chExt cx="0" cy="0"/>
+        </a:xfrm>
+      </p:grpSpPr>
+      <p:sp>
+        <p:nvSpPr>
+          <p:cNvPr id="2" name="슬라이드 이미지 개체 틀 3"/>
+          <p:cNvSpPr>
+            <a:spLocks noChangeAspect="1"/>
+          </p:cNvSpPr>
+          <p:nvPr>
+            <p:ph type="sldImg" idx="2"/>
+          </p:nvPr>
+        </p:nvSpPr>
+        <p:spPr>
+          <a:xfrm rot="0">
+            <a:off x="685800" y="1143000"/>
+            <a:ext cx="5494020" cy="3093720"/>
+          </a:xfrm>
+          <a:prstGeom prst="rect"/>
+          <a:noFill/>
+          <a:ln w="12700" cap="flat" cmpd="sng">
+            <a:solidFill>
+              <a:srgbClr val="000000">
+                <a:alpha val="100000"/>
+              </a:srgbClr>
+            </a:solidFill>
+            <a:prstDash val="solid"/>
+          </a:ln>
+        </p:spPr>
+        <p:txBody>
+          <a:bodyPr wrap="square" lIns="91440" tIns="45720" rIns="91440" bIns="45720" numCol="1" vert="horz" anchor="ctr">
+            <a:noAutofit/>
+          </a:bodyPr>
+          <a:lstStyle/>
+          <a:p>
+            <a:pPr marL="0" indent="0" latinLnBrk="0">
+              <a:buFontTx/>
+              <a:buNone/>
+            </a:pPr>
+          </a:p>
+        </p:txBody>
+      </p:sp>
+      <p:sp>
+        <p:nvSpPr>
+          <p:cNvPr id="3" name="슬라이드 노트 개체 틀 4"/>
+          <p:cNvSpPr txBox="1">
+            <a:spLocks/>
+          </p:cNvSpPr>
+          <p:nvPr>
+            <p:ph type="body" idx="3"/>
+          </p:nvPr>
+        </p:nvSpPr>
+        <p:spPr>
+          <a:xfrm rot="0">
+            <a:off x="685800" y="4400550"/>
+            <a:ext cx="5494020" cy="3608070"/>
+          </a:xfrm>
+          <a:prstGeom prst="rect"/>
+        </p:spPr>
+        <p:txBody>
+          <a:bodyPr wrap="square" lIns="91440" tIns="45720" rIns="91440" bIns="45720" numCol="1" vert="horz" anchor="t">
+            <a:noAutofit/>
+          </a:bodyPr>
+          <a:lstStyle/>
+          <a:p>
+            <a:pPr marL="0" indent="0" latinLnBrk="0">
+              <a:buFontTx/>
+              <a:buNone/>
+            </a:pPr>
+          </a:p>
+        </p:txBody>
+      </p:sp>
+      <p:sp>
+        <p:nvSpPr>
+          <p:cNvPr id="4" name="슬라이드 번호 개체 틀 6"/>
+          <p:cNvSpPr txBox="1">
+            <a:spLocks/>
+          </p:cNvSpPr>
+          <p:nvPr>
+            <p:ph type="sldNum" idx="5"/>
+          </p:nvPr>
+        </p:nvSpPr>
+        <p:spPr>
+          <a:xfrm rot="0">
+            <a:off x="3884930" y="8685530"/>
+            <a:ext cx="2979420" cy="466090"/>
+          </a:xfrm>
+          <a:prstGeom prst="rect"/>
+        </p:spPr>
+        <p:txBody>
+          <a:bodyPr wrap="square" lIns="91440" tIns="45720" rIns="91440" bIns="45720" numCol="1" vert="horz" anchor="b">
+            <a:noAutofit/>
+          </a:bodyPr>
+          <a:lstStyle>
+            <a:lvl1pPr marL="0" indent="0" algn="r" latinLnBrk="0">
+              <a:buFontTx/>
+              <a:buNone/>
+              <a:defRPr lang="en-GB" altLang="en-US" sz="1200"/>
+            </a:lvl1pPr>
+          </a:lstStyle>
+          <a:p>
+            <a:pPr marL="0" indent="0" latinLnBrk="0">
+              <a:buFontTx/>
+              <a:buNone/>
+            </a:pPr>
+            <a:fld id="{B9320F77-B9A0-41C5-862A-B4B631284C64}" type="slidenum">
+              <a:rPr lang="ko-KR" altLang="en-US"/>
+              <a:t>‹#›</a:t>
+            </a:fld>
+          </a:p>
+        </p:txBody>
+      </p:sp>
+    </p:spTree>
+  </p:cSld>
+  <p:clrMapOvr>
+    <a:masterClrMapping/>
+  </p:clrMapOvr>
+  <mc:AlternateContent xmlns:mc="http://schemas.openxmlformats.org/markup-compatibility/2006">
+    <mc:Choice xmlns:p14="http://schemas.microsoft.com/office/powerpoint/2010/main" Requires="p14">
+      <p:transition spd="slow" p14:dur="0"/>
+    </mc:Choice>
+    <mc:Fallback>
+      <p:transition spd="slow"/>
+    </mc:Fallback>
+  </mc:AlternateContent>
+</p:notes>
+</file>
+
+<file path=ppt/notesSlides/notesSlide12.xml><?xml version="1.0" encoding="utf-8"?>
+<p:notes xmlns:a="http://schemas.openxmlformats.org/drawingml/2006/main" xmlns:r="http://schemas.openxmlformats.org/officeDocument/2006/relationships" xmlns:p="http://schemas.openxmlformats.org/presentationml/2006/main">
+  <p:cSld>
+    <p:spTree>
+      <p:nvGrpSpPr>
+        <p:cNvPr id="1" name=""/>
+        <p:cNvGrpSpPr/>
+        <p:nvPr/>
+      </p:nvGrpSpPr>
+      <p:grpSpPr>
+        <a:xfrm>
+          <a:off x="0" y="0"/>
+          <a:ext cx="0" cy="0"/>
+          <a:chOff x="0" y="0"/>
+          <a:chExt cx="0" cy="0"/>
+        </a:xfrm>
+      </p:grpSpPr>
+      <p:sp>
+        <p:nvSpPr>
+          <p:cNvPr id="2" name="슬라이드 이미지 개체 틀 3"/>
+          <p:cNvSpPr>
+            <a:spLocks noChangeAspect="1"/>
+          </p:cNvSpPr>
+          <p:nvPr>
+            <p:ph type="sldImg" idx="2"/>
+          </p:nvPr>
+        </p:nvSpPr>
+        <p:spPr>
+          <a:xfrm rot="0">
+            <a:off x="685800" y="1143000"/>
+            <a:ext cx="5494020" cy="3093720"/>
+          </a:xfrm>
+          <a:prstGeom prst="rect"/>
+          <a:noFill/>
+          <a:ln w="12700" cap="flat" cmpd="sng">
+            <a:solidFill>
+              <a:srgbClr val="000000">
+                <a:alpha val="100000"/>
+              </a:srgbClr>
+            </a:solidFill>
+            <a:prstDash val="solid"/>
+          </a:ln>
+        </p:spPr>
+        <p:txBody>
+          <a:bodyPr wrap="square" lIns="91440" tIns="45720" rIns="91440" bIns="45720" numCol="1" vert="horz" anchor="ctr">
+            <a:noAutofit/>
+          </a:bodyPr>
+          <a:lstStyle/>
+          <a:p>
+            <a:pPr marL="0" indent="0" latinLnBrk="0">
+              <a:buFontTx/>
+              <a:buNone/>
+            </a:pPr>
+          </a:p>
+        </p:txBody>
+      </p:sp>
+      <p:sp>
+        <p:nvSpPr>
+          <p:cNvPr id="3" name="슬라이드 노트 개체 틀 4"/>
+          <p:cNvSpPr txBox="1">
+            <a:spLocks/>
+          </p:cNvSpPr>
+          <p:nvPr>
+            <p:ph type="body" idx="3"/>
+          </p:nvPr>
+        </p:nvSpPr>
+        <p:spPr>
+          <a:xfrm rot="0">
+            <a:off x="685800" y="4400550"/>
+            <a:ext cx="5494020" cy="3608070"/>
+          </a:xfrm>
+          <a:prstGeom prst="rect"/>
+        </p:spPr>
+        <p:txBody>
+          <a:bodyPr wrap="square" lIns="91440" tIns="45720" rIns="91440" bIns="45720" numCol="1" vert="horz" anchor="t">
+            <a:noAutofit/>
+          </a:bodyPr>
+          <a:lstStyle/>
+          <a:p>
+            <a:pPr marL="0" indent="0" latinLnBrk="0">
+              <a:buFontTx/>
+              <a:buNone/>
+            </a:pPr>
+          </a:p>
+        </p:txBody>
+      </p:sp>
+      <p:sp>
+        <p:nvSpPr>
+          <p:cNvPr id="4" name="슬라이드 번호 개체 틀 6"/>
+          <p:cNvSpPr txBox="1">
+            <a:spLocks/>
+          </p:cNvSpPr>
+          <p:nvPr>
+            <p:ph type="sldNum" idx="5"/>
+          </p:nvPr>
+        </p:nvSpPr>
+        <p:spPr>
+          <a:xfrm rot="0">
+            <a:off x="3884930" y="8685530"/>
+            <a:ext cx="2979420" cy="466090"/>
+          </a:xfrm>
+          <a:prstGeom prst="rect"/>
+        </p:spPr>
+        <p:txBody>
+          <a:bodyPr wrap="square" lIns="91440" tIns="45720" rIns="91440" bIns="45720" numCol="1" vert="horz" anchor="b">
+            <a:noAutofit/>
+          </a:bodyPr>
+          <a:lstStyle>
+            <a:lvl1pPr marL="0" indent="0" algn="r" latinLnBrk="0">
+              <a:buFontTx/>
+              <a:buNone/>
+              <a:defRPr lang="en-GB" altLang="en-US" sz="1200"/>
+            </a:lvl1pPr>
+          </a:lstStyle>
+          <a:p>
+            <a:pPr marL="0" indent="0" latinLnBrk="0">
+              <a:buFontTx/>
+              <a:buNone/>
+            </a:pPr>
+            <a:fld id="{B9320F77-B9A0-41C5-862A-B4B631284C64}" type="slidenum">
+              <a:rPr lang="ko-KR" altLang="en-US"/>
+              <a:t>‹#›</a:t>
+            </a:fld>
+          </a:p>
+        </p:txBody>
+      </p:sp>
+    </p:spTree>
+  </p:cSld>
+  <p:clrMapOvr>
+    <a:masterClrMapping/>
+  </p:clrMapOvr>
+  <mc:AlternateContent xmlns:mc="http://schemas.openxmlformats.org/markup-compatibility/2006">
+    <mc:Choice xmlns:p14="http://schemas.microsoft.com/office/powerpoint/2010/main" Requires="p14">
+      <p:transition spd="slow" p14:dur="0"/>
+    </mc:Choice>
+    <mc:Fallback>
+      <p:transition spd="slow"/>
+    </mc:Fallback>
+  </mc:AlternateContent>
+</p:notes>
+</file>
+
 <file path=ppt/notesSlides/notesSlide2.xml><?xml version="1.0" encoding="utf-8"?>
 <p:notes xmlns:a="http://schemas.openxmlformats.org/drawingml/2006/main" xmlns:r="http://schemas.openxmlformats.org/officeDocument/2006/relationships" xmlns:p="http://schemas.openxmlformats.org/presentationml/2006/main">
   <p:cSld>
@@ -1568,6 +1998,148 @@
           <a:xfrm rot="0">
             <a:off x="3884930" y="8685530"/>
             <a:ext cx="2977515" cy="464185"/>
+          </a:xfrm>
+          <a:prstGeom prst="rect"/>
+        </p:spPr>
+        <p:txBody>
+          <a:bodyPr wrap="square" lIns="91440" tIns="45720" rIns="91440" bIns="45720" numCol="1" vert="horz" anchor="b">
+            <a:noAutofit/>
+          </a:bodyPr>
+          <a:lstStyle>
+            <a:lvl1pPr marL="0" indent="0" algn="r" latinLnBrk="0">
+              <a:buFontTx/>
+              <a:buNone/>
+              <a:defRPr lang="en-GB" altLang="en-US" sz="1200"/>
+            </a:lvl1pPr>
+          </a:lstStyle>
+          <a:p>
+            <a:pPr marL="0" indent="0" latinLnBrk="0">
+              <a:buFontTx/>
+              <a:buNone/>
+            </a:pPr>
+            <a:fld id="{B9320F77-B9A0-41C5-862A-B4B631284C64}" type="slidenum">
+              <a:rPr lang="ko-KR" altLang="en-US"/>
+              <a:t>‹#›</a:t>
+            </a:fld>
+          </a:p>
+        </p:txBody>
+      </p:sp>
+    </p:spTree>
+  </p:cSld>
+  <p:clrMapOvr>
+    <a:masterClrMapping/>
+  </p:clrMapOvr>
+  <mc:AlternateContent xmlns:mc="http://schemas.openxmlformats.org/markup-compatibility/2006">
+    <mc:Choice xmlns:p14="http://schemas.microsoft.com/office/powerpoint/2010/main" Requires="p14">
+      <p:transition spd="slow" p14:dur="0"/>
+    </mc:Choice>
+    <mc:Fallback>
+      <p:transition spd="slow"/>
+    </mc:Fallback>
+  </mc:AlternateContent>
+</p:notes>
+</file>
+
+<file path=ppt/notesSlides/notesSlide9.xml><?xml version="1.0" encoding="utf-8"?>
+<p:notes xmlns:a="http://schemas.openxmlformats.org/drawingml/2006/main" xmlns:r="http://schemas.openxmlformats.org/officeDocument/2006/relationships" xmlns:p="http://schemas.openxmlformats.org/presentationml/2006/main">
+  <p:cSld>
+    <p:spTree>
+      <p:nvGrpSpPr>
+        <p:cNvPr id="1" name=""/>
+        <p:cNvGrpSpPr/>
+        <p:nvPr/>
+      </p:nvGrpSpPr>
+      <p:grpSpPr>
+        <a:xfrm>
+          <a:off x="0" y="0"/>
+          <a:ext cx="0" cy="0"/>
+          <a:chOff x="0" y="0"/>
+          <a:chExt cx="0" cy="0"/>
+        </a:xfrm>
+      </p:grpSpPr>
+      <p:sp>
+        <p:nvSpPr>
+          <p:cNvPr id="2" name="슬라이드 이미지 개체 틀 3"/>
+          <p:cNvSpPr>
+            <a:spLocks noChangeAspect="1"/>
+          </p:cNvSpPr>
+          <p:nvPr>
+            <p:ph type="sldImg" idx="2"/>
+          </p:nvPr>
+        </p:nvSpPr>
+        <p:spPr>
+          <a:xfrm rot="0">
+            <a:off x="685800" y="1143000"/>
+            <a:ext cx="5492750" cy="3092450"/>
+          </a:xfrm>
+          <a:prstGeom prst="rect"/>
+          <a:noFill/>
+          <a:ln w="12700" cap="flat" cmpd="sng">
+            <a:solidFill>
+              <a:srgbClr val="000000">
+                <a:alpha val="100000"/>
+              </a:srgbClr>
+            </a:solidFill>
+            <a:prstDash val="solid"/>
+          </a:ln>
+        </p:spPr>
+        <p:txBody>
+          <a:bodyPr wrap="square" lIns="91440" tIns="45720" rIns="91440" bIns="45720" numCol="1" vert="horz" anchor="ctr">
+            <a:noAutofit/>
+          </a:bodyPr>
+          <a:lstStyle/>
+          <a:p>
+            <a:pPr marL="0" indent="0" latinLnBrk="0">
+              <a:buFontTx/>
+              <a:buNone/>
+            </a:pPr>
+          </a:p>
+        </p:txBody>
+      </p:sp>
+      <p:sp>
+        <p:nvSpPr>
+          <p:cNvPr id="3" name="슬라이드 노트 개체 틀 4"/>
+          <p:cNvSpPr txBox="1">
+            <a:spLocks/>
+          </p:cNvSpPr>
+          <p:nvPr>
+            <p:ph type="body" idx="3"/>
+          </p:nvPr>
+        </p:nvSpPr>
+        <p:spPr>
+          <a:xfrm rot="0">
+            <a:off x="685800" y="4400550"/>
+            <a:ext cx="5492750" cy="3606800"/>
+          </a:xfrm>
+          <a:prstGeom prst="rect"/>
+        </p:spPr>
+        <p:txBody>
+          <a:bodyPr wrap="square" lIns="91440" tIns="45720" rIns="91440" bIns="45720" numCol="1" vert="horz" anchor="t">
+            <a:noAutofit/>
+          </a:bodyPr>
+          <a:lstStyle/>
+          <a:p>
+            <a:pPr marL="0" indent="0" latinLnBrk="0">
+              <a:buFontTx/>
+              <a:buNone/>
+            </a:pPr>
+          </a:p>
+        </p:txBody>
+      </p:sp>
+      <p:sp>
+        <p:nvSpPr>
+          <p:cNvPr id="4" name="슬라이드 번호 개체 틀 6"/>
+          <p:cNvSpPr txBox="1">
+            <a:spLocks/>
+          </p:cNvSpPr>
+          <p:nvPr>
+            <p:ph type="sldNum" idx="5"/>
+          </p:nvPr>
+        </p:nvSpPr>
+        <p:spPr>
+          <a:xfrm rot="0">
+            <a:off x="3884930" y="8685530"/>
+            <a:ext cx="2978150" cy="464820"/>
           </a:xfrm>
           <a:prstGeom prst="rect"/>
         </p:spPr>
@@ -7035,6 +7607,2301 @@
 </p:sld>
 </file>
 
+<file path=ppt/slides/slide10.xml><?xml version="1.0" encoding="utf-8"?>
+<p:sld xmlns:a="http://schemas.openxmlformats.org/drawingml/2006/main" xmlns:r="http://schemas.openxmlformats.org/officeDocument/2006/relationships" xmlns:p="http://schemas.openxmlformats.org/presentationml/2006/main">
+  <p:cSld>
+    <p:spTree>
+      <p:nvGrpSpPr>
+        <p:cNvPr id="1" name=""/>
+        <p:cNvGrpSpPr/>
+        <p:nvPr/>
+      </p:nvGrpSpPr>
+      <p:grpSpPr>
+        <a:xfrm>
+          <a:off x="0" y="0"/>
+          <a:ext cx="0" cy="0"/>
+          <a:chOff x="0" y="0"/>
+          <a:chExt cx="0" cy="0"/>
+        </a:xfrm>
+      </p:grpSpPr>
+      <p:sp>
+        <p:nvSpPr>
+          <p:cNvPr id="1154" name="Rect 0"/>
+          <p:cNvSpPr txBox="1">
+            <a:spLocks/>
+          </p:cNvSpPr>
+          <p:nvPr/>
+        </p:nvSpPr>
+        <p:spPr>
+          <a:xfrm rot="0">
+            <a:off x="4280535" y="405130"/>
+            <a:ext cx="3629025" cy="478155"/>
+          </a:xfrm>
+          <a:prstGeom prst="rect"/>
+          <a:noFill/>
+          <a:ln w="0">
+            <a:noFill/>
+            <a:prstDash/>
+          </a:ln>
+        </p:spPr>
+        <p:txBody>
+          <a:bodyPr wrap="square" lIns="89535" tIns="46355" rIns="89535" bIns="46355" numCol="1" vert="horz" anchor="t">
+            <a:spAutoFit/>
+          </a:bodyPr>
+          <a:lstStyle/>
+          <a:p>
+            <a:pPr marL="0" indent="0" algn="ctr" latinLnBrk="0">
+              <a:buFontTx/>
+              <a:buNone/>
+            </a:pPr>
+            <a:r>
+              <a:rPr lang="ko-KR" altLang="en-US" sz="2500" b="1">
+                <a:solidFill>
+                  <a:schemeClr val="tx1"/>
+                </a:solidFill>
+                <a:latin typeface="나눔바른고딕" charset="0"/>
+                <a:ea typeface="나눔바른고딕" charset="0"/>
+              </a:rPr>
+              <a:t>열</a:t>
+            </a:r>
+            <a:r>
+              <a:rPr lang="ko-KR" altLang="en-US" sz="2500" b="1">
+                <a:solidFill>
+                  <a:schemeClr val="tx1"/>
+                </a:solidFill>
+                <a:latin typeface="나눔바른고딕" charset="0"/>
+                <a:ea typeface="나눔바른고딕" charset="0"/>
+              </a:rPr>
+              <a:t> 번째 튜토리얼</a:t>
+            </a:r>
+            <a:endParaRPr lang="ko-KR" altLang="en-US" sz="2500" b="1">
+              <a:solidFill>
+                <a:schemeClr val="tx1"/>
+              </a:solidFill>
+              <a:latin typeface="나눔바른고딕" charset="0"/>
+              <a:ea typeface="나눔바른고딕" charset="0"/>
+            </a:endParaRPr>
+          </a:p>
+        </p:txBody>
+      </p:sp>
+      <p:sp>
+        <p:nvSpPr>
+          <p:cNvPr id="1193" name="Rect 0"/>
+          <p:cNvSpPr txBox="1">
+            <a:spLocks/>
+          </p:cNvSpPr>
+          <p:nvPr/>
+        </p:nvSpPr>
+        <p:spPr>
+          <a:xfrm rot="0">
+            <a:off x="1243330" y="5182870"/>
+            <a:ext cx="4132580" cy="954405"/>
+          </a:xfrm>
+          <a:prstGeom prst="rect"/>
+          <a:noFill/>
+          <a:ln w="0">
+            <a:noFill/>
+            <a:prstDash/>
+          </a:ln>
+        </p:spPr>
+        <p:txBody>
+          <a:bodyPr wrap="square" lIns="89535" tIns="46355" rIns="89535" bIns="46355" numCol="1" vert="horz" anchor="t">
+            <a:spAutoFit/>
+          </a:bodyPr>
+          <a:lstStyle/>
+          <a:p>
+            <a:pPr marL="0" indent="0" algn="l" latinLnBrk="0" hangingPunct="1">
+              <a:buFontTx/>
+              <a:buNone/>
+            </a:pPr>
+            <a:r>
+              <a:rPr lang="ko-KR" sz="2000" b="1">
+                <a:solidFill>
+                  <a:srgbClr val="0611F2"/>
+                </a:solidFill>
+                <a:latin typeface="맑은 고딕" charset="0"/>
+                <a:ea typeface="맑은 고딕" charset="0"/>
+              </a:rPr>
+              <a:t>25.</a:t>
+            </a:r>
+            <a:r>
+              <a:rPr lang="ko-KR" sz="2000" b="1">
+                <a:solidFill>
+                  <a:srgbClr val="0611F2"/>
+                </a:solidFill>
+                <a:latin typeface="맑은 고딕" charset="0"/>
+                <a:ea typeface="맑은 고딕" charset="0"/>
+              </a:rPr>
+              <a:t> </a:t>
+            </a:r>
+            <a:r>
+              <a:rPr lang="ko-KR" sz="1800">
+                <a:latin typeface="맑은 고딕" charset="0"/>
+                <a:ea typeface="맑은 고딕" charset="0"/>
+              </a:rPr>
+              <a:t>그러고 나서 Animator Manager </a:t>
+            </a:r>
+            <a:r>
+              <a:rPr lang="ko-KR" sz="1800">
+                <a:latin typeface="맑은 고딕" charset="0"/>
+                <a:ea typeface="맑은 고딕" charset="0"/>
+              </a:rPr>
+              <a:t>스크립트의</a:t>
+            </a:r>
+            <a:r>
+              <a:rPr lang="ko-KR" sz="1800">
+                <a:latin typeface="맑은 고딕" charset="0"/>
+                <a:ea typeface="맑은 고딕" charset="0"/>
+              </a:rPr>
+              <a:t> </a:t>
+            </a:r>
+            <a:r>
+              <a:rPr lang="ko-KR" sz="1800">
+                <a:latin typeface="맑은 고딕" charset="0"/>
+                <a:ea typeface="맑은 고딕" charset="0"/>
+              </a:rPr>
+              <a:t>Animator 변수에 Dreyar </a:t>
+            </a:r>
+            <a:r>
+              <a:rPr lang="ko-KR" sz="1800">
+                <a:latin typeface="맑은 고딕" charset="0"/>
+                <a:ea typeface="맑은 고딕" charset="0"/>
+              </a:rPr>
+              <a:t>By</a:t>
+            </a:r>
+            <a:r>
+              <a:rPr lang="ko-KR" sz="1800">
+                <a:latin typeface="맑은 고딕" charset="0"/>
+                <a:ea typeface="맑은 고딕" charset="0"/>
+              </a:rPr>
+              <a:t> M.Aure 오브젝트를 넣어줍니다.</a:t>
+            </a:r>
+            <a:endParaRPr lang="ko-KR" altLang="en-US" sz="1800">
+              <a:latin typeface="맑은 고딕" charset="0"/>
+              <a:ea typeface="맑은 고딕" charset="0"/>
+            </a:endParaRPr>
+          </a:p>
+        </p:txBody>
+      </p:sp>
+      <p:sp>
+        <p:nvSpPr>
+          <p:cNvPr id="1195" name="Rect 0"/>
+          <p:cNvSpPr txBox="1">
+            <a:spLocks/>
+          </p:cNvSpPr>
+          <p:nvPr/>
+        </p:nvSpPr>
+        <p:spPr>
+          <a:xfrm rot="0">
+            <a:off x="6819265" y="5185410"/>
+            <a:ext cx="4146550" cy="954405"/>
+          </a:xfrm>
+          <a:prstGeom prst="rect"/>
+          <a:noFill/>
+          <a:ln w="0">
+            <a:noFill/>
+            <a:prstDash/>
+          </a:ln>
+        </p:spPr>
+        <p:txBody>
+          <a:bodyPr wrap="square" lIns="89535" tIns="46355" rIns="89535" bIns="46355" numCol="1" vert="horz" anchor="t">
+            <a:spAutoFit/>
+          </a:bodyPr>
+          <a:lstStyle/>
+          <a:p>
+            <a:pPr marL="0" indent="0" algn="l" latinLnBrk="0" hangingPunct="1">
+              <a:buFontTx/>
+              <a:buNone/>
+            </a:pPr>
+            <a:r>
+              <a:rPr lang="ko-KR" sz="2000" b="1">
+                <a:solidFill>
+                  <a:srgbClr val="0611F2"/>
+                </a:solidFill>
+                <a:latin typeface="맑은 고딕" charset="0"/>
+                <a:ea typeface="맑은 고딕" charset="0"/>
+              </a:rPr>
+              <a:t>27.</a:t>
+            </a:r>
+            <a:r>
+              <a:rPr lang="ko-KR" sz="2000" b="1">
+                <a:solidFill>
+                  <a:srgbClr val="0611F2"/>
+                </a:solidFill>
+                <a:latin typeface="맑은 고딕" charset="0"/>
+                <a:ea typeface="맑은 고딕" charset="0"/>
+              </a:rPr>
+              <a:t> </a:t>
+            </a:r>
+            <a:r>
+              <a:rPr lang="ko-KR" sz="1800">
+                <a:latin typeface="맑은 고딕" charset="0"/>
+                <a:ea typeface="맑은 고딕" charset="0"/>
+              </a:rPr>
+              <a:t>그리고 CrossFade Slider </a:t>
+            </a:r>
+            <a:r>
+              <a:rPr lang="ko-KR" sz="1800">
+                <a:latin typeface="맑은 고딕" charset="0"/>
+                <a:ea typeface="맑은 고딕" charset="0"/>
+              </a:rPr>
+              <a:t>오브젝트의</a:t>
+            </a:r>
+            <a:r>
+              <a:rPr lang="ko-KR" sz="1800">
+                <a:latin typeface="맑은 고딕" charset="0"/>
+                <a:ea typeface="맑은 고딕" charset="0"/>
+              </a:rPr>
+              <a:t> </a:t>
+            </a:r>
+            <a:r>
+              <a:rPr lang="ko-KR" sz="1800">
+                <a:latin typeface="맑은 고딕" charset="0"/>
+                <a:ea typeface="맑은 고딕" charset="0"/>
+              </a:rPr>
+              <a:t>앵커를 지정한 다음 </a:t>
+            </a:r>
+            <a:r>
+              <a:rPr lang="ko-KR" sz="1800">
+                <a:latin typeface="맑은 고딕" charset="0"/>
+                <a:ea typeface="맑은 고딕" charset="0"/>
+              </a:rPr>
+              <a:t>위치와</a:t>
+            </a:r>
+            <a:r>
+              <a:rPr lang="ko-KR" sz="1800">
+                <a:latin typeface="맑은 고딕" charset="0"/>
+                <a:ea typeface="맑은 고딕" charset="0"/>
+              </a:rPr>
+              <a:t> 크</a:t>
+            </a:r>
+            <a:r>
+              <a:rPr lang="ko-KR" sz="1800">
+                <a:latin typeface="맑은 고딕" charset="0"/>
+                <a:ea typeface="맑은 고딕" charset="0"/>
+              </a:rPr>
+              <a:t>기 </a:t>
+            </a:r>
+            <a:r>
+              <a:rPr lang="ko-KR" sz="1800">
+                <a:latin typeface="맑은 고딕" charset="0"/>
+                <a:ea typeface="맑은 고딕" charset="0"/>
+              </a:rPr>
+              <a:t>값을 설정합니다.</a:t>
+            </a:r>
+            <a:endParaRPr lang="ko-KR" altLang="en-US" sz="1800">
+              <a:latin typeface="맑은 고딕" charset="0"/>
+              <a:ea typeface="맑은 고딕" charset="0"/>
+            </a:endParaRPr>
+          </a:p>
+        </p:txBody>
+      </p:sp>
+      <p:pic>
+        <p:nvPicPr>
+          <p:cNvPr id="1197" name="그림 18" descr="C:/Users/Admin1/AppData/Roaming/PolarisOffice/ETemp/11640_19028160/fImage110942379169.png"/>
+          <p:cNvPicPr>
+            <a:picLocks noChangeAspect="1"/>
+          </p:cNvPicPr>
+          <p:nvPr/>
+        </p:nvPicPr>
+        <p:blipFill rotWithShape="1">
+          <a:blip r:embed="rId2" cstate="print">
+            <a:extLst>
+              <a:ext uri="{28A0092B-C50C-407E-A947-70E740481C1C}">
+                <a14:useLocalDpi xmlns:a14="http://schemas.microsoft.com/office/drawing/2010/main" val="0"/>
+              </a:ext>
+            </a:extLst>
+          </a:blip>
+          <a:stretch>
+            <a:fillRect/>
+          </a:stretch>
+        </p:blipFill>
+        <p:spPr>
+          <a:xfrm rot="0">
+            <a:off x="1248410" y="1433195"/>
+            <a:ext cx="1379855" cy="1254760"/>
+          </a:xfrm>
+          <a:prstGeom prst="roundRect"/>
+          <a:solidFill>
+            <a:srgbClr val="EDEDED"/>
+          </a:solidFill>
+        </p:spPr>
+      </p:pic>
+      <p:pic>
+        <p:nvPicPr>
+          <p:cNvPr id="1198" name="그림 19" descr="C:/Users/Admin1/AppData/Roaming/PolarisOffice/ETemp/11640_19028160/fImage98662385724.png"/>
+          <p:cNvPicPr>
+            <a:picLocks noChangeAspect="1"/>
+          </p:cNvPicPr>
+          <p:nvPr/>
+        </p:nvPicPr>
+        <p:blipFill rotWithShape="1">
+          <a:blip r:embed="rId3" cstate="print">
+            <a:extLst>
+              <a:ext uri="{28A0092B-C50C-407E-A947-70E740481C1C}">
+                <a14:useLocalDpi xmlns:a14="http://schemas.microsoft.com/office/drawing/2010/main" val="0"/>
+              </a:ext>
+            </a:extLst>
+          </a:blip>
+          <a:stretch>
+            <a:fillRect/>
+          </a:stretch>
+        </p:blipFill>
+        <p:spPr>
+          <a:xfrm rot="0">
+            <a:off x="2722245" y="1440815"/>
+            <a:ext cx="2644775" cy="1247140"/>
+          </a:xfrm>
+          <a:prstGeom prst="roundRect"/>
+          <a:solidFill>
+            <a:srgbClr val="EDEDED"/>
+          </a:solidFill>
+        </p:spPr>
+      </p:pic>
+      <p:sp>
+        <p:nvSpPr>
+          <p:cNvPr id="1199" name="텍스트 상자 24"/>
+          <p:cNvSpPr txBox="1">
+            <a:spLocks/>
+          </p:cNvSpPr>
+          <p:nvPr/>
+        </p:nvSpPr>
+        <p:spPr>
+          <a:xfrm rot="0">
+            <a:off x="1237615" y="2782570"/>
+            <a:ext cx="4138295" cy="954405"/>
+          </a:xfrm>
+          <a:prstGeom prst="rect"/>
+          <a:noFill/>
+          <a:ln w="0">
+            <a:noFill/>
+            <a:prstDash/>
+          </a:ln>
+        </p:spPr>
+        <p:txBody>
+          <a:bodyPr wrap="square" lIns="89535" tIns="46355" rIns="89535" bIns="46355" numCol="1" vert="horz" anchor="t">
+            <a:spAutoFit/>
+          </a:bodyPr>
+          <a:lstStyle/>
+          <a:p>
+            <a:pPr marL="0" indent="0" algn="l" latinLnBrk="0" hangingPunct="1">
+              <a:buFontTx/>
+              <a:buNone/>
+            </a:pPr>
+            <a:r>
+              <a:rPr lang="ko-KR" sz="2000" b="1">
+                <a:solidFill>
+                  <a:srgbClr val="0611F2"/>
+                </a:solidFill>
+                <a:latin typeface="맑은 고딕" charset="0"/>
+                <a:ea typeface="맑은 고딕" charset="0"/>
+              </a:rPr>
+              <a:t>24.</a:t>
+            </a:r>
+            <a:r>
+              <a:rPr lang="ko-KR" sz="2000" b="1">
+                <a:solidFill>
+                  <a:srgbClr val="0611F2"/>
+                </a:solidFill>
+                <a:latin typeface="맑은 고딕" charset="0"/>
+                <a:ea typeface="맑은 고딕" charset="0"/>
+              </a:rPr>
+              <a:t> </a:t>
+            </a:r>
+            <a:r>
+              <a:rPr lang="ko-KR" sz="1800">
+                <a:latin typeface="맑은 고딕" charset="0"/>
+                <a:ea typeface="맑은 고딕" charset="0"/>
+              </a:rPr>
+              <a:t>그다음으로 Animator Manager </a:t>
+            </a:r>
+            <a:r>
+              <a:rPr lang="ko-KR" sz="1800">
+                <a:latin typeface="맑은 고딕" charset="0"/>
+                <a:ea typeface="맑은 고딕" charset="0"/>
+              </a:rPr>
+              <a:t>스크립트의</a:t>
+            </a:r>
+            <a:r>
+              <a:rPr lang="ko-KR" sz="1800">
+                <a:latin typeface="맑은 고딕" charset="0"/>
+                <a:ea typeface="맑은 고딕" charset="0"/>
+              </a:rPr>
+              <a:t> </a:t>
+            </a:r>
+            <a:r>
+              <a:rPr lang="ko-KR" sz="1800">
+                <a:latin typeface="맑은 고딕" charset="0"/>
+                <a:ea typeface="맑은 고딕" charset="0"/>
+              </a:rPr>
+              <a:t>Silder 변수에 CrossFade </a:t>
+            </a:r>
+            <a:r>
+              <a:rPr lang="ko-KR" sz="1800">
+                <a:latin typeface="맑은 고딕" charset="0"/>
+                <a:ea typeface="맑은 고딕" charset="0"/>
+              </a:rPr>
+              <a:t>Slider</a:t>
+            </a:r>
+            <a:r>
+              <a:rPr lang="ko-KR" sz="1800">
+                <a:latin typeface="맑은 고딕" charset="0"/>
+                <a:ea typeface="맑은 고딕" charset="0"/>
+              </a:rPr>
+              <a:t> 오브젝트를 넣어줍니다.</a:t>
+            </a:r>
+            <a:endParaRPr lang="ko-KR" altLang="en-US" sz="1800">
+              <a:latin typeface="맑은 고딕" charset="0"/>
+              <a:ea typeface="맑은 고딕" charset="0"/>
+            </a:endParaRPr>
+          </a:p>
+        </p:txBody>
+      </p:sp>
+      <p:cxnSp>
+        <p:nvCxnSpPr>
+          <p:cNvPr id="1200" name="도형 25"/>
+          <p:cNvCxnSpPr/>
+          <p:nvPr/>
+        </p:nvCxnSpPr>
+        <p:spPr>
+          <a:xfrm rot="0" flipV="1">
+            <a:off x="2282825" y="2204720"/>
+            <a:ext cx="3015615" cy="250190"/>
+          </a:xfrm>
+          <a:prstGeom prst="straightConnector1"/>
+          <a:ln w="6350" cap="flat" cmpd="sng">
+            <a:prstDash/>
+            <a:headEnd type="none" w="med" len="med"/>
+            <a:tailEnd type="triangle" w="med" len="med"/>
+          </a:ln>
+        </p:spPr>
+        <p:style>
+          <a:lnRef idx="1">
+            <a:schemeClr val="accent1"/>
+          </a:lnRef>
+          <a:fillRef idx="0">
+            <a:schemeClr val="accent1"/>
+          </a:fillRef>
+          <a:effectRef idx="0">
+            <a:schemeClr val="accent1"/>
+          </a:effectRef>
+          <a:fontRef idx="minor">
+            <a:schemeClr val="tx1"/>
+          </a:fontRef>
+        </p:style>
+      </p:cxnSp>
+      <p:pic>
+        <p:nvPicPr>
+          <p:cNvPr id="1201" name="그림 26" descr="C:/Users/Admin1/AppData/Roaming/PolarisOffice/ETemp/11640_19028160/fImage110482411478.png"/>
+          <p:cNvPicPr>
+            <a:picLocks noChangeAspect="1"/>
+          </p:cNvPicPr>
+          <p:nvPr/>
+        </p:nvPicPr>
+        <p:blipFill rotWithShape="1">
+          <a:blip r:embed="rId4" cstate="print">
+            <a:extLst>
+              <a:ext uri="{28A0092B-C50C-407E-A947-70E740481C1C}">
+                <a14:useLocalDpi xmlns:a14="http://schemas.microsoft.com/office/drawing/2010/main" val="0"/>
+              </a:ext>
+            </a:extLst>
+          </a:blip>
+          <a:stretch>
+            <a:fillRect/>
+          </a:stretch>
+        </p:blipFill>
+        <p:spPr>
+          <a:xfrm rot="0">
+            <a:off x="1242695" y="3865880"/>
+            <a:ext cx="1376680" cy="1233805"/>
+          </a:xfrm>
+          <a:prstGeom prst="roundRect"/>
+          <a:solidFill>
+            <a:srgbClr val="EDEDED"/>
+          </a:solidFill>
+        </p:spPr>
+      </p:pic>
+      <p:pic>
+        <p:nvPicPr>
+          <p:cNvPr id="1202" name="그림 27" descr="C:/Users/Admin1/AppData/Roaming/PolarisOffice/ETemp/11640_19028160/fImage105612429358.png"/>
+          <p:cNvPicPr>
+            <a:picLocks noChangeAspect="1"/>
+          </p:cNvPicPr>
+          <p:nvPr/>
+        </p:nvPicPr>
+        <p:blipFill rotWithShape="1">
+          <a:blip r:embed="rId5" cstate="print">
+            <a:extLst>
+              <a:ext uri="{28A0092B-C50C-407E-A947-70E740481C1C}">
+                <a14:useLocalDpi xmlns:a14="http://schemas.microsoft.com/office/drawing/2010/main" val="0"/>
+              </a:ext>
+            </a:extLst>
+          </a:blip>
+          <a:stretch>
+            <a:fillRect/>
+          </a:stretch>
+        </p:blipFill>
+        <p:spPr>
+          <a:xfrm rot="0">
+            <a:off x="2713355" y="3861435"/>
+            <a:ext cx="2662555" cy="1238885"/>
+          </a:xfrm>
+          <a:prstGeom prst="roundRect"/>
+          <a:solidFill>
+            <a:srgbClr val="EDEDED"/>
+          </a:solidFill>
+        </p:spPr>
+      </p:pic>
+      <p:cxnSp>
+        <p:nvCxnSpPr>
+          <p:cNvPr id="1203" name="도형 32"/>
+          <p:cNvCxnSpPr/>
+          <p:nvPr/>
+        </p:nvCxnSpPr>
+        <p:spPr>
+          <a:xfrm rot="0">
+            <a:off x="2188210" y="4281170"/>
+            <a:ext cx="3118485" cy="577215"/>
+          </a:xfrm>
+          <a:prstGeom prst="straightConnector1"/>
+          <a:ln w="6350" cap="flat" cmpd="sng">
+            <a:prstDash/>
+            <a:headEnd type="none" w="med" len="med"/>
+            <a:tailEnd type="triangle" w="med" len="med"/>
+          </a:ln>
+        </p:spPr>
+        <p:style>
+          <a:lnRef idx="1">
+            <a:schemeClr val="accent1"/>
+          </a:lnRef>
+          <a:fillRef idx="0">
+            <a:schemeClr val="accent1"/>
+          </a:fillRef>
+          <a:effectRef idx="0">
+            <a:schemeClr val="accent1"/>
+          </a:effectRef>
+          <a:fontRef idx="minor">
+            <a:schemeClr val="tx1"/>
+          </a:fontRef>
+        </p:style>
+      </p:cxnSp>
+      <p:pic>
+        <p:nvPicPr>
+          <p:cNvPr id="1204" name="그림 33" descr="C:/Users/Admin1/AppData/Roaming/PolarisOffice/ETemp/11640_19028160/fImage30172549169.png"/>
+          <p:cNvPicPr>
+            <a:picLocks noChangeAspect="1"/>
+          </p:cNvPicPr>
+          <p:nvPr/>
+        </p:nvPicPr>
+        <p:blipFill rotWithShape="1">
+          <a:blip r:embed="rId6" cstate="hqprint">
+            <a:extLst>
+              <a:ext uri="{28A0092B-C50C-407E-A947-70E740481C1C}">
+                <a14:useLocalDpi xmlns:a14="http://schemas.microsoft.com/office/drawing/2010/main"/>
+              </a:ext>
+            </a:extLst>
+          </a:blip>
+          <a:stretch>
+            <a:fillRect/>
+          </a:stretch>
+        </p:blipFill>
+        <p:spPr>
+          <a:xfrm rot="0">
+            <a:off x="8182610" y="1419225"/>
+            <a:ext cx="2774315" cy="1260475"/>
+          </a:xfrm>
+          <a:prstGeom prst="roundRect"/>
+          <a:solidFill>
+            <a:srgbClr val="EDEDED"/>
+          </a:solidFill>
+        </p:spPr>
+      </p:pic>
+      <p:pic>
+        <p:nvPicPr>
+          <p:cNvPr id="1205" name="그림 34" descr="C:/Users/Admin1/AppData/Roaming/PolarisOffice/ETemp/11640_19028160/fImage111812456962.png"/>
+          <p:cNvPicPr>
+            <a:picLocks noChangeAspect="1"/>
+          </p:cNvPicPr>
+          <p:nvPr/>
+        </p:nvPicPr>
+        <p:blipFill rotWithShape="1">
+          <a:blip r:embed="rId7" cstate="print">
+            <a:extLst>
+              <a:ext uri="{28A0092B-C50C-407E-A947-70E740481C1C}">
+                <a14:useLocalDpi xmlns:a14="http://schemas.microsoft.com/office/drawing/2010/main" val="0"/>
+              </a:ext>
+            </a:extLst>
+          </a:blip>
+          <a:stretch>
+            <a:fillRect/>
+          </a:stretch>
+        </p:blipFill>
+        <p:spPr>
+          <a:xfrm rot="0">
+            <a:off x="6824980" y="1419860"/>
+            <a:ext cx="1264285" cy="1259840"/>
+          </a:xfrm>
+          <a:prstGeom prst="roundRect"/>
+          <a:solidFill>
+            <a:srgbClr val="EDEDED"/>
+          </a:solidFill>
+        </p:spPr>
+      </p:pic>
+      <p:sp>
+        <p:nvSpPr>
+          <p:cNvPr id="1206" name="텍스트 상자 37"/>
+          <p:cNvSpPr txBox="1">
+            <a:spLocks/>
+          </p:cNvSpPr>
+          <p:nvPr/>
+        </p:nvSpPr>
+        <p:spPr>
+          <a:xfrm rot="0">
+            <a:off x="6830695" y="2771140"/>
+            <a:ext cx="4124960" cy="677545"/>
+          </a:xfrm>
+          <a:prstGeom prst="rect"/>
+          <a:noFill/>
+          <a:ln w="0">
+            <a:noFill/>
+            <a:prstDash/>
+          </a:ln>
+        </p:spPr>
+        <p:txBody>
+          <a:bodyPr wrap="square" lIns="89535" tIns="46355" rIns="89535" bIns="46355" numCol="1" vert="horz" anchor="t">
+            <a:spAutoFit/>
+          </a:bodyPr>
+          <a:lstStyle/>
+          <a:p>
+            <a:pPr marL="0" indent="0" rtl="0" algn="l" defTabSz="914400" eaLnBrk="1" latinLnBrk="0" hangingPunct="1">
+              <a:buFontTx/>
+              <a:buNone/>
+            </a:pPr>
+            <a:r>
+              <a:rPr lang="ko-KR" sz="2000" b="1">
+                <a:solidFill>
+                  <a:srgbClr val="0611F2"/>
+                </a:solidFill>
+                <a:latin typeface="맑은 고딕" charset="0"/>
+                <a:ea typeface="맑은 고딕" charset="0"/>
+              </a:rPr>
+              <a:t>2</a:t>
+            </a:r>
+            <a:r>
+              <a:rPr sz="2000" b="1">
+                <a:solidFill>
+                  <a:srgbClr val="0611F2"/>
+                </a:solidFill>
+                <a:latin typeface="맑은 고딕" charset="0"/>
+                <a:ea typeface="맑은 고딕" charset="0"/>
+              </a:rPr>
+              <a:t>6.</a:t>
+            </a:r>
+            <a:r>
+              <a:rPr sz="2000">
+                <a:solidFill>
+                  <a:srgbClr val="0611F2"/>
+                </a:solidFill>
+                <a:latin typeface="맑은 고딕" charset="0"/>
+                <a:ea typeface="맑은 고딕" charset="0"/>
+              </a:rPr>
+              <a:t> </a:t>
+            </a:r>
+            <a:r>
+              <a:rPr sz="1800">
+                <a:latin typeface="맑은 고딕" charset="0"/>
+                <a:ea typeface="맑은 고딕" charset="0"/>
+              </a:rPr>
+              <a:t>이제 Running Button </a:t>
+            </a:r>
+            <a:r>
+              <a:rPr sz="1800">
+                <a:latin typeface="맑은 고딕" charset="0"/>
+                <a:ea typeface="맑은 고딕" charset="0"/>
+              </a:rPr>
+              <a:t>오브젝트의</a:t>
+            </a:r>
+            <a:r>
+              <a:rPr sz="1800">
+                <a:latin typeface="맑은 고딕" charset="0"/>
+                <a:ea typeface="맑은 고딕" charset="0"/>
+              </a:rPr>
+              <a:t> </a:t>
+            </a:r>
+            <a:r>
+              <a:rPr sz="1800">
+                <a:latin typeface="맑은 고딕" charset="0"/>
+                <a:ea typeface="맑은 고딕" charset="0"/>
+              </a:rPr>
+              <a:t>On</a:t>
+            </a:r>
+            <a:r>
+              <a:rPr sz="1800">
+                <a:latin typeface="맑은 고딕" charset="0"/>
+                <a:ea typeface="맑은 고딕" charset="0"/>
+              </a:rPr>
+              <a:t> </a:t>
+            </a:r>
+            <a:r>
+              <a:rPr sz="1800">
+                <a:latin typeface="맑은 고딕" charset="0"/>
+                <a:ea typeface="맑은 고딕" charset="0"/>
+              </a:rPr>
+              <a:t>Click(</a:t>
+            </a:r>
+            <a:r>
+              <a:rPr sz="1800">
+                <a:latin typeface="맑은 고딕" charset="0"/>
+                <a:ea typeface="맑은 고딕" charset="0"/>
+              </a:rPr>
+              <a:t> </a:t>
+            </a:r>
+            <a:r>
+              <a:rPr sz="1800">
+                <a:latin typeface="맑은 고딕" charset="0"/>
+                <a:ea typeface="맑은 고딕" charset="0"/>
+              </a:rPr>
+              <a:t>)</a:t>
+            </a:r>
+            <a:r>
+              <a:rPr sz="1800">
+                <a:latin typeface="맑은 고딕" charset="0"/>
+                <a:ea typeface="맑은 고딕" charset="0"/>
+              </a:rPr>
+              <a:t> </a:t>
+            </a:r>
+            <a:r>
+              <a:rPr sz="1800">
+                <a:latin typeface="맑은 고딕" charset="0"/>
+                <a:ea typeface="맑은 고딕" charset="0"/>
+              </a:rPr>
+              <a:t>함수를</a:t>
+            </a:r>
+            <a:r>
+              <a:rPr sz="1800">
+                <a:latin typeface="맑은 고딕" charset="0"/>
+                <a:ea typeface="맑은 고딕" charset="0"/>
+              </a:rPr>
+              <a:t> </a:t>
+            </a:r>
+            <a:r>
+              <a:rPr sz="1800">
+                <a:latin typeface="맑은 고딕" charset="0"/>
+                <a:ea typeface="맑은 고딕" charset="0"/>
+              </a:rPr>
+              <a:t>추가합니다.</a:t>
+            </a:r>
+            <a:endParaRPr lang="ko-KR" altLang="en-US" sz="1800">
+              <a:latin typeface="맑은 고딕" charset="0"/>
+              <a:ea typeface="맑은 고딕" charset="0"/>
+            </a:endParaRPr>
+          </a:p>
+        </p:txBody>
+      </p:sp>
+      <p:pic>
+        <p:nvPicPr>
+          <p:cNvPr id="1207" name="그림 41" descr="C:/Users/Admin1/AppData/Roaming/PolarisOffice/ETemp/11640_19028160/fImage124832504464.png"/>
+          <p:cNvPicPr>
+            <a:picLocks noChangeAspect="1"/>
+          </p:cNvPicPr>
+          <p:nvPr/>
+        </p:nvPicPr>
+        <p:blipFill rotWithShape="1">
+          <a:blip r:embed="rId8" cstate="print">
+            <a:extLst>
+              <a:ext uri="{28A0092B-C50C-407E-A947-70E740481C1C}">
+                <a14:useLocalDpi xmlns:a14="http://schemas.microsoft.com/office/drawing/2010/main" val="0"/>
+              </a:ext>
+            </a:extLst>
+          </a:blip>
+          <a:stretch>
+            <a:fillRect/>
+          </a:stretch>
+        </p:blipFill>
+        <p:spPr>
+          <a:xfrm rot="0">
+            <a:off x="6821170" y="3582670"/>
+            <a:ext cx="4136390" cy="1499870"/>
+          </a:xfrm>
+          <a:prstGeom prst="roundRect"/>
+          <a:solidFill>
+            <a:srgbClr val="EDEDED"/>
+          </a:solidFill>
+        </p:spPr>
+      </p:pic>
+    </p:spTree>
+  </p:cSld>
+  <p:clrMapOvr>
+    <a:masterClrMapping/>
+  </p:clrMapOvr>
+  <mc:AlternateContent xmlns:mc="http://schemas.openxmlformats.org/markup-compatibility/2006">
+    <mc:Choice xmlns:p14="http://schemas.microsoft.com/office/powerpoint/2010/main" Requires="p14">
+      <p:transition spd="slow" p14:dur="2000"/>
+    </mc:Choice>
+    <mc:Fallback>
+      <p:transition spd="slow"/>
+    </mc:Fallback>
+  </mc:AlternateContent>
+  <p:timing>
+    <p:tnLst>
+      <p:par>
+        <p:cTn id="1" dur="indefinite" restart="never" nodeType="tmRoot"/>
+      </p:par>
+    </p:tnLst>
+  </p:timing>
+</p:sld>
+</file>
+
+<file path=ppt/slides/slide11.xml><?xml version="1.0" encoding="utf-8"?>
+<p:sld xmlns:a="http://schemas.openxmlformats.org/drawingml/2006/main" xmlns:r="http://schemas.openxmlformats.org/officeDocument/2006/relationships" xmlns:p="http://schemas.openxmlformats.org/presentationml/2006/main">
+  <p:cSld>
+    <p:spTree>
+      <p:nvGrpSpPr>
+        <p:cNvPr id="1" name=""/>
+        <p:cNvGrpSpPr/>
+        <p:nvPr/>
+      </p:nvGrpSpPr>
+      <p:grpSpPr>
+        <a:xfrm>
+          <a:off x="0" y="0"/>
+          <a:ext cx="0" cy="0"/>
+          <a:chOff x="0" y="0"/>
+          <a:chExt cx="0" cy="0"/>
+        </a:xfrm>
+      </p:grpSpPr>
+      <p:sp>
+        <p:nvSpPr>
+          <p:cNvPr id="1154" name="Rect 0"/>
+          <p:cNvSpPr txBox="1">
+            <a:spLocks/>
+          </p:cNvSpPr>
+          <p:nvPr/>
+        </p:nvSpPr>
+        <p:spPr>
+          <a:xfrm rot="0">
+            <a:off x="4280535" y="405130"/>
+            <a:ext cx="3629660" cy="478155"/>
+          </a:xfrm>
+          <a:prstGeom prst="rect"/>
+          <a:noFill/>
+          <a:ln w="0">
+            <a:noFill/>
+            <a:prstDash/>
+          </a:ln>
+        </p:spPr>
+        <p:txBody>
+          <a:bodyPr wrap="square" lIns="89535" tIns="46355" rIns="89535" bIns="46355" numCol="1" vert="horz" anchor="t">
+            <a:spAutoFit/>
+          </a:bodyPr>
+          <a:lstStyle/>
+          <a:p>
+            <a:pPr marL="0" indent="0" algn="ctr" latinLnBrk="0">
+              <a:buFontTx/>
+              <a:buNone/>
+            </a:pPr>
+            <a:r>
+              <a:rPr lang="ko-KR" altLang="en-US" sz="2500" b="1">
+                <a:solidFill>
+                  <a:schemeClr val="tx1"/>
+                </a:solidFill>
+                <a:latin typeface="나눔바른고딕" charset="0"/>
+                <a:ea typeface="나눔바른고딕" charset="0"/>
+              </a:rPr>
+              <a:t>열한</a:t>
+            </a:r>
+            <a:r>
+              <a:rPr lang="ko-KR" altLang="en-US" sz="2500" b="1">
+                <a:solidFill>
+                  <a:schemeClr val="tx1"/>
+                </a:solidFill>
+                <a:latin typeface="나눔바른고딕" charset="0"/>
+                <a:ea typeface="나눔바른고딕" charset="0"/>
+              </a:rPr>
+              <a:t> 번째 튜토리얼</a:t>
+            </a:r>
+            <a:endParaRPr lang="ko-KR" altLang="en-US" sz="2500" b="1">
+              <a:solidFill>
+                <a:schemeClr val="tx1"/>
+              </a:solidFill>
+              <a:latin typeface="나눔바른고딕" charset="0"/>
+              <a:ea typeface="나눔바른고딕" charset="0"/>
+            </a:endParaRPr>
+          </a:p>
+        </p:txBody>
+      </p:sp>
+      <p:sp>
+        <p:nvSpPr>
+          <p:cNvPr id="1193" name="Rect 0"/>
+          <p:cNvSpPr txBox="1">
+            <a:spLocks/>
+          </p:cNvSpPr>
+          <p:nvPr/>
+        </p:nvSpPr>
+        <p:spPr>
+          <a:xfrm rot="0">
+            <a:off x="1243330" y="5294630"/>
+            <a:ext cx="4132580" cy="954405"/>
+          </a:xfrm>
+          <a:prstGeom prst="rect"/>
+          <a:noFill/>
+          <a:ln w="0">
+            <a:noFill/>
+            <a:prstDash/>
+          </a:ln>
+        </p:spPr>
+        <p:txBody>
+          <a:bodyPr wrap="square" lIns="89535" tIns="46355" rIns="89535" bIns="46355" numCol="1" vert="horz" anchor="t">
+            <a:spAutoFit/>
+          </a:bodyPr>
+          <a:lstStyle/>
+          <a:p>
+            <a:pPr marL="0" indent="0" algn="l" latinLnBrk="0" hangingPunct="1">
+              <a:buFontTx/>
+              <a:buNone/>
+            </a:pPr>
+            <a:r>
+              <a:rPr lang="ko-KR" sz="2000" b="1">
+                <a:solidFill>
+                  <a:srgbClr val="0611F2"/>
+                </a:solidFill>
+                <a:latin typeface="맑은 고딕" charset="0"/>
+                <a:ea typeface="맑은 고딕" charset="0"/>
+              </a:rPr>
+              <a:t>2</a:t>
+            </a:r>
+            <a:r>
+              <a:rPr lang="ko-KR" sz="2000" b="1">
+                <a:solidFill>
+                  <a:srgbClr val="0611F2"/>
+                </a:solidFill>
+                <a:latin typeface="맑은 고딕" charset="0"/>
+                <a:ea typeface="맑은 고딕" charset="0"/>
+              </a:rPr>
+              <a:t>9</a:t>
+            </a:r>
+            <a:r>
+              <a:rPr lang="ko-KR" sz="2000" b="1">
+                <a:solidFill>
+                  <a:srgbClr val="0611F2"/>
+                </a:solidFill>
+                <a:latin typeface="맑은 고딕" charset="0"/>
+                <a:ea typeface="맑은 고딕" charset="0"/>
+              </a:rPr>
+              <a:t>.</a:t>
+            </a:r>
+            <a:r>
+              <a:rPr lang="ko-KR" sz="2000" b="1">
+                <a:solidFill>
+                  <a:srgbClr val="0611F2"/>
+                </a:solidFill>
+                <a:latin typeface="맑은 고딕" charset="0"/>
+                <a:ea typeface="맑은 고딕" charset="0"/>
+              </a:rPr>
+              <a:t> </a:t>
+            </a:r>
+            <a:r>
+              <a:rPr lang="ko-KR" sz="1800">
+                <a:latin typeface="맑은 고딕" charset="0"/>
+                <a:ea typeface="맑은 고딕" charset="0"/>
+              </a:rPr>
+              <a:t>그다음 StartAnimation( ) </a:t>
+            </a:r>
+            <a:r>
+              <a:rPr lang="ko-KR" sz="1800">
+                <a:latin typeface="맑은 고딕" charset="0"/>
+                <a:ea typeface="맑은 고딕" charset="0"/>
+              </a:rPr>
+              <a:t>함수를 </a:t>
+            </a:r>
+            <a:r>
+              <a:rPr lang="ko-KR" sz="1800">
+                <a:latin typeface="맑은 고딕" charset="0"/>
+                <a:ea typeface="맑은 고딕" charset="0"/>
+              </a:rPr>
+              <a:t>On</a:t>
+            </a:r>
+            <a:r>
+              <a:rPr lang="ko-KR" sz="1800">
+                <a:latin typeface="맑은 고딕" charset="0"/>
+                <a:ea typeface="맑은 고딕" charset="0"/>
+              </a:rPr>
+              <a:t> Click( ) 함수에 </a:t>
+            </a:r>
+            <a:r>
+              <a:rPr lang="ko-KR" sz="1800">
+                <a:latin typeface="맑은 고딕" charset="0"/>
+                <a:ea typeface="맑은 고딕" charset="0"/>
+              </a:rPr>
+              <a:t>등록하고 </a:t>
+            </a:r>
+            <a:r>
+              <a:rPr lang="ko-KR" sz="1800">
+                <a:latin typeface="맑은 고딕" charset="0"/>
+                <a:ea typeface="맑은 고딕" charset="0"/>
+              </a:rPr>
+              <a:t>인수</a:t>
+            </a:r>
+            <a:r>
+              <a:rPr lang="ko-KR" sz="1800">
+                <a:latin typeface="맑은 고딕" charset="0"/>
+                <a:ea typeface="맑은 고딕" charset="0"/>
+              </a:rPr>
+              <a:t>에 </a:t>
+            </a:r>
+            <a:r>
+              <a:rPr lang="ko-KR" sz="1800">
+                <a:latin typeface="맑은 고딕" charset="0"/>
+                <a:ea typeface="맑은 고딕" charset="0"/>
+              </a:rPr>
+              <a:t>Kick</a:t>
+            </a:r>
+            <a:r>
+              <a:rPr lang="ko-KR" sz="1800">
+                <a:latin typeface="맑은 고딕" charset="0"/>
+                <a:ea typeface="맑은 고딕" charset="0"/>
+              </a:rPr>
+              <a:t> 이라는 문자열을 설정합니</a:t>
+            </a:r>
+            <a:r>
+              <a:rPr lang="ko-KR" sz="1800">
+                <a:latin typeface="맑은 고딕" charset="0"/>
+                <a:ea typeface="맑은 고딕" charset="0"/>
+              </a:rPr>
+              <a:t>다.</a:t>
+            </a:r>
+            <a:endParaRPr lang="ko-KR" altLang="en-US" sz="1800">
+              <a:latin typeface="맑은 고딕" charset="0"/>
+              <a:ea typeface="맑은 고딕" charset="0"/>
+            </a:endParaRPr>
+          </a:p>
+        </p:txBody>
+      </p:sp>
+      <p:sp>
+        <p:nvSpPr>
+          <p:cNvPr id="1199" name="Rect 0"/>
+          <p:cNvSpPr txBox="1">
+            <a:spLocks/>
+          </p:cNvSpPr>
+          <p:nvPr/>
+        </p:nvSpPr>
+        <p:spPr>
+          <a:xfrm rot="0">
+            <a:off x="1237615" y="2756535"/>
+            <a:ext cx="4138930" cy="954405"/>
+          </a:xfrm>
+          <a:prstGeom prst="rect"/>
+          <a:noFill/>
+          <a:ln w="0">
+            <a:noFill/>
+            <a:prstDash/>
+          </a:ln>
+        </p:spPr>
+        <p:txBody>
+          <a:bodyPr wrap="square" lIns="89535" tIns="46355" rIns="89535" bIns="46355" numCol="1" vert="horz" anchor="t">
+            <a:spAutoFit/>
+          </a:bodyPr>
+          <a:lstStyle/>
+          <a:p>
+            <a:pPr marL="0" indent="0" algn="l" latinLnBrk="0" hangingPunct="1">
+              <a:buFontTx/>
+              <a:buNone/>
+            </a:pPr>
+            <a:r>
+              <a:rPr lang="ko-KR" sz="2000" b="1">
+                <a:solidFill>
+                  <a:srgbClr val="0611F2"/>
+                </a:solidFill>
+                <a:latin typeface="맑은 고딕" charset="0"/>
+                <a:ea typeface="맑은 고딕" charset="0"/>
+              </a:rPr>
+              <a:t>28.</a:t>
+            </a:r>
+            <a:r>
+              <a:rPr lang="ko-KR" sz="2000" b="1">
+                <a:solidFill>
+                  <a:srgbClr val="0611F2"/>
+                </a:solidFill>
+                <a:latin typeface="맑은 고딕" charset="0"/>
+                <a:ea typeface="맑은 고딕" charset="0"/>
+              </a:rPr>
+              <a:t> </a:t>
+            </a:r>
+            <a:r>
+              <a:rPr lang="ko-KR" sz="1800">
+                <a:latin typeface="맑은 고딕" charset="0"/>
+                <a:ea typeface="맑은 고딕" charset="0"/>
+              </a:rPr>
+              <a:t>그런 다음 Kick Button </a:t>
+            </a:r>
+            <a:r>
+              <a:rPr lang="ko-KR" sz="1800">
+                <a:latin typeface="맑은 고딕" charset="0"/>
+                <a:ea typeface="맑은 고딕" charset="0"/>
+              </a:rPr>
+              <a:t>오브젝트의</a:t>
+            </a:r>
+            <a:r>
+              <a:rPr lang="ko-KR" sz="1800">
+                <a:latin typeface="맑은 고딕" charset="0"/>
+                <a:ea typeface="맑은 고딕" charset="0"/>
+              </a:rPr>
+              <a:t> </a:t>
+            </a:r>
+            <a:r>
+              <a:rPr lang="ko-KR" sz="1800">
+                <a:latin typeface="맑은 고딕" charset="0"/>
+                <a:ea typeface="맑은 고딕" charset="0"/>
+              </a:rPr>
+              <a:t>On</a:t>
+            </a:r>
+            <a:r>
+              <a:rPr lang="ko-KR" sz="1800">
+                <a:latin typeface="맑은 고딕" charset="0"/>
+                <a:ea typeface="맑은 고딕" charset="0"/>
+              </a:rPr>
+              <a:t> Click( )</a:t>
+            </a:r>
+            <a:r>
+              <a:rPr lang="ko-KR" sz="1800">
+                <a:latin typeface="맑은 고딕" charset="0"/>
+                <a:ea typeface="맑은 고딕" charset="0"/>
+              </a:rPr>
+              <a:t> 함수에 Animator Manager </a:t>
+            </a:r>
+            <a:r>
+              <a:rPr lang="ko-KR" sz="1800">
+                <a:latin typeface="맑은 고딕" charset="0"/>
+                <a:ea typeface="맑은 고딕" charset="0"/>
+              </a:rPr>
+              <a:t>오브젝트를</a:t>
+            </a:r>
+            <a:r>
+              <a:rPr lang="ko-KR" sz="1800">
+                <a:latin typeface="맑은 고딕" charset="0"/>
+                <a:ea typeface="맑은 고딕" charset="0"/>
+              </a:rPr>
+              <a:t> </a:t>
+            </a:r>
+            <a:r>
+              <a:rPr lang="ko-KR" sz="1800">
+                <a:latin typeface="맑은 고딕" charset="0"/>
+                <a:ea typeface="맑은 고딕" charset="0"/>
+              </a:rPr>
+              <a:t>넣어줍니다.</a:t>
+            </a:r>
+            <a:endParaRPr lang="ko-KR" altLang="en-US" sz="1800">
+              <a:latin typeface="맑은 고딕" charset="0"/>
+              <a:ea typeface="맑은 고딕" charset="0"/>
+            </a:endParaRPr>
+          </a:p>
+        </p:txBody>
+      </p:sp>
+      <p:pic>
+        <p:nvPicPr>
+          <p:cNvPr id="1208" name="그림 1" descr="C:/Users/Admin1/AppData/Roaming/PolarisOffice/ETemp/2064_9969360/fImage537525741.png"/>
+          <p:cNvPicPr>
+            <a:picLocks noChangeAspect="1"/>
+          </p:cNvPicPr>
+          <p:nvPr/>
+        </p:nvPicPr>
+        <p:blipFill rotWithShape="1">
+          <a:blip r:embed="rId2" cstate="print">
+            <a:extLst>
+              <a:ext uri="{28A0092B-C50C-407E-A947-70E740481C1C}">
+                <a14:useLocalDpi xmlns:a14="http://schemas.microsoft.com/office/drawing/2010/main" val="0"/>
+              </a:ext>
+            </a:extLst>
+          </a:blip>
+          <a:stretch>
+            <a:fillRect/>
+          </a:stretch>
+        </p:blipFill>
+        <p:spPr>
+          <a:xfrm rot="0">
+            <a:off x="2679065" y="1447165"/>
+            <a:ext cx="2696845" cy="1223010"/>
+          </a:xfrm>
+          <a:prstGeom prst="roundRect"/>
+          <a:solidFill>
+            <a:srgbClr val="EDEDED"/>
+          </a:solidFill>
+        </p:spPr>
+      </p:pic>
+      <p:pic>
+        <p:nvPicPr>
+          <p:cNvPr id="1209" name="그림 4" descr="C:/Users/Admin1/AppData/Roaming/PolarisOffice/ETemp/2064_9969360/fImage111852588467.png"/>
+          <p:cNvPicPr>
+            <a:picLocks noChangeAspect="1"/>
+          </p:cNvPicPr>
+          <p:nvPr/>
+        </p:nvPicPr>
+        <p:blipFill rotWithShape="1">
+          <a:blip r:embed="rId3" cstate="print">
+            <a:extLst>
+              <a:ext uri="{28A0092B-C50C-407E-A947-70E740481C1C}">
+                <a14:useLocalDpi xmlns:a14="http://schemas.microsoft.com/office/drawing/2010/main" val="0"/>
+              </a:ext>
+            </a:extLst>
+          </a:blip>
+          <a:stretch>
+            <a:fillRect/>
+          </a:stretch>
+        </p:blipFill>
+        <p:spPr>
+          <a:xfrm rot="0">
+            <a:off x="1238885" y="1447165"/>
+            <a:ext cx="1337310" cy="1213485"/>
+          </a:xfrm>
+          <a:prstGeom prst="roundRect"/>
+          <a:solidFill>
+            <a:srgbClr val="EDEDED"/>
+          </a:solidFill>
+        </p:spPr>
+      </p:pic>
+      <p:cxnSp>
+        <p:nvCxnSpPr>
+          <p:cNvPr id="1210" name="도형 7"/>
+          <p:cNvCxnSpPr/>
+          <p:nvPr/>
+        </p:nvCxnSpPr>
+        <p:spPr>
+          <a:xfrm rot="0">
+            <a:off x="2196465" y="1989455"/>
+            <a:ext cx="1318895" cy="155575"/>
+          </a:xfrm>
+          <a:prstGeom prst="straightConnector1"/>
+          <a:ln w="6350" cap="flat" cmpd="sng">
+            <a:prstDash/>
+            <a:headEnd type="none" w="med" len="med"/>
+            <a:tailEnd type="triangle" w="med" len="med"/>
+          </a:ln>
+        </p:spPr>
+        <p:style>
+          <a:lnRef idx="1">
+            <a:schemeClr val="accent1"/>
+          </a:lnRef>
+          <a:fillRef idx="0">
+            <a:schemeClr val="accent1"/>
+          </a:fillRef>
+          <a:effectRef idx="0">
+            <a:schemeClr val="accent1"/>
+          </a:effectRef>
+          <a:fontRef idx="minor">
+            <a:schemeClr val="tx1"/>
+          </a:fontRef>
+        </p:style>
+      </p:cxnSp>
+      <p:pic>
+        <p:nvPicPr>
+          <p:cNvPr id="1211" name="그림 8" descr="C:/Users/Admin1/AppData/Roaming/PolarisOffice/ETemp/2064_9969360/fImage65282606334.png"/>
+          <p:cNvPicPr>
+            <a:picLocks noChangeAspect="1"/>
+          </p:cNvPicPr>
+          <p:nvPr/>
+        </p:nvPicPr>
+        <p:blipFill rotWithShape="1">
+          <a:blip r:embed="rId4" cstate="print">
+            <a:extLst>
+              <a:ext uri="{28A0092B-C50C-407E-A947-70E740481C1C}">
+                <a14:useLocalDpi xmlns:a14="http://schemas.microsoft.com/office/drawing/2010/main" val="0"/>
+              </a:ext>
+            </a:extLst>
+          </a:blip>
+          <a:stretch>
+            <a:fillRect/>
+          </a:stretch>
+        </p:blipFill>
+        <p:spPr>
+          <a:xfrm rot="0">
+            <a:off x="1231900" y="3823970"/>
+            <a:ext cx="4144010" cy="1379220"/>
+          </a:xfrm>
+          <a:prstGeom prst="roundRect"/>
+          <a:solidFill>
+            <a:srgbClr val="EDEDED"/>
+          </a:solidFill>
+        </p:spPr>
+      </p:pic>
+      <p:pic>
+        <p:nvPicPr>
+          <p:cNvPr id="1212" name="그림 15" descr="C:/Users/Admin1/AppData/Roaming/PolarisOffice/ETemp/2064_9969360/fImage122792746500.png"/>
+          <p:cNvPicPr>
+            <a:picLocks noChangeAspect="1"/>
+          </p:cNvPicPr>
+          <p:nvPr/>
+        </p:nvPicPr>
+        <p:blipFill rotWithShape="1">
+          <a:blip r:embed="rId5" cstate="print">
+            <a:extLst>
+              <a:ext uri="{28A0092B-C50C-407E-A947-70E740481C1C}">
+                <a14:useLocalDpi xmlns:a14="http://schemas.microsoft.com/office/drawing/2010/main" val="0"/>
+              </a:ext>
+            </a:extLst>
+          </a:blip>
+          <a:stretch>
+            <a:fillRect/>
+          </a:stretch>
+        </p:blipFill>
+        <p:spPr>
+          <a:xfrm rot="0">
+            <a:off x="6831330" y="1447165"/>
+            <a:ext cx="1369695" cy="1136650"/>
+          </a:xfrm>
+          <a:prstGeom prst="roundRect"/>
+          <a:solidFill>
+            <a:srgbClr val="EDEDED"/>
+          </a:solidFill>
+        </p:spPr>
+      </p:pic>
+      <p:pic>
+        <p:nvPicPr>
+          <p:cNvPr id="1213" name="그림 18" descr="C:/Users/Admin1/AppData/Roaming/PolarisOffice/ETemp/2064_9969360/fImage95942759169.png"/>
+          <p:cNvPicPr>
+            <a:picLocks noChangeAspect="1"/>
+          </p:cNvPicPr>
+          <p:nvPr/>
+        </p:nvPicPr>
+        <p:blipFill rotWithShape="1">
+          <a:blip r:embed="rId6" cstate="print">
+            <a:extLst>
+              <a:ext uri="{28A0092B-C50C-407E-A947-70E740481C1C}">
+                <a14:useLocalDpi xmlns:a14="http://schemas.microsoft.com/office/drawing/2010/main" val="0"/>
+              </a:ext>
+            </a:extLst>
+          </a:blip>
+          <a:stretch>
+            <a:fillRect/>
+          </a:stretch>
+        </p:blipFill>
+        <p:spPr>
+          <a:xfrm rot="0">
+            <a:off x="8321040" y="1450975"/>
+            <a:ext cx="2636520" cy="1133475"/>
+          </a:xfrm>
+          <a:prstGeom prst="roundRect"/>
+          <a:solidFill>
+            <a:srgbClr val="EDEDED"/>
+          </a:solidFill>
+        </p:spPr>
+      </p:pic>
+      <p:sp>
+        <p:nvSpPr>
+          <p:cNvPr id="1214" name="텍스트 상자 21"/>
+          <p:cNvSpPr txBox="1">
+            <a:spLocks/>
+          </p:cNvSpPr>
+          <p:nvPr/>
+        </p:nvSpPr>
+        <p:spPr>
+          <a:xfrm rot="0">
+            <a:off x="6821805" y="2655570"/>
+            <a:ext cx="4135755" cy="1231265"/>
+          </a:xfrm>
+          <a:prstGeom prst="rect"/>
+          <a:noFill/>
+          <a:ln w="0">
+            <a:noFill/>
+            <a:prstDash/>
+          </a:ln>
+        </p:spPr>
+        <p:txBody>
+          <a:bodyPr wrap="square" lIns="89535" tIns="46355" rIns="89535" bIns="46355" numCol="1" vert="horz" anchor="t">
+            <a:spAutoFit/>
+          </a:bodyPr>
+          <a:lstStyle/>
+          <a:p>
+            <a:pPr marL="0" indent="0" algn="l" latinLnBrk="0" hangingPunct="1">
+              <a:buFontTx/>
+              <a:buNone/>
+            </a:pPr>
+            <a:r>
+              <a:rPr lang="ko-KR" sz="2000" b="1">
+                <a:solidFill>
+                  <a:srgbClr val="0611F2"/>
+                </a:solidFill>
+                <a:latin typeface="맑은 고딕" charset="0"/>
+                <a:ea typeface="맑은 고딕" charset="0"/>
+              </a:rPr>
+              <a:t>3</a:t>
+            </a:r>
+            <a:r>
+              <a:rPr lang="ko-KR" sz="2000" b="1">
+                <a:solidFill>
+                  <a:srgbClr val="0611F2"/>
+                </a:solidFill>
+                <a:latin typeface="맑은 고딕" charset="0"/>
+                <a:ea typeface="맑은 고딕" charset="0"/>
+              </a:rPr>
+              <a:t>0</a:t>
+            </a:r>
+            <a:r>
+              <a:rPr lang="ko-KR" sz="2000" b="1">
+                <a:solidFill>
+                  <a:srgbClr val="0611F2"/>
+                </a:solidFill>
+                <a:latin typeface="맑은 고딕" charset="0"/>
+                <a:ea typeface="맑은 고딕" charset="0"/>
+              </a:rPr>
+              <a:t>.</a:t>
+            </a:r>
+            <a:r>
+              <a:rPr lang="ko-KR" sz="2000" b="1">
+                <a:solidFill>
+                  <a:srgbClr val="0611F2"/>
+                </a:solidFill>
+                <a:latin typeface="맑은 고딕" charset="0"/>
+                <a:ea typeface="맑은 고딕" charset="0"/>
+              </a:rPr>
+              <a:t> </a:t>
+            </a:r>
+            <a:r>
+              <a:rPr lang="ko-KR" sz="1800">
+                <a:latin typeface="맑은 고딕" charset="0"/>
+                <a:ea typeface="맑은 고딕" charset="0"/>
+              </a:rPr>
+              <a:t>그러고 나서 Project 폴더 아래에 </a:t>
+            </a:r>
+            <a:r>
+              <a:rPr lang="ko-KR" sz="1800">
+                <a:latin typeface="맑은 고딕" charset="0"/>
+                <a:ea typeface="맑은 고딕" charset="0"/>
+              </a:rPr>
+              <a:t>있는</a:t>
+            </a:r>
+            <a:r>
+              <a:rPr lang="ko-KR" sz="1800">
+                <a:latin typeface="맑은 고딕" charset="0"/>
+                <a:ea typeface="맑은 고딕" charset="0"/>
+              </a:rPr>
+              <a:t> </a:t>
+            </a:r>
+            <a:r>
+              <a:rPr lang="ko-KR" sz="1800">
+                <a:latin typeface="맑은 고딕" charset="0"/>
+                <a:ea typeface="맑은 고딕" charset="0"/>
+              </a:rPr>
+              <a:t>Video Player 폴더에 Unknown </a:t>
+            </a:r>
+            <a:r>
+              <a:rPr lang="ko-KR" sz="1800">
+                <a:latin typeface="맑은 고딕" charset="0"/>
+                <a:ea typeface="맑은 고딕" charset="0"/>
+              </a:rPr>
+              <a:t>Space</a:t>
+            </a:r>
+            <a:r>
+              <a:rPr lang="ko-KR" sz="1800">
+                <a:latin typeface="맑은 고딕" charset="0"/>
+                <a:ea typeface="맑은 고딕" charset="0"/>
+              </a:rPr>
+              <a:t> Video를 월드 공간에 </a:t>
+            </a:r>
+            <a:r>
+              <a:rPr lang="ko-KR" sz="1800">
+                <a:latin typeface="맑은 고딕" charset="0"/>
+                <a:ea typeface="맑은 고딕" charset="0"/>
+              </a:rPr>
+              <a:t>배치합니</a:t>
+            </a:r>
+            <a:r>
+              <a:rPr lang="ko-KR" sz="1800">
+                <a:latin typeface="맑은 고딕" charset="0"/>
+                <a:ea typeface="맑은 고딕" charset="0"/>
+              </a:rPr>
+              <a:t>다.</a:t>
+            </a:r>
+            <a:endParaRPr lang="ko-KR" altLang="en-US" sz="1800">
+              <a:latin typeface="맑은 고딕" charset="0"/>
+              <a:ea typeface="맑은 고딕" charset="0"/>
+            </a:endParaRPr>
+          </a:p>
+        </p:txBody>
+      </p:sp>
+      <p:pic>
+        <p:nvPicPr>
+          <p:cNvPr id="1215" name="그림 22" descr="C:/Users/Admin1/AppData/Roaming/PolarisOffice/ETemp/2064_9969360/fImage22421734441.png"/>
+          <p:cNvPicPr>
+            <a:picLocks noChangeAspect="1"/>
+          </p:cNvPicPr>
+          <p:nvPr/>
+        </p:nvPicPr>
+        <p:blipFill rotWithShape="1">
+          <a:blip r:embed="rId7" cstate="hqprint">
+            <a:extLst>
+              <a:ext uri="{28A0092B-C50C-407E-A947-70E740481C1C}">
+                <a14:useLocalDpi xmlns:a14="http://schemas.microsoft.com/office/drawing/2010/main"/>
+              </a:ext>
+            </a:extLst>
+          </a:blip>
+          <a:stretch>
+            <a:fillRect/>
+          </a:stretch>
+        </p:blipFill>
+        <p:spPr>
+          <a:xfrm rot="10800000">
+            <a:off x="7950200" y="1844040"/>
+            <a:ext cx="673100" cy="422275"/>
+          </a:xfrm>
+          <a:prstGeom prst="rect"/>
+          <a:noFill/>
+        </p:spPr>
+      </p:pic>
+      <p:sp>
+        <p:nvSpPr>
+          <p:cNvPr id="1216" name="텍스트 상자 23"/>
+          <p:cNvSpPr txBox="1">
+            <a:spLocks/>
+          </p:cNvSpPr>
+          <p:nvPr/>
+        </p:nvSpPr>
+        <p:spPr>
+          <a:xfrm rot="0">
+            <a:off x="6822440" y="5300345"/>
+            <a:ext cx="4135120" cy="954405"/>
+          </a:xfrm>
+          <a:prstGeom prst="rect"/>
+          <a:noFill/>
+          <a:ln w="0">
+            <a:noFill/>
+            <a:prstDash/>
+          </a:ln>
+        </p:spPr>
+        <p:txBody>
+          <a:bodyPr wrap="square" lIns="89535" tIns="46355" rIns="89535" bIns="46355" numCol="1" vert="horz" anchor="t">
+            <a:spAutoFit/>
+          </a:bodyPr>
+          <a:lstStyle/>
+          <a:p>
+            <a:pPr marL="0" indent="0" algn="l" latinLnBrk="0" hangingPunct="1">
+              <a:buFontTx/>
+              <a:buNone/>
+            </a:pPr>
+            <a:r>
+              <a:rPr lang="ko-KR" sz="2000" b="1">
+                <a:solidFill>
+                  <a:srgbClr val="0611F2"/>
+                </a:solidFill>
+                <a:latin typeface="맑은 고딕" charset="0"/>
+                <a:ea typeface="맑은 고딕" charset="0"/>
+              </a:rPr>
+              <a:t>3</a:t>
+            </a:r>
+            <a:r>
+              <a:rPr lang="ko-KR" sz="2000" b="1">
+                <a:solidFill>
+                  <a:srgbClr val="0611F2"/>
+                </a:solidFill>
+                <a:latin typeface="맑은 고딕" charset="0"/>
+                <a:ea typeface="맑은 고딕" charset="0"/>
+              </a:rPr>
+              <a:t>1</a:t>
+            </a:r>
+            <a:r>
+              <a:rPr lang="ko-KR" sz="2000" b="1">
+                <a:solidFill>
+                  <a:srgbClr val="0611F2"/>
+                </a:solidFill>
+                <a:latin typeface="맑은 고딕" charset="0"/>
+                <a:ea typeface="맑은 고딕" charset="0"/>
+              </a:rPr>
+              <a:t>.</a:t>
+            </a:r>
+            <a:r>
+              <a:rPr lang="ko-KR" sz="2000" b="1">
+                <a:solidFill>
+                  <a:srgbClr val="0611F2"/>
+                </a:solidFill>
+                <a:latin typeface="맑은 고딕" charset="0"/>
+                <a:ea typeface="맑은 고딕" charset="0"/>
+              </a:rPr>
+              <a:t> </a:t>
+            </a:r>
+            <a:r>
+              <a:rPr lang="ko-KR" sz="1800">
+                <a:latin typeface="맑은 고딕" charset="0"/>
+                <a:ea typeface="맑은 고딕" charset="0"/>
+              </a:rPr>
+              <a:t>이제 Running Button </a:t>
+            </a:r>
+            <a:r>
+              <a:rPr lang="ko-KR" sz="1800">
+                <a:latin typeface="맑은 고딕" charset="0"/>
+                <a:ea typeface="맑은 고딕" charset="0"/>
+              </a:rPr>
+              <a:t>오브젝트의</a:t>
+            </a:r>
+            <a:r>
+              <a:rPr lang="ko-KR" sz="1800">
+                <a:latin typeface="맑은 고딕" charset="0"/>
+                <a:ea typeface="맑은 고딕" charset="0"/>
+              </a:rPr>
+              <a:t> </a:t>
+            </a:r>
+            <a:r>
+              <a:rPr lang="ko-KR" sz="1800">
+                <a:latin typeface="맑은 고딕" charset="0"/>
+                <a:ea typeface="맑은 고딕" charset="0"/>
+              </a:rPr>
+              <a:t>On</a:t>
+            </a:r>
+            <a:r>
+              <a:rPr lang="ko-KR" sz="1800">
+                <a:latin typeface="맑은 고딕" charset="0"/>
+                <a:ea typeface="맑은 고딕" charset="0"/>
+              </a:rPr>
+              <a:t> </a:t>
+            </a:r>
+            <a:r>
+              <a:rPr lang="ko-KR" sz="1800">
+                <a:latin typeface="맑은 고딕" charset="0"/>
+                <a:ea typeface="맑은 고딕" charset="0"/>
+              </a:rPr>
+              <a:t>Click(</a:t>
+            </a:r>
+            <a:r>
+              <a:rPr lang="ko-KR" sz="1800">
+                <a:latin typeface="맑은 고딕" charset="0"/>
+                <a:ea typeface="맑은 고딕" charset="0"/>
+              </a:rPr>
+              <a:t> )</a:t>
+            </a:r>
+            <a:r>
+              <a:rPr lang="ko-KR" sz="1800">
+                <a:latin typeface="맑은 고딕" charset="0"/>
+                <a:ea typeface="맑은 고딕" charset="0"/>
+              </a:rPr>
+              <a:t> 함수에 Animator Manager </a:t>
+            </a:r>
+            <a:r>
+              <a:rPr lang="ko-KR" sz="1800">
+                <a:latin typeface="맑은 고딕" charset="0"/>
+                <a:ea typeface="맑은 고딕" charset="0"/>
+              </a:rPr>
+              <a:t>오브젝트를</a:t>
+            </a:r>
+            <a:r>
+              <a:rPr lang="ko-KR" sz="1800">
+                <a:latin typeface="맑은 고딕" charset="0"/>
+                <a:ea typeface="맑은 고딕" charset="0"/>
+              </a:rPr>
+              <a:t> </a:t>
+            </a:r>
+            <a:r>
+              <a:rPr lang="ko-KR" sz="1800">
+                <a:latin typeface="맑은 고딕" charset="0"/>
+                <a:ea typeface="맑은 고딕" charset="0"/>
+              </a:rPr>
+              <a:t>넣어줍니다.</a:t>
+            </a:r>
+            <a:endParaRPr lang="ko-KR" altLang="en-US" sz="1800">
+              <a:latin typeface="맑은 고딕" charset="0"/>
+              <a:ea typeface="맑은 고딕" charset="0"/>
+            </a:endParaRPr>
+          </a:p>
+        </p:txBody>
+      </p:sp>
+      <p:pic>
+        <p:nvPicPr>
+          <p:cNvPr id="1217" name="그림 24" descr="C:/Users/Admin1/AppData/Roaming/PolarisOffice/ETemp/2064_9969360/fImage53752795724.png"/>
+          <p:cNvPicPr>
+            <a:picLocks noChangeAspect="1"/>
+          </p:cNvPicPr>
+          <p:nvPr/>
+        </p:nvPicPr>
+        <p:blipFill rotWithShape="1">
+          <a:blip r:embed="rId8" cstate="print">
+            <a:extLst>
+              <a:ext uri="{28A0092B-C50C-407E-A947-70E740481C1C}">
+                <a14:useLocalDpi xmlns:a14="http://schemas.microsoft.com/office/drawing/2010/main" val="0"/>
+              </a:ext>
+            </a:extLst>
+          </a:blip>
+          <a:stretch>
+            <a:fillRect/>
+          </a:stretch>
+        </p:blipFill>
+        <p:spPr>
+          <a:xfrm rot="0">
+            <a:off x="8321040" y="3996690"/>
+            <a:ext cx="2636520" cy="1215390"/>
+          </a:xfrm>
+          <a:prstGeom prst="roundRect"/>
+          <a:solidFill>
+            <a:srgbClr val="EDEDED"/>
+          </a:solidFill>
+        </p:spPr>
+      </p:pic>
+      <p:pic>
+        <p:nvPicPr>
+          <p:cNvPr id="1218" name="그림 25" descr="C:/Users/Admin1/AppData/Roaming/PolarisOffice/ETemp/2064_9969360/fImage111852801478.png"/>
+          <p:cNvPicPr>
+            <a:picLocks noChangeAspect="1"/>
+          </p:cNvPicPr>
+          <p:nvPr/>
+        </p:nvPicPr>
+        <p:blipFill rotWithShape="1">
+          <a:blip r:embed="rId9" cstate="print">
+            <a:extLst>
+              <a:ext uri="{28A0092B-C50C-407E-A947-70E740481C1C}">
+                <a14:useLocalDpi xmlns:a14="http://schemas.microsoft.com/office/drawing/2010/main" val="0"/>
+              </a:ext>
+            </a:extLst>
+          </a:blip>
+          <a:stretch>
+            <a:fillRect/>
+          </a:stretch>
+        </p:blipFill>
+        <p:spPr>
+          <a:xfrm rot="0">
+            <a:off x="6830695" y="3996690"/>
+            <a:ext cx="1370330" cy="1206500"/>
+          </a:xfrm>
+          <a:prstGeom prst="roundRect"/>
+          <a:solidFill>
+            <a:srgbClr val="EDEDED"/>
+          </a:solidFill>
+        </p:spPr>
+      </p:pic>
+      <p:cxnSp>
+        <p:nvCxnSpPr>
+          <p:cNvPr id="1219" name="도형 26"/>
+          <p:cNvCxnSpPr/>
+          <p:nvPr/>
+        </p:nvCxnSpPr>
+        <p:spPr>
+          <a:xfrm rot="0">
+            <a:off x="7821295" y="4513580"/>
+            <a:ext cx="1318895" cy="181610"/>
+          </a:xfrm>
+          <a:prstGeom prst="straightConnector1"/>
+          <a:ln w="6350" cap="flat" cmpd="sng">
+            <a:prstDash/>
+            <a:headEnd type="none" w="med" len="med"/>
+            <a:tailEnd type="triangle" w="med" len="med"/>
+          </a:ln>
+        </p:spPr>
+        <p:style>
+          <a:lnRef idx="1">
+            <a:schemeClr val="accent1"/>
+          </a:lnRef>
+          <a:fillRef idx="0">
+            <a:schemeClr val="accent1"/>
+          </a:fillRef>
+          <a:effectRef idx="0">
+            <a:schemeClr val="accent1"/>
+          </a:effectRef>
+          <a:fontRef idx="minor">
+            <a:schemeClr val="tx1"/>
+          </a:fontRef>
+        </p:style>
+      </p:cxnSp>
+    </p:spTree>
+  </p:cSld>
+  <p:clrMapOvr>
+    <a:masterClrMapping/>
+  </p:clrMapOvr>
+  <mc:AlternateContent xmlns:mc="http://schemas.openxmlformats.org/markup-compatibility/2006">
+    <mc:Choice xmlns:p14="http://schemas.microsoft.com/office/powerpoint/2010/main" Requires="p14">
+      <p:transition spd="slow" p14:dur="2000"/>
+    </mc:Choice>
+    <mc:Fallback>
+      <p:transition spd="slow"/>
+    </mc:Fallback>
+  </mc:AlternateContent>
+  <p:timing>
+    <p:tnLst>
+      <p:par>
+        <p:cTn id="1" dur="indefinite" restart="never" nodeType="tmRoot"/>
+      </p:par>
+    </p:tnLst>
+  </p:timing>
+</p:sld>
+</file>
+
+<file path=ppt/slides/slide12.xml><?xml version="1.0" encoding="utf-8"?>
+<p:sld xmlns:a="http://schemas.openxmlformats.org/drawingml/2006/main" xmlns:r="http://schemas.openxmlformats.org/officeDocument/2006/relationships" xmlns:p="http://schemas.openxmlformats.org/presentationml/2006/main">
+  <p:cSld>
+    <p:spTree>
+      <p:nvGrpSpPr>
+        <p:cNvPr id="1" name=""/>
+        <p:cNvGrpSpPr/>
+        <p:nvPr/>
+      </p:nvGrpSpPr>
+      <p:grpSpPr>
+        <a:xfrm>
+          <a:off x="0" y="0"/>
+          <a:ext cx="0" cy="0"/>
+          <a:chOff x="0" y="0"/>
+          <a:chExt cx="0" cy="0"/>
+        </a:xfrm>
+      </p:grpSpPr>
+      <p:sp>
+        <p:nvSpPr>
+          <p:cNvPr id="1154" name="Rect 0"/>
+          <p:cNvSpPr txBox="1">
+            <a:spLocks/>
+          </p:cNvSpPr>
+          <p:nvPr/>
+        </p:nvSpPr>
+        <p:spPr>
+          <a:xfrm rot="0">
+            <a:off x="4280535" y="405130"/>
+            <a:ext cx="3629660" cy="478155"/>
+          </a:xfrm>
+          <a:prstGeom prst="rect"/>
+          <a:noFill/>
+          <a:ln w="0">
+            <a:noFill/>
+            <a:prstDash/>
+          </a:ln>
+        </p:spPr>
+        <p:txBody>
+          <a:bodyPr wrap="square" lIns="89535" tIns="46355" rIns="89535" bIns="46355" numCol="1" vert="horz" anchor="t">
+            <a:spAutoFit/>
+          </a:bodyPr>
+          <a:lstStyle/>
+          <a:p>
+            <a:pPr marL="0" indent="0" algn="ctr" latinLnBrk="0">
+              <a:buFontTx/>
+              <a:buNone/>
+            </a:pPr>
+            <a:r>
+              <a:rPr lang="ko-KR" altLang="en-US" sz="2500" b="1">
+                <a:solidFill>
+                  <a:schemeClr val="tx1"/>
+                </a:solidFill>
+                <a:latin typeface="나눔바른고딕" charset="0"/>
+                <a:ea typeface="나눔바른고딕" charset="0"/>
+              </a:rPr>
+              <a:t>열두</a:t>
+            </a:r>
+            <a:r>
+              <a:rPr lang="ko-KR" altLang="en-US" sz="2500" b="1">
+                <a:solidFill>
+                  <a:schemeClr val="tx1"/>
+                </a:solidFill>
+                <a:latin typeface="나눔바른고딕" charset="0"/>
+                <a:ea typeface="나눔바른고딕" charset="0"/>
+              </a:rPr>
+              <a:t> 번째 튜토리얼</a:t>
+            </a:r>
+            <a:endParaRPr lang="ko-KR" altLang="en-US" sz="2500" b="1">
+              <a:solidFill>
+                <a:schemeClr val="tx1"/>
+              </a:solidFill>
+              <a:latin typeface="나눔바른고딕" charset="0"/>
+              <a:ea typeface="나눔바른고딕" charset="0"/>
+            </a:endParaRPr>
+          </a:p>
+        </p:txBody>
+      </p:sp>
+      <p:sp>
+        <p:nvSpPr>
+          <p:cNvPr id="1193" name="Rect 0"/>
+          <p:cNvSpPr txBox="1">
+            <a:spLocks/>
+          </p:cNvSpPr>
+          <p:nvPr/>
+        </p:nvSpPr>
+        <p:spPr>
+          <a:xfrm rot="0">
+            <a:off x="1234440" y="4415790"/>
+            <a:ext cx="4124325" cy="1784985"/>
+          </a:xfrm>
+          <a:prstGeom prst="rect"/>
+          <a:noFill/>
+          <a:ln w="0">
+            <a:noFill/>
+            <a:prstDash/>
+          </a:ln>
+        </p:spPr>
+        <p:txBody>
+          <a:bodyPr wrap="square" lIns="89535" tIns="46355" rIns="89535" bIns="46355" numCol="1" vert="horz" anchor="t">
+            <a:spAutoFit/>
+          </a:bodyPr>
+          <a:lstStyle/>
+          <a:p>
+            <a:pPr marL="0" indent="0" algn="l" latinLnBrk="0" hangingPunct="1">
+              <a:buFontTx/>
+              <a:buNone/>
+            </a:pPr>
+            <a:r>
+              <a:rPr lang="ko-KR" sz="2000" b="1">
+                <a:solidFill>
+                  <a:srgbClr val="0611F2"/>
+                </a:solidFill>
+                <a:latin typeface="맑은 고딕" charset="0"/>
+                <a:ea typeface="맑은 고딕" charset="0"/>
+              </a:rPr>
+              <a:t>3</a:t>
+            </a:r>
+            <a:r>
+              <a:rPr lang="ko-KR" sz="2000" b="1">
+                <a:solidFill>
+                  <a:srgbClr val="0611F2"/>
+                </a:solidFill>
+                <a:latin typeface="맑은 고딕" charset="0"/>
+                <a:ea typeface="맑은 고딕" charset="0"/>
+              </a:rPr>
+              <a:t>2</a:t>
+            </a:r>
+            <a:r>
+              <a:rPr lang="ko-KR" sz="2000" b="1">
+                <a:solidFill>
+                  <a:srgbClr val="0611F2"/>
+                </a:solidFill>
+                <a:latin typeface="맑은 고딕" charset="0"/>
+                <a:ea typeface="맑은 고딕" charset="0"/>
+              </a:rPr>
+              <a:t>.</a:t>
+            </a:r>
+            <a:r>
+              <a:rPr lang="ko-KR" sz="2000" b="1">
+                <a:solidFill>
+                  <a:srgbClr val="0611F2"/>
+                </a:solidFill>
+                <a:latin typeface="맑은 고딕" charset="0"/>
+                <a:ea typeface="맑은 고딕" charset="0"/>
+              </a:rPr>
+              <a:t> </a:t>
+            </a:r>
+            <a:r>
+              <a:rPr lang="ko-KR" sz="1800">
+                <a:latin typeface="맑은 고딕" charset="0"/>
+                <a:ea typeface="맑은 고딕" charset="0"/>
+              </a:rPr>
+              <a:t>그리고 Running 애니메이션을 </a:t>
+            </a:r>
+            <a:r>
+              <a:rPr lang="ko-KR" sz="1800">
+                <a:latin typeface="맑은 고딕" charset="0"/>
+                <a:ea typeface="맑은 고딕" charset="0"/>
+              </a:rPr>
+              <a:t>선택하고</a:t>
+            </a:r>
+            <a:r>
+              <a:rPr lang="ko-KR" sz="1800">
+                <a:latin typeface="맑은 고딕" charset="0"/>
+                <a:ea typeface="맑은 고딕" charset="0"/>
+              </a:rPr>
+              <a:t> </a:t>
+            </a:r>
+            <a:r>
+              <a:rPr lang="ko-KR" sz="1800">
+                <a:latin typeface="맑은 고딕" charset="0"/>
+                <a:ea typeface="맑은 고딕" charset="0"/>
+              </a:rPr>
+              <a:t>Make</a:t>
+            </a:r>
+            <a:r>
+              <a:rPr lang="ko-KR" sz="1800">
+                <a:latin typeface="맑은 고딕" charset="0"/>
+                <a:ea typeface="맑은 고딕" charset="0"/>
+              </a:rPr>
+              <a:t> </a:t>
+            </a:r>
+            <a:r>
+              <a:rPr lang="ko-KR" sz="1800">
+                <a:latin typeface="맑은 고딕" charset="0"/>
+                <a:ea typeface="맑은 고딕" charset="0"/>
+              </a:rPr>
+              <a:t>Transition을</a:t>
+            </a:r>
+            <a:r>
+              <a:rPr lang="ko-KR" sz="1800">
+                <a:latin typeface="맑은 고딕" charset="0"/>
+                <a:ea typeface="맑은 고딕" charset="0"/>
+              </a:rPr>
+              <a:t> </a:t>
+            </a:r>
+            <a:r>
+              <a:rPr lang="ko-KR" sz="1800">
+                <a:latin typeface="맑은 고딕" charset="0"/>
+                <a:ea typeface="맑은 고딕" charset="0"/>
+              </a:rPr>
+              <a:t>생성합니다.</a:t>
+            </a:r>
+            <a:endParaRPr lang="ko-KR" altLang="en-US" sz="1800">
+              <a:latin typeface="맑은 고딕" charset="0"/>
+              <a:ea typeface="맑은 고딕" charset="0"/>
+            </a:endParaRPr>
+          </a:p>
+          <a:p>
+            <a:pPr marL="0" indent="0" rtl="0" algn="l" defTabSz="914400" eaLnBrk="1" latinLnBrk="0" hangingPunct="1">
+              <a:buFontTx/>
+              <a:buNone/>
+            </a:pPr>
+            <a:endParaRPr lang="ko-KR" altLang="en-US" sz="1800">
+              <a:latin typeface="맑은 고딕" charset="0"/>
+              <a:ea typeface="맑은 고딕" charset="0"/>
+            </a:endParaRPr>
+          </a:p>
+          <a:p>
+            <a:pPr marL="0" indent="0" algn="l" latinLnBrk="0" hangingPunct="1">
+              <a:buFontTx/>
+              <a:buNone/>
+            </a:pPr>
+            <a:r>
+              <a:rPr lang="ko-KR" sz="1800">
+                <a:latin typeface="맑은 고딕" charset="0"/>
+                <a:ea typeface="맑은 고딕" charset="0"/>
+              </a:rPr>
+              <a:t>그런</a:t>
+            </a:r>
+            <a:r>
+              <a:rPr lang="ko-KR" sz="1800">
+                <a:latin typeface="맑은 고딕" charset="0"/>
+                <a:ea typeface="맑은 고딕" charset="0"/>
+              </a:rPr>
+              <a:t> </a:t>
+            </a:r>
+            <a:r>
+              <a:rPr lang="ko-KR" sz="1800">
+                <a:latin typeface="맑은 고딕" charset="0"/>
+                <a:ea typeface="맑은 고딕" charset="0"/>
+              </a:rPr>
+              <a:t>다음</a:t>
+            </a:r>
+            <a:r>
+              <a:rPr lang="ko-KR" sz="1800">
+                <a:latin typeface="맑은 고딕" charset="0"/>
+                <a:ea typeface="맑은 고딕" charset="0"/>
+              </a:rPr>
+              <a:t> 트랜지션을 Idle 애니메이션 </a:t>
+            </a:r>
+            <a:r>
+              <a:rPr lang="ko-KR" sz="1800">
+                <a:latin typeface="맑은 고딕" charset="0"/>
+                <a:ea typeface="맑은 고딕" charset="0"/>
+              </a:rPr>
+              <a:t>쪽으로</a:t>
+            </a:r>
+            <a:r>
+              <a:rPr lang="ko-KR" sz="1800">
+                <a:latin typeface="맑은 고딕" charset="0"/>
+                <a:ea typeface="맑은 고딕" charset="0"/>
+              </a:rPr>
+              <a:t> </a:t>
+            </a:r>
+            <a:r>
+              <a:rPr lang="ko-KR" sz="1800">
+                <a:latin typeface="맑은 고딕" charset="0"/>
+                <a:ea typeface="맑은 고딕" charset="0"/>
+              </a:rPr>
+              <a:t>연결합니다.</a:t>
+            </a:r>
+            <a:endParaRPr lang="ko-KR" altLang="en-US" sz="1800">
+              <a:latin typeface="맑은 고딕" charset="0"/>
+              <a:ea typeface="맑은 고딕" charset="0"/>
+            </a:endParaRPr>
+          </a:p>
+        </p:txBody>
+      </p:sp>
+      <p:pic>
+        <p:nvPicPr>
+          <p:cNvPr id="1212" name="Picture " descr="C:/Users/Admin1/AppData/Roaming/PolarisOffice/ETemp/2064_9969360/fImage289542709358.png"/>
+          <p:cNvPicPr>
+            <a:picLocks noChangeAspect="1"/>
+          </p:cNvPicPr>
+          <p:nvPr/>
+        </p:nvPicPr>
+        <p:blipFill rotWithShape="1">
+          <a:blip r:embed="rId2" cstate="print">
+            <a:extLst>
+              <a:ext uri="{28A0092B-C50C-407E-A947-70E740481C1C}">
+                <a14:useLocalDpi xmlns:a14="http://schemas.microsoft.com/office/drawing/2010/main" val="0"/>
+              </a:ext>
+            </a:extLst>
+          </a:blip>
+          <a:stretch>
+            <a:fillRect/>
+          </a:stretch>
+        </p:blipFill>
+        <p:spPr>
+          <a:xfrm rot="0">
+            <a:off x="1240790" y="1447165"/>
+            <a:ext cx="4126230" cy="2799715"/>
+          </a:xfrm>
+          <a:prstGeom prst="roundRect"/>
+          <a:solidFill>
+            <a:srgbClr val="EDEDED"/>
+          </a:solidFill>
+        </p:spPr>
+      </p:pic>
+      <p:pic>
+        <p:nvPicPr>
+          <p:cNvPr id="1213" name="그림 27" descr="C:/Users/Admin1/AppData/Roaming/PolarisOffice/ETemp/2064_9969360/fImage220962826962.png"/>
+          <p:cNvPicPr>
+            <a:picLocks noChangeAspect="1"/>
+          </p:cNvPicPr>
+          <p:nvPr/>
+        </p:nvPicPr>
+        <p:blipFill rotWithShape="1">
+          <a:blip r:embed="rId3" cstate="print">
+            <a:extLst>
+              <a:ext uri="{28A0092B-C50C-407E-A947-70E740481C1C}">
+                <a14:useLocalDpi xmlns:a14="http://schemas.microsoft.com/office/drawing/2010/main" val="0"/>
+              </a:ext>
+            </a:extLst>
+          </a:blip>
+          <a:stretch>
+            <a:fillRect/>
+          </a:stretch>
+        </p:blipFill>
+        <p:spPr>
+          <a:xfrm rot="0">
+            <a:off x="6822440" y="1447165"/>
+            <a:ext cx="4135120" cy="3644265"/>
+          </a:xfrm>
+          <a:prstGeom prst="roundRect"/>
+          <a:solidFill>
+            <a:srgbClr val="EDEDED"/>
+          </a:solidFill>
+        </p:spPr>
+      </p:pic>
+      <p:sp>
+        <p:nvSpPr>
+          <p:cNvPr id="1214" name="텍스트 상자 30"/>
+          <p:cNvSpPr txBox="1">
+            <a:spLocks/>
+          </p:cNvSpPr>
+          <p:nvPr/>
+        </p:nvSpPr>
+        <p:spPr>
+          <a:xfrm rot="0">
+            <a:off x="6827520" y="5245100"/>
+            <a:ext cx="4138295" cy="954405"/>
+          </a:xfrm>
+          <a:prstGeom prst="rect"/>
+          <a:noFill/>
+          <a:ln w="0">
+            <a:noFill/>
+            <a:prstDash/>
+          </a:ln>
+        </p:spPr>
+        <p:txBody>
+          <a:bodyPr wrap="square" lIns="89535" tIns="46355" rIns="89535" bIns="46355" numCol="1" vert="horz" anchor="t">
+            <a:spAutoFit/>
+          </a:bodyPr>
+          <a:lstStyle/>
+          <a:p>
+            <a:pPr marL="0" indent="0" algn="l" latinLnBrk="0" hangingPunct="1">
+              <a:buFontTx/>
+              <a:buNone/>
+            </a:pPr>
+            <a:r>
+              <a:rPr lang="ko-KR" sz="2000" b="1">
+                <a:solidFill>
+                  <a:srgbClr val="0611F2"/>
+                </a:solidFill>
+                <a:latin typeface="맑은 고딕" charset="0"/>
+                <a:ea typeface="맑은 고딕" charset="0"/>
+              </a:rPr>
+              <a:t>33.</a:t>
+            </a:r>
+            <a:r>
+              <a:rPr lang="ko-KR" sz="2000" b="1">
+                <a:solidFill>
+                  <a:srgbClr val="0611F2"/>
+                </a:solidFill>
+                <a:latin typeface="맑은 고딕" charset="0"/>
+                <a:ea typeface="맑은 고딕" charset="0"/>
+              </a:rPr>
+              <a:t> </a:t>
+            </a:r>
+            <a:r>
+              <a:rPr lang="ko-KR" sz="1800">
+                <a:latin typeface="맑은 고딕" charset="0"/>
+                <a:ea typeface="맑은 고딕" charset="0"/>
+              </a:rPr>
+              <a:t>그다음으로 </a:t>
+            </a:r>
+            <a:r>
+              <a:rPr lang="ko-KR" sz="1800">
+                <a:latin typeface="맑은 고딕" charset="0"/>
+                <a:ea typeface="맑은 고딕" charset="0"/>
+              </a:rPr>
+              <a:t>Unknown Space </a:t>
+            </a:r>
+            <a:r>
+              <a:rPr lang="ko-KR" sz="1800">
+                <a:latin typeface="맑은 고딕" charset="0"/>
+                <a:ea typeface="맑은 고딕" charset="0"/>
+              </a:rPr>
+              <a:t>Video</a:t>
+            </a:r>
+            <a:r>
+              <a:rPr lang="ko-KR" sz="1800">
+                <a:latin typeface="맑은 고딕" charset="0"/>
+                <a:ea typeface="맑은 고딕" charset="0"/>
+              </a:rPr>
+              <a:t> </a:t>
+            </a:r>
+            <a:r>
+              <a:rPr lang="ko-KR" sz="1800">
+                <a:latin typeface="맑은 고딕" charset="0"/>
+                <a:ea typeface="맑은 고딕" charset="0"/>
+              </a:rPr>
+              <a:t>오브젝트에 Loop를 활성화하고 </a:t>
+            </a:r>
+            <a:r>
+              <a:rPr lang="ko-KR" sz="1800">
+                <a:latin typeface="맑은 고딕" charset="0"/>
+                <a:ea typeface="맑은 고딕" charset="0"/>
+              </a:rPr>
+              <a:t>As</a:t>
+            </a:r>
+            <a:r>
+              <a:rPr lang="ko-KR" sz="1800">
+                <a:latin typeface="맑은 고딕" charset="0"/>
+                <a:ea typeface="맑은 고딕" charset="0"/>
+              </a:rPr>
+              <a:t>p</a:t>
+            </a:r>
+            <a:r>
+              <a:rPr lang="ko-KR" sz="1800">
+                <a:latin typeface="맑은 고딕" charset="0"/>
+                <a:ea typeface="맑은 고딕" charset="0"/>
+              </a:rPr>
+              <a:t>ect</a:t>
+            </a:r>
+            <a:r>
+              <a:rPr lang="ko-KR" sz="1800">
+                <a:latin typeface="맑은 고딕" charset="0"/>
+                <a:ea typeface="맑은 고딕" charset="0"/>
+              </a:rPr>
+              <a:t> Ratio를 Stretch로 설정합니다.</a:t>
+            </a:r>
+            <a:endParaRPr lang="ko-KR" altLang="en-US" sz="1800">
+              <a:latin typeface="맑은 고딕" charset="0"/>
+              <a:ea typeface="맑은 고딕" charset="0"/>
+            </a:endParaRPr>
+          </a:p>
+        </p:txBody>
+      </p:sp>
+    </p:spTree>
+  </p:cSld>
+  <p:clrMapOvr>
+    <a:masterClrMapping/>
+  </p:clrMapOvr>
+  <mc:AlternateContent xmlns:mc="http://schemas.openxmlformats.org/markup-compatibility/2006">
+    <mc:Choice xmlns:p14="http://schemas.microsoft.com/office/powerpoint/2010/main" Requires="p14">
+      <p:transition spd="slow" p14:dur="2000"/>
+    </mc:Choice>
+    <mc:Fallback>
+      <p:transition spd="slow"/>
+    </mc:Fallback>
+  </mc:AlternateContent>
+  <p:timing>
+    <p:tnLst>
+      <p:par>
+        <p:cTn id="1" dur="indefinite" restart="never" nodeType="tmRoot"/>
+      </p:par>
+    </p:tnLst>
+  </p:timing>
+</p:sld>
+</file>
+
 <file path=ppt/slides/slide2.xml><?xml version="1.0" encoding="utf-8"?>
 <p:sld xmlns:a="http://schemas.openxmlformats.org/drawingml/2006/main" xmlns:r="http://schemas.openxmlformats.org/officeDocument/2006/relationships" xmlns:p="http://schemas.openxmlformats.org/presentationml/2006/main">
   <p:cSld>
@@ -8550,7 +11417,7 @@
         <p:spPr>
           <a:xfrm rot="0">
             <a:off x="1240790" y="4378960"/>
-            <a:ext cx="4117975" cy="1784985"/>
+            <a:ext cx="4126230" cy="1784985"/>
           </a:xfrm>
           <a:prstGeom prst="rect"/>
           <a:noFill/>
@@ -8594,7 +11461,7 @@
                 <a:latin typeface="맑은 고딕" charset="0"/>
                 <a:ea typeface="맑은 고딕" charset="0"/>
               </a:rPr>
-              <a:t>그다음 애니메이터 컨트롤러를 </a:t>
+              <a:t>그다음으로 애니메이터 컨트롤러를 </a:t>
             </a:r>
             <a:r>
               <a:rPr lang="ko-KR" sz="1800">
@@ -10192,7 +13059,7 @@
 </file>
 
 <file path=ppt/slides/slide7.xml><?xml version="1.0" encoding="utf-8"?>
-<p:sld xmlns:a="http://schemas.openxmlformats.org/drawingml/2006/main" xmlns:r="http://schemas.openxmlformats.org/officeDocument/2006/relationships" xmlns:p="http://schemas.openxmlformats.org/presentationml/2006/main">
+<p:sld xmlns:a="http://schemas.openxmlformats.org/drawingml/2006/main" xmlns:r="http://schemas.openxmlformats.org/officeDocument/2006/relationships" xmlns:p="http://schemas.openxmlformats.org/presentationml/2006/main" xmlns:p14="http://schemas.microsoft.com/office/powerpoint/2010/main">
   <p:cSld>
     <p:spTree>
       <p:nvGrpSpPr>
@@ -10279,7 +13146,7 @@
         <p:spPr>
           <a:xfrm rot="0">
             <a:off x="6831330" y="4639945"/>
-            <a:ext cx="4134485" cy="1508125"/>
+            <a:ext cx="4135120" cy="1508760"/>
           </a:xfrm>
           <a:prstGeom prst="rect"/>
           <a:noFill/>
@@ -10323,49 +13190,7 @@
                 <a:latin typeface="맑은 고딕" charset="0"/>
                 <a:ea typeface="맑은 고딕" charset="0"/>
               </a:rPr>
-              <a:t>이제 </a:t>
-            </a:r>
-            <a:r>
-              <a:rPr lang="ko-KR" sz="1800">
-                <a:latin typeface="맑은 고딕" charset="0"/>
-                <a:ea typeface="맑은 고딕" charset="0"/>
-              </a:rPr>
-              <a:t>Kick</a:t>
-            </a:r>
-            <a:r>
-              <a:rPr lang="ko-KR" sz="1800">
-                <a:latin typeface="맑은 고딕" charset="0"/>
-                <a:ea typeface="맑은 고딕" charset="0"/>
-              </a:rPr>
-              <a:t> </a:t>
-            </a:r>
-            <a:r>
-              <a:rPr lang="ko-KR" sz="1800">
-                <a:latin typeface="맑은 고딕" charset="0"/>
-                <a:ea typeface="맑은 고딕" charset="0"/>
-              </a:rPr>
-              <a:t>애니메이션을</a:t>
-            </a:r>
-            <a:r>
-              <a:rPr lang="ko-KR" sz="1800">
-                <a:latin typeface="맑은 고딕" charset="0"/>
-                <a:ea typeface="맑은 고딕" charset="0"/>
-              </a:rPr>
-              <a:t> </a:t>
-            </a:r>
-            <a:r>
-              <a:rPr lang="ko-KR" sz="1800">
-                <a:latin typeface="맑은 고딕" charset="0"/>
-                <a:ea typeface="맑은 고딕" charset="0"/>
-              </a:rPr>
-              <a:t>선택하고</a:t>
-            </a:r>
-            <a:r>
-              <a:rPr lang="ko-KR" sz="1800">
-                <a:latin typeface="맑은 고딕" charset="0"/>
-                <a:ea typeface="맑은 고딕" charset="0"/>
-              </a:rPr>
-              <a:t> </a:t>
+              <a:t>이제 Kick 애니메이션을 선택하고 </a:t>
             </a:r>
             <a:r>
               <a:rPr lang="ko-KR" sz="1800">
@@ -10379,28 +13204,7 @@
                 <a:latin typeface="맑은 고딕" charset="0"/>
                 <a:ea typeface="맑은 고딕" charset="0"/>
               </a:rPr>
-              <a:t> </a:t>
-            </a:r>
-            <a:r>
-              <a:rPr lang="ko-KR" sz="1800">
-                <a:latin typeface="맑은 고딕" charset="0"/>
-                <a:ea typeface="맑은 고딕" charset="0"/>
-              </a:rPr>
-              <a:t>Transition을</a:t>
-            </a:r>
-            <a:r>
-              <a:rPr lang="ko-KR" sz="1800">
-                <a:latin typeface="맑은 고딕" charset="0"/>
-                <a:ea typeface="맑은 고딕" charset="0"/>
-              </a:rPr>
-              <a:t> </a:t>
-            </a:r>
-            <a:r>
-              <a:rPr lang="ko-KR" sz="1800">
-                <a:latin typeface="맑은 고딕" charset="0"/>
-                <a:ea typeface="맑은 고딕" charset="0"/>
-              </a:rPr>
-              <a:t>생성합니다.</a:t>
+              <a:t> Transition을 생성합니다.</a:t>
             </a:r>
             <a:endParaRPr lang="ko-KR" altLang="en-US" sz="1800">
               <a:latin typeface="맑은 고딕" charset="0"/>
@@ -10434,28 +13238,7 @@
                 <a:latin typeface="맑은 고딕" charset="0"/>
                 <a:ea typeface="맑은 고딕" charset="0"/>
               </a:rPr>
-              <a:t> </a:t>
-            </a:r>
-            <a:r>
-              <a:rPr lang="ko-KR" sz="1800">
-                <a:latin typeface="맑은 고딕" charset="0"/>
-                <a:ea typeface="맑은 고딕" charset="0"/>
-              </a:rPr>
-              <a:t>트랜지션을</a:t>
-            </a:r>
-            <a:r>
-              <a:rPr lang="ko-KR" sz="1800">
-                <a:latin typeface="맑은 고딕" charset="0"/>
-                <a:ea typeface="맑은 고딕" charset="0"/>
-              </a:rPr>
-              <a:t> Idle </a:t>
-            </a:r>
-            <a:r>
-              <a:rPr lang="ko-KR" sz="1800">
-                <a:latin typeface="맑은 고딕" charset="0"/>
-                <a:ea typeface="맑은 고딕" charset="0"/>
-              </a:rPr>
-              <a:t>애니메이션 </a:t>
+              <a:t> 트랜지션을 Idle 애니메이션 </a:t>
             </a:r>
             <a:r>
               <a:rPr lang="ko-KR" sz="1800">
@@ -10469,14 +13252,7 @@
                 <a:latin typeface="맑은 고딕" charset="0"/>
                 <a:ea typeface="맑은 고딕" charset="0"/>
               </a:rPr>
-              <a:t> </a:t>
-            </a:r>
-            <a:r>
-              <a:rPr lang="ko-KR" sz="1800">
-                <a:latin typeface="맑은 고딕" charset="0"/>
-                <a:ea typeface="맑은 고딕" charset="0"/>
-              </a:rPr>
-              <a:t>연결합니다.</a:t>
+              <a:t> 연결합니다.</a:t>
             </a:r>
             <a:endParaRPr lang="ko-KR" altLang="en-US" sz="1800">
               <a:latin typeface="맑은 고딕" charset="0"/>
@@ -10606,7 +13382,7 @@
       </p:sp>
       <p:pic>
         <p:nvPicPr>
-          <p:cNvPr id="1192" name="그림 23" descr="C:/Users/Admin1/AppData/Roaming/PolarisOffice/ETemp/21544_15856240/fImage30172549169.png"/>
+          <p:cNvPr id="1192" name="그림 23"/>
           <p:cNvPicPr>
             <a:picLocks noChangeAspect="1"/>
           </p:cNvPicPr>
@@ -10627,7 +13403,7 @@
         <p:spPr>
           <a:xfrm rot="0">
             <a:off x="2612390" y="1445260"/>
-            <a:ext cx="2764790" cy="1235075"/>
+            <a:ext cx="2765425" cy="1235710"/>
           </a:xfrm>
           <a:prstGeom prst="roundRect"/>
           <a:solidFill>
@@ -10644,9 +13420,9 @@
           <p:nvPr/>
         </p:nvSpPr>
         <p:spPr>
-          <a:xfrm rot="0">
+          <a:xfrm>
             <a:off x="1249045" y="2787650"/>
-            <a:ext cx="4124325" cy="677545"/>
+            <a:ext cx="4124960" cy="677545"/>
           </a:xfrm>
           <a:prstGeom prst="rect"/>
           <a:noFill/>
@@ -10656,7 +13432,7 @@
           </a:ln>
         </p:spPr>
         <p:txBody>
-          <a:bodyPr wrap="square" lIns="89535" tIns="46355" rIns="89535" bIns="46355" vert="horz" anchor="t">
+          <a:bodyPr wrap="square" lIns="89535" tIns="46355" rIns="89535" bIns="46355" numCol="1" vert="horz" anchor="t">
             <a:spAutoFit/>
           </a:bodyPr>
           <a:lstStyle/>
@@ -10673,27 +13449,7 @@
                 <a:latin typeface="맑은 고딕" charset="0"/>
                 <a:ea typeface="맑은 고딕" charset="0"/>
               </a:rPr>
-              <a:t>1</a:t>
-            </a:r>
-            <a:r>
-              <a:rPr sz="2000" b="1">
-                <a:solidFill>
-                  <a:srgbClr val="0611F2"/>
-                </a:solidFill>
-                <a:latin typeface="맑은 고딕" charset="0"/>
-                <a:ea typeface="맑은 고딕" charset="0"/>
-              </a:rPr>
-              <a:t>6</a:t>
-            </a:r>
-            <a:r>
-              <a:rPr sz="2000" b="1">
-                <a:solidFill>
-                  <a:srgbClr val="0611F2"/>
-                </a:solidFill>
-                <a:latin typeface="맑은 고딕" charset="0"/>
-                <a:ea typeface="맑은 고딕" charset="0"/>
-              </a:rPr>
-              <a:t>.</a:t>
+              <a:t>16.</a:t>
             </a:r>
             <a:r>
               <a:rPr sz="2000">
@@ -10770,7 +13526,7 @@
       </p:sp>
       <p:pic>
         <p:nvPicPr>
-          <p:cNvPr id="1194" name="그림 25" descr="C:/Users/Admin1/AppData/Roaming/PolarisOffice/ETemp/21544_15856240/fImage99872565724.png"/>
+          <p:cNvPr id="1194" name="그림 25"/>
           <p:cNvPicPr>
             <a:picLocks noChangeAspect="1"/>
           </p:cNvPicPr>
@@ -10801,7 +13557,7 @@
       </p:pic>
       <p:pic>
         <p:nvPicPr>
-          <p:cNvPr id="1195" name="그림 28" descr="C:/Users/Admin1/AppData/Roaming/PolarisOffice/ETemp/21544_15856240/fImage122162571478.png"/>
+          <p:cNvPr id="1195" name="그림 28"/>
           <p:cNvPicPr>
             <a:picLocks noChangeAspect="1"/>
           </p:cNvPicPr>
@@ -10832,17 +13588,17 @@
       </p:pic>
       <p:pic>
         <p:nvPicPr>
-          <p:cNvPr id="1196" name="그림 31" descr="C:/Users/Admin1/AppData/Roaming/PolarisOffice/ETemp/21544_15856240/fImage235402589358.png"/>
+          <p:cNvPr id="1196" name="그림 31" descr="C:/Users/Admin1/AppData/Roaming/PolarisOffice/ETemp/2064_9969360/fImage235402589358.png"/>
           <p:cNvPicPr>
             <a:picLocks noChangeAspect="1"/>
           </p:cNvPicPr>
           <p:nvPr/>
         </p:nvPicPr>
         <p:blipFill rotWithShape="1">
-          <a:blip r:embed="rId5" cstate="print">
+          <a:blip r:embed="rId5" cstate="hqprint">
             <a:extLst>
               <a:ext uri="{28A0092B-C50C-407E-A947-70E740481C1C}">
-                <a14:useLocalDpi xmlns:a14="http://schemas.microsoft.com/office/drawing/2010/main" val="0"/>
+                <a14:useLocalDpi xmlns:a14="http://schemas.microsoft.com/office/drawing/2010/main"/>
               </a:ext>
             </a:extLst>
           </a:blip>
@@ -10853,7 +13609,7 @@
         <p:spPr>
           <a:xfrm rot="0">
             <a:off x="6830695" y="1438275"/>
-            <a:ext cx="4135120" cy="3023870"/>
+            <a:ext cx="4135755" cy="3032760"/>
           </a:xfrm>
           <a:prstGeom prst="roundRect"/>
           <a:solidFill>
@@ -10885,7 +13641,7 @@
 </file>
 
 <file path=ppt/slides/slide8.xml><?xml version="1.0" encoding="utf-8"?>
-<p:sld xmlns:a="http://schemas.openxmlformats.org/drawingml/2006/main" xmlns:r="http://schemas.openxmlformats.org/officeDocument/2006/relationships" xmlns:p="http://schemas.openxmlformats.org/presentationml/2006/main">
+<p:sld xmlns:a="http://schemas.openxmlformats.org/drawingml/2006/main" xmlns:r="http://schemas.openxmlformats.org/officeDocument/2006/relationships" xmlns:p="http://schemas.openxmlformats.org/presentationml/2006/main" xmlns:p14="http://schemas.microsoft.com/office/powerpoint/2010/main">
   <p:cSld>
     <p:spTree>
       <p:nvGrpSpPr>
@@ -10971,8 +13727,8 @@
         </p:nvSpPr>
         <p:spPr>
           <a:xfrm rot="0">
-            <a:off x="1240790" y="4912995"/>
-            <a:ext cx="4143375" cy="1231265"/>
+            <a:off x="1249680" y="4912995"/>
+            <a:ext cx="4144010" cy="1231900"/>
           </a:xfrm>
           <a:prstGeom prst="rect"/>
           <a:noFill/>
@@ -11030,35 +13786,7 @@
                 <a:latin typeface="맑은 고딕" charset="0"/>
                 <a:ea typeface="맑은 고딕" charset="0"/>
               </a:rPr>
-              <a:t> </a:t>
-            </a:r>
-            <a:r>
-              <a:rPr lang="ko-KR" sz="1800">
-                <a:latin typeface="맑은 고딕" charset="0"/>
-                <a:ea typeface="맑은 고딕" charset="0"/>
-              </a:rPr>
-              <a:t>Animation</a:t>
-            </a:r>
-            <a:r>
-              <a:rPr lang="ko-KR" sz="1800">
-                <a:latin typeface="맑은 고딕" charset="0"/>
-                <a:ea typeface="맑은 고딕" charset="0"/>
-              </a:rPr>
-              <a:t> </a:t>
-            </a:r>
-            <a:r>
-              <a:rPr lang="ko-KR" sz="1800">
-                <a:latin typeface="맑은 고딕" charset="0"/>
-                <a:ea typeface="맑은 고딕" charset="0"/>
-              </a:rPr>
-              <a:t>폴더에</a:t>
-            </a:r>
-            <a:r>
-              <a:rPr lang="ko-KR" sz="1800">
-                <a:latin typeface="맑은 고딕" charset="0"/>
-                <a:ea typeface="맑은 고딕" charset="0"/>
-              </a:rPr>
-              <a:t> Running </a:t>
+              <a:t> Animation 폴더에 Running </a:t>
             </a:r>
             <a:r>
               <a:rPr lang="ko-KR" sz="1800">
@@ -11072,35 +13800,7 @@
                 <a:latin typeface="맑은 고딕" charset="0"/>
                 <a:ea typeface="맑은 고딕" charset="0"/>
               </a:rPr>
-              <a:t> </a:t>
-            </a:r>
-            <a:r>
-              <a:rPr lang="ko-KR" sz="1800">
-                <a:latin typeface="맑은 고딕" charset="0"/>
-                <a:ea typeface="맑은 고딕" charset="0"/>
-              </a:rPr>
-              <a:t>Base</a:t>
-            </a:r>
-            <a:r>
-              <a:rPr lang="ko-KR" sz="1800">
-                <a:latin typeface="맑은 고딕" charset="0"/>
-                <a:ea typeface="맑은 고딕" charset="0"/>
-              </a:rPr>
-              <a:t> </a:t>
-            </a:r>
-            <a:r>
-              <a:rPr lang="ko-KR" sz="1800">
-                <a:latin typeface="맑은 고딕" charset="0"/>
-                <a:ea typeface="맑은 고딕" charset="0"/>
-              </a:rPr>
-              <a:t>Layer에</a:t>
-            </a:r>
-            <a:r>
-              <a:rPr lang="ko-KR" sz="1800">
-                <a:latin typeface="맑은 고딕" charset="0"/>
-                <a:ea typeface="맑은 고딕" charset="0"/>
-              </a:rPr>
-              <a:t> </a:t>
+              <a:t> Base Layer에 </a:t>
             </a:r>
             <a:r>
               <a:rPr lang="ko-KR" sz="1800">
@@ -11369,7 +14069,7 @@
       </p:sp>
       <p:pic>
         <p:nvPicPr>
-          <p:cNvPr id="1186" name="그림 1" descr="C:/Users/Admin1/AppData/Roaming/PolarisOffice/ETemp/21544_15856240/fImage225382206962.png"/>
+          <p:cNvPr id="1186" name="그림 1"/>
           <p:cNvPicPr>
             <a:picLocks noChangeAspect="1"/>
           </p:cNvPicPr>
@@ -11400,7 +14100,7 @@
       </p:pic>
       <p:pic>
         <p:nvPicPr>
-          <p:cNvPr id="1187" name="그림 3" descr="C:/Users/Admin1/AppData/Roaming/PolarisOffice/ETemp/21544_15856240/fImage71562214464.png"/>
+          <p:cNvPr id="1187" name="그림 3"/>
           <p:cNvPicPr>
             <a:picLocks noChangeAspect="1"/>
           </p:cNvPicPr>
@@ -11431,7 +14131,7 @@
       </p:pic>
       <p:pic>
         <p:nvPicPr>
-          <p:cNvPr id="1179" name="Picture " descr="C:/Users/Admin1/AppData/Roaming/PolarisOffice/ETemp/21544_15856240/fImage22421734441.png"/>
+          <p:cNvPr id="1179" name="Picture "/>
           <p:cNvPicPr>
             <a:picLocks noChangeAspect="1"/>
           </p:cNvPicPr>
@@ -11460,7 +14160,7 @@
       </p:pic>
       <p:pic>
         <p:nvPicPr>
-          <p:cNvPr id="1188" name="그림 37" descr="C:/Users/Admin1/AppData/Roaming/PolarisOffice/ETemp/21544_15856240/fImage163422625705.png"/>
+          <p:cNvPr id="1188" name="그림 37"/>
           <p:cNvPicPr>
             <a:picLocks noChangeAspect="1"/>
           </p:cNvPicPr>
@@ -11491,7 +14191,334 @@
       </p:pic>
       <p:pic>
         <p:nvPicPr>
-          <p:cNvPr id="1189" name="그림 40" descr="C:/Users/Admin1/AppData/Roaming/PolarisOffice/ETemp/21544_15856240/fImage365232638145.png"/>
+          <p:cNvPr id="1189" name="그림 40" descr="C:/Users/Admin1/AppData/Roaming/PolarisOffice/ETemp/11640_19028160/fImage365232638145.png"/>
+          <p:cNvPicPr>
+            <a:picLocks noChangeAspect="1"/>
+          </p:cNvPicPr>
+          <p:nvPr/>
+        </p:nvPicPr>
+        <p:blipFill rotWithShape="1">
+          <a:blip r:embed="rId6" cstate="hqprint">
+            <a:extLst>
+              <a:ext uri="{28A0092B-C50C-407E-A947-70E740481C1C}">
+                <a14:useLocalDpi xmlns:a14="http://schemas.microsoft.com/office/drawing/2010/main"/>
+              </a:ext>
+            </a:extLst>
+          </a:blip>
+          <a:stretch>
+            <a:fillRect/>
+          </a:stretch>
+        </p:blipFill>
+        <p:spPr>
+          <a:xfrm rot="0">
+            <a:off x="6829425" y="3104515"/>
+            <a:ext cx="4128770" cy="910590"/>
+          </a:xfrm>
+          <a:prstGeom prst="roundRect"/>
+          <a:solidFill>
+            <a:srgbClr val="EDEDED"/>
+          </a:solidFill>
+        </p:spPr>
+      </p:pic>
+      <p:cxnSp>
+        <p:nvCxnSpPr>
+          <p:cNvPr id="1190" name="도형 43"/>
+          <p:cNvCxnSpPr/>
+          <p:nvPr/>
+        </p:nvCxnSpPr>
+        <p:spPr>
+          <a:xfrm rot="0" flipV="1">
+            <a:off x="10483215" y="1670685"/>
+            <a:ext cx="362585" cy="1654810"/>
+          </a:xfrm>
+          <a:prstGeom prst="straightConnector1"/>
+          <a:ln w="6350" cap="flat" cmpd="sng">
+            <a:prstDash/>
+            <a:tailEnd type="triangle" w="med" len="med"/>
+          </a:ln>
+        </p:spPr>
+        <p:style>
+          <a:lnRef idx="1">
+            <a:schemeClr val="accent1"/>
+          </a:lnRef>
+          <a:fillRef idx="0">
+            <a:schemeClr val="accent1"/>
+          </a:fillRef>
+          <a:effectRef idx="0">
+            <a:schemeClr val="accent1"/>
+          </a:effectRef>
+          <a:fontRef idx="minor">
+            <a:schemeClr val="tx1"/>
+          </a:fontRef>
+        </p:style>
+      </p:cxnSp>
+    </p:spTree>
+  </p:cSld>
+  <p:clrMapOvr>
+    <a:masterClrMapping/>
+  </p:clrMapOvr>
+  <mc:AlternateContent xmlns:mc="http://schemas.openxmlformats.org/markup-compatibility/2006">
+    <mc:Choice xmlns:p14="http://schemas.microsoft.com/office/powerpoint/2010/main" Requires="p14">
+      <p:transition spd="slow" p14:dur="2000"/>
+    </mc:Choice>
+    <mc:Fallback>
+      <p:transition spd="slow"/>
+    </mc:Fallback>
+  </mc:AlternateContent>
+  <p:timing>
+    <p:tnLst>
+      <p:par>
+        <p:cTn id="1" dur="indefinite" restart="never" nodeType="tmRoot"/>
+      </p:par>
+    </p:tnLst>
+  </p:timing>
+</p:sld>
+</file>
+
+<file path=ppt/slides/slide9.xml><?xml version="1.0" encoding="utf-8"?>
+<p:sld xmlns:a="http://schemas.openxmlformats.org/drawingml/2006/main" xmlns:r="http://schemas.openxmlformats.org/officeDocument/2006/relationships" xmlns:p="http://schemas.openxmlformats.org/presentationml/2006/main" xmlns:p14="http://schemas.microsoft.com/office/powerpoint/2010/main">
+  <p:cSld>
+    <p:spTree>
+      <p:nvGrpSpPr>
+        <p:cNvPr id="1" name=""/>
+        <p:cNvGrpSpPr/>
+        <p:nvPr/>
+      </p:nvGrpSpPr>
+      <p:grpSpPr>
+        <a:xfrm>
+          <a:off x="0" y="0"/>
+          <a:ext cx="0" cy="0"/>
+          <a:chOff x="0" y="0"/>
+          <a:chExt cx="0" cy="0"/>
+        </a:xfrm>
+      </p:grpSpPr>
+      <p:sp>
+        <p:nvSpPr>
+          <p:cNvPr id="1154" name="Rect 0"/>
+          <p:cNvSpPr txBox="1">
+            <a:spLocks/>
+          </p:cNvSpPr>
+          <p:nvPr/>
+        </p:nvSpPr>
+        <p:spPr>
+          <a:xfrm rot="0">
+            <a:off x="4280535" y="405130"/>
+            <a:ext cx="3628390" cy="478155"/>
+          </a:xfrm>
+          <a:prstGeom prst="rect"/>
+          <a:noFill/>
+          <a:ln w="0">
+            <a:noFill/>
+            <a:prstDash/>
+          </a:ln>
+        </p:spPr>
+        <p:txBody>
+          <a:bodyPr wrap="square" lIns="89535" tIns="46355" rIns="89535" bIns="46355" numCol="1" vert="horz" anchor="t">
+            <a:spAutoFit/>
+          </a:bodyPr>
+          <a:lstStyle/>
+          <a:p>
+            <a:pPr marL="0" indent="0" algn="ctr" latinLnBrk="0">
+              <a:buFontTx/>
+              <a:buNone/>
+            </a:pPr>
+            <a:r>
+              <a:rPr lang="ko-KR" altLang="en-US" sz="2500" b="1">
+                <a:solidFill>
+                  <a:schemeClr val="tx1"/>
+                </a:solidFill>
+                <a:latin typeface="나눔바른고딕" charset="0"/>
+                <a:ea typeface="나눔바른고딕" charset="0"/>
+              </a:rPr>
+              <a:t>아홉</a:t>
+            </a:r>
+            <a:r>
+              <a:rPr lang="ko-KR" altLang="en-US" sz="2500" b="1">
+                <a:solidFill>
+                  <a:schemeClr val="tx1"/>
+                </a:solidFill>
+                <a:latin typeface="나눔바른고딕" charset="0"/>
+                <a:ea typeface="나눔바른고딕" charset="0"/>
+              </a:rPr>
+              <a:t> 번째 튜토리얼</a:t>
+            </a:r>
+            <a:endParaRPr lang="ko-KR" altLang="en-US" sz="2500" b="1">
+              <a:solidFill>
+                <a:schemeClr val="tx1"/>
+              </a:solidFill>
+              <a:latin typeface="나눔바른고딕" charset="0"/>
+              <a:ea typeface="나눔바른고딕" charset="0"/>
+            </a:endParaRPr>
+          </a:p>
+        </p:txBody>
+      </p:sp>
+      <p:sp>
+        <p:nvSpPr>
+          <p:cNvPr id="1177" name="Rect 0"/>
+          <p:cNvSpPr txBox="1">
+            <a:spLocks/>
+          </p:cNvSpPr>
+          <p:nvPr/>
+        </p:nvSpPr>
+        <p:spPr>
+          <a:xfrm rot="0">
+            <a:off x="1249045" y="3052445"/>
+            <a:ext cx="4126865" cy="954405"/>
+          </a:xfrm>
+          <a:prstGeom prst="rect"/>
+          <a:noFill/>
+          <a:ln w="0">
+            <a:noFill/>
+            <a:prstDash/>
+          </a:ln>
+        </p:spPr>
+        <p:txBody>
+          <a:bodyPr wrap="square" lIns="89535" tIns="46355" rIns="89535" bIns="46355" numCol="1" vert="horz" anchor="t">
+            <a:spAutoFit/>
+          </a:bodyPr>
+          <a:lstStyle/>
+          <a:p>
+            <a:pPr marL="0" indent="0" algn="l" latinLnBrk="0" hangingPunct="1">
+              <a:buFontTx/>
+              <a:buNone/>
+            </a:pPr>
+            <a:r>
+              <a:rPr lang="ko-KR" sz="2000" b="1">
+                <a:solidFill>
+                  <a:srgbClr val="0611F2"/>
+                </a:solidFill>
+                <a:latin typeface="맑은 고딕" charset="0"/>
+                <a:ea typeface="맑은 고딕" charset="0"/>
+              </a:rPr>
+              <a:t>2</a:t>
+            </a:r>
+            <a:r>
+              <a:rPr lang="ko-KR" sz="2000" b="1">
+                <a:solidFill>
+                  <a:srgbClr val="0611F2"/>
+                </a:solidFill>
+                <a:latin typeface="맑은 고딕" charset="0"/>
+                <a:ea typeface="맑은 고딕" charset="0"/>
+              </a:rPr>
+              <a:t>1</a:t>
+            </a:r>
+            <a:r>
+              <a:rPr lang="ko-KR" sz="2000" b="1">
+                <a:solidFill>
+                  <a:srgbClr val="0611F2"/>
+                </a:solidFill>
+                <a:latin typeface="맑은 고딕" charset="0"/>
+                <a:ea typeface="맑은 고딕" charset="0"/>
+              </a:rPr>
+              <a:t>.</a:t>
+            </a:r>
+            <a:r>
+              <a:rPr lang="ko-KR" sz="2000" b="1">
+                <a:solidFill>
+                  <a:srgbClr val="0611F2"/>
+                </a:solidFill>
+                <a:latin typeface="맑은 고딕" charset="0"/>
+                <a:ea typeface="맑은 고딕" charset="0"/>
+              </a:rPr>
+              <a:t> </a:t>
+            </a:r>
+            <a:r>
+              <a:rPr lang="ko-KR" sz="1800">
+                <a:latin typeface="맑은 고딕" charset="0"/>
+                <a:ea typeface="맑은 고딕" charset="0"/>
+              </a:rPr>
+              <a:t>이제 Animator 스크립트에서 </a:t>
+            </a:r>
+            <a:r>
+              <a:rPr lang="ko-KR" sz="1800">
+                <a:latin typeface="맑은 고딕" charset="0"/>
+                <a:ea typeface="맑은 고딕" charset="0"/>
+              </a:rPr>
+              <a:t>namespace를</a:t>
+            </a:r>
+            <a:r>
+              <a:rPr lang="ko-KR" sz="1800">
+                <a:latin typeface="맑은 고딕" charset="0"/>
+                <a:ea typeface="맑은 고딕" charset="0"/>
+              </a:rPr>
+              <a:t> </a:t>
+            </a:r>
+            <a:r>
+              <a:rPr lang="ko-KR" sz="1800">
+                <a:latin typeface="맑은 고딕" charset="0"/>
+                <a:ea typeface="맑은 고딕" charset="0"/>
+              </a:rPr>
+              <a:t>선언한 다음 Slider </a:t>
+            </a:r>
+            <a:r>
+              <a:rPr lang="ko-KR" sz="1800">
+                <a:latin typeface="맑은 고딕" charset="0"/>
+                <a:ea typeface="맑은 고딕" charset="0"/>
+              </a:rPr>
+              <a:t>변수</a:t>
+            </a:r>
+            <a:r>
+              <a:rPr lang="ko-KR" sz="1800">
+                <a:latin typeface="맑은 고딕" charset="0"/>
+                <a:ea typeface="맑은 고딕" charset="0"/>
+              </a:rPr>
+              <a:t>와</a:t>
+            </a:r>
+            <a:r>
+              <a:rPr lang="ko-KR" sz="1800">
+                <a:latin typeface="맑은 고딕" charset="0"/>
+                <a:ea typeface="맑은 고딕" charset="0"/>
+              </a:rPr>
+              <a:t> </a:t>
+            </a:r>
+            <a:r>
+              <a:rPr lang="ko-KR" sz="1800">
+                <a:latin typeface="맑은 고딕" charset="0"/>
+                <a:ea typeface="맑은 고딕" charset="0"/>
+              </a:rPr>
+              <a:t>Animator 변수를 선언합니다.</a:t>
+            </a:r>
+            <a:endParaRPr lang="ko-KR" altLang="en-US" sz="1800">
+              <a:latin typeface="맑은 고딕" charset="0"/>
+              <a:ea typeface="맑은 고딕" charset="0"/>
+            </a:endParaRPr>
+          </a:p>
+        </p:txBody>
+      </p:sp>
+      <p:pic>
+        <p:nvPicPr>
+          <p:cNvPr id="1191" name="그림 4" descr="C:/Users/Admin1/AppData/Roaming/PolarisOffice/ETemp/11640_19028160/fImage7433714841.png"/>
+          <p:cNvPicPr>
+            <a:picLocks noChangeAspect="1"/>
+          </p:cNvPicPr>
+          <p:nvPr/>
+        </p:nvPicPr>
+        <p:blipFill rotWithShape="1">
+          <a:blip r:embed="rId5" cstate="print">
+            <a:extLst>
+              <a:ext uri="{28A0092B-C50C-407E-A947-70E740481C1C}">
+                <a14:useLocalDpi xmlns:a14="http://schemas.microsoft.com/office/drawing/2010/main" val="0"/>
+              </a:ext>
+            </a:extLst>
+          </a:blip>
+          <a:stretch>
+            <a:fillRect/>
+          </a:stretch>
+        </p:blipFill>
+        <p:spPr>
+          <a:xfrm rot="0">
+            <a:off x="1248410" y="1438275"/>
+            <a:ext cx="4135755" cy="1525270"/>
+          </a:xfrm>
+          <a:prstGeom prst="roundRect"/>
+          <a:solidFill>
+            <a:srgbClr val="EDEDED"/>
+          </a:solidFill>
+        </p:spPr>
+      </p:pic>
+      <p:pic>
+        <p:nvPicPr>
+          <p:cNvPr id="1192" name="그림 7" descr="C:/Users/Admin1/AppData/Roaming/PolarisOffice/ETemp/11640_19028160/fImage383131498467.png"/>
           <p:cNvPicPr>
             <a:picLocks noChangeAspect="1"/>
           </p:cNvPicPr>
@@ -11511,8 +14538,8 @@
         </p:blipFill>
         <p:spPr>
           <a:xfrm rot="0">
-            <a:off x="6829425" y="3087370"/>
-            <a:ext cx="4128135" cy="909955"/>
+            <a:off x="1249045" y="4125595"/>
+            <a:ext cx="4126865" cy="991235"/>
           </a:xfrm>
           <a:prstGeom prst="roundRect"/>
           <a:solidFill>
@@ -11520,39 +14547,280 @@
           </a:solidFill>
         </p:spPr>
       </p:pic>
-      <p:cxnSp>
-        <p:nvCxnSpPr>
-          <p:cNvPr id="1190" name="도형 43"/>
-          <p:cNvCxnSpPr/>
+      <p:sp>
+        <p:nvSpPr>
+          <p:cNvPr id="1193" name="텍스트 상자 10"/>
+          <p:cNvSpPr txBox="1">
+            <a:spLocks/>
+          </p:cNvSpPr>
           <p:nvPr/>
-        </p:nvCxnSpPr>
-        <p:spPr>
-          <a:xfrm rot="0" flipV="1">
-            <a:off x="10508615" y="1670685"/>
-            <a:ext cx="336550" cy="1628775"/>
-          </a:xfrm>
-          <a:prstGeom prst="straightConnector1"/>
-          <a:ln w="6350" cap="flat" cmpd="sng">
+        </p:nvSpPr>
+        <p:spPr>
+          <a:xfrm rot="0">
+            <a:off x="1243330" y="5182870"/>
+            <a:ext cx="4135120" cy="954405"/>
+          </a:xfrm>
+          <a:prstGeom prst="rect"/>
+          <a:noFill/>
+          <a:ln w="0">
+            <a:noFill/>
             <a:prstDash/>
-            <a:headEnd type="none" w="med" len="med"/>
-            <a:tailEnd type="triangle" w="med" len="med"/>
           </a:ln>
         </p:spPr>
-        <p:style>
-          <a:lnRef idx="1">
-            <a:schemeClr val="accent1"/>
-          </a:lnRef>
-          <a:fillRef idx="0">
-            <a:schemeClr val="accent1"/>
-          </a:fillRef>
-          <a:effectRef idx="0">
-            <a:schemeClr val="accent1"/>
-          </a:effectRef>
-          <a:fontRef idx="minor">
-            <a:schemeClr val="tx1"/>
-          </a:fontRef>
-        </p:style>
-      </p:cxnSp>
+        <p:txBody>
+          <a:bodyPr wrap="square" lIns="89535" tIns="46355" rIns="89535" bIns="46355" numCol="1" vert="horz" anchor="t">
+            <a:spAutoFit/>
+          </a:bodyPr>
+          <a:lstStyle/>
+          <a:p>
+            <a:pPr marL="0" indent="0" algn="l" latinLnBrk="0" hangingPunct="1">
+              <a:buFontTx/>
+              <a:buNone/>
+            </a:pPr>
+            <a:r>
+              <a:rPr lang="ko-KR" sz="2000" b="1">
+                <a:solidFill>
+                  <a:srgbClr val="0611F2"/>
+                </a:solidFill>
+                <a:latin typeface="맑은 고딕" charset="0"/>
+                <a:ea typeface="맑은 고딕" charset="0"/>
+              </a:rPr>
+              <a:t>22.</a:t>
+            </a:r>
+            <a:r>
+              <a:rPr lang="ko-KR" sz="2000" b="1">
+                <a:solidFill>
+                  <a:srgbClr val="0611F2"/>
+                </a:solidFill>
+                <a:latin typeface="맑은 고딕" charset="0"/>
+                <a:ea typeface="맑은 고딕" charset="0"/>
+              </a:rPr>
+              <a:t> </a:t>
+            </a:r>
+            <a:r>
+              <a:rPr lang="ko-KR" sz="1800">
+                <a:latin typeface="맑은 고딕" charset="0"/>
+                <a:ea typeface="맑은 고딕" charset="0"/>
+              </a:rPr>
+              <a:t>그리고 StartAnimation(string)</a:t>
+            </a:r>
+            <a:r>
+              <a:rPr lang="ko-KR" sz="1800">
+                <a:latin typeface="맑은 고딕" charset="0"/>
+                <a:ea typeface="맑은 고딕" charset="0"/>
+              </a:rPr>
+              <a:t> </a:t>
+            </a:r>
+            <a:r>
+              <a:rPr lang="ko-KR" sz="1800">
+                <a:latin typeface="맑은 고딕" charset="0"/>
+                <a:ea typeface="맑은 고딕" charset="0"/>
+              </a:rPr>
+              <a:t>함수</a:t>
+            </a:r>
+            <a:r>
+              <a:rPr lang="ko-KR" sz="1800">
+                <a:latin typeface="맑은 고딕" charset="0"/>
+                <a:ea typeface="맑은 고딕" charset="0"/>
+              </a:rPr>
+              <a:t>를</a:t>
+            </a:r>
+            <a:r>
+              <a:rPr lang="ko-KR" sz="1800">
+                <a:latin typeface="맑은 고딕" charset="0"/>
+                <a:ea typeface="맑은 고딕" charset="0"/>
+              </a:rPr>
+              <a:t> </a:t>
+            </a:r>
+            <a:r>
+              <a:rPr lang="ko-KR" sz="1800">
+                <a:latin typeface="맑은 고딕" charset="0"/>
+                <a:ea typeface="맑은 고딕" charset="0"/>
+              </a:rPr>
+              <a:t>선언하고 CrossFade( ) 함수를 </a:t>
+            </a:r>
+            <a:r>
+              <a:rPr lang="ko-KR" sz="1800">
+                <a:latin typeface="맑은 고딕" charset="0"/>
+                <a:ea typeface="맑은 고딕" charset="0"/>
+              </a:rPr>
+              <a:t>호출합니</a:t>
+            </a:r>
+            <a:r>
+              <a:rPr lang="ko-KR" sz="1800">
+                <a:latin typeface="맑은 고딕" charset="0"/>
+                <a:ea typeface="맑은 고딕" charset="0"/>
+              </a:rPr>
+              <a:t>다.</a:t>
+            </a:r>
+            <a:endParaRPr lang="ko-KR" altLang="en-US" sz="1800">
+              <a:latin typeface="맑은 고딕" charset="0"/>
+              <a:ea typeface="맑은 고딕" charset="0"/>
+            </a:endParaRPr>
+          </a:p>
+        </p:txBody>
+      </p:sp>
+      <p:pic>
+        <p:nvPicPr>
+          <p:cNvPr id="1194" name="그림 11" descr="C:/Users/Admin1/AppData/Roaming/PolarisOffice/ETemp/11640_19028160/fImage214221516334.png"/>
+          <p:cNvPicPr>
+            <a:picLocks noChangeAspect="1"/>
+          </p:cNvPicPr>
+          <p:nvPr/>
+        </p:nvPicPr>
+        <p:blipFill rotWithShape="1">
+          <a:blip r:embed="rId7" cstate="print">
+            <a:extLst>
+              <a:ext uri="{28A0092B-C50C-407E-A947-70E740481C1C}">
+                <a14:useLocalDpi xmlns:a14="http://schemas.microsoft.com/office/drawing/2010/main" val="0"/>
+              </a:ext>
+            </a:extLst>
+          </a:blip>
+          <a:stretch>
+            <a:fillRect/>
+          </a:stretch>
+        </p:blipFill>
+        <p:spPr>
+          <a:xfrm rot="0">
+            <a:off x="6822440" y="1437640"/>
+            <a:ext cx="2679065" cy="3558540"/>
+          </a:xfrm>
+          <a:prstGeom prst="roundRect"/>
+          <a:solidFill>
+            <a:srgbClr val="EDEDED"/>
+          </a:solidFill>
+        </p:spPr>
+      </p:pic>
+      <p:sp>
+        <p:nvSpPr>
+          <p:cNvPr id="1195" name="텍스트 상자 14"/>
+          <p:cNvSpPr txBox="1">
+            <a:spLocks/>
+          </p:cNvSpPr>
+          <p:nvPr/>
+        </p:nvSpPr>
+        <p:spPr>
+          <a:xfrm rot="0">
+            <a:off x="6810375" y="5185410"/>
+            <a:ext cx="4135120" cy="954405"/>
+          </a:xfrm>
+          <a:prstGeom prst="rect"/>
+          <a:noFill/>
+          <a:ln w="0">
+            <a:noFill/>
+            <a:prstDash/>
+          </a:ln>
+        </p:spPr>
+        <p:txBody>
+          <a:bodyPr wrap="square" lIns="89535" tIns="46355" rIns="89535" bIns="46355" numCol="1" vert="horz" anchor="t">
+            <a:spAutoFit/>
+          </a:bodyPr>
+          <a:lstStyle/>
+          <a:p>
+            <a:pPr marL="0" indent="0" algn="l" latinLnBrk="0" hangingPunct="1">
+              <a:buFontTx/>
+              <a:buNone/>
+            </a:pPr>
+            <a:r>
+              <a:rPr lang="ko-KR" sz="2000" b="1">
+                <a:solidFill>
+                  <a:srgbClr val="0611F2"/>
+                </a:solidFill>
+                <a:latin typeface="맑은 고딕" charset="0"/>
+                <a:ea typeface="맑은 고딕" charset="0"/>
+              </a:rPr>
+              <a:t>23.</a:t>
+            </a:r>
+            <a:r>
+              <a:rPr lang="ko-KR" sz="2000" b="1">
+                <a:solidFill>
+                  <a:srgbClr val="0611F2"/>
+                </a:solidFill>
+                <a:latin typeface="맑은 고딕" charset="0"/>
+                <a:ea typeface="맑은 고딕" charset="0"/>
+              </a:rPr>
+              <a:t> </a:t>
+            </a:r>
+            <a:r>
+              <a:rPr lang="ko-KR" sz="1800">
+                <a:latin typeface="맑은 고딕" charset="0"/>
+                <a:ea typeface="맑은 고딕" charset="0"/>
+              </a:rPr>
+              <a:t>그런 다음 UI에서 Silder를 생성한 </a:t>
+            </a:r>
+            <a:r>
+              <a:rPr lang="ko-KR" sz="1800">
+                <a:latin typeface="맑은 고딕" charset="0"/>
+                <a:ea typeface="맑은 고딕" charset="0"/>
+              </a:rPr>
+              <a:t>다음</a:t>
+            </a:r>
+            <a:r>
+              <a:rPr lang="ko-KR" sz="1800">
+                <a:latin typeface="맑은 고딕" charset="0"/>
+                <a:ea typeface="맑은 고딕" charset="0"/>
+              </a:rPr>
+              <a:t> </a:t>
+            </a:r>
+            <a:r>
+              <a:rPr lang="ko-KR" sz="1800">
+                <a:latin typeface="맑은 고딕" charset="0"/>
+                <a:ea typeface="맑은 고딕" charset="0"/>
+              </a:rPr>
+              <a:t>CrossFade Slider라는 이름으로 </a:t>
+            </a:r>
+            <a:r>
+              <a:rPr lang="ko-KR" sz="1800">
+                <a:latin typeface="맑은 고딕" charset="0"/>
+                <a:ea typeface="맑은 고딕" charset="0"/>
+              </a:rPr>
+              <a:t>정의합니</a:t>
+            </a:r>
+            <a:r>
+              <a:rPr lang="ko-KR" sz="1800">
+                <a:latin typeface="맑은 고딕" charset="0"/>
+                <a:ea typeface="맑은 고딕" charset="0"/>
+              </a:rPr>
+              <a:t>다.</a:t>
+            </a:r>
+            <a:endParaRPr lang="ko-KR" altLang="en-US" sz="1800">
+              <a:latin typeface="맑은 고딕" charset="0"/>
+              <a:ea typeface="맑은 고딕" charset="0"/>
+            </a:endParaRPr>
+          </a:p>
+        </p:txBody>
+      </p:sp>
+      <p:pic>
+        <p:nvPicPr>
+          <p:cNvPr id="1196" name="그림 15" descr="C:/Users/Admin1/AppData/Roaming/PolarisOffice/ETemp/11640_19028160/fImage110941536500.png"/>
+          <p:cNvPicPr>
+            <a:picLocks noChangeAspect="1"/>
+          </p:cNvPicPr>
+          <p:nvPr/>
+        </p:nvPicPr>
+        <p:blipFill rotWithShape="1">
+          <a:blip r:embed="rId8" cstate="print">
+            <a:extLst>
+              <a:ext uri="{28A0092B-C50C-407E-A947-70E740481C1C}">
+                <a14:useLocalDpi xmlns:a14="http://schemas.microsoft.com/office/drawing/2010/main" val="0"/>
+              </a:ext>
+            </a:extLst>
+          </a:blip>
+          <a:stretch>
+            <a:fillRect/>
+          </a:stretch>
+        </p:blipFill>
+        <p:spPr>
+          <a:xfrm rot="0">
+            <a:off x="9622155" y="2251710"/>
+            <a:ext cx="1335405" cy="1960880"/>
+          </a:xfrm>
+          <a:prstGeom prst="roundRect"/>
+          <a:solidFill>
+            <a:srgbClr val="EDEDED"/>
+          </a:solidFill>
+        </p:spPr>
+      </p:pic>
     </p:spTree>
   </p:cSld>
   <p:clrMapOvr>
